--- a/Python_Workshop.pptx
+++ b/Python_Workshop.pptx
@@ -5,7 +5,7 @@
     <p:sldMasterId id="2147483648" r:id="rId1"/>
   </p:sldMasterIdLst>
   <p:notesMasterIdLst>
-    <p:notesMasterId r:id="rId16"/>
+    <p:notesMasterId r:id="rId18"/>
   </p:notesMasterIdLst>
   <p:sldIdLst>
     <p:sldId id="256" r:id="rId2"/>
@@ -18,10 +18,12 @@
     <p:sldId id="263" r:id="rId9"/>
     <p:sldId id="261" r:id="rId10"/>
     <p:sldId id="265" r:id="rId11"/>
-    <p:sldId id="266" r:id="rId12"/>
-    <p:sldId id="267" r:id="rId13"/>
-    <p:sldId id="268" r:id="rId14"/>
-    <p:sldId id="269" r:id="rId15"/>
+    <p:sldId id="271" r:id="rId12"/>
+    <p:sldId id="270" r:id="rId13"/>
+    <p:sldId id="266" r:id="rId14"/>
+    <p:sldId id="267" r:id="rId15"/>
+    <p:sldId id="268" r:id="rId16"/>
+    <p:sldId id="269" r:id="rId17"/>
   </p:sldIdLst>
   <p:sldSz cx="12192000" cy="6858000"/>
   <p:notesSz cx="6858000" cy="9144000"/>
@@ -665,6 +667,30 @@
           <a:lstStyle/>
           <a:p>
             <a:pPr algn="r" rtl="1"/>
+            <a:r>
+              <a:rPr lang="fa-IR" dirty="0" smtClean="0"/>
+              <a:t>با نصب پایتون از سایت رسمی، فقط محیط</a:t>
+            </a:r>
+            <a:r>
+              <a:rPr lang="fa-IR" baseline="0" dirty="0" smtClean="0"/>
+              <a:t> کدنویسی </a:t>
+            </a:r>
+            <a:r>
+              <a:rPr lang="en-US" baseline="0" dirty="0" smtClean="0"/>
+              <a:t>Shell</a:t>
+            </a:r>
+            <a:r>
+              <a:rPr lang="fa-IR" baseline="0" dirty="0" smtClean="0"/>
+              <a:t> و </a:t>
+            </a:r>
+            <a:r>
+              <a:rPr lang="en-US" baseline="0" dirty="0" smtClean="0"/>
+              <a:t>IDLE</a:t>
+            </a:r>
+            <a:r>
+              <a:rPr lang="fa-IR" baseline="0" dirty="0" smtClean="0"/>
+              <a:t> نصب خواهند شد.</a:t>
+            </a:r>
             <a:endParaRPr lang="en-US" dirty="0"/>
           </a:p>
         </p:txBody>
@@ -686,7 +712,7 @@
           <a:p>
             <a:fld id="{21047F32-E357-4BAC-9105-03C47BA3FBD8}" type="slidenum">
               <a:rPr lang="en-US" smtClean="0"/>
-              <a:t>11</a:t>
+              <a:t>9</a:t>
             </a:fld>
             <a:endParaRPr lang="en-US"/>
           </a:p>
@@ -695,7 +721,7 @@
     </p:spTree>
     <p:extLst>
       <p:ext uri="{BB962C8B-B14F-4D97-AF65-F5344CB8AC3E}">
-        <p14:creationId xmlns:p14="http://schemas.microsoft.com/office/powerpoint/2010/main" val="4152773897"/>
+        <p14:creationId xmlns:p14="http://schemas.microsoft.com/office/powerpoint/2010/main" val="2930054481"/>
       </p:ext>
     </p:extLst>
   </p:cSld>
@@ -770,7 +796,260 @@
           <a:p>
             <a:fld id="{21047F32-E357-4BAC-9105-03C47BA3FBD8}" type="slidenum">
               <a:rPr lang="en-US" smtClean="0"/>
+              <a:t>12</a:t>
+            </a:fld>
+            <a:endParaRPr lang="en-US"/>
+          </a:p>
+        </p:txBody>
+      </p:sp>
+    </p:spTree>
+    <p:extLst>
+      <p:ext uri="{BB962C8B-B14F-4D97-AF65-F5344CB8AC3E}">
+        <p14:creationId xmlns:p14="http://schemas.microsoft.com/office/powerpoint/2010/main" val="1591533762"/>
+      </p:ext>
+    </p:extLst>
+  </p:cSld>
+  <p:clrMapOvr>
+    <a:masterClrMapping/>
+  </p:clrMapOvr>
+</p:notes>
+</file>
+
+<file path=ppt/notesSlides/notesSlide4.xml><?xml version="1.0" encoding="utf-8"?>
+<p:notes xmlns:a="http://schemas.openxmlformats.org/drawingml/2006/main" xmlns:r="http://schemas.openxmlformats.org/officeDocument/2006/relationships" xmlns:p="http://schemas.openxmlformats.org/presentationml/2006/main">
+  <p:cSld>
+    <p:spTree>
+      <p:nvGrpSpPr>
+        <p:cNvPr id="1" name=""/>
+        <p:cNvGrpSpPr/>
+        <p:nvPr/>
+      </p:nvGrpSpPr>
+      <p:grpSpPr>
+        <a:xfrm>
+          <a:off x="0" y="0"/>
+          <a:ext cx="0" cy="0"/>
+          <a:chOff x="0" y="0"/>
+          <a:chExt cx="0" cy="0"/>
+        </a:xfrm>
+      </p:grpSpPr>
+      <p:sp>
+        <p:nvSpPr>
+          <p:cNvPr id="2" name="Slide Image Placeholder 1"/>
+          <p:cNvSpPr>
+            <a:spLocks noGrp="1" noRot="1" noChangeAspect="1"/>
+          </p:cNvSpPr>
+          <p:nvPr>
+            <p:ph type="sldImg"/>
+          </p:nvPr>
+        </p:nvSpPr>
+        <p:spPr/>
+      </p:sp>
+      <p:sp>
+        <p:nvSpPr>
+          <p:cNvPr id="3" name="Notes Placeholder 2"/>
+          <p:cNvSpPr>
+            <a:spLocks noGrp="1"/>
+          </p:cNvSpPr>
+          <p:nvPr>
+            <p:ph type="body" idx="1"/>
+          </p:nvPr>
+        </p:nvSpPr>
+        <p:spPr/>
+        <p:txBody>
+          <a:bodyPr/>
+          <a:lstStyle/>
+          <a:p>
+            <a:pPr algn="r" rtl="1"/>
+            <a:endParaRPr lang="en-US" dirty="0"/>
+          </a:p>
+        </p:txBody>
+      </p:sp>
+      <p:sp>
+        <p:nvSpPr>
+          <p:cNvPr id="4" name="Slide Number Placeholder 3"/>
+          <p:cNvSpPr>
+            <a:spLocks noGrp="1"/>
+          </p:cNvSpPr>
+          <p:nvPr>
+            <p:ph type="sldNum" sz="quarter" idx="10"/>
+          </p:nvPr>
+        </p:nvSpPr>
+        <p:spPr/>
+        <p:txBody>
+          <a:bodyPr/>
+          <a:lstStyle/>
+          <a:p>
+            <a:fld id="{21047F32-E357-4BAC-9105-03C47BA3FBD8}" type="slidenum">
+              <a:rPr lang="en-US" smtClean="0"/>
+              <a:t>13</a:t>
+            </a:fld>
+            <a:endParaRPr lang="en-US"/>
+          </a:p>
+        </p:txBody>
+      </p:sp>
+    </p:spTree>
+    <p:extLst>
+      <p:ext uri="{BB962C8B-B14F-4D97-AF65-F5344CB8AC3E}">
+        <p14:creationId xmlns:p14="http://schemas.microsoft.com/office/powerpoint/2010/main" val="4152773897"/>
+      </p:ext>
+    </p:extLst>
+  </p:cSld>
+  <p:clrMapOvr>
+    <a:masterClrMapping/>
+  </p:clrMapOvr>
+</p:notes>
+</file>
+
+<file path=ppt/notesSlides/notesSlide5.xml><?xml version="1.0" encoding="utf-8"?>
+<p:notes xmlns:a="http://schemas.openxmlformats.org/drawingml/2006/main" xmlns:r="http://schemas.openxmlformats.org/officeDocument/2006/relationships" xmlns:p="http://schemas.openxmlformats.org/presentationml/2006/main">
+  <p:cSld>
+    <p:spTree>
+      <p:nvGrpSpPr>
+        <p:cNvPr id="1" name=""/>
+        <p:cNvGrpSpPr/>
+        <p:nvPr/>
+      </p:nvGrpSpPr>
+      <p:grpSpPr>
+        <a:xfrm>
+          <a:off x="0" y="0"/>
+          <a:ext cx="0" cy="0"/>
+          <a:chOff x="0" y="0"/>
+          <a:chExt cx="0" cy="0"/>
+        </a:xfrm>
+      </p:grpSpPr>
+      <p:sp>
+        <p:nvSpPr>
+          <p:cNvPr id="2" name="Slide Image Placeholder 1"/>
+          <p:cNvSpPr>
+            <a:spLocks noGrp="1" noRot="1" noChangeAspect="1"/>
+          </p:cNvSpPr>
+          <p:nvPr>
+            <p:ph type="sldImg"/>
+          </p:nvPr>
+        </p:nvSpPr>
+        <p:spPr/>
+      </p:sp>
+      <p:sp>
+        <p:nvSpPr>
+          <p:cNvPr id="3" name="Notes Placeholder 2"/>
+          <p:cNvSpPr>
+            <a:spLocks noGrp="1"/>
+          </p:cNvSpPr>
+          <p:nvPr>
+            <p:ph type="body" idx="1"/>
+          </p:nvPr>
+        </p:nvSpPr>
+        <p:spPr/>
+        <p:txBody>
+          <a:bodyPr/>
+          <a:lstStyle/>
+          <a:p>
+            <a:endParaRPr lang="en-US" dirty="0"/>
+          </a:p>
+        </p:txBody>
+      </p:sp>
+      <p:sp>
+        <p:nvSpPr>
+          <p:cNvPr id="4" name="Slide Number Placeholder 3"/>
+          <p:cNvSpPr>
+            <a:spLocks noGrp="1"/>
+          </p:cNvSpPr>
+          <p:nvPr>
+            <p:ph type="sldNum" sz="quarter" idx="10"/>
+          </p:nvPr>
+        </p:nvSpPr>
+        <p:spPr/>
+        <p:txBody>
+          <a:bodyPr/>
+          <a:lstStyle/>
+          <a:p>
+            <a:fld id="{21047F32-E357-4BAC-9105-03C47BA3FBD8}" type="slidenum">
+              <a:rPr lang="en-US" smtClean="0"/>
               <a:t>14</a:t>
+            </a:fld>
+            <a:endParaRPr lang="en-US"/>
+          </a:p>
+        </p:txBody>
+      </p:sp>
+    </p:spTree>
+    <p:extLst>
+      <p:ext uri="{BB962C8B-B14F-4D97-AF65-F5344CB8AC3E}">
+        <p14:creationId xmlns:p14="http://schemas.microsoft.com/office/powerpoint/2010/main" val="2605635945"/>
+      </p:ext>
+    </p:extLst>
+  </p:cSld>
+  <p:clrMapOvr>
+    <a:masterClrMapping/>
+  </p:clrMapOvr>
+</p:notes>
+</file>
+
+<file path=ppt/notesSlides/notesSlide6.xml><?xml version="1.0" encoding="utf-8"?>
+<p:notes xmlns:a="http://schemas.openxmlformats.org/drawingml/2006/main" xmlns:r="http://schemas.openxmlformats.org/officeDocument/2006/relationships" xmlns:p="http://schemas.openxmlformats.org/presentationml/2006/main">
+  <p:cSld>
+    <p:spTree>
+      <p:nvGrpSpPr>
+        <p:cNvPr id="1" name=""/>
+        <p:cNvGrpSpPr/>
+        <p:nvPr/>
+      </p:nvGrpSpPr>
+      <p:grpSpPr>
+        <a:xfrm>
+          <a:off x="0" y="0"/>
+          <a:ext cx="0" cy="0"/>
+          <a:chOff x="0" y="0"/>
+          <a:chExt cx="0" cy="0"/>
+        </a:xfrm>
+      </p:grpSpPr>
+      <p:sp>
+        <p:nvSpPr>
+          <p:cNvPr id="2" name="Slide Image Placeholder 1"/>
+          <p:cNvSpPr>
+            <a:spLocks noGrp="1" noRot="1" noChangeAspect="1"/>
+          </p:cNvSpPr>
+          <p:nvPr>
+            <p:ph type="sldImg"/>
+          </p:nvPr>
+        </p:nvSpPr>
+        <p:spPr/>
+      </p:sp>
+      <p:sp>
+        <p:nvSpPr>
+          <p:cNvPr id="3" name="Notes Placeholder 2"/>
+          <p:cNvSpPr>
+            <a:spLocks noGrp="1"/>
+          </p:cNvSpPr>
+          <p:nvPr>
+            <p:ph type="body" idx="1"/>
+          </p:nvPr>
+        </p:nvSpPr>
+        <p:spPr/>
+        <p:txBody>
+          <a:bodyPr/>
+          <a:lstStyle/>
+          <a:p>
+            <a:endParaRPr lang="en-US" dirty="0"/>
+          </a:p>
+        </p:txBody>
+      </p:sp>
+      <p:sp>
+        <p:nvSpPr>
+          <p:cNvPr id="4" name="Slide Number Placeholder 3"/>
+          <p:cNvSpPr>
+            <a:spLocks noGrp="1"/>
+          </p:cNvSpPr>
+          <p:nvPr>
+            <p:ph type="sldNum" sz="quarter" idx="10"/>
+          </p:nvPr>
+        </p:nvSpPr>
+        <p:spPr/>
+        <p:txBody>
+          <a:bodyPr/>
+          <a:lstStyle/>
+          <a:p>
+            <a:fld id="{21047F32-E357-4BAC-9105-03C47BA3FBD8}" type="slidenum">
+              <a:rPr lang="en-US" smtClean="0"/>
+              <a:t>16</a:t>
             </a:fld>
             <a:endParaRPr lang="en-US"/>
           </a:p>
@@ -5198,49 +5477,88 @@
             </a:endParaRPr>
           </a:p>
           <a:p>
-            <a:pPr marL="324000" lvl="1" indent="0" algn="ctr">
+            <a:pPr marL="0" indent="0">
               <a:buNone/>
             </a:pPr>
+            <a:endParaRPr lang="en-US" dirty="0" smtClean="0">
+              <a:sym typeface="Wingdings" panose="05000000000000000000" pitchFamily="2" charset="2"/>
+            </a:endParaRPr>
+          </a:p>
+          <a:p>
+            <a:pPr marL="0" indent="0">
+              <a:buNone/>
+            </a:pPr>
+            <a:endParaRPr lang="en-US" dirty="0" smtClean="0">
+              <a:sym typeface="Wingdings" panose="05000000000000000000" pitchFamily="2" charset="2"/>
+            </a:endParaRPr>
+          </a:p>
+          <a:p>
+            <a:pPr marL="0" indent="0">
+              <a:buNone/>
+            </a:pPr>
+            <a:endParaRPr lang="fa-IR" dirty="0">
+              <a:sym typeface="Wingdings" panose="05000000000000000000" pitchFamily="2" charset="2"/>
+            </a:endParaRPr>
+          </a:p>
+          <a:p>
+            <a:r>
+              <a:rPr lang="fa-IR" dirty="0" smtClean="0">
+                <a:sym typeface="Wingdings" panose="05000000000000000000" pitchFamily="2" charset="2"/>
+              </a:rPr>
+              <a:t>پکیج </a:t>
+            </a:r>
             <a:r>
               <a:rPr lang="en-US" dirty="0" smtClean="0">
                 <a:sym typeface="Wingdings" panose="05000000000000000000" pitchFamily="2" charset="2"/>
               </a:rPr>
-              <a:t>Screenshot of python.org download page</a:t>
-            </a:r>
-            <a:endParaRPr lang="fa-IR" dirty="0" smtClean="0">
-              <a:sym typeface="Wingdings" panose="05000000000000000000" pitchFamily="2" charset="2"/>
-            </a:endParaRPr>
-          </a:p>
-          <a:p>
+              <a:t>Anaconda</a:t>
+            </a:r>
             <a:r>
               <a:rPr lang="fa-IR" dirty="0" smtClean="0">
                 <a:sym typeface="Wingdings" panose="05000000000000000000" pitchFamily="2" charset="2"/>
               </a:rPr>
-              <a:t>نسخه های </a:t>
+              <a:t> به صورت رایگان از سایت رسمی آن</a:t>
             </a:r>
             <a:r>
               <a:rPr lang="en-US" dirty="0" smtClean="0">
                 <a:sym typeface="Wingdings" panose="05000000000000000000" pitchFamily="2" charset="2"/>
               </a:rPr>
-              <a:t>2.x</a:t>
-            </a:r>
+              <a:t/>
+            </a:r>
+            <a:br>
+              <a:rPr lang="en-US" dirty="0" smtClean="0">
+                <a:sym typeface="Wingdings" panose="05000000000000000000" pitchFamily="2" charset="2"/>
+              </a:rPr>
+            </a:br>
             <a:r>
               <a:rPr lang="fa-IR" dirty="0" smtClean="0">
                 <a:sym typeface="Wingdings" panose="05000000000000000000" pitchFamily="2" charset="2"/>
               </a:rPr>
-              <a:t> و </a:t>
-            </a:r>
-            <a:r>
-              <a:rPr lang="en-US" dirty="0" smtClean="0">
-                <a:sym typeface="Wingdings" panose="05000000000000000000" pitchFamily="2" charset="2"/>
-              </a:rPr>
-              <a:t>3.x</a:t>
+              <a:t>(</a:t>
+            </a:r>
+            <a:r>
+              <a:rPr lang="en-US" dirty="0">
+                <a:hlinkClick r:id="rId2"/>
+              </a:rPr>
+              <a:t>https://</a:t>
+            </a:r>
+            <a:r>
+              <a:rPr lang="en-US" dirty="0">
+                <a:hlinkClick r:id="rId2"/>
+              </a:rPr>
+              <a:t>www.anaconda.com</a:t>
+            </a:r>
+            <a:r>
+              <a:rPr lang="en-US" dirty="0">
+                <a:hlinkClick r:id="rId2"/>
+              </a:rPr>
+              <a:t>/</a:t>
             </a:r>
             <a:r>
               <a:rPr lang="fa-IR" dirty="0" smtClean="0">
                 <a:sym typeface="Wingdings" panose="05000000000000000000" pitchFamily="2" charset="2"/>
               </a:rPr>
-              <a:t> هم در ساختار کدنویسی و هم در ویژگی ها و ساختار درونی با هم تفاوت دارند.</a:t>
+              <a:t>) قابل دانلود است.</a:t>
             </a:r>
             <a:endParaRPr lang="en-US" dirty="0" smtClean="0">
               <a:sym typeface="Wingdings" panose="05000000000000000000" pitchFamily="2" charset="2"/>
@@ -5300,6 +5618,53 @@
           </a:p>
         </p:txBody>
       </p:sp>
+      <p:pic>
+        <p:nvPicPr>
+          <p:cNvPr id="6" name="Picture 5"/>
+          <p:cNvPicPr>
+            <a:picLocks noChangeAspect="1"/>
+          </p:cNvPicPr>
+          <p:nvPr/>
+        </p:nvPicPr>
+        <p:blipFill>
+          <a:blip r:embed="rId3">
+            <a:extLst>
+              <a:ext uri="{BEBA8EAE-BF5A-486C-A8C5-ECC9F3942E4B}">
+                <a14:imgProps xmlns:a14="http://schemas.microsoft.com/office/drawing/2010/main">
+                  <a14:imgLayer r:embed="rId4">
+                    <a14:imgEffect>
+                      <a14:sharpenSoften amount="25000"/>
+                    </a14:imgEffect>
+                  </a14:imgLayer>
+                </a14:imgProps>
+              </a:ext>
+            </a:extLst>
+          </a:blip>
+          <a:stretch>
+            <a:fillRect/>
+          </a:stretch>
+        </p:blipFill>
+        <p:spPr>
+          <a:xfrm>
+            <a:off x="581192" y="3467428"/>
+            <a:ext cx="4856813" cy="2391372"/>
+          </a:xfrm>
+          <a:prstGeom prst="roundRect">
+            <a:avLst>
+              <a:gd name="adj" fmla="val 8594"/>
+            </a:avLst>
+          </a:prstGeom>
+          <a:solidFill>
+            <a:srgbClr val="FFFFFF">
+              <a:shade val="85000"/>
+            </a:srgbClr>
+          </a:solidFill>
+          <a:ln>
+            <a:noFill/>
+          </a:ln>
+          <a:effectLst/>
+        </p:spPr>
+      </p:pic>
     </p:spTree>
     <p:extLst>
       <p:ext uri="{BB962C8B-B14F-4D97-AF65-F5344CB8AC3E}">
@@ -5325,7 +5690,135 @@
   <p:timing>
     <p:tnLst>
       <p:par>
-        <p:cTn id="1" dur="indefinite" restart="never" nodeType="tmRoot"/>
+        <p:cTn id="1" dur="indefinite" restart="never" nodeType="tmRoot">
+          <p:childTnLst>
+            <p:seq concurrent="1" nextAc="seek">
+              <p:cTn id="2" dur="indefinite" nodeType="mainSeq">
+                <p:childTnLst>
+                  <p:par>
+                    <p:cTn id="3" fill="hold">
+                      <p:stCondLst>
+                        <p:cond delay="indefinite"/>
+                      </p:stCondLst>
+                      <p:childTnLst>
+                        <p:par>
+                          <p:cTn id="4" fill="hold">
+                            <p:stCondLst>
+                              <p:cond delay="0"/>
+                            </p:stCondLst>
+                            <p:childTnLst>
+                              <p:par>
+                                <p:cTn id="5" presetID="22" presetClass="entr" presetSubtype="2" fill="hold" nodeType="clickEffect">
+                                  <p:stCondLst>
+                                    <p:cond delay="0"/>
+                                  </p:stCondLst>
+                                  <p:childTnLst>
+                                    <p:set>
+                                      <p:cBhvr>
+                                        <p:cTn id="6" dur="1" fill="hold">
+                                          <p:stCondLst>
+                                            <p:cond delay="0"/>
+                                          </p:stCondLst>
+                                        </p:cTn>
+                                        <p:tgtEl>
+                                          <p:spTgt spid="3">
+                                            <p:txEl>
+                                              <p:pRg st="6" end="6"/>
+                                            </p:txEl>
+                                          </p:spTgt>
+                                        </p:tgtEl>
+                                        <p:attrNameLst>
+                                          <p:attrName>style.visibility</p:attrName>
+                                        </p:attrNameLst>
+                                      </p:cBhvr>
+                                      <p:to>
+                                        <p:strVal val="visible"/>
+                                      </p:to>
+                                    </p:set>
+                                    <p:animEffect transition="in" filter="wipe(right)">
+                                      <p:cBhvr>
+                                        <p:cTn id="7" dur="500"/>
+                                        <p:tgtEl>
+                                          <p:spTgt spid="3">
+                                            <p:txEl>
+                                              <p:pRg st="6" end="6"/>
+                                            </p:txEl>
+                                          </p:spTgt>
+                                        </p:tgtEl>
+                                      </p:cBhvr>
+                                    </p:animEffect>
+                                  </p:childTnLst>
+                                </p:cTn>
+                              </p:par>
+                            </p:childTnLst>
+                          </p:cTn>
+                        </p:par>
+                        <p:par>
+                          <p:cTn id="8" fill="hold">
+                            <p:stCondLst>
+                              <p:cond delay="500"/>
+                            </p:stCondLst>
+                            <p:childTnLst>
+                              <p:par>
+                                <p:cTn id="9" presetID="22" presetClass="entr" presetSubtype="2" fill="hold" nodeType="afterEffect">
+                                  <p:stCondLst>
+                                    <p:cond delay="0"/>
+                                  </p:stCondLst>
+                                  <p:childTnLst>
+                                    <p:set>
+                                      <p:cBhvr>
+                                        <p:cTn id="10" dur="1" fill="hold">
+                                          <p:stCondLst>
+                                            <p:cond delay="0"/>
+                                          </p:stCondLst>
+                                        </p:cTn>
+                                        <p:tgtEl>
+                                          <p:spTgt spid="6"/>
+                                        </p:tgtEl>
+                                        <p:attrNameLst>
+                                          <p:attrName>style.visibility</p:attrName>
+                                        </p:attrNameLst>
+                                      </p:cBhvr>
+                                      <p:to>
+                                        <p:strVal val="visible"/>
+                                      </p:to>
+                                    </p:set>
+                                    <p:animEffect transition="in" filter="wipe(right)">
+                                      <p:cBhvr>
+                                        <p:cTn id="11" dur="500"/>
+                                        <p:tgtEl>
+                                          <p:spTgt spid="6"/>
+                                        </p:tgtEl>
+                                      </p:cBhvr>
+                                    </p:animEffect>
+                                  </p:childTnLst>
+                                </p:cTn>
+                              </p:par>
+                            </p:childTnLst>
+                          </p:cTn>
+                        </p:par>
+                      </p:childTnLst>
+                    </p:cTn>
+                  </p:par>
+                </p:childTnLst>
+              </p:cTn>
+              <p:prevCondLst>
+                <p:cond evt="onPrev" delay="0">
+                  <p:tgtEl>
+                    <p:sldTgt/>
+                  </p:tgtEl>
+                </p:cond>
+              </p:prevCondLst>
+              <p:nextCondLst>
+                <p:cond evt="onNext" delay="0">
+                  <p:tgtEl>
+                    <p:sldTgt/>
+                  </p:tgtEl>
+                </p:cond>
+              </p:nextCondLst>
+            </p:seq>
+          </p:childTnLst>
+        </p:cTn>
       </p:par>
     </p:tnLst>
   </p:timing>
@@ -5366,11 +5859,7 @@
           <a:p>
             <a:r>
               <a:rPr lang="fa-IR" dirty="0" smtClean="0"/>
-              <a:t>شروع کدنویسی </a:t>
-            </a:r>
-            <a:r>
-              <a:rPr lang="en-US" cap="none" dirty="0" smtClean="0"/>
-              <a:t>Hello World!</a:t>
+              <a:t>افزودن پایتون به مسیرهای ویندوز</a:t>
             </a:r>
             <a:endParaRPr lang="en-US" dirty="0"/>
           </a:p>
@@ -5391,287 +5880,19 @@
           <a:bodyPr/>
           <a:lstStyle/>
           <a:p>
-            <a:pPr marL="0" indent="0" algn="l">
-              <a:buNone/>
-            </a:pPr>
-            <a:r>
-              <a:rPr lang="fa-IR" b="1" dirty="0" smtClean="0">
-                <a:solidFill>
-                  <a:schemeClr val="tx1"/>
-                </a:solidFill>
-                <a:latin typeface="Verdana" panose="020B0604030504040204" pitchFamily="34" charset="0"/>
-                <a:ea typeface="Verdana" panose="020B0604030504040204" pitchFamily="34" charset="0"/>
-              </a:rPr>
-              <a:t>دستورات</a:t>
-            </a:r>
-            <a:endParaRPr lang="en-US" sz="1600" b="1" dirty="0" smtClean="0">
-              <a:solidFill>
-                <a:schemeClr val="tx1"/>
-              </a:solidFill>
-              <a:latin typeface="Verdana" panose="020B0604030504040204" pitchFamily="34" charset="0"/>
-              <a:ea typeface="Verdana" panose="020B0604030504040204" pitchFamily="34" charset="0"/>
-            </a:endParaRPr>
-          </a:p>
-          <a:p>
-            <a:pPr marL="0" indent="0" algn="l" rtl="0">
-              <a:buNone/>
-            </a:pPr>
-            <a:r>
-              <a:rPr lang="en-US" sz="1200" dirty="0" smtClean="0">
-                <a:solidFill>
-                  <a:schemeClr val="bg2">
-                    <a:lumMod val="50000"/>
-                  </a:schemeClr>
-                </a:solidFill>
-                <a:latin typeface="Verdana" panose="020B0604030504040204" pitchFamily="34" charset="0"/>
-                <a:ea typeface="Verdana" panose="020B0604030504040204" pitchFamily="34" charset="0"/>
-                <a:cs typeface="Courier New" panose="02070309020205020404" pitchFamily="49" charset="0"/>
-              </a:rPr>
-              <a:t>	&gt;&gt;</a:t>
-            </a:r>
-            <a:r>
-              <a:rPr lang="en-US" sz="1600" dirty="0" smtClean="0">
-                <a:solidFill>
-                  <a:srgbClr val="7030A0"/>
-                </a:solidFill>
-                <a:latin typeface="Verdana" panose="020B0604030504040204" pitchFamily="34" charset="0"/>
-                <a:ea typeface="Verdana" panose="020B0604030504040204" pitchFamily="34" charset="0"/>
-                <a:cs typeface="Courier New" panose="02070309020205020404" pitchFamily="49" charset="0"/>
-              </a:rPr>
-              <a:t> </a:t>
-            </a:r>
-            <a:r>
-              <a:rPr lang="en-US" sz="1600" dirty="0" smtClean="0">
-                <a:solidFill>
-                  <a:srgbClr val="0070C0"/>
-                </a:solidFill>
-                <a:latin typeface="Verdana" panose="020B0604030504040204" pitchFamily="34" charset="0"/>
-                <a:ea typeface="Verdana" panose="020B0604030504040204" pitchFamily="34" charset="0"/>
-                <a:cs typeface="Courier New" panose="02070309020205020404" pitchFamily="49" charset="0"/>
-              </a:rPr>
-              <a:t>Print</a:t>
-            </a:r>
-            <a:r>
-              <a:rPr lang="en-US" sz="1600" dirty="0" smtClean="0">
-                <a:latin typeface="Verdana" panose="020B0604030504040204" pitchFamily="34" charset="0"/>
-                <a:ea typeface="Verdana" panose="020B0604030504040204" pitchFamily="34" charset="0"/>
-                <a:cs typeface="Courier New" panose="02070309020205020404" pitchFamily="49" charset="0"/>
-              </a:rPr>
-              <a:t>(‘</a:t>
-            </a:r>
-            <a:r>
-              <a:rPr lang="en-US" sz="1600" dirty="0" smtClean="0">
-                <a:solidFill>
-                  <a:schemeClr val="accent6"/>
-                </a:solidFill>
-                <a:latin typeface="Verdana" panose="020B0604030504040204" pitchFamily="34" charset="0"/>
-                <a:ea typeface="Verdana" panose="020B0604030504040204" pitchFamily="34" charset="0"/>
-                <a:cs typeface="Courier New" panose="02070309020205020404" pitchFamily="49" charset="0"/>
-              </a:rPr>
-              <a:t>Hello World</a:t>
-            </a:r>
-            <a:r>
-              <a:rPr lang="en-US" sz="1600" dirty="0" smtClean="0">
-                <a:latin typeface="Verdana" panose="020B0604030504040204" pitchFamily="34" charset="0"/>
-                <a:ea typeface="Verdana" panose="020B0604030504040204" pitchFamily="34" charset="0"/>
-                <a:cs typeface="Courier New" panose="02070309020205020404" pitchFamily="49" charset="0"/>
-              </a:rPr>
-              <a:t>’)</a:t>
-            </a:r>
-          </a:p>
-          <a:p>
-            <a:pPr marL="0" indent="0" algn="l" rtl="0">
-              <a:buNone/>
-            </a:pPr>
-            <a:endParaRPr lang="en-US" sz="1600" dirty="0" smtClean="0">
-              <a:latin typeface="Verdana" panose="020B0604030504040204" pitchFamily="34" charset="0"/>
-              <a:ea typeface="Verdana" panose="020B0604030504040204" pitchFamily="34" charset="0"/>
-              <a:cs typeface="Courier New" panose="02070309020205020404" pitchFamily="49" charset="0"/>
-            </a:endParaRPr>
-          </a:p>
-          <a:p>
-            <a:pPr marL="0" indent="0" algn="l">
-              <a:buNone/>
-            </a:pPr>
-            <a:r>
-              <a:rPr lang="fa-IR" b="1" dirty="0" smtClean="0">
-                <a:latin typeface="Verdana" panose="020B0604030504040204" pitchFamily="34" charset="0"/>
-                <a:ea typeface="Verdana" panose="020B0604030504040204" pitchFamily="34" charset="0"/>
-              </a:rPr>
-              <a:t>کامنت ها</a:t>
-            </a:r>
-            <a:endParaRPr lang="en-US" b="1" dirty="0" smtClean="0">
-              <a:latin typeface="Verdana" panose="020B0604030504040204" pitchFamily="34" charset="0"/>
-              <a:ea typeface="Verdana" panose="020B0604030504040204" pitchFamily="34" charset="0"/>
-            </a:endParaRPr>
-          </a:p>
-          <a:p>
-            <a:pPr marL="0" indent="0" algn="l" rtl="0">
-              <a:buNone/>
-            </a:pPr>
-            <a:r>
-              <a:rPr lang="en-US" sz="1400" dirty="0">
-                <a:solidFill>
-                  <a:schemeClr val="accent6"/>
-                </a:solidFill>
-                <a:latin typeface="Verdana" panose="020B0604030504040204" pitchFamily="34" charset="0"/>
-                <a:ea typeface="Verdana" panose="020B0604030504040204" pitchFamily="34" charset="0"/>
-                <a:cs typeface="Courier New" panose="02070309020205020404" pitchFamily="49" charset="0"/>
-              </a:rPr>
-              <a:t>	</a:t>
-            </a:r>
-            <a:r>
-              <a:rPr lang="en-US" sz="1400" dirty="0" smtClean="0">
-                <a:solidFill>
-                  <a:schemeClr val="accent6"/>
-                </a:solidFill>
-                <a:latin typeface="Verdana" panose="020B0604030504040204" pitchFamily="34" charset="0"/>
-                <a:ea typeface="Verdana" panose="020B0604030504040204" pitchFamily="34" charset="0"/>
-                <a:cs typeface="Courier New" panose="02070309020205020404" pitchFamily="49" charset="0"/>
-              </a:rPr>
-              <a:t># One line comment</a:t>
-            </a:r>
-          </a:p>
-          <a:p>
-            <a:pPr marL="0" indent="0" algn="l" rtl="0">
-              <a:buNone/>
-            </a:pPr>
-            <a:r>
-              <a:rPr lang="en-US" sz="1600" dirty="0">
-                <a:solidFill>
-                  <a:schemeClr val="accent6"/>
-                </a:solidFill>
-                <a:latin typeface="Verdana" panose="020B0604030504040204" pitchFamily="34" charset="0"/>
-                <a:ea typeface="Verdana" panose="020B0604030504040204" pitchFamily="34" charset="0"/>
-                <a:cs typeface="Courier New" panose="02070309020205020404" pitchFamily="49" charset="0"/>
-              </a:rPr>
-              <a:t>	</a:t>
-            </a:r>
-            <a:r>
-              <a:rPr lang="en-US" sz="1400" dirty="0" smtClean="0">
-                <a:solidFill>
-                  <a:schemeClr val="accent6"/>
-                </a:solidFill>
-                <a:latin typeface="Verdana" panose="020B0604030504040204" pitchFamily="34" charset="0"/>
-                <a:ea typeface="Verdana" panose="020B0604030504040204" pitchFamily="34" charset="0"/>
-                <a:cs typeface="Courier New" panose="02070309020205020404" pitchFamily="49" charset="0"/>
-              </a:rPr>
-              <a:t>‘ ‘ ‘</a:t>
-            </a:r>
-            <a:br>
-              <a:rPr lang="en-US" sz="1400" dirty="0" smtClean="0">
-                <a:solidFill>
-                  <a:schemeClr val="accent6"/>
-                </a:solidFill>
-                <a:latin typeface="Verdana" panose="020B0604030504040204" pitchFamily="34" charset="0"/>
-                <a:ea typeface="Verdana" panose="020B0604030504040204" pitchFamily="34" charset="0"/>
-                <a:cs typeface="Courier New" panose="02070309020205020404" pitchFamily="49" charset="0"/>
-              </a:rPr>
-            </a:br>
-            <a:r>
-              <a:rPr lang="en-US" sz="1400" dirty="0" smtClean="0">
-                <a:solidFill>
-                  <a:schemeClr val="accent6"/>
-                </a:solidFill>
-                <a:latin typeface="Verdana" panose="020B0604030504040204" pitchFamily="34" charset="0"/>
-                <a:ea typeface="Verdana" panose="020B0604030504040204" pitchFamily="34" charset="0"/>
-                <a:cs typeface="Courier New" panose="02070309020205020404" pitchFamily="49" charset="0"/>
-              </a:rPr>
-              <a:t>	Multiple</a:t>
-            </a:r>
-            <a:br>
-              <a:rPr lang="en-US" sz="1400" dirty="0" smtClean="0">
-                <a:solidFill>
-                  <a:schemeClr val="accent6"/>
-                </a:solidFill>
-                <a:latin typeface="Verdana" panose="020B0604030504040204" pitchFamily="34" charset="0"/>
-                <a:ea typeface="Verdana" panose="020B0604030504040204" pitchFamily="34" charset="0"/>
-                <a:cs typeface="Courier New" panose="02070309020205020404" pitchFamily="49" charset="0"/>
-              </a:rPr>
-            </a:br>
-            <a:r>
-              <a:rPr lang="en-US" sz="1400" dirty="0" smtClean="0">
-                <a:solidFill>
-                  <a:schemeClr val="accent6"/>
-                </a:solidFill>
-                <a:latin typeface="Verdana" panose="020B0604030504040204" pitchFamily="34" charset="0"/>
-                <a:ea typeface="Verdana" panose="020B0604030504040204" pitchFamily="34" charset="0"/>
-                <a:cs typeface="Courier New" panose="02070309020205020404" pitchFamily="49" charset="0"/>
-              </a:rPr>
-              <a:t>	Line</a:t>
-            </a:r>
-            <a:r>
-              <a:rPr lang="en-US" sz="1400" dirty="0">
-                <a:solidFill>
-                  <a:schemeClr val="accent6"/>
-                </a:solidFill>
-                <a:latin typeface="Verdana" panose="020B0604030504040204" pitchFamily="34" charset="0"/>
-                <a:ea typeface="Verdana" panose="020B0604030504040204" pitchFamily="34" charset="0"/>
-                <a:cs typeface="Courier New" panose="02070309020205020404" pitchFamily="49" charset="0"/>
-              </a:rPr>
-              <a:t/>
-            </a:r>
-            <a:br>
-              <a:rPr lang="en-US" sz="1400" dirty="0">
-                <a:solidFill>
-                  <a:schemeClr val="accent6"/>
-                </a:solidFill>
-                <a:latin typeface="Verdana" panose="020B0604030504040204" pitchFamily="34" charset="0"/>
-                <a:ea typeface="Verdana" panose="020B0604030504040204" pitchFamily="34" charset="0"/>
-                <a:cs typeface="Courier New" panose="02070309020205020404" pitchFamily="49" charset="0"/>
-              </a:rPr>
-            </a:br>
-            <a:r>
-              <a:rPr lang="en-US" sz="1400" dirty="0" smtClean="0">
-                <a:solidFill>
-                  <a:schemeClr val="accent6"/>
-                </a:solidFill>
-                <a:latin typeface="Verdana" panose="020B0604030504040204" pitchFamily="34" charset="0"/>
-                <a:ea typeface="Verdana" panose="020B0604030504040204" pitchFamily="34" charset="0"/>
-                <a:cs typeface="Courier New" panose="02070309020205020404" pitchFamily="49" charset="0"/>
-              </a:rPr>
-              <a:t>	Comment</a:t>
-            </a:r>
-            <a:r>
-              <a:rPr lang="en-US" sz="1400" dirty="0">
-                <a:solidFill>
-                  <a:schemeClr val="accent6"/>
-                </a:solidFill>
-                <a:latin typeface="Verdana" panose="020B0604030504040204" pitchFamily="34" charset="0"/>
-                <a:ea typeface="Verdana" panose="020B0604030504040204" pitchFamily="34" charset="0"/>
-                <a:cs typeface="Courier New" panose="02070309020205020404" pitchFamily="49" charset="0"/>
-              </a:rPr>
-              <a:t/>
-            </a:r>
-            <a:br>
-              <a:rPr lang="en-US" sz="1400" dirty="0">
-                <a:solidFill>
-                  <a:schemeClr val="accent6"/>
-                </a:solidFill>
-                <a:latin typeface="Verdana" panose="020B0604030504040204" pitchFamily="34" charset="0"/>
-                <a:ea typeface="Verdana" panose="020B0604030504040204" pitchFamily="34" charset="0"/>
-                <a:cs typeface="Courier New" panose="02070309020205020404" pitchFamily="49" charset="0"/>
-              </a:rPr>
-            </a:br>
-            <a:r>
-              <a:rPr lang="en-US" sz="1400" dirty="0" smtClean="0">
-                <a:solidFill>
-                  <a:schemeClr val="accent6"/>
-                </a:solidFill>
-                <a:latin typeface="Verdana" panose="020B0604030504040204" pitchFamily="34" charset="0"/>
-                <a:ea typeface="Verdana" panose="020B0604030504040204" pitchFamily="34" charset="0"/>
-                <a:cs typeface="Courier New" panose="02070309020205020404" pitchFamily="49" charset="0"/>
-              </a:rPr>
-              <a:t>	‘ ‘ ‘</a:t>
-            </a:r>
-            <a:endParaRPr lang="en-US" sz="1400" dirty="0">
-              <a:solidFill>
-                <a:schemeClr val="accent6"/>
-              </a:solidFill>
-              <a:latin typeface="Verdana" panose="020B0604030504040204" pitchFamily="34" charset="0"/>
-              <a:ea typeface="Verdana" panose="020B0604030504040204" pitchFamily="34" charset="0"/>
-              <a:cs typeface="Courier New" panose="02070309020205020404" pitchFamily="49" charset="0"/>
-            </a:endParaRPr>
+            <a:r>
+              <a:rPr lang="fa-IR" dirty="0" smtClean="0"/>
+              <a:t>بهتر است هنگام نصب </a:t>
+            </a:r>
+            <a:r>
+              <a:rPr lang="en-US" dirty="0" smtClean="0"/>
+              <a:t>Anaconda</a:t>
+            </a:r>
+            <a:r>
+              <a:rPr lang="fa-IR" dirty="0" smtClean="0"/>
+              <a:t> این گزینه انتخاب شود:</a:t>
+            </a:r>
+            <a:endParaRPr lang="en-US" dirty="0"/>
           </a:p>
         </p:txBody>
       </p:sp>
@@ -5727,10 +5948,137 @@
           </a:p>
         </p:txBody>
       </p:sp>
+      <p:pic>
+        <p:nvPicPr>
+          <p:cNvPr id="6" name="Picture 5"/>
+          <p:cNvPicPr>
+            <a:picLocks noChangeAspect="1"/>
+          </p:cNvPicPr>
+          <p:nvPr/>
+        </p:nvPicPr>
+        <p:blipFill>
+          <a:blip r:embed="rId2">
+            <a:extLst>
+              <a:ext uri="{BEBA8EAE-BF5A-486C-A8C5-ECC9F3942E4B}">
+                <a14:imgProps xmlns:a14="http://schemas.microsoft.com/office/drawing/2010/main">
+                  <a14:imgLayer r:embed="rId3">
+                    <a14:imgEffect>
+                      <a14:sharpenSoften amount="25000"/>
+                    </a14:imgEffect>
+                  </a14:imgLayer>
+                </a14:imgProps>
+              </a:ext>
+              <a:ext uri="{28A0092B-C50C-407E-A947-70E740481C1C}">
+                <a14:useLocalDpi xmlns:a14="http://schemas.microsoft.com/office/drawing/2010/main" val="0"/>
+              </a:ext>
+            </a:extLst>
+          </a:blip>
+          <a:stretch>
+            <a:fillRect/>
+          </a:stretch>
+        </p:blipFill>
+        <p:spPr>
+          <a:xfrm>
+            <a:off x="581192" y="1278535"/>
+            <a:ext cx="6001588" cy="4686954"/>
+          </a:xfrm>
+          <a:prstGeom prst="rect">
+            <a:avLst/>
+          </a:prstGeom>
+        </p:spPr>
+      </p:pic>
+      <p:sp>
+        <p:nvSpPr>
+          <p:cNvPr id="7" name="Rounded Rectangle 6"/>
+          <p:cNvSpPr/>
+          <p:nvPr/>
+        </p:nvSpPr>
+        <p:spPr>
+          <a:xfrm>
+            <a:off x="1124262" y="2698230"/>
+            <a:ext cx="4287187" cy="1018839"/>
+          </a:xfrm>
+          <a:prstGeom prst="roundRect">
+            <a:avLst/>
+          </a:prstGeom>
+          <a:noFill/>
+          <a:ln w="28575">
+            <a:solidFill>
+              <a:srgbClr val="00B050"/>
+            </a:solidFill>
+            <a:prstDash val="sysDash"/>
+          </a:ln>
+        </p:spPr>
+        <p:style>
+          <a:lnRef idx="2">
+            <a:schemeClr val="accent1">
+              <a:shade val="50000"/>
+            </a:schemeClr>
+          </a:lnRef>
+          <a:fillRef idx="1">
+            <a:schemeClr val="accent1"/>
+          </a:fillRef>
+          <a:effectRef idx="0">
+            <a:schemeClr val="accent1"/>
+          </a:effectRef>
+          <a:fontRef idx="minor">
+            <a:schemeClr val="lt1"/>
+          </a:fontRef>
+        </p:style>
+        <p:txBody>
+          <a:bodyPr rtlCol="0" anchor="ctr"/>
+          <a:lstStyle/>
+          <a:p>
+            <a:pPr algn="ctr"/>
+            <a:endParaRPr lang="en-US"/>
+          </a:p>
+        </p:txBody>
+      </p:sp>
+      <p:cxnSp>
+        <p:nvCxnSpPr>
+          <p:cNvPr id="13" name="Straight Arrow Connector 12"/>
+          <p:cNvCxnSpPr>
+            <a:endCxn id="7" idx="3"/>
+          </p:cNvCxnSpPr>
+          <p:nvPr/>
+        </p:nvCxnSpPr>
+        <p:spPr>
+          <a:xfrm flipH="1" flipV="1">
+            <a:off x="5411449" y="3207650"/>
+            <a:ext cx="1878351" cy="414362"/>
+          </a:xfrm>
+          <a:prstGeom prst="straightConnector1">
+            <a:avLst/>
+          </a:prstGeom>
+          <a:ln w="28575" cap="flat" cmpd="sng" algn="ctr">
+            <a:solidFill>
+              <a:schemeClr val="accent6"/>
+            </a:solidFill>
+            <a:prstDash val="solid"/>
+            <a:round/>
+            <a:headEnd type="none" w="med" len="med"/>
+            <a:tailEnd type="arrow" w="med" len="med"/>
+          </a:ln>
+        </p:spPr>
+        <p:style>
+          <a:lnRef idx="0">
+            <a:scrgbClr r="0" g="0" b="0"/>
+          </a:lnRef>
+          <a:fillRef idx="0">
+            <a:scrgbClr r="0" g="0" b="0"/>
+          </a:fillRef>
+          <a:effectRef idx="0">
+            <a:scrgbClr r="0" g="0" b="0"/>
+          </a:effectRef>
+          <a:fontRef idx="minor">
+            <a:schemeClr val="tx1"/>
+          </a:fontRef>
+        </p:style>
+      </p:cxnSp>
     </p:spTree>
     <p:extLst>
       <p:ext uri="{BB962C8B-B14F-4D97-AF65-F5344CB8AC3E}">
-        <p14:creationId xmlns:p14="http://schemas.microsoft.com/office/powerpoint/2010/main" val="809180864"/>
+        <p14:creationId xmlns:p14="http://schemas.microsoft.com/office/powerpoint/2010/main" val="201975895"/>
       </p:ext>
     </p:extLst>
   </p:cSld>
@@ -5752,9 +6100,135 @@
   <p:timing>
     <p:tnLst>
       <p:par>
-        <p:cTn id="1" dur="indefinite" restart="never" nodeType="tmRoot"/>
+        <p:cTn id="1" dur="indefinite" restart="never" nodeType="tmRoot">
+          <p:childTnLst>
+            <p:seq concurrent="1" nextAc="seek">
+              <p:cTn id="2" dur="indefinite" nodeType="mainSeq">
+                <p:childTnLst>
+                  <p:par>
+                    <p:cTn id="3" fill="hold">
+                      <p:stCondLst>
+                        <p:cond delay="indefinite"/>
+                        <p:cond evt="onBegin" delay="0">
+                          <p:tn val="2"/>
+                        </p:cond>
+                      </p:stCondLst>
+                      <p:childTnLst>
+                        <p:par>
+                          <p:cTn id="4" fill="hold">
+                            <p:stCondLst>
+                              <p:cond delay="0"/>
+                            </p:stCondLst>
+                            <p:childTnLst>
+                              <p:par>
+                                <p:cTn id="5" presetID="22" presetClass="entr" presetSubtype="2" fill="hold" nodeType="afterEffect">
+                                  <p:stCondLst>
+                                    <p:cond delay="0"/>
+                                  </p:stCondLst>
+                                  <p:childTnLst>
+                                    <p:set>
+                                      <p:cBhvr>
+                                        <p:cTn id="6" dur="1" fill="hold">
+                                          <p:stCondLst>
+                                            <p:cond delay="0"/>
+                                          </p:stCondLst>
+                                        </p:cTn>
+                                        <p:tgtEl>
+                                          <p:spTgt spid="13"/>
+                                        </p:tgtEl>
+                                        <p:attrNameLst>
+                                          <p:attrName>style.visibility</p:attrName>
+                                        </p:attrNameLst>
+                                      </p:cBhvr>
+                                      <p:to>
+                                        <p:strVal val="visible"/>
+                                      </p:to>
+                                    </p:set>
+                                    <p:animEffect transition="in" filter="wipe(right)">
+                                      <p:cBhvr>
+                                        <p:cTn id="7" dur="750"/>
+                                        <p:tgtEl>
+                                          <p:spTgt spid="13"/>
+                                        </p:tgtEl>
+                                      </p:cBhvr>
+                                    </p:animEffect>
+                                  </p:childTnLst>
+                                </p:cTn>
+                              </p:par>
+                            </p:childTnLst>
+                          </p:cTn>
+                        </p:par>
+                        <p:par>
+                          <p:cTn id="8" fill="hold">
+                            <p:stCondLst>
+                              <p:cond delay="750"/>
+                            </p:stCondLst>
+                            <p:childTnLst>
+                              <p:par>
+                                <p:cTn id="9" presetID="22" presetClass="entr" presetSubtype="2" fill="hold" grpId="0" nodeType="afterEffect">
+                                  <p:stCondLst>
+                                    <p:cond delay="0"/>
+                                  </p:stCondLst>
+                                  <p:childTnLst>
+                                    <p:set>
+                                      <p:cBhvr>
+                                        <p:cTn id="10" dur="1" fill="hold">
+                                          <p:stCondLst>
+                                            <p:cond delay="0"/>
+                                          </p:stCondLst>
+                                        </p:cTn>
+                                        <p:tgtEl>
+                                          <p:spTgt spid="7"/>
+                                        </p:tgtEl>
+                                        <p:attrNameLst>
+                                          <p:attrName>style.visibility</p:attrName>
+                                        </p:attrNameLst>
+                                      </p:cBhvr>
+                                      <p:to>
+                                        <p:strVal val="visible"/>
+                                      </p:to>
+                                    </p:set>
+                                    <p:animEffect transition="in" filter="wipe(right)">
+                                      <p:cBhvr>
+                                        <p:cTn id="11" dur="500"/>
+                                        <p:tgtEl>
+                                          <p:spTgt spid="7"/>
+                                        </p:tgtEl>
+                                      </p:cBhvr>
+                                    </p:animEffect>
+                                  </p:childTnLst>
+                                </p:cTn>
+                              </p:par>
+                            </p:childTnLst>
+                          </p:cTn>
+                        </p:par>
+                      </p:childTnLst>
+                    </p:cTn>
+                  </p:par>
+                </p:childTnLst>
+              </p:cTn>
+              <p:prevCondLst>
+                <p:cond evt="onPrev" delay="0">
+                  <p:tgtEl>
+                    <p:sldTgt/>
+                  </p:tgtEl>
+                </p:cond>
+              </p:prevCondLst>
+              <p:nextCondLst>
+                <p:cond evt="onNext" delay="0">
+                  <p:tgtEl>
+                    <p:sldTgt/>
+                  </p:tgtEl>
+                </p:cond>
+              </p:nextCondLst>
+            </p:seq>
+          </p:childTnLst>
+        </p:cTn>
       </p:par>
     </p:tnLst>
+    <p:bldLst>
+      <p:bldP spid="7" grpId="0" animBg="1"/>
+    </p:bldLst>
   </p:timing>
 </p:sld>
 </file>
@@ -5793,7 +6267,7 @@
           <a:p>
             <a:r>
               <a:rPr lang="fa-IR" dirty="0" smtClean="0"/>
-              <a:t>ذخیره و اجرای کدها</a:t>
+              <a:t>مسیر پایتون</a:t>
             </a:r>
             <a:endParaRPr lang="en-US" dirty="0"/>
           </a:p>
@@ -5816,92 +6290,128 @@
           <a:p>
             <a:r>
               <a:rPr lang="fa-IR" dirty="0" smtClean="0"/>
-              <a:t>روش های اجرای کدهای پایتون</a:t>
-            </a:r>
-          </a:p>
-          <a:p>
-            <a:pPr marL="666900" lvl="1" indent="-342900">
-              <a:buFont typeface="+mj-lt"/>
-              <a:buAutoNum type="arabicPeriod"/>
+              <a:t>اگر هنگام نصب </a:t>
+            </a:r>
+            <a:r>
+              <a:rPr lang="en-US" dirty="0" smtClean="0"/>
+              <a:t>Anaconda</a:t>
+            </a:r>
+            <a:r>
+              <a:rPr lang="fa-IR" dirty="0" smtClean="0"/>
+              <a:t> گزینه افزودن به مسیرهای ویندوز انتخاب شده باشد، مسیرهای پایتون درمتغیر </a:t>
+            </a:r>
+            <a:r>
+              <a:rPr lang="en-US" dirty="0" smtClean="0"/>
+              <a:t>path</a:t>
+            </a:r>
+            <a:r>
+              <a:rPr lang="fa-IR" dirty="0" smtClean="0"/>
+              <a:t> در پنجره </a:t>
+            </a:r>
+            <a:r>
+              <a:rPr lang="en-US" dirty="0" smtClean="0"/>
+              <a:t>Environment Variables</a:t>
+            </a:r>
+            <a:r>
+              <a:rPr lang="fa-IR" dirty="0" smtClean="0"/>
+              <a:t> ویندوز وجود خواهند داشت. و با دستور زیر در برنامه </a:t>
+            </a:r>
+            <a:r>
+              <a:rPr lang="en-US" dirty="0" smtClean="0"/>
+              <a:t>CMD</a:t>
+            </a:r>
+            <a:r>
+              <a:rPr lang="fa-IR" dirty="0" smtClean="0"/>
+              <a:t> می توان مسیر پایتون را نمایش داد:</a:t>
+            </a:r>
+          </a:p>
+          <a:p>
+            <a:pPr marL="0" indent="0" algn="l" rtl="0">
+              <a:buNone/>
             </a:pPr>
             <a:r>
+              <a:rPr lang="en-US" dirty="0" smtClean="0">
+                <a:latin typeface="Courier New" panose="02070309020205020404" pitchFamily="49" charset="0"/>
+                <a:cs typeface="Courier New" panose="02070309020205020404" pitchFamily="49" charset="0"/>
+              </a:rPr>
+              <a:t>&gt; where python</a:t>
+            </a:r>
+            <a:endParaRPr lang="fa-IR" dirty="0" smtClean="0">
+              <a:latin typeface="Courier New" panose="02070309020205020404" pitchFamily="49" charset="0"/>
+              <a:cs typeface="Courier New" panose="02070309020205020404" pitchFamily="49" charset="0"/>
+            </a:endParaRPr>
+          </a:p>
+          <a:p>
+            <a:pPr algn="l" rtl="0"/>
+            <a:endParaRPr lang="en-US" dirty="0" smtClean="0"/>
+          </a:p>
+          <a:p>
+            <a:pPr algn="l" rtl="0"/>
+            <a:endParaRPr lang="fa-IR" dirty="0" smtClean="0"/>
+          </a:p>
+          <a:p>
+            <a:pPr marL="0" indent="0" algn="l" rtl="0">
+              <a:buNone/>
+            </a:pPr>
+            <a:endParaRPr lang="en-US" dirty="0" smtClean="0"/>
+          </a:p>
+          <a:p>
+            <a:pPr marL="0" indent="0" algn="l" rtl="0">
+              <a:buNone/>
+            </a:pPr>
+            <a:endParaRPr lang="fa-IR" dirty="0" smtClean="0"/>
+          </a:p>
+          <a:p>
+            <a:r>
               <a:rPr lang="fa-IR" dirty="0" smtClean="0"/>
-              <a:t>اجرای </a:t>
-            </a:r>
-            <a:r>
-              <a:rPr lang="fa-IR" dirty="0"/>
-              <a:t>خط به خط در </a:t>
+              <a:t>در غیر این صورت، می توان این مسیرها را به صورت دستی،</a:t>
+            </a:r>
+            <a:r>
+              <a:rPr lang="en-US" dirty="0" smtClean="0"/>
+              <a:t> </a:t>
             </a:r>
             <a:r>
               <a:rPr lang="fa-IR" dirty="0" smtClean="0"/>
-              <a:t>کنسول پایتون (</a:t>
+              <a:t>به متغیر </a:t>
             </a:r>
             <a:r>
               <a:rPr lang="en-US" dirty="0" smtClean="0"/>
-              <a:t>Shell</a:t>
+              <a:t>path</a:t>
             </a:r>
             <a:r>
               <a:rPr lang="fa-IR" dirty="0" smtClean="0"/>
-              <a:t>، </a:t>
-            </a:r>
-            <a:r>
-              <a:rPr lang="en-US" dirty="0" smtClean="0"/>
-              <a:t>IDLE</a:t>
-            </a:r>
-            <a:r>
-              <a:rPr lang="fa-IR" dirty="0"/>
-              <a:t> </a:t>
-            </a:r>
-            <a:r>
-              <a:rPr lang="fa-IR" dirty="0" smtClean="0"/>
-              <a:t>یا </a:t>
-            </a:r>
-            <a:r>
-              <a:rPr lang="en-US" dirty="0" err="1" smtClean="0"/>
-              <a:t>IPython</a:t>
-            </a:r>
-            <a:r>
-              <a:rPr lang="fa-IR" dirty="0" smtClean="0"/>
-              <a:t>)</a:t>
-            </a:r>
-            <a:endParaRPr lang="en-US" dirty="0" smtClean="0"/>
-          </a:p>
-          <a:p>
-            <a:pPr marL="666900" lvl="1" indent="-342900">
-              <a:buFont typeface="+mj-lt"/>
-              <a:buAutoNum type="arabicPeriod"/>
-            </a:pPr>
-            <a:r>
-              <a:rPr lang="fa-IR" dirty="0" smtClean="0"/>
-              <a:t>ذخیره کدها در فایل متنی با پسوند </a:t>
+              <a:t> اضافه کرد</a:t>
             </a:r>
             <a:r>
               <a:rPr lang="en-US" dirty="0" smtClean="0"/>
               <a:t>.</a:t>
             </a:r>
             <a:r>
-              <a:rPr lang="en-US" dirty="0" err="1" smtClean="0"/>
-              <a:t>py</a:t>
-            </a:r>
-            <a:r>
               <a:rPr lang="fa-IR" dirty="0" smtClean="0"/>
-              <a:t> (یا </a:t>
-            </a:r>
-            <a:r>
-              <a:rPr lang="en-US" dirty="0" smtClean="0"/>
-              <a:t>.</a:t>
-            </a:r>
-            <a:r>
-              <a:rPr lang="en-US" dirty="0" err="1" smtClean="0"/>
-              <a:t>pyw</a:t>
+              <a:t>  		</a:t>
+            </a:r>
+            <a:r>
+              <a:rPr lang="fa-IR" dirty="0" smtClean="0">
+                <a:sym typeface="Wingdings" panose="05000000000000000000" pitchFamily="2" charset="2"/>
+              </a:rPr>
+              <a:t>  </a:t>
+            </a:r>
+            <a:r>
+              <a:rPr lang="fa-IR" i="1" dirty="0" smtClean="0"/>
+              <a:t>اعمال تغییرات بعد از راه اندازی مجدد ویندوز </a:t>
             </a:r>
             <a:r>
               <a:rPr lang="fa-IR" dirty="0" smtClean="0"/>
-              <a:t>) و اجرای یک جا</a:t>
-            </a:r>
-            <a:endParaRPr lang="en-US" dirty="0"/>
-          </a:p>
-          <a:p>
+              <a:t>(</a:t>
+            </a:r>
+            <a:r>
+              <a:rPr lang="en-US" i="1" dirty="0" smtClean="0"/>
+              <a:t>restart</a:t>
+            </a:r>
+            <a:r>
+              <a:rPr lang="fa-IR" dirty="0"/>
+              <a:t>)</a:t>
+            </a:r>
             <a:endParaRPr lang="en-US" dirty="0"/>
           </a:p>
         </p:txBody>
@@ -5958,10 +6468,149 @@
           </a:p>
         </p:txBody>
       </p:sp>
+      <p:pic>
+        <p:nvPicPr>
+          <p:cNvPr id="6" name="Picture 5"/>
+          <p:cNvPicPr>
+            <a:picLocks noChangeAspect="1"/>
+          </p:cNvPicPr>
+          <p:nvPr/>
+        </p:nvPicPr>
+        <p:blipFill>
+          <a:blip r:embed="rId3">
+            <a:extLst>
+              <a:ext uri="{BEBA8EAE-BF5A-486C-A8C5-ECC9F3942E4B}">
+                <a14:imgProps xmlns:a14="http://schemas.microsoft.com/office/drawing/2010/main">
+                  <a14:imgLayer r:embed="rId4">
+                    <a14:imgEffect>
+                      <a14:sharpenSoften amount="25000"/>
+                    </a14:imgEffect>
+                  </a14:imgLayer>
+                </a14:imgProps>
+              </a:ext>
+            </a:extLst>
+          </a:blip>
+          <a:stretch>
+            <a:fillRect/>
+          </a:stretch>
+        </p:blipFill>
+        <p:spPr>
+          <a:xfrm>
+            <a:off x="759178" y="3033423"/>
+            <a:ext cx="3557989" cy="1177178"/>
+          </a:xfrm>
+          <a:prstGeom prst="roundRect">
+            <a:avLst>
+              <a:gd name="adj" fmla="val 8594"/>
+            </a:avLst>
+          </a:prstGeom>
+          <a:solidFill>
+            <a:srgbClr val="FFFFFF">
+              <a:shade val="85000"/>
+            </a:srgbClr>
+          </a:solidFill>
+          <a:ln>
+            <a:solidFill>
+              <a:schemeClr val="tx1"/>
+            </a:solidFill>
+          </a:ln>
+          <a:effectLst/>
+        </p:spPr>
+      </p:pic>
+      <p:pic>
+        <p:nvPicPr>
+          <p:cNvPr id="7" name="Picture 6"/>
+          <p:cNvPicPr>
+            <a:picLocks noChangeAspect="1"/>
+          </p:cNvPicPr>
+          <p:nvPr/>
+        </p:nvPicPr>
+        <p:blipFill rotWithShape="1">
+          <a:blip r:embed="rId5">
+            <a:extLst>
+              <a:ext uri="{BEBA8EAE-BF5A-486C-A8C5-ECC9F3942E4B}">
+                <a14:imgProps xmlns:a14="http://schemas.microsoft.com/office/drawing/2010/main">
+                  <a14:imgLayer r:embed="rId6">
+                    <a14:imgEffect>
+                      <a14:sharpenSoften amount="25000"/>
+                    </a14:imgEffect>
+                  </a14:imgLayer>
+                </a14:imgProps>
+              </a:ext>
+              <a:ext uri="{28A0092B-C50C-407E-A947-70E740481C1C}">
+                <a14:useLocalDpi xmlns:a14="http://schemas.microsoft.com/office/drawing/2010/main" val="0"/>
+              </a:ext>
+            </a:extLst>
+          </a:blip>
+          <a:srcRect b="69630"/>
+          <a:stretch/>
+        </p:blipFill>
+        <p:spPr>
+          <a:xfrm>
+            <a:off x="5857447" y="3002872"/>
+            <a:ext cx="5588468" cy="1619910"/>
+          </a:xfrm>
+          <a:prstGeom prst="roundRect">
+            <a:avLst>
+              <a:gd name="adj" fmla="val 8594"/>
+            </a:avLst>
+          </a:prstGeom>
+          <a:solidFill>
+            <a:srgbClr val="FFFFFF">
+              <a:shade val="85000"/>
+            </a:srgbClr>
+          </a:solidFill>
+          <a:ln>
+            <a:solidFill>
+              <a:schemeClr val="tx2"/>
+            </a:solidFill>
+          </a:ln>
+          <a:effectLst/>
+        </p:spPr>
+      </p:pic>
+      <p:cxnSp>
+        <p:nvCxnSpPr>
+          <p:cNvPr id="10" name="Straight Arrow Connector 9"/>
+          <p:cNvCxnSpPr/>
+          <p:nvPr/>
+        </p:nvCxnSpPr>
+        <p:spPr>
+          <a:xfrm>
+            <a:off x="4557009" y="3591461"/>
+            <a:ext cx="1034321" cy="0"/>
+          </a:xfrm>
+          <a:prstGeom prst="straightConnector1">
+            <a:avLst/>
+          </a:prstGeom>
+          <a:ln w="28575" cap="flat" cmpd="sng" algn="ctr">
+            <a:solidFill>
+              <a:schemeClr val="accent6"/>
+            </a:solidFill>
+            <a:prstDash val="solid"/>
+            <a:round/>
+            <a:headEnd type="none" w="med" len="med"/>
+            <a:tailEnd type="arrow" w="med" len="med"/>
+          </a:ln>
+        </p:spPr>
+        <p:style>
+          <a:lnRef idx="0">
+            <a:scrgbClr r="0" g="0" b="0"/>
+          </a:lnRef>
+          <a:fillRef idx="0">
+            <a:scrgbClr r="0" g="0" b="0"/>
+          </a:fillRef>
+          <a:effectRef idx="0">
+            <a:scrgbClr r="0" g="0" b="0"/>
+          </a:effectRef>
+          <a:fontRef idx="minor">
+            <a:schemeClr val="tx1"/>
+          </a:fontRef>
+        </p:style>
+      </p:cxnSp>
     </p:spTree>
     <p:extLst>
       <p:ext uri="{BB962C8B-B14F-4D97-AF65-F5344CB8AC3E}">
-        <p14:creationId xmlns:p14="http://schemas.microsoft.com/office/powerpoint/2010/main" val="2995277424"/>
+        <p14:creationId xmlns:p14="http://schemas.microsoft.com/office/powerpoint/2010/main" val="2374429633"/>
       </p:ext>
     </p:extLst>
   </p:cSld>
@@ -6024,7 +6673,11 @@
           <a:p>
             <a:r>
               <a:rPr lang="fa-IR" dirty="0" smtClean="0"/>
-              <a:t>قوانین ساختاری کدنویسی</a:t>
+              <a:t>شروع </a:t>
+            </a:r>
+            <a:r>
+              <a:rPr lang="fa-IR" dirty="0" smtClean="0"/>
+              <a:t>کدنویسی</a:t>
             </a:r>
             <a:endParaRPr lang="en-US" dirty="0"/>
           </a:p>
@@ -6040,299 +6693,328 @@
             <p:ph idx="1"/>
           </p:nvPr>
         </p:nvSpPr>
-        <p:spPr/>
-        <p:txBody>
-          <a:bodyPr/>
+        <p:spPr>
+          <a:xfrm>
+            <a:off x="8534399" y="1370896"/>
+            <a:ext cx="3076409" cy="4534678"/>
+          </a:xfrm>
+          <a:ln>
+            <a:prstDash val="sysDash"/>
+          </a:ln>
+        </p:spPr>
+        <p:style>
+          <a:lnRef idx="2">
+            <a:schemeClr val="accent2"/>
+          </a:lnRef>
+          <a:fillRef idx="1">
+            <a:schemeClr val="lt1"/>
+          </a:fillRef>
+          <a:effectRef idx="0">
+            <a:schemeClr val="accent2"/>
+          </a:effectRef>
+          <a:fontRef idx="minor">
+            <a:schemeClr val="dk1"/>
+          </a:fontRef>
+        </p:style>
+        <p:txBody>
+          <a:bodyPr>
+            <a:normAutofit/>
+          </a:bodyPr>
           <a:lstStyle/>
           <a:p>
-            <a:r>
-              <a:rPr lang="fa-IR" dirty="0" smtClean="0"/>
-              <a:t>دستورات، نام توابع و متغیرها به حروف بزرگ و کوچک حساس </a:t>
-            </a:r>
-            <a:r>
-              <a:rPr lang="fa-IR" u="sng" dirty="0" smtClean="0"/>
-              <a:t>هستند</a:t>
-            </a:r>
-            <a:r>
-              <a:rPr lang="fa-IR" dirty="0" smtClean="0"/>
-              <a:t>. (</a:t>
-            </a:r>
-            <a:r>
-              <a:rPr lang="en-US" dirty="0" smtClean="0"/>
-              <a:t>Case Sensitive</a:t>
-            </a:r>
-            <a:r>
-              <a:rPr lang="fa-IR" dirty="0" smtClean="0"/>
-              <a:t>)</a:t>
-            </a:r>
-          </a:p>
-          <a:p>
-            <a:r>
-              <a:rPr lang="fa-IR" dirty="0" smtClean="0"/>
-              <a:t>تعداد فاصله و تب در ابتدای هر خط (</a:t>
-            </a:r>
-            <a:r>
-              <a:rPr lang="en-US" dirty="0" err="1" smtClean="0"/>
-              <a:t>Identation</a:t>
-            </a:r>
-            <a:r>
-              <a:rPr lang="fa-IR" dirty="0" smtClean="0"/>
-              <a:t>) </a:t>
-            </a:r>
-            <a:r>
-              <a:rPr lang="fa-IR" u="sng" dirty="0" smtClean="0"/>
-              <a:t>مهم است</a:t>
-            </a:r>
-            <a:r>
-              <a:rPr lang="fa-IR" dirty="0" smtClean="0"/>
-              <a:t>.</a:t>
-            </a:r>
-          </a:p>
-          <a:p>
-            <a:r>
-              <a:rPr lang="fa-IR" dirty="0" smtClean="0"/>
-              <a:t>تعداد فاصله و تب در میانه و انتهای هر خط </a:t>
-            </a:r>
-            <a:r>
-              <a:rPr lang="fa-IR" u="sng" dirty="0" smtClean="0"/>
-              <a:t>مهم نیست</a:t>
-            </a:r>
-            <a:r>
-              <a:rPr lang="fa-IR" dirty="0" smtClean="0"/>
-              <a:t>.</a:t>
-            </a:r>
-          </a:p>
-          <a:p>
-            <a:r>
-              <a:rPr lang="fa-IR" dirty="0" smtClean="0"/>
-              <a:t>نام توابع و متغیرها فقط می تواند شامل حروف، اعداد و _ باشد و با عدد شروع نشود.</a:t>
-            </a:r>
-            <a:r>
-              <a:rPr lang="fa-IR" dirty="0"/>
-              <a:t> </a:t>
-            </a:r>
-            <a:r>
-              <a:rPr lang="fa-IR" dirty="0" smtClean="0"/>
-              <a:t>(از اسامی رزرو شده هم نباشد)</a:t>
-            </a:r>
-          </a:p>
-          <a:p>
-            <a:pPr marL="0" indent="0" algn="l" rtl="0">
-              <a:lnSpc>
-                <a:spcPct val="100000"/>
-              </a:lnSpc>
+            <a:pPr marL="0" indent="0" algn="r" rtl="0">
               <a:buNone/>
             </a:pPr>
             <a:r>
-              <a:rPr lang="en-US" dirty="0" err="1" smtClean="0">
+              <a:rPr lang="fa-IR" b="1" dirty="0" smtClean="0">
                 <a:solidFill>
-                  <a:schemeClr val="accent1">
-                    <a:lumMod val="60000"/>
-                    <a:lumOff val="40000"/>
+                  <a:schemeClr val="tx1"/>
+                </a:solidFill>
+                <a:latin typeface="Verdana" panose="020B0604030504040204" pitchFamily="34" charset="0"/>
+                <a:ea typeface="Verdana" panose="020B0604030504040204" pitchFamily="34" charset="0"/>
+              </a:rPr>
+              <a:t>دستور</a:t>
+            </a:r>
+            <a:r>
+              <a:rPr lang="fa-IR" b="1" dirty="0" smtClean="0">
+                <a:solidFill>
+                  <a:schemeClr val="tx1"/>
+                </a:solidFill>
+                <a:latin typeface="Verdana" panose="020B0604030504040204" pitchFamily="34" charset="0"/>
+                <a:ea typeface="Verdana" panose="020B0604030504040204" pitchFamily="34" charset="0"/>
+              </a:rPr>
+              <a:t>ها</a:t>
+            </a:r>
+            <a:endParaRPr lang="en-US" b="1" dirty="0" smtClean="0">
+              <a:solidFill>
+                <a:schemeClr val="tx1"/>
+              </a:solidFill>
+              <a:latin typeface="Verdana" panose="020B0604030504040204" pitchFamily="34" charset="0"/>
+              <a:ea typeface="Verdana" panose="020B0604030504040204" pitchFamily="34" charset="0"/>
+            </a:endParaRPr>
+          </a:p>
+          <a:p>
+            <a:pPr marL="0" indent="0" algn="l">
+              <a:buNone/>
+            </a:pPr>
+            <a:r>
+              <a:rPr lang="en-US" sz="1600" dirty="0" smtClean="0">
+                <a:solidFill>
+                  <a:schemeClr val="bg2">
+                    <a:lumMod val="50000"/>
                   </a:schemeClr>
                 </a:solidFill>
                 <a:latin typeface="Courier New" panose="02070309020205020404" pitchFamily="49" charset="0"/>
+                <a:ea typeface="Verdana" panose="020B0604030504040204" pitchFamily="34" charset="0"/>
                 <a:cs typeface="Courier New" panose="02070309020205020404" pitchFamily="49" charset="0"/>
               </a:rPr>
-              <a:t>varName</a:t>
-            </a:r>
-            <a:r>
-              <a:rPr lang="en-US" dirty="0" smtClean="0">
+              <a:t>&gt;&gt;</a:t>
+            </a:r>
+            <a:r>
+              <a:rPr lang="en-US" sz="1600" dirty="0" smtClean="0">
                 <a:solidFill>
-                  <a:schemeClr val="accent1">
-                    <a:lumMod val="60000"/>
-                    <a:lumOff val="40000"/>
-                  </a:schemeClr>
+                  <a:srgbClr val="7030A0"/>
                 </a:solidFill>
                 <a:latin typeface="Courier New" panose="02070309020205020404" pitchFamily="49" charset="0"/>
+                <a:ea typeface="Verdana" panose="020B0604030504040204" pitchFamily="34" charset="0"/>
                 <a:cs typeface="Courier New" panose="02070309020205020404" pitchFamily="49" charset="0"/>
               </a:rPr>
-              <a:t>,  _</a:t>
-            </a:r>
-            <a:r>
-              <a:rPr lang="en-US" dirty="0" err="1" smtClean="0">
+              <a:t> </a:t>
+            </a:r>
+            <a:r>
+              <a:rPr lang="en-US" sz="1600" dirty="0" smtClean="0">
                 <a:solidFill>
-                  <a:schemeClr val="accent1">
-                    <a:lumMod val="60000"/>
-                    <a:lumOff val="40000"/>
-                  </a:schemeClr>
+                  <a:srgbClr val="0070C0"/>
                 </a:solidFill>
                 <a:latin typeface="Courier New" panose="02070309020205020404" pitchFamily="49" charset="0"/>
+                <a:ea typeface="Verdana" panose="020B0604030504040204" pitchFamily="34" charset="0"/>
                 <a:cs typeface="Courier New" panose="02070309020205020404" pitchFamily="49" charset="0"/>
               </a:rPr>
-              <a:t>varName</a:t>
-            </a:r>
-            <a:r>
-              <a:rPr lang="en-US" dirty="0" smtClean="0">
-                <a:latin typeface="Courier New" panose="02070309020205020404" pitchFamily="49" charset="0"/>
+              <a:t>print</a:t>
+            </a:r>
+            <a:r>
+              <a:rPr lang="en-US" sz="1600" dirty="0" smtClean="0">
+                <a:latin typeface="Courier New" panose="02070309020205020404" pitchFamily="49" charset="0"/>
+                <a:ea typeface="Verdana" panose="020B0604030504040204" pitchFamily="34" charset="0"/>
                 <a:cs typeface="Courier New" panose="02070309020205020404" pitchFamily="49" charset="0"/>
               </a:rPr>
-              <a:t> 	</a:t>
-            </a:r>
-            <a:r>
-              <a:rPr lang="en-US" dirty="0" smtClean="0">
+              <a:t>(</a:t>
+            </a:r>
+            <a:r>
+              <a:rPr lang="en-US" sz="1600" dirty="0">
                 <a:latin typeface="Courier New" panose="02070309020205020404" pitchFamily="49" charset="0"/>
                 <a:cs typeface="Courier New" panose="02070309020205020404" pitchFamily="49" charset="0"/>
                 <a:sym typeface="Wingdings" panose="05000000000000000000" pitchFamily="2" charset="2"/>
               </a:rPr>
-              <a:t> </a:t>
-            </a:r>
-            <a:r>
-              <a:rPr lang="en-US" dirty="0" err="1" smtClean="0">
+              <a:t>'</a:t>
+            </a:r>
+            <a:r>
+              <a:rPr lang="en-US" sz="1600" dirty="0" smtClean="0">
                 <a:solidFill>
                   <a:schemeClr val="accent6"/>
                 </a:solidFill>
                 <a:latin typeface="Courier New" panose="02070309020205020404" pitchFamily="49" charset="0"/>
+                <a:ea typeface="Verdana" panose="020B0604030504040204" pitchFamily="34" charset="0"/>
+                <a:cs typeface="Courier New" panose="02070309020205020404" pitchFamily="49" charset="0"/>
+              </a:rPr>
+              <a:t>Hello World</a:t>
+            </a:r>
+            <a:r>
+              <a:rPr lang="en-US" sz="1600" dirty="0" smtClean="0">
+                <a:latin typeface="Courier New" panose="02070309020205020404" pitchFamily="49" charset="0"/>
                 <a:cs typeface="Courier New" panose="02070309020205020404" pitchFamily="49" charset="0"/>
                 <a:sym typeface="Wingdings" panose="05000000000000000000" pitchFamily="2" charset="2"/>
               </a:rPr>
-              <a:t>CamelCase</a:t>
-            </a:r>
-            <a:endParaRPr lang="en-US" dirty="0" smtClean="0">
+              <a:t>‘</a:t>
+            </a:r>
+            <a:r>
+              <a:rPr lang="en-US" sz="1600" dirty="0" smtClean="0">
+                <a:latin typeface="Courier New" panose="02070309020205020404" pitchFamily="49" charset="0"/>
+                <a:ea typeface="Verdana" panose="020B0604030504040204" pitchFamily="34" charset="0"/>
+                <a:cs typeface="Courier New" panose="02070309020205020404" pitchFamily="49" charset="0"/>
+                <a:sym typeface="Wingdings" panose="05000000000000000000" pitchFamily="2" charset="2"/>
+              </a:rPr>
+              <a:t>)</a:t>
+            </a:r>
+            <a:endParaRPr lang="en-US" sz="1600" b="1" dirty="0" smtClean="0">
               <a:solidFill>
-                <a:schemeClr val="accent6"/>
+                <a:schemeClr val="tx1"/>
+              </a:solidFill>
+              <a:latin typeface="Verdana" panose="020B0604030504040204" pitchFamily="34" charset="0"/>
+              <a:ea typeface="Verdana" panose="020B0604030504040204" pitchFamily="34" charset="0"/>
+            </a:endParaRPr>
+          </a:p>
+          <a:p>
+            <a:pPr marL="0" indent="0" algn="l">
+              <a:buNone/>
+            </a:pPr>
+            <a:endParaRPr lang="en-US" sz="1600" b="1" dirty="0" smtClean="0">
+              <a:solidFill>
+                <a:schemeClr val="tx1"/>
+              </a:solidFill>
+              <a:latin typeface="Verdana" panose="020B0604030504040204" pitchFamily="34" charset="0"/>
+              <a:ea typeface="Verdana" panose="020B0604030504040204" pitchFamily="34" charset="0"/>
+            </a:endParaRPr>
+          </a:p>
+          <a:p>
+            <a:pPr marL="0" indent="0" algn="l" rtl="0">
+              <a:buNone/>
+            </a:pPr>
+            <a:r>
+              <a:rPr lang="en-US" sz="1600" dirty="0" smtClean="0">
+                <a:solidFill>
+                  <a:schemeClr val="bg2">
+                    <a:lumMod val="50000"/>
+                  </a:schemeClr>
+                </a:solidFill>
+                <a:latin typeface="Courier New" panose="02070309020205020404" pitchFamily="49" charset="0"/>
+                <a:ea typeface="Verdana" panose="020B0604030504040204" pitchFamily="34" charset="0"/>
+                <a:cs typeface="Courier New" panose="02070309020205020404" pitchFamily="49" charset="0"/>
+              </a:rPr>
+              <a:t>&gt;&gt;</a:t>
+            </a:r>
+            <a:r>
+              <a:rPr lang="en-US" sz="1600" dirty="0" smtClean="0">
+                <a:solidFill>
+                  <a:srgbClr val="7030A0"/>
+                </a:solidFill>
+                <a:latin typeface="Courier New" panose="02070309020205020404" pitchFamily="49" charset="0"/>
+                <a:ea typeface="Verdana" panose="020B0604030504040204" pitchFamily="34" charset="0"/>
+                <a:cs typeface="Courier New" panose="02070309020205020404" pitchFamily="49" charset="0"/>
+              </a:rPr>
+              <a:t> </a:t>
+            </a:r>
+            <a:r>
+              <a:rPr lang="en-US" sz="1600" dirty="0">
+                <a:solidFill>
+                  <a:srgbClr val="0070C0"/>
+                </a:solidFill>
+                <a:latin typeface="Courier New" panose="02070309020205020404" pitchFamily="49" charset="0"/>
+                <a:ea typeface="Verdana" panose="020B0604030504040204" pitchFamily="34" charset="0"/>
+                <a:cs typeface="Courier New" panose="02070309020205020404" pitchFamily="49" charset="0"/>
+              </a:rPr>
+              <a:t>import </a:t>
+            </a:r>
+            <a:r>
+              <a:rPr lang="en-US" sz="1600" dirty="0">
+                <a:solidFill>
+                  <a:schemeClr val="tx1"/>
+                </a:solidFill>
+                <a:latin typeface="Courier New" panose="02070309020205020404" pitchFamily="49" charset="0"/>
+                <a:ea typeface="Verdana" panose="020B0604030504040204" pitchFamily="34" charset="0"/>
+                <a:cs typeface="Courier New" panose="02070309020205020404" pitchFamily="49" charset="0"/>
+              </a:rPr>
+              <a:t>sys</a:t>
+            </a:r>
+            <a:r>
+              <a:rPr lang="en-US" sz="1600" dirty="0">
+                <a:latin typeface="Courier New" panose="02070309020205020404" pitchFamily="49" charset="0"/>
+                <a:ea typeface="Verdana" panose="020B0604030504040204" pitchFamily="34" charset="0"/>
+                <a:cs typeface="Courier New" panose="02070309020205020404" pitchFamily="49" charset="0"/>
+              </a:rPr>
+              <a:t/>
+            </a:r>
+            <a:br>
+              <a:rPr lang="en-US" sz="1600" dirty="0">
+                <a:latin typeface="Courier New" panose="02070309020205020404" pitchFamily="49" charset="0"/>
+                <a:ea typeface="Verdana" panose="020B0604030504040204" pitchFamily="34" charset="0"/>
+                <a:cs typeface="Courier New" panose="02070309020205020404" pitchFamily="49" charset="0"/>
+              </a:rPr>
+            </a:br>
+            <a:r>
+              <a:rPr lang="en-US" sz="1600" dirty="0" smtClean="0">
+                <a:solidFill>
+                  <a:schemeClr val="bg2">
+                    <a:lumMod val="50000"/>
+                  </a:schemeClr>
+                </a:solidFill>
+                <a:latin typeface="Courier New" panose="02070309020205020404" pitchFamily="49" charset="0"/>
+                <a:ea typeface="Verdana" panose="020B0604030504040204" pitchFamily="34" charset="0"/>
+                <a:cs typeface="Courier New" panose="02070309020205020404" pitchFamily="49" charset="0"/>
+              </a:rPr>
+              <a:t>&gt;&gt; </a:t>
+            </a:r>
+            <a:r>
+              <a:rPr lang="en-US" sz="1600" dirty="0">
+                <a:solidFill>
+                  <a:srgbClr val="0070C0"/>
+                </a:solidFill>
+                <a:latin typeface="Courier New" panose="02070309020205020404" pitchFamily="49" charset="0"/>
+                <a:ea typeface="Verdana" panose="020B0604030504040204" pitchFamily="34" charset="0"/>
+                <a:cs typeface="Courier New" panose="02070309020205020404" pitchFamily="49" charset="0"/>
+              </a:rPr>
+              <a:t>print</a:t>
+            </a:r>
+            <a:r>
+              <a:rPr lang="en-US" sz="1600" dirty="0" smtClean="0">
+                <a:solidFill>
+                  <a:schemeClr val="tx1"/>
+                </a:solidFill>
+                <a:latin typeface="Courier New" panose="02070309020205020404" pitchFamily="49" charset="0"/>
+                <a:ea typeface="Verdana" panose="020B0604030504040204" pitchFamily="34" charset="0"/>
+                <a:cs typeface="Courier New" panose="02070309020205020404" pitchFamily="49" charset="0"/>
+              </a:rPr>
+              <a:t>(</a:t>
+            </a:r>
+            <a:r>
+              <a:rPr lang="en-US" sz="1600" dirty="0" err="1" smtClean="0">
+                <a:solidFill>
+                  <a:schemeClr val="tx1"/>
+                </a:solidFill>
+                <a:latin typeface="Courier New" panose="02070309020205020404" pitchFamily="49" charset="0"/>
+                <a:ea typeface="Verdana" panose="020B0604030504040204" pitchFamily="34" charset="0"/>
+                <a:cs typeface="Courier New" panose="02070309020205020404" pitchFamily="49" charset="0"/>
+              </a:rPr>
+              <a:t>sys.version</a:t>
+            </a:r>
+            <a:r>
+              <a:rPr lang="en-US" sz="1600" dirty="0" smtClean="0">
+                <a:solidFill>
+                  <a:schemeClr val="tx1"/>
+                </a:solidFill>
+                <a:latin typeface="Courier New" panose="02070309020205020404" pitchFamily="49" charset="0"/>
+                <a:ea typeface="Verdana" panose="020B0604030504040204" pitchFamily="34" charset="0"/>
+                <a:cs typeface="Courier New" panose="02070309020205020404" pitchFamily="49" charset="0"/>
+              </a:rPr>
+              <a:t>)</a:t>
+            </a:r>
+            <a:endParaRPr lang="fa-IR" sz="1600" dirty="0" smtClean="0">
+              <a:solidFill>
+                <a:schemeClr val="tx1"/>
               </a:solidFill>
               <a:latin typeface="Courier New" panose="02070309020205020404" pitchFamily="49" charset="0"/>
+              <a:ea typeface="Verdana" panose="020B0604030504040204" pitchFamily="34" charset="0"/>
               <a:cs typeface="Courier New" panose="02070309020205020404" pitchFamily="49" charset="0"/>
             </a:endParaRPr>
           </a:p>
           <a:p>
-            <a:pPr marL="0" indent="0" algn="l" rtl="0">
-              <a:lnSpc>
-                <a:spcPct val="100000"/>
-              </a:lnSpc>
+            <a:pPr marL="0" indent="0" algn="r">
               <a:buNone/>
             </a:pPr>
             <a:r>
-              <a:rPr lang="en-US" dirty="0" err="1" smtClean="0">
+              <a:rPr lang="fa-IR" sz="1600" b="1" dirty="0" smtClean="0">
                 <a:solidFill>
-                  <a:schemeClr val="accent1">
-                    <a:lumMod val="60000"/>
-                    <a:lumOff val="40000"/>
-                  </a:schemeClr>
-                </a:solidFill>
-                <a:latin typeface="Courier New" panose="02070309020205020404" pitchFamily="49" charset="0"/>
-                <a:cs typeface="Courier New" panose="02070309020205020404" pitchFamily="49" charset="0"/>
-              </a:rPr>
-              <a:t>var_name</a:t>
-            </a:r>
-            <a:r>
-              <a:rPr lang="en-US" dirty="0" smtClean="0">
-                <a:solidFill>
-                  <a:schemeClr val="accent1">
-                    <a:lumMod val="60000"/>
-                    <a:lumOff val="40000"/>
-                  </a:schemeClr>
-                </a:solidFill>
-                <a:latin typeface="Courier New" panose="02070309020205020404" pitchFamily="49" charset="0"/>
-                <a:cs typeface="Courier New" panose="02070309020205020404" pitchFamily="49" charset="0"/>
-              </a:rPr>
-              <a:t>, _</a:t>
-            </a:r>
-            <a:r>
-              <a:rPr lang="en-US" dirty="0" err="1" smtClean="0">
-                <a:solidFill>
-                  <a:schemeClr val="accent1">
-                    <a:lumMod val="60000"/>
-                    <a:lumOff val="40000"/>
-                  </a:schemeClr>
-                </a:solidFill>
-                <a:latin typeface="Courier New" panose="02070309020205020404" pitchFamily="49" charset="0"/>
-                <a:cs typeface="Courier New" panose="02070309020205020404" pitchFamily="49" charset="0"/>
-              </a:rPr>
-              <a:t>var_name</a:t>
-            </a:r>
-            <a:r>
-              <a:rPr lang="en-US" dirty="0" smtClean="0">
-                <a:latin typeface="Courier New" panose="02070309020205020404" pitchFamily="49" charset="0"/>
-                <a:cs typeface="Courier New" panose="02070309020205020404" pitchFamily="49" charset="0"/>
-              </a:rPr>
-              <a:t> 	</a:t>
-            </a:r>
-            <a:r>
-              <a:rPr lang="en-US" dirty="0" smtClean="0">
-                <a:latin typeface="Courier New" panose="02070309020205020404" pitchFamily="49" charset="0"/>
-                <a:cs typeface="Courier New" panose="02070309020205020404" pitchFamily="49" charset="0"/>
-                <a:sym typeface="Wingdings" panose="05000000000000000000" pitchFamily="2" charset="2"/>
-              </a:rPr>
-              <a:t> </a:t>
-            </a:r>
-            <a:r>
-              <a:rPr lang="en-US" dirty="0" err="1" smtClean="0">
-                <a:solidFill>
-                  <a:schemeClr val="accent6"/>
-                </a:solidFill>
-                <a:latin typeface="Courier New" panose="02070309020205020404" pitchFamily="49" charset="0"/>
-                <a:cs typeface="Courier New" panose="02070309020205020404" pitchFamily="49" charset="0"/>
-                <a:sym typeface="Wingdings" panose="05000000000000000000" pitchFamily="2" charset="2"/>
-              </a:rPr>
-              <a:t>snake_case</a:t>
-            </a:r>
-            <a:endParaRPr lang="en-US" dirty="0" smtClean="0">
-              <a:solidFill>
-                <a:schemeClr val="accent6"/>
-              </a:solidFill>
-              <a:latin typeface="Courier New" panose="02070309020205020404" pitchFamily="49" charset="0"/>
-              <a:cs typeface="Courier New" panose="02070309020205020404" pitchFamily="49" charset="0"/>
-              <a:sym typeface="Wingdings" panose="05000000000000000000" pitchFamily="2" charset="2"/>
-            </a:endParaRPr>
-          </a:p>
-          <a:p>
-            <a:pPr marL="0" indent="0" algn="l" rtl="0">
-              <a:lnSpc>
-                <a:spcPct val="100000"/>
-              </a:lnSpc>
-              <a:buNone/>
-            </a:pPr>
-            <a:r>
-              <a:rPr lang="en-US" dirty="0" smtClean="0">
-                <a:solidFill>
-                  <a:schemeClr val="accent1">
-                    <a:lumMod val="60000"/>
-                    <a:lumOff val="40000"/>
-                  </a:schemeClr>
-                </a:solidFill>
-                <a:latin typeface="Courier New" panose="02070309020205020404" pitchFamily="49" charset="0"/>
-                <a:cs typeface="Courier New" panose="02070309020205020404" pitchFamily="49" charset="0"/>
-                <a:sym typeface="Wingdings" panose="05000000000000000000" pitchFamily="2" charset="2"/>
-              </a:rPr>
-              <a:t>2varName, var.name</a:t>
-            </a:r>
-            <a:r>
-              <a:rPr lang="en-US" dirty="0" smtClean="0">
-                <a:latin typeface="Courier New" panose="02070309020205020404" pitchFamily="49" charset="0"/>
-                <a:cs typeface="Courier New" panose="02070309020205020404" pitchFamily="49" charset="0"/>
-                <a:sym typeface="Wingdings" panose="05000000000000000000" pitchFamily="2" charset="2"/>
-              </a:rPr>
-              <a:t> 	 </a:t>
-            </a:r>
-            <a:r>
-              <a:rPr lang="en-US" dirty="0" smtClean="0">
-                <a:solidFill>
-                  <a:srgbClr val="FF0000"/>
-                </a:solidFill>
-                <a:latin typeface="Courier New" panose="02070309020205020404" pitchFamily="49" charset="0"/>
-                <a:cs typeface="Courier New" panose="02070309020205020404" pitchFamily="49" charset="0"/>
-                <a:sym typeface="Wingdings" panose="05000000000000000000" pitchFamily="2" charset="2"/>
-              </a:rPr>
-              <a:t>invalid </a:t>
-            </a:r>
-            <a:r>
-              <a:rPr lang="en-US" dirty="0" smtClean="0">
-                <a:solidFill>
-                  <a:srgbClr val="FF0000"/>
+                  <a:schemeClr val="tx1"/>
                 </a:solidFill>
                 <a:latin typeface="Verdana" panose="020B0604030504040204" pitchFamily="34" charset="0"/>
                 <a:ea typeface="Verdana" panose="020B0604030504040204" pitchFamily="34" charset="0"/>
-                <a:cs typeface="Courier New" panose="02070309020205020404" pitchFamily="49" charset="0"/>
-                <a:sym typeface="Wingdings" panose="05000000000000000000" pitchFamily="2" charset="2"/>
-              </a:rPr>
-              <a:t>X</a:t>
-            </a:r>
-            <a:endParaRPr lang="en-US" dirty="0">
+              </a:rPr>
+              <a:t>چاپ نسخه پایتون</a:t>
+            </a:r>
+            <a:endParaRPr lang="en-US" sz="1600" dirty="0">
               <a:solidFill>
-                <a:srgbClr val="FF0000"/>
+                <a:schemeClr val="tx1"/>
               </a:solidFill>
+              <a:latin typeface="Courier New" panose="02070309020205020404" pitchFamily="49" charset="0"/>
+              <a:ea typeface="Verdana" panose="020B0604030504040204" pitchFamily="34" charset="0"/>
+              <a:cs typeface="Courier New" panose="02070309020205020404" pitchFamily="49" charset="0"/>
+            </a:endParaRPr>
+          </a:p>
+          <a:p>
+            <a:pPr marL="0" indent="0" algn="l" rtl="0">
+              <a:buNone/>
+            </a:pPr>
+            <a:endParaRPr lang="en-US" sz="1600" dirty="0" smtClean="0">
               <a:latin typeface="Verdana" panose="020B0604030504040204" pitchFamily="34" charset="0"/>
               <a:ea typeface="Verdana" panose="020B0604030504040204" pitchFamily="34" charset="0"/>
               <a:cs typeface="Courier New" panose="02070309020205020404" pitchFamily="49" charset="0"/>
@@ -6392,10 +7074,507 @@
           </a:p>
         </p:txBody>
       </p:sp>
+      <p:sp>
+        <p:nvSpPr>
+          <p:cNvPr id="6" name="Content Placeholder 2"/>
+          <p:cNvSpPr txBox="1">
+            <a:spLocks/>
+          </p:cNvSpPr>
+          <p:nvPr/>
+        </p:nvSpPr>
+        <p:spPr>
+          <a:xfrm>
+            <a:off x="5408897" y="1370896"/>
+            <a:ext cx="3005581" cy="4534678"/>
+          </a:xfrm>
+          <a:prstGeom prst="rect">
+            <a:avLst/>
+          </a:prstGeom>
+          <a:ln>
+            <a:prstDash val="sysDash"/>
+          </a:ln>
+        </p:spPr>
+        <p:style>
+          <a:lnRef idx="2">
+            <a:schemeClr val="accent2"/>
+          </a:lnRef>
+          <a:fillRef idx="1">
+            <a:schemeClr val="lt1"/>
+          </a:fillRef>
+          <a:effectRef idx="0">
+            <a:schemeClr val="accent2"/>
+          </a:effectRef>
+          <a:fontRef idx="minor">
+            <a:schemeClr val="dk1"/>
+          </a:fontRef>
+        </p:style>
+        <p:txBody>
+          <a:bodyPr vert="horz" lIns="91440" tIns="45720" rIns="91440" bIns="45720" rtlCol="0" anchor="ctr">
+            <a:normAutofit/>
+          </a:bodyPr>
+          <a:lstStyle>
+            <a:lvl1pPr marL="306000" indent="-306000" algn="r" defTabSz="457200" rtl="1" eaLnBrk="1" latinLnBrk="0" hangingPunct="1">
+              <a:lnSpc>
+                <a:spcPct val="150000"/>
+              </a:lnSpc>
+              <a:spcBef>
+                <a:spcPct val="20000"/>
+              </a:spcBef>
+              <a:spcAft>
+                <a:spcPts val="600"/>
+              </a:spcAft>
+              <a:buClr>
+                <a:schemeClr val="accent2"/>
+              </a:buClr>
+              <a:buSzPct val="92000"/>
+              <a:buFont typeface="Wingdings 2" panose="05020102010507070707" pitchFamily="18" charset="2"/>
+              <a:buChar char=""/>
+              <a:defRPr sz="1800" kern="1200">
+                <a:solidFill>
+                  <a:schemeClr val="tx2"/>
+                </a:solidFill>
+                <a:latin typeface="+mn-lt"/>
+                <a:ea typeface="+mn-ea"/>
+                <a:cs typeface="B Mitra" panose="00000400000000000000" pitchFamily="2" charset="-78"/>
+              </a:defRPr>
+            </a:lvl1pPr>
+            <a:lvl2pPr marL="630000" indent="-306000" algn="r" defTabSz="457200" rtl="1" eaLnBrk="1" latinLnBrk="0" hangingPunct="1">
+              <a:lnSpc>
+                <a:spcPct val="150000"/>
+              </a:lnSpc>
+              <a:spcBef>
+                <a:spcPct val="20000"/>
+              </a:spcBef>
+              <a:spcAft>
+                <a:spcPts val="600"/>
+              </a:spcAft>
+              <a:buClr>
+                <a:schemeClr val="accent2"/>
+              </a:buClr>
+              <a:buSzPct val="92000"/>
+              <a:buFont typeface="Wingdings 2" panose="05020102010507070707" pitchFamily="18" charset="2"/>
+              <a:buChar char=""/>
+              <a:defRPr sz="1600" kern="1200">
+                <a:solidFill>
+                  <a:schemeClr val="tx2"/>
+                </a:solidFill>
+                <a:latin typeface="+mn-lt"/>
+                <a:ea typeface="+mn-ea"/>
+                <a:cs typeface="B Mitra" panose="00000400000000000000" pitchFamily="2" charset="-78"/>
+              </a:defRPr>
+            </a:lvl2pPr>
+            <a:lvl3pPr marL="900000" indent="-270000" algn="r" defTabSz="457200" rtl="1" eaLnBrk="1" latinLnBrk="0" hangingPunct="1">
+              <a:lnSpc>
+                <a:spcPct val="150000"/>
+              </a:lnSpc>
+              <a:spcBef>
+                <a:spcPct val="20000"/>
+              </a:spcBef>
+              <a:spcAft>
+                <a:spcPts val="600"/>
+              </a:spcAft>
+              <a:buClr>
+                <a:schemeClr val="accent2"/>
+              </a:buClr>
+              <a:buSzPct val="92000"/>
+              <a:buFont typeface="Wingdings 2" panose="05020102010507070707" pitchFamily="18" charset="2"/>
+              <a:buChar char=""/>
+              <a:defRPr sz="1400" kern="1200">
+                <a:solidFill>
+                  <a:schemeClr val="tx2"/>
+                </a:solidFill>
+                <a:latin typeface="+mn-lt"/>
+                <a:ea typeface="+mn-ea"/>
+                <a:cs typeface="B Mitra" panose="00000400000000000000" pitchFamily="2" charset="-78"/>
+              </a:defRPr>
+            </a:lvl3pPr>
+            <a:lvl4pPr marL="1242000" indent="-234000" algn="r" defTabSz="457200" rtl="1" eaLnBrk="1" latinLnBrk="0" hangingPunct="1">
+              <a:lnSpc>
+                <a:spcPct val="150000"/>
+              </a:lnSpc>
+              <a:spcBef>
+                <a:spcPct val="20000"/>
+              </a:spcBef>
+              <a:spcAft>
+                <a:spcPts val="600"/>
+              </a:spcAft>
+              <a:buClr>
+                <a:schemeClr val="accent2"/>
+              </a:buClr>
+              <a:buSzPct val="92000"/>
+              <a:buFont typeface="Wingdings 2" panose="05020102010507070707" pitchFamily="18" charset="2"/>
+              <a:buChar char=""/>
+              <a:defRPr sz="1200" kern="1200">
+                <a:solidFill>
+                  <a:schemeClr val="tx2"/>
+                </a:solidFill>
+                <a:latin typeface="+mn-lt"/>
+                <a:ea typeface="+mn-ea"/>
+                <a:cs typeface="B Mitra" panose="00000400000000000000" pitchFamily="2" charset="-78"/>
+              </a:defRPr>
+            </a:lvl4pPr>
+            <a:lvl5pPr marL="1602000" indent="-234000" algn="r" defTabSz="457200" rtl="1" eaLnBrk="1" latinLnBrk="0" hangingPunct="1">
+              <a:lnSpc>
+                <a:spcPct val="150000"/>
+              </a:lnSpc>
+              <a:spcBef>
+                <a:spcPct val="20000"/>
+              </a:spcBef>
+              <a:spcAft>
+                <a:spcPts val="600"/>
+              </a:spcAft>
+              <a:buClr>
+                <a:schemeClr val="accent2"/>
+              </a:buClr>
+              <a:buSzPct val="92000"/>
+              <a:buFont typeface="Wingdings 2" panose="05020102010507070707" pitchFamily="18" charset="2"/>
+              <a:buChar char=""/>
+              <a:defRPr sz="1200" kern="1200">
+                <a:solidFill>
+                  <a:schemeClr val="tx2"/>
+                </a:solidFill>
+                <a:latin typeface="+mn-lt"/>
+                <a:ea typeface="+mn-ea"/>
+                <a:cs typeface="B Mitra" panose="00000400000000000000" pitchFamily="2" charset="-78"/>
+              </a:defRPr>
+            </a:lvl5pPr>
+            <a:lvl6pPr marL="1900000" indent="-228600" algn="l" defTabSz="457200" rtl="0" eaLnBrk="1" latinLnBrk="0" hangingPunct="1">
+              <a:spcBef>
+                <a:spcPct val="20000"/>
+              </a:spcBef>
+              <a:spcAft>
+                <a:spcPts val="600"/>
+              </a:spcAft>
+              <a:buClr>
+                <a:schemeClr val="accent2"/>
+              </a:buClr>
+              <a:buSzPct val="92000"/>
+              <a:buFont typeface="Wingdings 2" panose="05020102010507070707" pitchFamily="18" charset="2"/>
+              <a:buChar char=""/>
+              <a:defRPr sz="1200" kern="1200">
+                <a:solidFill>
+                  <a:schemeClr val="tx2"/>
+                </a:solidFill>
+                <a:latin typeface="+mn-lt"/>
+                <a:ea typeface="+mn-ea"/>
+                <a:cs typeface="+mn-cs"/>
+              </a:defRPr>
+            </a:lvl6pPr>
+            <a:lvl7pPr marL="2200000" indent="-228600" algn="l" defTabSz="457200" rtl="0" eaLnBrk="1" latinLnBrk="0" hangingPunct="1">
+              <a:spcBef>
+                <a:spcPct val="20000"/>
+              </a:spcBef>
+              <a:spcAft>
+                <a:spcPts val="600"/>
+              </a:spcAft>
+              <a:buClr>
+                <a:schemeClr val="accent2"/>
+              </a:buClr>
+              <a:buSzPct val="92000"/>
+              <a:buFont typeface="Wingdings 2" panose="05020102010507070707" pitchFamily="18" charset="2"/>
+              <a:buChar char=""/>
+              <a:defRPr sz="1200" kern="1200">
+                <a:solidFill>
+                  <a:schemeClr val="tx2"/>
+                </a:solidFill>
+                <a:latin typeface="+mn-lt"/>
+                <a:ea typeface="+mn-ea"/>
+                <a:cs typeface="+mn-cs"/>
+              </a:defRPr>
+            </a:lvl7pPr>
+            <a:lvl8pPr marL="2500000" indent="-228600" algn="l" defTabSz="457200" rtl="0" eaLnBrk="1" latinLnBrk="0" hangingPunct="1">
+              <a:spcBef>
+                <a:spcPct val="20000"/>
+              </a:spcBef>
+              <a:spcAft>
+                <a:spcPts val="600"/>
+              </a:spcAft>
+              <a:buClr>
+                <a:schemeClr val="accent2"/>
+              </a:buClr>
+              <a:buSzPct val="92000"/>
+              <a:buFont typeface="Wingdings 2" panose="05020102010507070707" pitchFamily="18" charset="2"/>
+              <a:buChar char=""/>
+              <a:defRPr sz="1200" kern="1200">
+                <a:solidFill>
+                  <a:schemeClr val="tx2"/>
+                </a:solidFill>
+                <a:latin typeface="+mn-lt"/>
+                <a:ea typeface="+mn-ea"/>
+                <a:cs typeface="+mn-cs"/>
+              </a:defRPr>
+            </a:lvl8pPr>
+            <a:lvl9pPr marL="2800000" indent="-228600" algn="l" defTabSz="457200" rtl="0" eaLnBrk="1" latinLnBrk="0" hangingPunct="1">
+              <a:spcBef>
+                <a:spcPct val="20000"/>
+              </a:spcBef>
+              <a:spcAft>
+                <a:spcPts val="600"/>
+              </a:spcAft>
+              <a:buClr>
+                <a:schemeClr val="accent2"/>
+              </a:buClr>
+              <a:buSzPct val="92000"/>
+              <a:buFont typeface="Wingdings 2" panose="05020102010507070707" pitchFamily="18" charset="2"/>
+              <a:buChar char=""/>
+              <a:defRPr sz="1200" kern="1200">
+                <a:solidFill>
+                  <a:schemeClr val="tx2"/>
+                </a:solidFill>
+                <a:latin typeface="+mn-lt"/>
+                <a:ea typeface="+mn-ea"/>
+                <a:cs typeface="+mn-cs"/>
+              </a:defRPr>
+            </a:lvl9pPr>
+          </a:lstStyle>
+          <a:p>
+            <a:pPr marL="0" indent="0" algn="r" rtl="0">
+              <a:buNone/>
+            </a:pPr>
+            <a:r>
+              <a:rPr lang="fa-IR" b="1" dirty="0">
+                <a:latin typeface="Verdana" panose="020B0604030504040204" pitchFamily="34" charset="0"/>
+                <a:ea typeface="Verdana" panose="020B0604030504040204" pitchFamily="34" charset="0"/>
+              </a:rPr>
+              <a:t>کامنت </a:t>
+            </a:r>
+            <a:r>
+              <a:rPr lang="fa-IR" b="1" dirty="0" smtClean="0">
+                <a:latin typeface="Verdana" panose="020B0604030504040204" pitchFamily="34" charset="0"/>
+                <a:ea typeface="Verdana" panose="020B0604030504040204" pitchFamily="34" charset="0"/>
+              </a:rPr>
+              <a:t>ها</a:t>
+            </a:r>
+            <a:endParaRPr lang="en-US" b="1" dirty="0" smtClean="0">
+              <a:latin typeface="Verdana" panose="020B0604030504040204" pitchFamily="34" charset="0"/>
+              <a:ea typeface="Verdana" panose="020B0604030504040204" pitchFamily="34" charset="0"/>
+            </a:endParaRPr>
+          </a:p>
+          <a:p>
+            <a:pPr marL="0" indent="0" algn="l">
+              <a:buNone/>
+            </a:pPr>
+            <a:r>
+              <a:rPr lang="en-US" sz="1600" dirty="0" smtClean="0">
+                <a:solidFill>
+                  <a:schemeClr val="accent6"/>
+                </a:solidFill>
+                <a:latin typeface="Courier New" panose="02070309020205020404" pitchFamily="49" charset="0"/>
+                <a:ea typeface="Verdana" panose="020B0604030504040204" pitchFamily="34" charset="0"/>
+                <a:cs typeface="Courier New" panose="02070309020205020404" pitchFamily="49" charset="0"/>
+              </a:rPr>
+              <a:t># </a:t>
+            </a:r>
+            <a:r>
+              <a:rPr lang="en-US" sz="1600" dirty="0">
+                <a:solidFill>
+                  <a:schemeClr val="accent6"/>
+                </a:solidFill>
+                <a:latin typeface="Courier New" panose="02070309020205020404" pitchFamily="49" charset="0"/>
+                <a:ea typeface="Verdana" panose="020B0604030504040204" pitchFamily="34" charset="0"/>
+                <a:cs typeface="Courier New" panose="02070309020205020404" pitchFamily="49" charset="0"/>
+              </a:rPr>
+              <a:t>One line </a:t>
+            </a:r>
+            <a:r>
+              <a:rPr lang="en-US" sz="1600" dirty="0" smtClean="0">
+                <a:solidFill>
+                  <a:schemeClr val="accent6"/>
+                </a:solidFill>
+                <a:latin typeface="Courier New" panose="02070309020205020404" pitchFamily="49" charset="0"/>
+                <a:ea typeface="Verdana" panose="020B0604030504040204" pitchFamily="34" charset="0"/>
+                <a:cs typeface="Courier New" panose="02070309020205020404" pitchFamily="49" charset="0"/>
+              </a:rPr>
+              <a:t>comment</a:t>
+            </a:r>
+            <a:br>
+              <a:rPr lang="en-US" sz="1600" dirty="0" smtClean="0">
+                <a:solidFill>
+                  <a:schemeClr val="accent6"/>
+                </a:solidFill>
+                <a:latin typeface="Courier New" panose="02070309020205020404" pitchFamily="49" charset="0"/>
+                <a:ea typeface="Verdana" panose="020B0604030504040204" pitchFamily="34" charset="0"/>
+                <a:cs typeface="Courier New" panose="02070309020205020404" pitchFamily="49" charset="0"/>
+              </a:rPr>
+            </a:br>
+            <a:endParaRPr lang="en-US" dirty="0" smtClean="0">
+              <a:solidFill>
+                <a:schemeClr val="accent6"/>
+              </a:solidFill>
+              <a:latin typeface="Verdana" panose="020B0604030504040204" pitchFamily="34" charset="0"/>
+              <a:ea typeface="Verdana" panose="020B0604030504040204" pitchFamily="34" charset="0"/>
+              <a:cs typeface="Courier New" panose="02070309020205020404" pitchFamily="49" charset="0"/>
+            </a:endParaRPr>
+          </a:p>
+          <a:p>
+            <a:pPr marL="0" indent="0" algn="l" rtl="0">
+              <a:buNone/>
+            </a:pPr>
+            <a:r>
+              <a:rPr lang="en-US" sz="1600" dirty="0" smtClean="0">
+                <a:solidFill>
+                  <a:schemeClr val="accent6"/>
+                </a:solidFill>
+                <a:latin typeface="Courier New" panose="02070309020205020404" pitchFamily="49" charset="0"/>
+                <a:cs typeface="Courier New" panose="02070309020205020404" pitchFamily="49" charset="0"/>
+                <a:sym typeface="Wingdings" panose="05000000000000000000" pitchFamily="2" charset="2"/>
+              </a:rPr>
+              <a:t>'''</a:t>
+            </a:r>
+            <a:r>
+              <a:rPr lang="en-US" sz="1600" dirty="0">
+                <a:solidFill>
+                  <a:schemeClr val="accent6"/>
+                </a:solidFill>
+                <a:latin typeface="Courier New" panose="02070309020205020404" pitchFamily="49" charset="0"/>
+                <a:ea typeface="Verdana" panose="020B0604030504040204" pitchFamily="34" charset="0"/>
+                <a:cs typeface="Courier New" panose="02070309020205020404" pitchFamily="49" charset="0"/>
+              </a:rPr>
+              <a:t/>
+            </a:r>
+            <a:br>
+              <a:rPr lang="en-US" sz="1600" dirty="0">
+                <a:solidFill>
+                  <a:schemeClr val="accent6"/>
+                </a:solidFill>
+                <a:latin typeface="Courier New" panose="02070309020205020404" pitchFamily="49" charset="0"/>
+                <a:ea typeface="Verdana" panose="020B0604030504040204" pitchFamily="34" charset="0"/>
+                <a:cs typeface="Courier New" panose="02070309020205020404" pitchFamily="49" charset="0"/>
+              </a:rPr>
+            </a:br>
+            <a:r>
+              <a:rPr lang="en-US" sz="1600" dirty="0" smtClean="0">
+                <a:solidFill>
+                  <a:schemeClr val="accent6"/>
+                </a:solidFill>
+                <a:latin typeface="Courier New" panose="02070309020205020404" pitchFamily="49" charset="0"/>
+                <a:ea typeface="Verdana" panose="020B0604030504040204" pitchFamily="34" charset="0"/>
+                <a:cs typeface="Courier New" panose="02070309020205020404" pitchFamily="49" charset="0"/>
+              </a:rPr>
+              <a:t>Multiple</a:t>
+            </a:r>
+            <a:r>
+              <a:rPr lang="en-US" sz="1600" dirty="0">
+                <a:solidFill>
+                  <a:schemeClr val="accent6"/>
+                </a:solidFill>
+                <a:latin typeface="Courier New" panose="02070309020205020404" pitchFamily="49" charset="0"/>
+                <a:ea typeface="Verdana" panose="020B0604030504040204" pitchFamily="34" charset="0"/>
+                <a:cs typeface="Courier New" panose="02070309020205020404" pitchFamily="49" charset="0"/>
+              </a:rPr>
+              <a:t/>
+            </a:r>
+            <a:br>
+              <a:rPr lang="en-US" sz="1600" dirty="0">
+                <a:solidFill>
+                  <a:schemeClr val="accent6"/>
+                </a:solidFill>
+                <a:latin typeface="Courier New" panose="02070309020205020404" pitchFamily="49" charset="0"/>
+                <a:ea typeface="Verdana" panose="020B0604030504040204" pitchFamily="34" charset="0"/>
+                <a:cs typeface="Courier New" panose="02070309020205020404" pitchFamily="49" charset="0"/>
+              </a:rPr>
+            </a:br>
+            <a:r>
+              <a:rPr lang="en-US" sz="1600" dirty="0" smtClean="0">
+                <a:solidFill>
+                  <a:schemeClr val="accent6"/>
+                </a:solidFill>
+                <a:latin typeface="Courier New" panose="02070309020205020404" pitchFamily="49" charset="0"/>
+                <a:ea typeface="Verdana" panose="020B0604030504040204" pitchFamily="34" charset="0"/>
+                <a:cs typeface="Courier New" panose="02070309020205020404" pitchFamily="49" charset="0"/>
+              </a:rPr>
+              <a:t>Line</a:t>
+            </a:r>
+            <a:r>
+              <a:rPr lang="en-US" sz="1600" dirty="0">
+                <a:solidFill>
+                  <a:schemeClr val="accent6"/>
+                </a:solidFill>
+                <a:latin typeface="Courier New" panose="02070309020205020404" pitchFamily="49" charset="0"/>
+                <a:ea typeface="Verdana" panose="020B0604030504040204" pitchFamily="34" charset="0"/>
+                <a:cs typeface="Courier New" panose="02070309020205020404" pitchFamily="49" charset="0"/>
+              </a:rPr>
+              <a:t/>
+            </a:r>
+            <a:br>
+              <a:rPr lang="en-US" sz="1600" dirty="0">
+                <a:solidFill>
+                  <a:schemeClr val="accent6"/>
+                </a:solidFill>
+                <a:latin typeface="Courier New" panose="02070309020205020404" pitchFamily="49" charset="0"/>
+                <a:ea typeface="Verdana" panose="020B0604030504040204" pitchFamily="34" charset="0"/>
+                <a:cs typeface="Courier New" panose="02070309020205020404" pitchFamily="49" charset="0"/>
+              </a:rPr>
+            </a:br>
+            <a:r>
+              <a:rPr lang="en-US" sz="1600" dirty="0" smtClean="0">
+                <a:solidFill>
+                  <a:schemeClr val="accent6"/>
+                </a:solidFill>
+                <a:latin typeface="Courier New" panose="02070309020205020404" pitchFamily="49" charset="0"/>
+                <a:ea typeface="Verdana" panose="020B0604030504040204" pitchFamily="34" charset="0"/>
+                <a:cs typeface="Courier New" panose="02070309020205020404" pitchFamily="49" charset="0"/>
+              </a:rPr>
+              <a:t>Comment</a:t>
+            </a:r>
+            <a:r>
+              <a:rPr lang="en-US" sz="1600" dirty="0">
+                <a:solidFill>
+                  <a:schemeClr val="accent6"/>
+                </a:solidFill>
+                <a:latin typeface="Courier New" panose="02070309020205020404" pitchFamily="49" charset="0"/>
+                <a:ea typeface="Verdana" panose="020B0604030504040204" pitchFamily="34" charset="0"/>
+                <a:cs typeface="Courier New" panose="02070309020205020404" pitchFamily="49" charset="0"/>
+              </a:rPr>
+              <a:t/>
+            </a:r>
+            <a:br>
+              <a:rPr lang="en-US" sz="1600" dirty="0">
+                <a:solidFill>
+                  <a:schemeClr val="accent6"/>
+                </a:solidFill>
+                <a:latin typeface="Courier New" panose="02070309020205020404" pitchFamily="49" charset="0"/>
+                <a:ea typeface="Verdana" panose="020B0604030504040204" pitchFamily="34" charset="0"/>
+                <a:cs typeface="Courier New" panose="02070309020205020404" pitchFamily="49" charset="0"/>
+              </a:rPr>
+            </a:br>
+            <a:r>
+              <a:rPr lang="en-US" sz="1600" dirty="0" smtClean="0">
+                <a:solidFill>
+                  <a:schemeClr val="accent6"/>
+                </a:solidFill>
+                <a:latin typeface="Courier New" panose="02070309020205020404" pitchFamily="49" charset="0"/>
+                <a:cs typeface="Courier New" panose="02070309020205020404" pitchFamily="49" charset="0"/>
+                <a:sym typeface="Wingdings" panose="05000000000000000000" pitchFamily="2" charset="2"/>
+              </a:rPr>
+              <a:t>''</a:t>
+            </a:r>
+            <a:r>
+              <a:rPr lang="en-US" sz="1600" dirty="0">
+                <a:solidFill>
+                  <a:schemeClr val="accent6"/>
+                </a:solidFill>
+                <a:latin typeface="Courier New" panose="02070309020205020404" pitchFamily="49" charset="0"/>
+                <a:cs typeface="Courier New" panose="02070309020205020404" pitchFamily="49" charset="0"/>
+                <a:sym typeface="Wingdings" panose="05000000000000000000" pitchFamily="2" charset="2"/>
+              </a:rPr>
+              <a:t>'</a:t>
+            </a:r>
+            <a:endParaRPr lang="en-US" sz="1600" dirty="0" smtClean="0">
+              <a:solidFill>
+                <a:schemeClr val="accent6"/>
+              </a:solidFill>
+              <a:latin typeface="Courier New" panose="02070309020205020404" pitchFamily="49" charset="0"/>
+              <a:ea typeface="Verdana" panose="020B0604030504040204" pitchFamily="34" charset="0"/>
+              <a:cs typeface="Courier New" panose="02070309020205020404" pitchFamily="49" charset="0"/>
+            </a:endParaRPr>
+          </a:p>
+        </p:txBody>
+      </p:sp>
     </p:spTree>
     <p:extLst>
       <p:ext uri="{BB962C8B-B14F-4D97-AF65-F5344CB8AC3E}">
-        <p14:creationId xmlns:p14="http://schemas.microsoft.com/office/powerpoint/2010/main" val="3191094520"/>
+        <p14:creationId xmlns:p14="http://schemas.microsoft.com/office/powerpoint/2010/main" val="809180864"/>
       </p:ext>
     </p:extLst>
   </p:cSld>
@@ -6458,7 +7637,7 @@
           <a:p>
             <a:r>
               <a:rPr lang="fa-IR" dirty="0" smtClean="0"/>
-              <a:t>متغیرها</a:t>
+              <a:t>ذخیره و اجرای کدها</a:t>
             </a:r>
             <a:endParaRPr lang="en-US" dirty="0"/>
           </a:p>
@@ -6476,10 +7655,446 @@
         </p:nvSpPr>
         <p:spPr/>
         <p:txBody>
-          <a:bodyPr>
-            <a:normAutofit fontScale="92500" lnSpcReduction="10000"/>
-          </a:bodyPr>
+          <a:bodyPr/>
           <a:lstStyle/>
+          <a:p>
+            <a:r>
+              <a:rPr lang="fa-IR" dirty="0" smtClean="0"/>
+              <a:t>روش های اجرای کدهای پایتون</a:t>
+            </a:r>
+          </a:p>
+          <a:p>
+            <a:pPr marL="666900" lvl="1" indent="-342900">
+              <a:buFont typeface="+mj-lt"/>
+              <a:buAutoNum type="arabicPeriod"/>
+            </a:pPr>
+            <a:r>
+              <a:rPr lang="fa-IR" dirty="0" smtClean="0"/>
+              <a:t>ذخیره </a:t>
+            </a:r>
+            <a:r>
+              <a:rPr lang="fa-IR" dirty="0" smtClean="0"/>
+              <a:t>کدها در فایل متنی با پسوند </a:t>
+            </a:r>
+            <a:r>
+              <a:rPr lang="en-US" dirty="0" smtClean="0"/>
+              <a:t>.</a:t>
+            </a:r>
+            <a:r>
+              <a:rPr lang="en-US" dirty="0" err="1" smtClean="0"/>
+              <a:t>py</a:t>
+            </a:r>
+            <a:r>
+              <a:rPr lang="fa-IR" dirty="0" smtClean="0"/>
+              <a:t> (یا </a:t>
+            </a:r>
+            <a:r>
+              <a:rPr lang="en-US" dirty="0" smtClean="0"/>
+              <a:t>.</a:t>
+            </a:r>
+            <a:r>
+              <a:rPr lang="en-US" dirty="0" err="1" smtClean="0"/>
+              <a:t>pyw</a:t>
+            </a:r>
+            <a:r>
+              <a:rPr lang="fa-IR" dirty="0" smtClean="0"/>
+              <a:t>) و اجرای یک </a:t>
+            </a:r>
+            <a:r>
+              <a:rPr lang="fa-IR" dirty="0" smtClean="0"/>
+              <a:t>جا</a:t>
+            </a:r>
+          </a:p>
+          <a:p>
+            <a:pPr marL="666900" lvl="1" indent="-342900">
+              <a:buFont typeface="+mj-lt"/>
+              <a:buAutoNum type="arabicPeriod"/>
+            </a:pPr>
+            <a:r>
+              <a:rPr lang="fa-IR" dirty="0"/>
+              <a:t>اجرای خط به خط در کنسول پایتون (</a:t>
+            </a:r>
+            <a:r>
+              <a:rPr lang="en-US" dirty="0"/>
+              <a:t>Shell</a:t>
+            </a:r>
+            <a:r>
+              <a:rPr lang="fa-IR" dirty="0"/>
+              <a:t>، </a:t>
+            </a:r>
+            <a:r>
+              <a:rPr lang="en-US" dirty="0"/>
+              <a:t>IDLE</a:t>
+            </a:r>
+            <a:r>
+              <a:rPr lang="fa-IR" dirty="0"/>
+              <a:t> یا </a:t>
+            </a:r>
+            <a:r>
+              <a:rPr lang="en-US" dirty="0" err="1"/>
+              <a:t>IPython</a:t>
+            </a:r>
+            <a:r>
+              <a:rPr lang="fa-IR" dirty="0" smtClean="0"/>
+              <a:t>)</a:t>
+            </a:r>
+            <a:endParaRPr lang="en-US" dirty="0"/>
+          </a:p>
+          <a:p>
+            <a:endParaRPr lang="en-US" dirty="0"/>
+          </a:p>
+        </p:txBody>
+      </p:sp>
+      <p:sp>
+        <p:nvSpPr>
+          <p:cNvPr id="4" name="Footer Placeholder 3"/>
+          <p:cNvSpPr>
+            <a:spLocks noGrp="1"/>
+          </p:cNvSpPr>
+          <p:nvPr>
+            <p:ph type="ftr" sz="quarter" idx="11"/>
+          </p:nvPr>
+        </p:nvSpPr>
+        <p:spPr/>
+        <p:txBody>
+          <a:bodyPr/>
+          <a:lstStyle/>
+          <a:p>
+            <a:pPr algn="l"/>
+            <a:r>
+              <a:rPr lang="fa-IR" smtClean="0"/>
+              <a:t>سعید محققی </a:t>
+            </a:r>
+            <a:r>
+              <a:rPr lang="en-US" smtClean="0"/>
+              <a:t>Daneshjoy.ir</a:t>
+            </a:r>
+            <a:endParaRPr lang="en-US" dirty="0"/>
+          </a:p>
+        </p:txBody>
+      </p:sp>
+      <p:sp>
+        <p:nvSpPr>
+          <p:cNvPr id="5" name="Slide Number Placeholder 4"/>
+          <p:cNvSpPr>
+            <a:spLocks noGrp="1"/>
+          </p:cNvSpPr>
+          <p:nvPr>
+            <p:ph type="sldNum" sz="quarter" idx="12"/>
+          </p:nvPr>
+        </p:nvSpPr>
+        <p:spPr/>
+        <p:txBody>
+          <a:bodyPr/>
+          <a:lstStyle/>
+          <a:p>
+            <a:fld id="{D57F1E4F-1CFF-5643-939E-217C01CDF565}" type="slidenum">
+              <a:rPr lang="en-US" smtClean="0"/>
+              <a:pPr/>
+              <a:t>14</a:t>
+            </a:fld>
+            <a:endParaRPr lang="en-US" dirty="0"/>
+          </a:p>
+        </p:txBody>
+      </p:sp>
+      <p:pic>
+        <p:nvPicPr>
+          <p:cNvPr id="7" name="Picture 6"/>
+          <p:cNvPicPr>
+            <a:picLocks noChangeAspect="1"/>
+          </p:cNvPicPr>
+          <p:nvPr/>
+        </p:nvPicPr>
+        <p:blipFill>
+          <a:blip r:embed="rId3"/>
+          <a:stretch>
+            <a:fillRect/>
+          </a:stretch>
+        </p:blipFill>
+        <p:spPr>
+          <a:xfrm>
+            <a:off x="581192" y="1380899"/>
+            <a:ext cx="6160115" cy="4240412"/>
+          </a:xfrm>
+          <a:prstGeom prst="rect">
+            <a:avLst/>
+          </a:prstGeom>
+          <a:ln>
+            <a:noFill/>
+          </a:ln>
+          <a:effectLst>
+            <a:outerShdw blurRad="292100" dist="139700" dir="2700000" algn="tl" rotWithShape="0">
+              <a:srgbClr val="333333">
+                <a:alpha val="65000"/>
+              </a:srgbClr>
+            </a:outerShdw>
+          </a:effectLst>
+        </p:spPr>
+      </p:pic>
+      <p:cxnSp>
+        <p:nvCxnSpPr>
+          <p:cNvPr id="9" name="Straight Arrow Connector 8"/>
+          <p:cNvCxnSpPr/>
+          <p:nvPr/>
+        </p:nvCxnSpPr>
+        <p:spPr>
+          <a:xfrm flipH="1">
+            <a:off x="5651292" y="3934991"/>
+            <a:ext cx="1299879" cy="592039"/>
+          </a:xfrm>
+          <a:prstGeom prst="straightConnector1">
+            <a:avLst/>
+          </a:prstGeom>
+          <a:ln w="28575" cap="flat" cmpd="sng" algn="ctr">
+            <a:solidFill>
+              <a:schemeClr val="accent6"/>
+            </a:solidFill>
+            <a:prstDash val="solid"/>
+            <a:round/>
+            <a:headEnd type="none" w="med" len="med"/>
+            <a:tailEnd type="arrow" w="med" len="med"/>
+          </a:ln>
+        </p:spPr>
+        <p:style>
+          <a:lnRef idx="0">
+            <a:scrgbClr r="0" g="0" b="0"/>
+          </a:lnRef>
+          <a:fillRef idx="0">
+            <a:scrgbClr r="0" g="0" b="0"/>
+          </a:fillRef>
+          <a:effectRef idx="0">
+            <a:scrgbClr r="0" g="0" b="0"/>
+          </a:effectRef>
+          <a:fontRef idx="minor">
+            <a:schemeClr val="tx1"/>
+          </a:fontRef>
+        </p:style>
+      </p:cxnSp>
+      <p:cxnSp>
+        <p:nvCxnSpPr>
+          <p:cNvPr id="10" name="Straight Arrow Connector 9"/>
+          <p:cNvCxnSpPr/>
+          <p:nvPr/>
+        </p:nvCxnSpPr>
+        <p:spPr>
+          <a:xfrm flipH="1" flipV="1">
+            <a:off x="3552668" y="3417757"/>
+            <a:ext cx="3488442" cy="2499"/>
+          </a:xfrm>
+          <a:prstGeom prst="straightConnector1">
+            <a:avLst/>
+          </a:prstGeom>
+          <a:ln w="28575" cap="flat" cmpd="sng" algn="ctr">
+            <a:solidFill>
+              <a:schemeClr val="accent6"/>
+            </a:solidFill>
+            <a:prstDash val="solid"/>
+            <a:round/>
+            <a:headEnd type="none" w="med" len="med"/>
+            <a:tailEnd type="arrow" w="med" len="med"/>
+          </a:ln>
+        </p:spPr>
+        <p:style>
+          <a:lnRef idx="0">
+            <a:scrgbClr r="0" g="0" b="0"/>
+          </a:lnRef>
+          <a:fillRef idx="0">
+            <a:scrgbClr r="0" g="0" b="0"/>
+          </a:fillRef>
+          <a:effectRef idx="0">
+            <a:scrgbClr r="0" g="0" b="0"/>
+          </a:effectRef>
+          <a:fontRef idx="minor">
+            <a:schemeClr val="tx1"/>
+          </a:fontRef>
+        </p:style>
+      </p:cxnSp>
+    </p:spTree>
+    <p:extLst>
+      <p:ext uri="{BB962C8B-B14F-4D97-AF65-F5344CB8AC3E}">
+        <p14:creationId xmlns:p14="http://schemas.microsoft.com/office/powerpoint/2010/main" val="2995277424"/>
+      </p:ext>
+    </p:extLst>
+  </p:cSld>
+  <p:clrMapOvr>
+    <a:masterClrMapping/>
+  </p:clrMapOvr>
+  <mc:AlternateContent xmlns:mc="http://schemas.openxmlformats.org/markup-compatibility/2006" xmlns:p15="http://schemas.microsoft.com/office/powerpoint/2012/main">
+    <mc:Choice Requires="p15">
+      <p:transition xmlns:p14="http://schemas.microsoft.com/office/powerpoint/2010/main" spd="slow" p14:dur="1250">
+        <p15:prstTrans prst="pageCurlDouble" invX="1"/>
+      </p:transition>
+    </mc:Choice>
+    <mc:Fallback xmlns="">
+      <p:transition spd="slow">
+        <p:fade/>
+      </p:transition>
+    </mc:Fallback>
+  </mc:AlternateContent>
+  <p:timing>
+    <p:tnLst>
+      <p:par>
+        <p:cTn id="1" dur="indefinite" restart="never" nodeType="tmRoot"/>
+      </p:par>
+    </p:tnLst>
+  </p:timing>
+</p:sld>
+</file>
+
+<file path=ppt/slides/slide15.xml><?xml version="1.0" encoding="utf-8"?>
+<p:sld xmlns:a="http://schemas.openxmlformats.org/drawingml/2006/main" xmlns:r="http://schemas.openxmlformats.org/officeDocument/2006/relationships" xmlns:p="http://schemas.openxmlformats.org/presentationml/2006/main">
+  <p:cSld>
+    <p:spTree>
+      <p:nvGrpSpPr>
+        <p:cNvPr id="1" name=""/>
+        <p:cNvGrpSpPr/>
+        <p:nvPr/>
+      </p:nvGrpSpPr>
+      <p:grpSpPr>
+        <a:xfrm>
+          <a:off x="0" y="0"/>
+          <a:ext cx="0" cy="0"/>
+          <a:chOff x="0" y="0"/>
+          <a:chExt cx="0" cy="0"/>
+        </a:xfrm>
+      </p:grpSpPr>
+      <p:sp>
+        <p:nvSpPr>
+          <p:cNvPr id="2" name="Title 1"/>
+          <p:cNvSpPr>
+            <a:spLocks noGrp="1"/>
+          </p:cNvSpPr>
+          <p:nvPr>
+            <p:ph type="title"/>
+          </p:nvPr>
+        </p:nvSpPr>
+        <p:spPr/>
+        <p:txBody>
+          <a:bodyPr/>
+          <a:lstStyle/>
+          <a:p>
+            <a:r>
+              <a:rPr lang="fa-IR" dirty="0" smtClean="0"/>
+              <a:t>قوانین ساختاری </a:t>
+            </a:r>
+            <a:r>
+              <a:rPr lang="fa-IR" dirty="0" smtClean="0"/>
+              <a:t>در کدنویسی پایتون</a:t>
+            </a:r>
+            <a:endParaRPr lang="en-US" dirty="0"/>
+          </a:p>
+        </p:txBody>
+      </p:sp>
+      <p:sp>
+        <p:nvSpPr>
+          <p:cNvPr id="3" name="Content Placeholder 2"/>
+          <p:cNvSpPr>
+            <a:spLocks noGrp="1"/>
+          </p:cNvSpPr>
+          <p:nvPr>
+            <p:ph idx="1"/>
+          </p:nvPr>
+        </p:nvSpPr>
+        <p:spPr/>
+        <p:txBody>
+          <a:bodyPr/>
+          <a:lstStyle/>
+          <a:p>
+            <a:r>
+              <a:rPr lang="fa-IR" dirty="0" smtClean="0"/>
+              <a:t>دستورها و </a:t>
+            </a:r>
+            <a:r>
+              <a:rPr lang="fa-IR" dirty="0" smtClean="0"/>
+              <a:t>نام توابع و متغیرها به حروف بزرگ و کوچک حساس </a:t>
+            </a:r>
+            <a:r>
+              <a:rPr lang="fa-IR" u="sng" dirty="0" smtClean="0"/>
+              <a:t>هستند</a:t>
+            </a:r>
+            <a:r>
+              <a:rPr lang="fa-IR" dirty="0" smtClean="0"/>
+              <a:t>. (</a:t>
+            </a:r>
+            <a:r>
+              <a:rPr lang="en-US" dirty="0" smtClean="0"/>
+              <a:t>Case Sensitive</a:t>
+            </a:r>
+            <a:r>
+              <a:rPr lang="fa-IR" dirty="0" smtClean="0"/>
+              <a:t>)</a:t>
+            </a:r>
+          </a:p>
+          <a:p>
+            <a:r>
+              <a:rPr lang="fa-IR" dirty="0" smtClean="0"/>
+              <a:t>تعداد فاصله و تب در ابتدای هر خط (</a:t>
+            </a:r>
+            <a:r>
+              <a:rPr lang="en-US" dirty="0" err="1" smtClean="0"/>
+              <a:t>Identation</a:t>
+            </a:r>
+            <a:r>
+              <a:rPr lang="fa-IR" dirty="0" smtClean="0"/>
+              <a:t>) </a:t>
+            </a:r>
+            <a:r>
+              <a:rPr lang="fa-IR" u="sng" dirty="0" smtClean="0"/>
+              <a:t>مهم است</a:t>
+            </a:r>
+            <a:r>
+              <a:rPr lang="fa-IR" dirty="0" smtClean="0"/>
+              <a:t>.</a:t>
+            </a:r>
+          </a:p>
+          <a:p>
+            <a:r>
+              <a:rPr lang="fa-IR" dirty="0" smtClean="0"/>
+              <a:t>تعداد فاصله و تب در میانه و انتهای هر خط </a:t>
+            </a:r>
+            <a:r>
+              <a:rPr lang="fa-IR" u="sng" dirty="0" smtClean="0"/>
+              <a:t>مهم نیست</a:t>
+            </a:r>
+            <a:r>
+              <a:rPr lang="fa-IR" dirty="0" smtClean="0"/>
+              <a:t>.</a:t>
+            </a:r>
+          </a:p>
+          <a:p>
+            <a:r>
+              <a:rPr lang="fa-IR" dirty="0" smtClean="0"/>
+              <a:t>نام توابع و متغیرها فقط می تواند شامل حروف، اعداد و _ باشد و </a:t>
+            </a:r>
+            <a:r>
+              <a:rPr lang="fa-IR" dirty="0" smtClean="0"/>
+              <a:t>نباید با </a:t>
+            </a:r>
+            <a:r>
+              <a:rPr lang="fa-IR" dirty="0" smtClean="0"/>
+              <a:t>عدد </a:t>
+            </a:r>
+            <a:r>
+              <a:rPr lang="fa-IR" dirty="0" smtClean="0"/>
+              <a:t>شروع شود </a:t>
+            </a:r>
+            <a:r>
+              <a:rPr lang="fa-IR" dirty="0" smtClean="0"/>
+              <a:t>(از اسامی رزرو شده هم نباشد</a:t>
+            </a:r>
+            <a:r>
+              <a:rPr lang="fa-IR" dirty="0" smtClean="0"/>
+              <a:t>).</a:t>
+            </a:r>
+            <a:r>
+              <a:rPr lang="en-US" dirty="0" smtClean="0"/>
+              <a:t/>
+            </a:r>
+            <a:br>
+              <a:rPr lang="en-US" dirty="0" smtClean="0"/>
+            </a:br>
+            <a:endParaRPr lang="fa-IR" dirty="0" smtClean="0"/>
+          </a:p>
           <a:p>
             <a:pPr marL="0" indent="0" algn="l" rtl="0">
               <a:lnSpc>
@@ -6488,21 +8103,50 @@
               <a:buNone/>
             </a:pPr>
             <a:r>
+              <a:rPr lang="en-US" dirty="0" err="1" smtClean="0">
+                <a:solidFill>
+                  <a:schemeClr val="accent1">
+                    <a:lumMod val="60000"/>
+                    <a:lumOff val="40000"/>
+                  </a:schemeClr>
+                </a:solidFill>
+                <a:latin typeface="Courier New" panose="02070309020205020404" pitchFamily="49" charset="0"/>
+                <a:cs typeface="Courier New" panose="02070309020205020404" pitchFamily="49" charset="0"/>
+              </a:rPr>
+              <a:t>varName</a:t>
+            </a:r>
+            <a:r>
               <a:rPr lang="en-US" dirty="0" smtClean="0">
                 <a:solidFill>
-                  <a:schemeClr val="tx1"/>
+                  <a:schemeClr val="accent1">
+                    <a:lumMod val="60000"/>
+                    <a:lumOff val="40000"/>
+                  </a:schemeClr>
                 </a:solidFill>
                 <a:latin typeface="Courier New" panose="02070309020205020404" pitchFamily="49" charset="0"/>
                 <a:cs typeface="Courier New" panose="02070309020205020404" pitchFamily="49" charset="0"/>
               </a:rPr>
-              <a:t>x = 2</a:t>
+              <a:t>,  _</a:t>
+            </a:r>
+            <a:r>
+              <a:rPr lang="en-US" dirty="0" err="1" smtClean="0">
+                <a:solidFill>
+                  <a:schemeClr val="accent1">
+                    <a:lumMod val="60000"/>
+                    <a:lumOff val="40000"/>
+                  </a:schemeClr>
+                </a:solidFill>
+                <a:latin typeface="Courier New" panose="02070309020205020404" pitchFamily="49" charset="0"/>
+                <a:cs typeface="Courier New" panose="02070309020205020404" pitchFamily="49" charset="0"/>
+              </a:rPr>
+              <a:t>varName</a:t>
             </a:r>
             <a:r>
               <a:rPr lang="en-US" dirty="0" smtClean="0">
                 <a:latin typeface="Courier New" panose="02070309020205020404" pitchFamily="49" charset="0"/>
                 <a:cs typeface="Courier New" panose="02070309020205020404" pitchFamily="49" charset="0"/>
               </a:rPr>
-              <a:t>			</a:t>
+              <a:t> 	</a:t>
             </a:r>
             <a:r>
               <a:rPr lang="en-US" dirty="0" smtClean="0">
@@ -6510,10 +8154,10 @@
                 <a:cs typeface="Courier New" panose="02070309020205020404" pitchFamily="49" charset="0"/>
                 <a:sym typeface="Wingdings" panose="05000000000000000000" pitchFamily="2" charset="2"/>
               </a:rPr>
-              <a:t>	</a:t>
-            </a:r>
-            <a:r>
-              <a:rPr lang="en-US" dirty="0" smtClean="0">
+              <a:t> </a:t>
+            </a:r>
+            <a:r>
+              <a:rPr lang="en-US" dirty="0" err="1" smtClean="0">
                 <a:solidFill>
                   <a:schemeClr val="accent6"/>
                 </a:solidFill>
@@ -6521,7 +8165,7 @@
                 <a:cs typeface="Courier New" panose="02070309020205020404" pitchFamily="49" charset="0"/>
                 <a:sym typeface="Wingdings" panose="05000000000000000000" pitchFamily="2" charset="2"/>
               </a:rPr>
-              <a:t>integer</a:t>
+              <a:t>CamelCase</a:t>
             </a:r>
             <a:endParaRPr lang="en-US" dirty="0" smtClean="0">
               <a:solidFill>
@@ -6539,6 +8183,522 @@
               <a:buNone/>
             </a:pPr>
             <a:r>
+              <a:rPr lang="en-US" dirty="0" err="1" smtClean="0">
+                <a:solidFill>
+                  <a:schemeClr val="accent1">
+                    <a:lumMod val="60000"/>
+                    <a:lumOff val="40000"/>
+                  </a:schemeClr>
+                </a:solidFill>
+                <a:latin typeface="Courier New" panose="02070309020205020404" pitchFamily="49" charset="0"/>
+                <a:cs typeface="Courier New" panose="02070309020205020404" pitchFamily="49" charset="0"/>
+              </a:rPr>
+              <a:t>var_name</a:t>
+            </a:r>
+            <a:r>
+              <a:rPr lang="en-US" dirty="0" smtClean="0">
+                <a:solidFill>
+                  <a:schemeClr val="accent1">
+                    <a:lumMod val="60000"/>
+                    <a:lumOff val="40000"/>
+                  </a:schemeClr>
+                </a:solidFill>
+                <a:latin typeface="Courier New" panose="02070309020205020404" pitchFamily="49" charset="0"/>
+                <a:cs typeface="Courier New" panose="02070309020205020404" pitchFamily="49" charset="0"/>
+              </a:rPr>
+              <a:t>, _</a:t>
+            </a:r>
+            <a:r>
+              <a:rPr lang="en-US" dirty="0" err="1" smtClean="0">
+                <a:solidFill>
+                  <a:schemeClr val="accent1">
+                    <a:lumMod val="60000"/>
+                    <a:lumOff val="40000"/>
+                  </a:schemeClr>
+                </a:solidFill>
+                <a:latin typeface="Courier New" panose="02070309020205020404" pitchFamily="49" charset="0"/>
+                <a:cs typeface="Courier New" panose="02070309020205020404" pitchFamily="49" charset="0"/>
+              </a:rPr>
+              <a:t>var_name</a:t>
+            </a:r>
+            <a:r>
+              <a:rPr lang="en-US" dirty="0" smtClean="0">
+                <a:latin typeface="Courier New" panose="02070309020205020404" pitchFamily="49" charset="0"/>
+                <a:cs typeface="Courier New" panose="02070309020205020404" pitchFamily="49" charset="0"/>
+              </a:rPr>
+              <a:t> 	</a:t>
+            </a:r>
+            <a:r>
+              <a:rPr lang="en-US" dirty="0" smtClean="0">
+                <a:latin typeface="Courier New" panose="02070309020205020404" pitchFamily="49" charset="0"/>
+                <a:cs typeface="Courier New" panose="02070309020205020404" pitchFamily="49" charset="0"/>
+                <a:sym typeface="Wingdings" panose="05000000000000000000" pitchFamily="2" charset="2"/>
+              </a:rPr>
+              <a:t> </a:t>
+            </a:r>
+            <a:r>
+              <a:rPr lang="en-US" dirty="0" err="1" smtClean="0">
+                <a:solidFill>
+                  <a:schemeClr val="accent6"/>
+                </a:solidFill>
+                <a:latin typeface="Courier New" panose="02070309020205020404" pitchFamily="49" charset="0"/>
+                <a:cs typeface="Courier New" panose="02070309020205020404" pitchFamily="49" charset="0"/>
+                <a:sym typeface="Wingdings" panose="05000000000000000000" pitchFamily="2" charset="2"/>
+              </a:rPr>
+              <a:t>snake_case</a:t>
+            </a:r>
+            <a:endParaRPr lang="en-US" dirty="0" smtClean="0">
+              <a:solidFill>
+                <a:schemeClr val="accent6"/>
+              </a:solidFill>
+              <a:latin typeface="Courier New" panose="02070309020205020404" pitchFamily="49" charset="0"/>
+              <a:cs typeface="Courier New" panose="02070309020205020404" pitchFamily="49" charset="0"/>
+              <a:sym typeface="Wingdings" panose="05000000000000000000" pitchFamily="2" charset="2"/>
+            </a:endParaRPr>
+          </a:p>
+          <a:p>
+            <a:pPr marL="0" indent="0" algn="l" rtl="0">
+              <a:lnSpc>
+                <a:spcPct val="100000"/>
+              </a:lnSpc>
+              <a:buNone/>
+            </a:pPr>
+            <a:r>
+              <a:rPr lang="en-US" dirty="0" smtClean="0">
+                <a:solidFill>
+                  <a:schemeClr val="accent1">
+                    <a:lumMod val="60000"/>
+                    <a:lumOff val="40000"/>
+                  </a:schemeClr>
+                </a:solidFill>
+                <a:latin typeface="Courier New" panose="02070309020205020404" pitchFamily="49" charset="0"/>
+                <a:cs typeface="Courier New" panose="02070309020205020404" pitchFamily="49" charset="0"/>
+                <a:sym typeface="Wingdings" panose="05000000000000000000" pitchFamily="2" charset="2"/>
+              </a:rPr>
+              <a:t>2varName, </a:t>
+            </a:r>
+            <a:r>
+              <a:rPr lang="en-US" dirty="0" err="1" smtClean="0">
+                <a:solidFill>
+                  <a:schemeClr val="accent1">
+                    <a:lumMod val="60000"/>
+                    <a:lumOff val="40000"/>
+                  </a:schemeClr>
+                </a:solidFill>
+                <a:latin typeface="Courier New" panose="02070309020205020404" pitchFamily="49" charset="0"/>
+                <a:cs typeface="Courier New" panose="02070309020205020404" pitchFamily="49" charset="0"/>
+                <a:sym typeface="Wingdings" panose="05000000000000000000" pitchFamily="2" charset="2"/>
+              </a:rPr>
+              <a:t>var$name</a:t>
+            </a:r>
+            <a:r>
+              <a:rPr lang="en-US" dirty="0" smtClean="0">
+                <a:latin typeface="Courier New" panose="02070309020205020404" pitchFamily="49" charset="0"/>
+                <a:cs typeface="Courier New" panose="02070309020205020404" pitchFamily="49" charset="0"/>
+                <a:sym typeface="Wingdings" panose="05000000000000000000" pitchFamily="2" charset="2"/>
+              </a:rPr>
+              <a:t> </a:t>
+            </a:r>
+            <a:r>
+              <a:rPr lang="en-US" dirty="0" smtClean="0">
+                <a:latin typeface="Courier New" panose="02070309020205020404" pitchFamily="49" charset="0"/>
+                <a:cs typeface="Courier New" panose="02070309020205020404" pitchFamily="49" charset="0"/>
+                <a:sym typeface="Wingdings" panose="05000000000000000000" pitchFamily="2" charset="2"/>
+              </a:rPr>
+              <a:t>	 </a:t>
+            </a:r>
+            <a:r>
+              <a:rPr lang="en-US" dirty="0" smtClean="0">
+                <a:solidFill>
+                  <a:srgbClr val="FF0000"/>
+                </a:solidFill>
+                <a:latin typeface="Courier New" panose="02070309020205020404" pitchFamily="49" charset="0"/>
+                <a:cs typeface="Courier New" panose="02070309020205020404" pitchFamily="49" charset="0"/>
+                <a:sym typeface="Wingdings" panose="05000000000000000000" pitchFamily="2" charset="2"/>
+              </a:rPr>
+              <a:t>invalid </a:t>
+            </a:r>
+            <a:r>
+              <a:rPr lang="en-US" dirty="0" smtClean="0">
+                <a:solidFill>
+                  <a:srgbClr val="FF0000"/>
+                </a:solidFill>
+                <a:latin typeface="Verdana" panose="020B0604030504040204" pitchFamily="34" charset="0"/>
+                <a:ea typeface="Verdana" panose="020B0604030504040204" pitchFamily="34" charset="0"/>
+                <a:cs typeface="Courier New" panose="02070309020205020404" pitchFamily="49" charset="0"/>
+                <a:sym typeface="Wingdings" panose="05000000000000000000" pitchFamily="2" charset="2"/>
+              </a:rPr>
+              <a:t>X</a:t>
+            </a:r>
+            <a:endParaRPr lang="en-US" dirty="0">
+              <a:solidFill>
+                <a:srgbClr val="FF0000"/>
+              </a:solidFill>
+              <a:latin typeface="Verdana" panose="020B0604030504040204" pitchFamily="34" charset="0"/>
+              <a:ea typeface="Verdana" panose="020B0604030504040204" pitchFamily="34" charset="0"/>
+              <a:cs typeface="Courier New" panose="02070309020205020404" pitchFamily="49" charset="0"/>
+            </a:endParaRPr>
+          </a:p>
+        </p:txBody>
+      </p:sp>
+      <p:sp>
+        <p:nvSpPr>
+          <p:cNvPr id="4" name="Footer Placeholder 3"/>
+          <p:cNvSpPr>
+            <a:spLocks noGrp="1"/>
+          </p:cNvSpPr>
+          <p:nvPr>
+            <p:ph type="ftr" sz="quarter" idx="11"/>
+          </p:nvPr>
+        </p:nvSpPr>
+        <p:spPr/>
+        <p:txBody>
+          <a:bodyPr/>
+          <a:lstStyle/>
+          <a:p>
+            <a:pPr algn="l"/>
+            <a:r>
+              <a:rPr lang="fa-IR" smtClean="0"/>
+              <a:t>سعید محققی </a:t>
+            </a:r>
+            <a:r>
+              <a:rPr lang="en-US" smtClean="0"/>
+              <a:t>Daneshjoy.ir</a:t>
+            </a:r>
+            <a:endParaRPr lang="en-US" dirty="0"/>
+          </a:p>
+        </p:txBody>
+      </p:sp>
+      <p:sp>
+        <p:nvSpPr>
+          <p:cNvPr id="5" name="Slide Number Placeholder 4"/>
+          <p:cNvSpPr>
+            <a:spLocks noGrp="1"/>
+          </p:cNvSpPr>
+          <p:nvPr>
+            <p:ph type="sldNum" sz="quarter" idx="12"/>
+          </p:nvPr>
+        </p:nvSpPr>
+        <p:spPr/>
+        <p:txBody>
+          <a:bodyPr/>
+          <a:lstStyle/>
+          <a:p>
+            <a:fld id="{D57F1E4F-1CFF-5643-939E-217C01CDF565}" type="slidenum">
+              <a:rPr lang="en-US" smtClean="0"/>
+              <a:pPr/>
+              <a:t>15</a:t>
+            </a:fld>
+            <a:endParaRPr lang="en-US" dirty="0"/>
+          </a:p>
+        </p:txBody>
+      </p:sp>
+    </p:spTree>
+    <p:extLst>
+      <p:ext uri="{BB962C8B-B14F-4D97-AF65-F5344CB8AC3E}">
+        <p14:creationId xmlns:p14="http://schemas.microsoft.com/office/powerpoint/2010/main" val="3191094520"/>
+      </p:ext>
+    </p:extLst>
+  </p:cSld>
+  <p:clrMapOvr>
+    <a:masterClrMapping/>
+  </p:clrMapOvr>
+  <mc:AlternateContent xmlns:mc="http://schemas.openxmlformats.org/markup-compatibility/2006" xmlns:p15="http://schemas.microsoft.com/office/powerpoint/2012/main">
+    <mc:Choice Requires="p15">
+      <p:transition xmlns:p14="http://schemas.microsoft.com/office/powerpoint/2010/main" spd="slow" p14:dur="1250">
+        <p15:prstTrans prst="pageCurlDouble" invX="1"/>
+      </p:transition>
+    </mc:Choice>
+    <mc:Fallback xmlns="">
+      <p:transition spd="slow">
+        <p:fade/>
+      </p:transition>
+    </mc:Fallback>
+  </mc:AlternateContent>
+  <p:timing>
+    <p:tnLst>
+      <p:par>
+        <p:cTn id="1" dur="indefinite" restart="never" nodeType="tmRoot">
+          <p:childTnLst>
+            <p:seq concurrent="1" nextAc="seek">
+              <p:cTn id="2" dur="indefinite" nodeType="mainSeq">
+                <p:childTnLst>
+                  <p:par>
+                    <p:cTn id="3" fill="hold">
+                      <p:stCondLst>
+                        <p:cond delay="indefinite"/>
+                      </p:stCondLst>
+                      <p:childTnLst>
+                        <p:par>
+                          <p:cTn id="4" fill="hold">
+                            <p:stCondLst>
+                              <p:cond delay="0"/>
+                            </p:stCondLst>
+                            <p:childTnLst>
+                              <p:par>
+                                <p:cTn id="5" presetID="22" presetClass="entr" presetSubtype="8" fill="hold" nodeType="clickEffect">
+                                  <p:stCondLst>
+                                    <p:cond delay="0"/>
+                                  </p:stCondLst>
+                                  <p:childTnLst>
+                                    <p:set>
+                                      <p:cBhvr>
+                                        <p:cTn id="6" dur="1" fill="hold">
+                                          <p:stCondLst>
+                                            <p:cond delay="0"/>
+                                          </p:stCondLst>
+                                        </p:cTn>
+                                        <p:tgtEl>
+                                          <p:spTgt spid="3">
+                                            <p:txEl>
+                                              <p:pRg st="4" end="4"/>
+                                            </p:txEl>
+                                          </p:spTgt>
+                                        </p:tgtEl>
+                                        <p:attrNameLst>
+                                          <p:attrName>style.visibility</p:attrName>
+                                        </p:attrNameLst>
+                                      </p:cBhvr>
+                                      <p:to>
+                                        <p:strVal val="visible"/>
+                                      </p:to>
+                                    </p:set>
+                                    <p:animEffect transition="in" filter="wipe(left)">
+                                      <p:cBhvr>
+                                        <p:cTn id="7" dur="500"/>
+                                        <p:tgtEl>
+                                          <p:spTgt spid="3">
+                                            <p:txEl>
+                                              <p:pRg st="4" end="4"/>
+                                            </p:txEl>
+                                          </p:spTgt>
+                                        </p:tgtEl>
+                                      </p:cBhvr>
+                                    </p:animEffect>
+                                  </p:childTnLst>
+                                </p:cTn>
+                              </p:par>
+                            </p:childTnLst>
+                          </p:cTn>
+                        </p:par>
+                      </p:childTnLst>
+                    </p:cTn>
+                  </p:par>
+                  <p:par>
+                    <p:cTn id="8" fill="hold">
+                      <p:stCondLst>
+                        <p:cond delay="indefinite"/>
+                      </p:stCondLst>
+                      <p:childTnLst>
+                        <p:par>
+                          <p:cTn id="9" fill="hold">
+                            <p:stCondLst>
+                              <p:cond delay="0"/>
+                            </p:stCondLst>
+                            <p:childTnLst>
+                              <p:par>
+                                <p:cTn id="10" presetID="22" presetClass="entr" presetSubtype="8" fill="hold" nodeType="clickEffect">
+                                  <p:stCondLst>
+                                    <p:cond delay="0"/>
+                                  </p:stCondLst>
+                                  <p:childTnLst>
+                                    <p:set>
+                                      <p:cBhvr>
+                                        <p:cTn id="11" dur="1" fill="hold">
+                                          <p:stCondLst>
+                                            <p:cond delay="0"/>
+                                          </p:stCondLst>
+                                        </p:cTn>
+                                        <p:tgtEl>
+                                          <p:spTgt spid="3">
+                                            <p:txEl>
+                                              <p:pRg st="5" end="5"/>
+                                            </p:txEl>
+                                          </p:spTgt>
+                                        </p:tgtEl>
+                                        <p:attrNameLst>
+                                          <p:attrName>style.visibility</p:attrName>
+                                        </p:attrNameLst>
+                                      </p:cBhvr>
+                                      <p:to>
+                                        <p:strVal val="visible"/>
+                                      </p:to>
+                                    </p:set>
+                                    <p:animEffect transition="in" filter="wipe(left)">
+                                      <p:cBhvr>
+                                        <p:cTn id="12" dur="500"/>
+                                        <p:tgtEl>
+                                          <p:spTgt spid="3">
+                                            <p:txEl>
+                                              <p:pRg st="5" end="5"/>
+                                            </p:txEl>
+                                          </p:spTgt>
+                                        </p:tgtEl>
+                                      </p:cBhvr>
+                                    </p:animEffect>
+                                  </p:childTnLst>
+                                </p:cTn>
+                              </p:par>
+                            </p:childTnLst>
+                          </p:cTn>
+                        </p:par>
+                      </p:childTnLst>
+                    </p:cTn>
+                  </p:par>
+                  <p:par>
+                    <p:cTn id="13" fill="hold">
+                      <p:stCondLst>
+                        <p:cond delay="indefinite"/>
+                      </p:stCondLst>
+                      <p:childTnLst>
+                        <p:par>
+                          <p:cTn id="14" fill="hold">
+                            <p:stCondLst>
+                              <p:cond delay="0"/>
+                            </p:stCondLst>
+                            <p:childTnLst>
+                              <p:par>
+                                <p:cTn id="15" presetID="22" presetClass="entr" presetSubtype="8" fill="hold" nodeType="clickEffect">
+                                  <p:stCondLst>
+                                    <p:cond delay="0"/>
+                                  </p:stCondLst>
+                                  <p:childTnLst>
+                                    <p:set>
+                                      <p:cBhvr>
+                                        <p:cTn id="16" dur="1" fill="hold">
+                                          <p:stCondLst>
+                                            <p:cond delay="0"/>
+                                          </p:stCondLst>
+                                        </p:cTn>
+                                        <p:tgtEl>
+                                          <p:spTgt spid="3">
+                                            <p:txEl>
+                                              <p:pRg st="6" end="6"/>
+                                            </p:txEl>
+                                          </p:spTgt>
+                                        </p:tgtEl>
+                                        <p:attrNameLst>
+                                          <p:attrName>style.visibility</p:attrName>
+                                        </p:attrNameLst>
+                                      </p:cBhvr>
+                                      <p:to>
+                                        <p:strVal val="visible"/>
+                                      </p:to>
+                                    </p:set>
+                                    <p:animEffect transition="in" filter="wipe(left)">
+                                      <p:cBhvr>
+                                        <p:cTn id="17" dur="500"/>
+                                        <p:tgtEl>
+                                          <p:spTgt spid="3">
+                                            <p:txEl>
+                                              <p:pRg st="6" end="6"/>
+                                            </p:txEl>
+                                          </p:spTgt>
+                                        </p:tgtEl>
+                                      </p:cBhvr>
+                                    </p:animEffect>
+                                  </p:childTnLst>
+                                </p:cTn>
+                              </p:par>
+                            </p:childTnLst>
+                          </p:cTn>
+                        </p:par>
+                      </p:childTnLst>
+                    </p:cTn>
+                  </p:par>
+                </p:childTnLst>
+              </p:cTn>
+              <p:prevCondLst>
+                <p:cond evt="onPrev" delay="0">
+                  <p:tgtEl>
+                    <p:sldTgt/>
+                  </p:tgtEl>
+                </p:cond>
+              </p:prevCondLst>
+              <p:nextCondLst>
+                <p:cond evt="onNext" delay="0">
+                  <p:tgtEl>
+                    <p:sldTgt/>
+                  </p:tgtEl>
+                </p:cond>
+              </p:nextCondLst>
+            </p:seq>
+          </p:childTnLst>
+        </p:cTn>
+      </p:par>
+    </p:tnLst>
+  </p:timing>
+</p:sld>
+</file>
+
+<file path=ppt/slides/slide16.xml><?xml version="1.0" encoding="utf-8"?>
+<p:sld xmlns:a="http://schemas.openxmlformats.org/drawingml/2006/main" xmlns:r="http://schemas.openxmlformats.org/officeDocument/2006/relationships" xmlns:p="http://schemas.openxmlformats.org/presentationml/2006/main">
+  <p:cSld>
+    <p:spTree>
+      <p:nvGrpSpPr>
+        <p:cNvPr id="1" name=""/>
+        <p:cNvGrpSpPr/>
+        <p:nvPr/>
+      </p:nvGrpSpPr>
+      <p:grpSpPr>
+        <a:xfrm>
+          <a:off x="0" y="0"/>
+          <a:ext cx="0" cy="0"/>
+          <a:chOff x="0" y="0"/>
+          <a:chExt cx="0" cy="0"/>
+        </a:xfrm>
+      </p:grpSpPr>
+      <p:sp>
+        <p:nvSpPr>
+          <p:cNvPr id="2" name="Title 1"/>
+          <p:cNvSpPr>
+            <a:spLocks noGrp="1"/>
+          </p:cNvSpPr>
+          <p:nvPr>
+            <p:ph type="title"/>
+          </p:nvPr>
+        </p:nvSpPr>
+        <p:spPr/>
+        <p:txBody>
+          <a:bodyPr/>
+          <a:lstStyle/>
+          <a:p>
+            <a:r>
+              <a:rPr lang="fa-IR" dirty="0" smtClean="0"/>
+              <a:t>انواع </a:t>
+            </a:r>
+            <a:r>
+              <a:rPr lang="fa-IR" dirty="0" smtClean="0"/>
+              <a:t>متغیرها</a:t>
+            </a:r>
+            <a:endParaRPr lang="en-US" dirty="0"/>
+          </a:p>
+        </p:txBody>
+      </p:sp>
+      <p:sp>
+        <p:nvSpPr>
+          <p:cNvPr id="3" name="Content Placeholder 2"/>
+          <p:cNvSpPr>
+            <a:spLocks noGrp="1"/>
+          </p:cNvSpPr>
+          <p:nvPr>
+            <p:ph idx="1"/>
+          </p:nvPr>
+        </p:nvSpPr>
+        <p:spPr/>
+        <p:txBody>
+          <a:bodyPr>
+            <a:normAutofit fontScale="92500" lnSpcReduction="20000"/>
+          </a:bodyPr>
+          <a:lstStyle/>
+          <a:p>
+            <a:pPr marL="0" indent="0" algn="l" rtl="0">
+              <a:lnSpc>
+                <a:spcPct val="100000"/>
+              </a:lnSpc>
+              <a:buNone/>
+            </a:pPr>
+            <a:r>
               <a:rPr lang="en-US" dirty="0" smtClean="0">
                 <a:solidFill>
                   <a:schemeClr val="tx1"/>
@@ -6546,14 +8706,14 @@
                 <a:latin typeface="Courier New" panose="02070309020205020404" pitchFamily="49" charset="0"/>
                 <a:cs typeface="Courier New" panose="02070309020205020404" pitchFamily="49" charset="0"/>
               </a:rPr>
-              <a:t>x = 3.14</a:t>
+              <a:t>x = 2</a:t>
             </a:r>
             <a:r>
               <a:rPr lang="en-US" dirty="0" smtClean="0">
                 <a:latin typeface="Courier New" panose="02070309020205020404" pitchFamily="49" charset="0"/>
                 <a:cs typeface="Courier New" panose="02070309020205020404" pitchFamily="49" charset="0"/>
               </a:rPr>
-              <a:t>		</a:t>
+              <a:t>			</a:t>
             </a:r>
             <a:r>
               <a:rPr lang="en-US" dirty="0" smtClean="0">
@@ -6572,7 +8732,7 @@
                 <a:cs typeface="Courier New" panose="02070309020205020404" pitchFamily="49" charset="0"/>
                 <a:sym typeface="Wingdings" panose="05000000000000000000" pitchFamily="2" charset="2"/>
               </a:rPr>
-              <a:t>float</a:t>
+              <a:t>integer</a:t>
             </a:r>
             <a:endParaRPr lang="en-US" dirty="0" smtClean="0">
               <a:solidFill>
@@ -6597,39 +8757,7 @@
                 <a:latin typeface="Courier New" panose="02070309020205020404" pitchFamily="49" charset="0"/>
                 <a:cs typeface="Courier New" panose="02070309020205020404" pitchFamily="49" charset="0"/>
               </a:rPr>
-              <a:t>x = </a:t>
-            </a:r>
-            <a:r>
-              <a:rPr lang="en-US" dirty="0" smtClean="0">
-                <a:solidFill>
-                  <a:schemeClr val="tx1"/>
-                </a:solidFill>
-                <a:latin typeface="Courier New" panose="02070309020205020404" pitchFamily="49" charset="0"/>
-                <a:cs typeface="Courier New" panose="02070309020205020404" pitchFamily="49" charset="0"/>
-                <a:sym typeface="Wingdings" panose="05000000000000000000" pitchFamily="2" charset="2"/>
-              </a:rPr>
-              <a:t>'</a:t>
-            </a:r>
-            <a:r>
-              <a:rPr lang="en-US" dirty="0" smtClean="0">
-                <a:solidFill>
-                  <a:schemeClr val="tx1"/>
-                </a:solidFill>
-                <a:latin typeface="Courier New" panose="02070309020205020404" pitchFamily="49" charset="0"/>
-                <a:cs typeface="Courier New" panose="02070309020205020404" pitchFamily="49" charset="0"/>
-              </a:rPr>
-              <a:t>test</a:t>
-            </a:r>
-            <a:r>
-              <a:rPr lang="en-US" dirty="0">
-                <a:solidFill>
-                  <a:schemeClr val="tx1"/>
-                </a:solidFill>
-                <a:latin typeface="Courier New" panose="02070309020205020404" pitchFamily="49" charset="0"/>
-                <a:cs typeface="Courier New" panose="02070309020205020404" pitchFamily="49" charset="0"/>
-                <a:sym typeface="Wingdings" panose="05000000000000000000" pitchFamily="2" charset="2"/>
-              </a:rPr>
-              <a:t>'</a:t>
+              <a:t>x = 3.14</a:t>
             </a:r>
             <a:r>
               <a:rPr lang="en-US" dirty="0" smtClean="0">
@@ -6655,27 +8783,14 @@
                 <a:cs typeface="Courier New" panose="02070309020205020404" pitchFamily="49" charset="0"/>
                 <a:sym typeface="Wingdings" panose="05000000000000000000" pitchFamily="2" charset="2"/>
               </a:rPr>
-              <a:t>string</a:t>
-            </a:r>
-            <a:r>
-              <a:rPr lang="en-US" dirty="0" smtClean="0">
-                <a:latin typeface="Courier New" panose="02070309020205020404" pitchFamily="49" charset="0"/>
-                <a:cs typeface="Courier New" panose="02070309020205020404" pitchFamily="49" charset="0"/>
-                <a:sym typeface="Wingdings" panose="05000000000000000000" pitchFamily="2" charset="2"/>
-              </a:rPr>
-              <a:t/>
-            </a:r>
-            <a:br>
-              <a:rPr lang="en-US" dirty="0" smtClean="0">
-                <a:latin typeface="Courier New" panose="02070309020205020404" pitchFamily="49" charset="0"/>
-                <a:cs typeface="Courier New" panose="02070309020205020404" pitchFamily="49" charset="0"/>
-                <a:sym typeface="Wingdings" panose="05000000000000000000" pitchFamily="2" charset="2"/>
-              </a:rPr>
-            </a:br>
+              <a:t>float</a:t>
+            </a:r>
             <a:endParaRPr lang="en-US" dirty="0" smtClean="0">
+              <a:solidFill>
+                <a:schemeClr val="accent6"/>
+              </a:solidFill>
               <a:latin typeface="Courier New" panose="02070309020205020404" pitchFamily="49" charset="0"/>
               <a:cs typeface="Courier New" panose="02070309020205020404" pitchFamily="49" charset="0"/>
-              <a:sym typeface="Wingdings" panose="05000000000000000000" pitchFamily="2" charset="2"/>
             </a:endParaRPr>
           </a:p>
           <a:p>
@@ -6687,11 +8802,71 @@
             </a:pPr>
             <a:r>
               <a:rPr lang="en-US" dirty="0" smtClean="0">
+                <a:solidFill>
+                  <a:schemeClr val="tx1"/>
+                </a:solidFill>
+                <a:latin typeface="Courier New" panose="02070309020205020404" pitchFamily="49" charset="0"/>
+                <a:cs typeface="Courier New" panose="02070309020205020404" pitchFamily="49" charset="0"/>
+              </a:rPr>
+              <a:t>x = </a:t>
+            </a:r>
+            <a:r>
+              <a:rPr lang="en-US" dirty="0" smtClean="0">
+                <a:solidFill>
+                  <a:schemeClr val="tx1"/>
+                </a:solidFill>
                 <a:latin typeface="Courier New" panose="02070309020205020404" pitchFamily="49" charset="0"/>
                 <a:cs typeface="Courier New" panose="02070309020205020404" pitchFamily="49" charset="0"/>
                 <a:sym typeface="Wingdings" panose="05000000000000000000" pitchFamily="2" charset="2"/>
               </a:rPr>
-              <a:t>x = [1, 2, 3]		</a:t>
+              <a:t>'</a:t>
+            </a:r>
+            <a:r>
+              <a:rPr lang="en-US" dirty="0" smtClean="0">
+                <a:solidFill>
+                  <a:schemeClr val="tx1"/>
+                </a:solidFill>
+                <a:latin typeface="Courier New" panose="02070309020205020404" pitchFamily="49" charset="0"/>
+                <a:cs typeface="Courier New" panose="02070309020205020404" pitchFamily="49" charset="0"/>
+              </a:rPr>
+              <a:t>test</a:t>
+            </a:r>
+            <a:r>
+              <a:rPr lang="en-US" dirty="0">
+                <a:solidFill>
+                  <a:schemeClr val="tx1"/>
+                </a:solidFill>
+                <a:latin typeface="Courier New" panose="02070309020205020404" pitchFamily="49" charset="0"/>
+                <a:cs typeface="Courier New" panose="02070309020205020404" pitchFamily="49" charset="0"/>
+                <a:sym typeface="Wingdings" panose="05000000000000000000" pitchFamily="2" charset="2"/>
+              </a:rPr>
+              <a:t>'</a:t>
+            </a:r>
+            <a:r>
+              <a:rPr lang="en-US" dirty="0" smtClean="0">
+                <a:latin typeface="Courier New" panose="02070309020205020404" pitchFamily="49" charset="0"/>
+                <a:cs typeface="Courier New" panose="02070309020205020404" pitchFamily="49" charset="0"/>
+              </a:rPr>
+              <a:t>		</a:t>
+            </a:r>
+            <a:r>
+              <a:rPr lang="en-US" dirty="0" smtClean="0">
+                <a:latin typeface="Courier New" panose="02070309020205020404" pitchFamily="49" charset="0"/>
+                <a:cs typeface="Courier New" panose="02070309020205020404" pitchFamily="49" charset="0"/>
+                <a:sym typeface="Wingdings" panose="05000000000000000000" pitchFamily="2" charset="2"/>
+              </a:rPr>
+              <a:t>	</a:t>
+            </a:r>
+            <a:r>
+              <a:rPr lang="en-US" dirty="0" smtClean="0">
+                <a:solidFill>
+                  <a:schemeClr val="accent6"/>
+                </a:solidFill>
+                <a:latin typeface="Courier New" panose="02070309020205020404" pitchFamily="49" charset="0"/>
+                <a:cs typeface="Courier New" panose="02070309020205020404" pitchFamily="49" charset="0"/>
+                <a:sym typeface="Wingdings" panose="05000000000000000000" pitchFamily="2" charset="2"/>
+              </a:rPr>
+              <a:t>string</a:t>
             </a:r>
             <a:endParaRPr lang="fa-IR" dirty="0" smtClean="0">
               <a:solidFill>
@@ -6718,6 +8893,115 @@
                 <a:cs typeface="Courier New" panose="02070309020205020404" pitchFamily="49" charset="0"/>
                 <a:sym typeface="Wingdings" panose="05000000000000000000" pitchFamily="2" charset="2"/>
               </a:rPr>
+              <a:t>x = True</a:t>
+            </a:r>
+            <a:r>
+              <a:rPr lang="en-US" dirty="0" smtClean="0">
+                <a:solidFill>
+                  <a:schemeClr val="accent6"/>
+                </a:solidFill>
+                <a:latin typeface="Courier New" panose="02070309020205020404" pitchFamily="49" charset="0"/>
+                <a:cs typeface="Courier New" panose="02070309020205020404" pitchFamily="49" charset="0"/>
+                <a:sym typeface="Wingdings" panose="05000000000000000000" pitchFamily="2" charset="2"/>
+              </a:rPr>
+              <a:t>	</a:t>
+            </a:r>
+            <a:r>
+              <a:rPr lang="en-US" dirty="0">
+                <a:latin typeface="Courier New" panose="02070309020205020404" pitchFamily="49" charset="0"/>
+                <a:cs typeface="Courier New" panose="02070309020205020404" pitchFamily="49" charset="0"/>
+                <a:sym typeface="Wingdings" panose="05000000000000000000" pitchFamily="2" charset="2"/>
+              </a:rPr>
+              <a:t> </a:t>
+            </a:r>
+            <a:r>
+              <a:rPr lang="en-US" dirty="0" smtClean="0">
+                <a:latin typeface="Courier New" panose="02070309020205020404" pitchFamily="49" charset="0"/>
+                <a:cs typeface="Courier New" panose="02070309020205020404" pitchFamily="49" charset="0"/>
+                <a:sym typeface="Wingdings" panose="05000000000000000000" pitchFamily="2" charset="2"/>
+              </a:rPr>
+              <a:t>	</a:t>
+            </a:r>
+            <a:r>
+              <a:rPr lang="en-US" dirty="0">
+                <a:latin typeface="Courier New" panose="02070309020205020404" pitchFamily="49" charset="0"/>
+                <a:cs typeface="Courier New" panose="02070309020205020404" pitchFamily="49" charset="0"/>
+                <a:sym typeface="Wingdings" panose="05000000000000000000" pitchFamily="2" charset="2"/>
+              </a:rPr>
+              <a:t>	</a:t>
+            </a:r>
+            <a:r>
+              <a:rPr lang="en-US" dirty="0" err="1" smtClean="0">
+                <a:solidFill>
+                  <a:schemeClr val="accent6"/>
+                </a:solidFill>
+                <a:latin typeface="Courier New" panose="02070309020205020404" pitchFamily="49" charset="0"/>
+                <a:cs typeface="Courier New" panose="02070309020205020404" pitchFamily="49" charset="0"/>
+                <a:sym typeface="Wingdings" panose="05000000000000000000" pitchFamily="2" charset="2"/>
+              </a:rPr>
+              <a:t>boolean</a:t>
+            </a:r>
+            <a:r>
+              <a:rPr lang="en-US" dirty="0" smtClean="0">
+                <a:latin typeface="Courier New" panose="02070309020205020404" pitchFamily="49" charset="0"/>
+                <a:cs typeface="Courier New" panose="02070309020205020404" pitchFamily="49" charset="0"/>
+                <a:sym typeface="Wingdings" panose="05000000000000000000" pitchFamily="2" charset="2"/>
+              </a:rPr>
+              <a:t/>
+            </a:r>
+            <a:br>
+              <a:rPr lang="en-US" dirty="0" smtClean="0">
+                <a:latin typeface="Courier New" panose="02070309020205020404" pitchFamily="49" charset="0"/>
+                <a:cs typeface="Courier New" panose="02070309020205020404" pitchFamily="49" charset="0"/>
+                <a:sym typeface="Wingdings" panose="05000000000000000000" pitchFamily="2" charset="2"/>
+              </a:rPr>
+            </a:br>
+            <a:endParaRPr lang="en-US" dirty="0" smtClean="0">
+              <a:latin typeface="Courier New" panose="02070309020205020404" pitchFamily="49" charset="0"/>
+              <a:cs typeface="Courier New" panose="02070309020205020404" pitchFamily="49" charset="0"/>
+              <a:sym typeface="Wingdings" panose="05000000000000000000" pitchFamily="2" charset="2"/>
+            </a:endParaRPr>
+          </a:p>
+          <a:p>
+            <a:pPr marL="0" indent="0" algn="l" rtl="0">
+              <a:lnSpc>
+                <a:spcPct val="100000"/>
+              </a:lnSpc>
+              <a:buNone/>
+            </a:pPr>
+            <a:r>
+              <a:rPr lang="en-US" dirty="0" smtClean="0">
+                <a:latin typeface="Courier New" panose="02070309020205020404" pitchFamily="49" charset="0"/>
+                <a:cs typeface="Courier New" panose="02070309020205020404" pitchFamily="49" charset="0"/>
+                <a:sym typeface="Wingdings" panose="05000000000000000000" pitchFamily="2" charset="2"/>
+              </a:rPr>
+              <a:t>x = [1, 2, 3]		</a:t>
+            </a:r>
+            <a:endParaRPr lang="fa-IR" dirty="0" smtClean="0">
+              <a:solidFill>
+                <a:schemeClr val="accent6"/>
+              </a:solidFill>
+              <a:latin typeface="Courier New" panose="02070309020205020404" pitchFamily="49" charset="0"/>
+              <a:cs typeface="Courier New" panose="02070309020205020404" pitchFamily="49" charset="0"/>
+              <a:sym typeface="Wingdings" panose="05000000000000000000" pitchFamily="2" charset="2"/>
+            </a:endParaRPr>
+          </a:p>
+          <a:p>
+            <a:pPr marL="0" indent="0" algn="l" rtl="0">
+              <a:lnSpc>
+                <a:spcPct val="100000"/>
+              </a:lnSpc>
+              <a:buNone/>
+            </a:pPr>
+            <a:r>
+              <a:rPr lang="en-US" dirty="0" smtClean="0">
+                <a:solidFill>
+                  <a:schemeClr val="tx1"/>
+                </a:solidFill>
+                <a:latin typeface="Courier New" panose="02070309020205020404" pitchFamily="49" charset="0"/>
+                <a:cs typeface="Courier New" panose="02070309020205020404" pitchFamily="49" charset="0"/>
+                <a:sym typeface="Wingdings" panose="05000000000000000000" pitchFamily="2" charset="2"/>
+              </a:rPr>
               <a:t>x = [</a:t>
             </a:r>
             <a:r>
@@ -7085,7 +9369,7 @@
             <a:fld id="{D57F1E4F-1CFF-5643-939E-217C01CDF565}" type="slidenum">
               <a:rPr lang="en-US" smtClean="0"/>
               <a:pPr/>
-              <a:t>14</a:t>
+              <a:t>16</a:t>
             </a:fld>
             <a:endParaRPr lang="en-US" dirty="0"/>
           </a:p>
@@ -7099,7 +9383,7 @@
         </p:nvSpPr>
         <p:spPr>
           <a:xfrm>
-            <a:off x="3379580" y="4575198"/>
+            <a:off x="3379580" y="4635158"/>
             <a:ext cx="1167020" cy="369332"/>
           </a:xfrm>
           <a:prstGeom prst="rect">
@@ -7148,7 +9432,7 @@
         </p:nvSpPr>
         <p:spPr>
           <a:xfrm>
-            <a:off x="3379580" y="5280673"/>
+            <a:off x="3379580" y="5340633"/>
             <a:ext cx="2259220" cy="369332"/>
           </a:xfrm>
           <a:prstGeom prst="rect">
@@ -7205,7 +9489,7 @@
         </p:nvSpPr>
         <p:spPr>
           <a:xfrm>
-            <a:off x="3296340" y="4411187"/>
+            <a:off x="3296340" y="4471147"/>
             <a:ext cx="166480" cy="626261"/>
           </a:xfrm>
           <a:prstGeom prst="rightBrace">
@@ -7243,7 +9527,7 @@
         </p:nvSpPr>
         <p:spPr>
           <a:xfrm>
-            <a:off x="3299100" y="5112415"/>
+            <a:off x="3299100" y="5172375"/>
             <a:ext cx="166480" cy="626261"/>
           </a:xfrm>
           <a:prstGeom prst="rightBrace">
@@ -7299,8 +9583,8 @@
               <a:lnSpc>
                 <a:spcPct val="200000"/>
               </a:lnSpc>
-              <a:buFont typeface="Arial" panose="020B0604020202020204" pitchFamily="34" charset="0"/>
-              <a:buChar char="•"/>
+              <a:buFont typeface="Wingdings" panose="05000000000000000000" pitchFamily="2" charset="2"/>
+              <a:buChar char="ü"/>
             </a:pPr>
             <a:r>
               <a:rPr lang="fa-IR" dirty="0" smtClean="0">
@@ -7317,8 +9601,8 @@
               <a:lnSpc>
                 <a:spcPct val="200000"/>
               </a:lnSpc>
-              <a:buFont typeface="Arial" panose="020B0604020202020204" pitchFamily="34" charset="0"/>
-              <a:buChar char="•"/>
+              <a:buFont typeface="Wingdings" panose="05000000000000000000" pitchFamily="2" charset="2"/>
+              <a:buChar char="ü"/>
             </a:pPr>
             <a:r>
               <a:rPr lang="fa-IR" dirty="0" smtClean="0">
@@ -7353,8 +9637,8 @@
               <a:lnSpc>
                 <a:spcPct val="200000"/>
               </a:lnSpc>
-              <a:buFont typeface="Arial" panose="020B0604020202020204" pitchFamily="34" charset="0"/>
-              <a:buChar char="•"/>
+              <a:buFont typeface="Wingdings" panose="05000000000000000000" pitchFamily="2" charset="2"/>
+              <a:buChar char="ü"/>
             </a:pPr>
             <a:r>
               <a:rPr lang="fa-IR" dirty="0" smtClean="0">
@@ -7415,8 +9699,8 @@
               <a:lnSpc>
                 <a:spcPct val="200000"/>
               </a:lnSpc>
-              <a:buFont typeface="Arial" panose="020B0604020202020204" pitchFamily="34" charset="0"/>
-              <a:buChar char="•"/>
+              <a:buFont typeface="Wingdings" panose="05000000000000000000" pitchFamily="2" charset="2"/>
+              <a:buChar char="ü"/>
             </a:pPr>
             <a:r>
               <a:rPr lang="fa-IR" dirty="0" smtClean="0">
@@ -7459,8 +9743,8 @@
               <a:lnSpc>
                 <a:spcPct val="200000"/>
               </a:lnSpc>
-              <a:buFont typeface="Arial" panose="020B0604020202020204" pitchFamily="34" charset="0"/>
-              <a:buChar char="•"/>
+              <a:buFont typeface="Wingdings" panose="05000000000000000000" pitchFamily="2" charset="2"/>
+              <a:buChar char="ü"/>
             </a:pPr>
             <a:r>
               <a:rPr lang="fa-IR" dirty="0" smtClean="0">
@@ -7481,7 +9765,28 @@
                 <a:latin typeface="Courier New" panose="02070309020205020404" pitchFamily="49" charset="0"/>
                 <a:cs typeface="B Mitra" panose="00000400000000000000" pitchFamily="2" charset="-78"/>
               </a:rPr>
-              <a:t> آیتم تکراری وجود نخواهد داشت.</a:t>
+              <a:t> و </a:t>
+            </a:r>
+            <a:r>
+              <a:rPr lang="en-US" dirty="0" err="1" smtClean="0">
+                <a:latin typeface="Courier New" panose="02070309020205020404" pitchFamily="49" charset="0"/>
+                <a:cs typeface="B Mitra" panose="00000400000000000000" pitchFamily="2" charset="-78"/>
+              </a:rPr>
+              <a:t>dict</a:t>
+            </a:r>
+            <a:r>
+              <a:rPr lang="fa-IR" dirty="0" smtClean="0">
+                <a:latin typeface="Courier New" panose="02070309020205020404" pitchFamily="49" charset="0"/>
+                <a:cs typeface="B Mitra" panose="00000400000000000000" pitchFamily="2" charset="-78"/>
+              </a:rPr>
+              <a:t>، </a:t>
+            </a:r>
+            <a:r>
+              <a:rPr lang="fa-IR" dirty="0" smtClean="0">
+                <a:latin typeface="Courier New" panose="02070309020205020404" pitchFamily="49" charset="0"/>
+                <a:cs typeface="B Mitra" panose="00000400000000000000" pitchFamily="2" charset="-78"/>
+              </a:rPr>
+              <a:t>آیتم تکراری وجود نخواهد داشت.</a:t>
             </a:r>
             <a:endParaRPr lang="en-US" dirty="0" smtClean="0">
               <a:latin typeface="Courier New" panose="02070309020205020404" pitchFamily="49" charset="0"/>
@@ -7498,7 +9803,7 @@
         </p:nvSpPr>
         <p:spPr>
           <a:xfrm>
-            <a:off x="2953440" y="2720721"/>
+            <a:off x="2953440" y="2945571"/>
             <a:ext cx="166480" cy="626261"/>
           </a:xfrm>
           <a:prstGeom prst="rightBrace">
@@ -7536,7 +9841,7 @@
         </p:nvSpPr>
         <p:spPr>
           <a:xfrm>
-            <a:off x="2953440" y="3410399"/>
+            <a:off x="2953440" y="3635249"/>
             <a:ext cx="166480" cy="626261"/>
           </a:xfrm>
           <a:prstGeom prst="rightBrace">
@@ -7574,7 +9879,7 @@
         </p:nvSpPr>
         <p:spPr>
           <a:xfrm>
-            <a:off x="3036680" y="3573404"/>
+            <a:off x="3036680" y="3798254"/>
             <a:ext cx="1776620" cy="369332"/>
           </a:xfrm>
           <a:prstGeom prst="rect">
@@ -7623,7 +9928,7 @@
         </p:nvSpPr>
         <p:spPr>
           <a:xfrm>
-            <a:off x="3036680" y="2884469"/>
+            <a:off x="3036680" y="3109319"/>
             <a:ext cx="1776620" cy="369332"/>
           </a:xfrm>
           <a:prstGeom prst="rect">
@@ -9367,8 +11672,19 @@
           <a:p>
             <a:r>
               <a:rPr lang="fa-IR" sz="2000" dirty="0" smtClean="0"/>
-              <a:t>برای کدنویسی و اجرای کدهای پایتون به دو چیز نیاز خواهیم داشت:</a:t>
-            </a:r>
+              <a:t>برای کدنویسی و اجرای کدهای پایتون به دو چیز نیاز خواهیم داشت</a:t>
+            </a:r>
+            <a:r>
+              <a:rPr lang="fa-IR" sz="2000" dirty="0" smtClean="0"/>
+              <a:t>:</a:t>
+            </a:r>
+            <a:endParaRPr lang="en-US" sz="2000" dirty="0" smtClean="0"/>
+          </a:p>
+          <a:p>
+            <a:pPr marL="0" indent="0">
+              <a:buNone/>
+            </a:pPr>
+            <a:endParaRPr lang="en-US" sz="2000" dirty="0" smtClean="0"/>
           </a:p>
           <a:p>
             <a:pPr marL="666900" lvl="1" indent="-342900">
@@ -9377,7 +11693,11 @@
             </a:pPr>
             <a:r>
               <a:rPr lang="fa-IR" sz="1800" dirty="0" smtClean="0"/>
-              <a:t>مفسر پایتون (</a:t>
+              <a:t>مفسر </a:t>
+            </a:r>
+            <a:r>
+              <a:rPr lang="fa-IR" sz="1800" dirty="0" smtClean="0"/>
+              <a:t>پایتون (</a:t>
             </a:r>
             <a:r>
               <a:rPr lang="en-US" sz="1800" dirty="0" smtClean="0"/>
@@ -9385,8 +11705,19 @@
             </a:r>
             <a:r>
               <a:rPr lang="fa-IR" sz="1800" dirty="0" smtClean="0"/>
-              <a:t>): 	مسئول تبدیل زبان پایتون به زبان ماشین</a:t>
-            </a:r>
+              <a:t>): 	مسئول تبدیل زبان پایتون به زبان </a:t>
+            </a:r>
+            <a:r>
+              <a:rPr lang="fa-IR" sz="1800" dirty="0" smtClean="0"/>
+              <a:t>ماشین</a:t>
+            </a:r>
+            <a:r>
+              <a:rPr lang="en-US" sz="1800" dirty="0" smtClean="0"/>
+              <a:t/>
+            </a:r>
+            <a:br>
+              <a:rPr lang="en-US" sz="1800" dirty="0" smtClean="0"/>
+            </a:br>
             <a:endParaRPr lang="en-US" sz="1800" dirty="0" smtClean="0"/>
           </a:p>
           <a:p>
@@ -9396,7 +11727,15 @@
             </a:pPr>
             <a:r>
               <a:rPr lang="fa-IR" sz="1800" dirty="0" smtClean="0"/>
-              <a:t>محیط کدنویسی پایتون (</a:t>
+              <a:t>محیط </a:t>
+            </a:r>
+            <a:r>
+              <a:rPr lang="fa-IR" sz="1800" dirty="0" smtClean="0"/>
+              <a:t>کدنویسی </a:t>
+            </a:r>
+            <a:r>
+              <a:rPr lang="fa-IR" sz="1800" dirty="0" smtClean="0"/>
+              <a:t>پایتون (</a:t>
             </a:r>
             <a:r>
               <a:rPr lang="en-US" sz="1800" dirty="0" smtClean="0"/>
@@ -9404,8 +11743,32 @@
             </a:r>
             <a:r>
               <a:rPr lang="fa-IR" sz="1800" dirty="0" smtClean="0"/>
-              <a:t>): 	محیطی برای نوشتن کدهای پایتون</a:t>
-            </a:r>
+              <a:t>): 	محیطی برای نوشتن کدهای </a:t>
+            </a:r>
+            <a:r>
+              <a:rPr lang="fa-IR" sz="1800" dirty="0" smtClean="0"/>
+              <a:t>پایتون</a:t>
+            </a:r>
+            <a:endParaRPr lang="en-US" sz="1800" dirty="0" smtClean="0"/>
+          </a:p>
+          <a:p>
+            <a:pPr marL="666900" lvl="1" indent="-342900">
+              <a:buFont typeface="+mj-lt"/>
+              <a:buAutoNum type="arabicPeriod"/>
+            </a:pPr>
+            <a:endParaRPr lang="en-US" sz="1800" dirty="0" smtClean="0"/>
+          </a:p>
+          <a:p>
+            <a:pPr marL="324000" lvl="1" indent="0">
+              <a:buNone/>
+            </a:pPr>
+            <a:endParaRPr lang="en-US" sz="1800" dirty="0" smtClean="0"/>
+          </a:p>
+          <a:p>
+            <a:pPr marL="666900" lvl="1" indent="-342900">
+              <a:buFont typeface="+mj-lt"/>
+              <a:buAutoNum type="arabicPeriod"/>
+            </a:pPr>
             <a:endParaRPr lang="en-US" sz="1800" dirty="0"/>
           </a:p>
         </p:txBody>
@@ -9462,237 +11825,6 @@
           </a:p>
         </p:txBody>
       </p:sp>
-      <p:grpSp>
-        <p:nvGrpSpPr>
-          <p:cNvPr id="78" name="Group 77"/>
-          <p:cNvGrpSpPr/>
-          <p:nvPr/>
-        </p:nvGrpSpPr>
-        <p:grpSpPr>
-          <a:xfrm>
-            <a:off x="-77293" y="1151862"/>
-            <a:ext cx="5354687" cy="2518801"/>
-            <a:chOff x="-65317" y="1583560"/>
-            <a:chExt cx="5354687" cy="2518801"/>
-          </a:xfrm>
-        </p:grpSpPr>
-        <p:sp>
-          <p:nvSpPr>
-            <p:cNvPr id="6" name="TextBox 5"/>
-            <p:cNvSpPr txBox="1"/>
-            <p:nvPr/>
-          </p:nvSpPr>
-          <p:spPr>
-            <a:xfrm>
-              <a:off x="-65317" y="1583560"/>
-              <a:ext cx="3618411" cy="1373453"/>
-            </a:xfrm>
-            <a:prstGeom prst="rect">
-              <a:avLst/>
-            </a:prstGeom>
-            <a:noFill/>
-          </p:spPr>
-          <p:txBody>
-            <a:bodyPr wrap="square" rtlCol="0">
-              <a:spAutoFit/>
-            </a:bodyPr>
-            <a:lstStyle/>
-            <a:p>
-              <a:pPr marL="285750" indent="-285750" algn="r" rtl="1">
-                <a:lnSpc>
-                  <a:spcPct val="250000"/>
-                </a:lnSpc>
-                <a:buFont typeface="Arial" panose="020B0604020202020204" pitchFamily="34" charset="0"/>
-                <a:buChar char="•"/>
-              </a:pPr>
-              <a:r>
-                <a:rPr lang="fa-IR" dirty="0" smtClean="0">
-                  <a:cs typeface="B Mitra" panose="00000400000000000000" pitchFamily="2" charset="-78"/>
-                </a:rPr>
-                <a:t>دانلود از سایت رسمی پایتون</a:t>
-              </a:r>
-            </a:p>
-            <a:p>
-              <a:pPr marL="285750" indent="-285750" algn="r" rtl="1">
-                <a:lnSpc>
-                  <a:spcPct val="250000"/>
-                </a:lnSpc>
-                <a:buFont typeface="Arial" panose="020B0604020202020204" pitchFamily="34" charset="0"/>
-                <a:buChar char="•"/>
-              </a:pPr>
-              <a:r>
-                <a:rPr lang="fa-IR" dirty="0" smtClean="0">
-                  <a:cs typeface="B Mitra" panose="00000400000000000000" pitchFamily="2" charset="-78"/>
-                </a:rPr>
-                <a:t>استفاده از پکیج </a:t>
-              </a:r>
-              <a:r>
-                <a:rPr lang="en-US" dirty="0" smtClean="0">
-                  <a:cs typeface="B Mitra" panose="00000400000000000000" pitchFamily="2" charset="-78"/>
-                </a:rPr>
-                <a:t>Anacond</a:t>
-              </a:r>
-              <a:r>
-                <a:rPr lang="en-US" dirty="0" smtClean="0"/>
-                <a:t>a</a:t>
-              </a:r>
-              <a:endParaRPr lang="en-US" dirty="0"/>
-            </a:p>
-          </p:txBody>
-        </p:sp>
-        <p:pic>
-          <p:nvPicPr>
-            <p:cNvPr id="7" name="Picture 6"/>
-            <p:cNvPicPr>
-              <a:picLocks noChangeAspect="1"/>
-            </p:cNvPicPr>
-            <p:nvPr/>
-          </p:nvPicPr>
-          <p:blipFill>
-            <a:blip r:embed="rId2" cstate="email">
-              <a:extLst>
-                <a:ext uri="{28A0092B-C50C-407E-A947-70E740481C1C}">
-                  <a14:useLocalDpi xmlns:a14="http://schemas.microsoft.com/office/drawing/2010/main"/>
-                </a:ext>
-              </a:extLst>
-            </a:blip>
-            <a:stretch>
-              <a:fillRect/>
-            </a:stretch>
-          </p:blipFill>
-          <p:spPr>
-            <a:xfrm>
-              <a:off x="534760" y="1744048"/>
-              <a:ext cx="636542" cy="634065"/>
-            </a:xfrm>
-            <a:prstGeom prst="rect">
-              <a:avLst/>
-            </a:prstGeom>
-          </p:spPr>
-        </p:pic>
-        <p:pic>
-          <p:nvPicPr>
-            <p:cNvPr id="8" name="Picture 7"/>
-            <p:cNvPicPr>
-              <a:picLocks noChangeAspect="1"/>
-            </p:cNvPicPr>
-            <p:nvPr/>
-          </p:nvPicPr>
-          <p:blipFill rotWithShape="1">
-            <a:blip r:embed="rId3" cstate="email">
-              <a:extLst>
-                <a:ext uri="{BEBA8EAE-BF5A-486C-A8C5-ECC9F3942E4B}">
-                  <a14:imgProps xmlns:a14="http://schemas.microsoft.com/office/drawing/2010/main">
-                    <a14:imgLayer r:embed="rId4">
-                      <a14:imgEffect>
-                        <a14:sharpenSoften amount="25000"/>
-                      </a14:imgEffect>
-                      <a14:imgEffect>
-                        <a14:brightnessContrast contrast="20000"/>
-                      </a14:imgEffect>
-                    </a14:imgLayer>
-                  </a14:imgProps>
-                </a:ext>
-                <a:ext uri="{28A0092B-C50C-407E-A947-70E740481C1C}">
-                  <a14:useLocalDpi xmlns:a14="http://schemas.microsoft.com/office/drawing/2010/main"/>
-                </a:ext>
-              </a:extLst>
-            </a:blip>
-            <a:srcRect/>
-            <a:stretch/>
-          </p:blipFill>
-          <p:spPr>
-            <a:xfrm>
-              <a:off x="534760" y="2416506"/>
-              <a:ext cx="636542" cy="633700"/>
-            </a:xfrm>
-            <a:prstGeom prst="rect">
-              <a:avLst/>
-            </a:prstGeom>
-          </p:spPr>
-        </p:pic>
-        <p:sp>
-          <p:nvSpPr>
-            <p:cNvPr id="9" name="Right Bracket 8"/>
-            <p:cNvSpPr/>
-            <p:nvPr/>
-          </p:nvSpPr>
-          <p:spPr>
-            <a:xfrm>
-              <a:off x="3383277" y="1920239"/>
-              <a:ext cx="169817" cy="965827"/>
-            </a:xfrm>
-            <a:prstGeom prst="rightBracket">
-              <a:avLst/>
-            </a:prstGeom>
-          </p:spPr>
-          <p:style>
-            <a:lnRef idx="1">
-              <a:schemeClr val="accent1"/>
-            </a:lnRef>
-            <a:fillRef idx="0">
-              <a:schemeClr val="accent1"/>
-            </a:fillRef>
-            <a:effectRef idx="0">
-              <a:schemeClr val="accent1"/>
-            </a:effectRef>
-            <a:fontRef idx="minor">
-              <a:schemeClr val="tx1"/>
-            </a:fontRef>
-          </p:style>
-          <p:txBody>
-            <a:bodyPr rtlCol="0" anchor="ctr"/>
-            <a:lstStyle/>
-            <a:p>
-              <a:pPr algn="ctr"/>
-              <a:endParaRPr lang="en-US"/>
-            </a:p>
-          </p:txBody>
-        </p:sp>
-        <p:cxnSp>
-          <p:nvCxnSpPr>
-            <p:cNvPr id="11" name="Curved Connector 10"/>
-            <p:cNvCxnSpPr>
-              <a:endCxn id="9" idx="2"/>
-            </p:cNvCxnSpPr>
-            <p:nvPr/>
-          </p:nvCxnSpPr>
-          <p:spPr>
-            <a:xfrm rot="10800000">
-              <a:off x="3553094" y="2403153"/>
-              <a:ext cx="1736276" cy="1699208"/>
-            </a:xfrm>
-            <a:prstGeom prst="curvedConnector3">
-              <a:avLst>
-                <a:gd name="adj1" fmla="val 39436"/>
-              </a:avLst>
-            </a:prstGeom>
-            <a:ln w="9525" cap="flat" cmpd="sng" algn="ctr">
-              <a:solidFill>
-                <a:schemeClr val="accent1"/>
-              </a:solidFill>
-              <a:prstDash val="dash"/>
-              <a:round/>
-              <a:headEnd type="none" w="med" len="med"/>
-              <a:tailEnd type="none" w="med" len="med"/>
-            </a:ln>
-          </p:spPr>
-          <p:style>
-            <a:lnRef idx="0">
-              <a:scrgbClr r="0" g="0" b="0"/>
-            </a:lnRef>
-            <a:fillRef idx="0">
-              <a:scrgbClr r="0" g="0" b="0"/>
-            </a:fillRef>
-            <a:effectRef idx="0">
-              <a:scrgbClr r="0" g="0" b="0"/>
-            </a:effectRef>
-            <a:fontRef idx="minor">
-              <a:schemeClr val="tx1"/>
-            </a:fontRef>
-          </p:style>
-        </p:cxnSp>
-      </p:grpSp>
       <p:grpSp>
         <p:nvGrpSpPr>
           <p:cNvPr id="94" name="Group 93"/>
@@ -9701,10 +11833,10 @@
         </p:nvGrpSpPr>
         <p:grpSpPr>
           <a:xfrm>
-            <a:off x="-86869" y="2698111"/>
-            <a:ext cx="5682807" cy="3293209"/>
+            <a:off x="302871" y="2698111"/>
+            <a:ext cx="5288456" cy="3293209"/>
             <a:chOff x="-86869" y="2528292"/>
-            <a:chExt cx="5682807" cy="3293209"/>
+            <a:chExt cx="5288456" cy="3293209"/>
           </a:xfrm>
         </p:grpSpPr>
         <p:sp>
@@ -9895,8 +12027,8 @@
           </p:nvCxnSpPr>
           <p:spPr>
             <a:xfrm flipH="1">
-              <a:off x="3531542" y="4068806"/>
-              <a:ext cx="2064396" cy="132227"/>
+              <a:off x="3531542" y="3817565"/>
+              <a:ext cx="1670045" cy="383468"/>
             </a:xfrm>
             <a:prstGeom prst="straightConnector1">
               <a:avLst/>
@@ -9905,10 +12037,10 @@
               <a:solidFill>
                 <a:schemeClr val="accent1"/>
               </a:solidFill>
-              <a:prstDash val="dash"/>
+              <a:prstDash val="solid"/>
               <a:round/>
               <a:headEnd type="none" w="med" len="med"/>
-              <a:tailEnd type="none" w="med" len="med"/>
+              <a:tailEnd type="arrow" w="med" len="med"/>
             </a:ln>
           </p:spPr>
           <p:style>
@@ -9935,7 +12067,7 @@
             <p:nvPr/>
           </p:nvPicPr>
           <p:blipFill>
-            <a:blip r:embed="rId5" cstate="email">
+            <a:blip r:embed="rId3" cstate="email">
               <a:extLst>
                 <a:ext uri="{28A0092B-C50C-407E-A947-70E740481C1C}">
                   <a14:useLocalDpi xmlns:a14="http://schemas.microsoft.com/office/drawing/2010/main"/>
@@ -9965,7 +12097,7 @@
             <p:nvPr/>
           </p:nvPicPr>
           <p:blipFill>
-            <a:blip r:embed="rId6" cstate="email">
+            <a:blip r:embed="rId4" cstate="email">
               <a:extLst>
                 <a:ext uri="{28A0092B-C50C-407E-A947-70E740481C1C}">
                   <a14:useLocalDpi xmlns:a14="http://schemas.microsoft.com/office/drawing/2010/main"/>
@@ -9995,7 +12127,7 @@
             <p:nvPr/>
           </p:nvPicPr>
           <p:blipFill>
-            <a:blip r:embed="rId7" cstate="email">
+            <a:blip r:embed="rId5" cstate="email">
               <a:extLst>
                 <a:ext uri="{28A0092B-C50C-407E-A947-70E740481C1C}">
                   <a14:useLocalDpi xmlns:a14="http://schemas.microsoft.com/office/drawing/2010/main"/>
@@ -10025,7 +12157,7 @@
             <p:nvPr/>
           </p:nvPicPr>
           <p:blipFill>
-            <a:blip r:embed="rId8" cstate="email">
+            <a:blip r:embed="rId6" cstate="email">
               <a:extLst>
                 <a:ext uri="{28A0092B-C50C-407E-A947-70E740481C1C}">
                   <a14:useLocalDpi xmlns:a14="http://schemas.microsoft.com/office/drawing/2010/main"/>
@@ -10055,7 +12187,7 @@
             <p:nvPr/>
           </p:nvPicPr>
           <p:blipFill>
-            <a:blip r:embed="rId9" cstate="email">
+            <a:blip r:embed="rId7" cstate="email">
               <a:clrChange>
                 <a:clrFrom>
                   <a:srgbClr val="CFCFCF"/>
@@ -10095,7 +12227,7 @@
             <p:nvPr/>
           </p:nvPicPr>
           <p:blipFill rotWithShape="1">
-            <a:blip r:embed="rId10" cstate="email">
+            <a:blip r:embed="rId8" cstate="email">
               <a:clrChange>
                 <a:clrFrom>
                   <a:srgbClr val="FFFFFF"/>
@@ -10126,6 +12258,388 @@
           </p:spPr>
         </p:pic>
       </p:grpSp>
+      <p:grpSp>
+        <p:nvGrpSpPr>
+          <p:cNvPr id="21" name="Group 20"/>
+          <p:cNvGrpSpPr/>
+          <p:nvPr/>
+        </p:nvGrpSpPr>
+        <p:grpSpPr>
+          <a:xfrm>
+            <a:off x="312447" y="1151862"/>
+            <a:ext cx="4889140" cy="1831181"/>
+            <a:chOff x="-77293" y="1151862"/>
+            <a:chExt cx="4889140" cy="1831181"/>
+          </a:xfrm>
+        </p:grpSpPr>
+        <p:sp>
+          <p:nvSpPr>
+            <p:cNvPr id="6" name="TextBox 5"/>
+            <p:cNvSpPr txBox="1"/>
+            <p:nvPr/>
+          </p:nvSpPr>
+          <p:spPr>
+            <a:xfrm>
+              <a:off x="-77293" y="1151862"/>
+              <a:ext cx="3618411" cy="1373453"/>
+            </a:xfrm>
+            <a:prstGeom prst="rect">
+              <a:avLst/>
+            </a:prstGeom>
+            <a:noFill/>
+          </p:spPr>
+          <p:txBody>
+            <a:bodyPr wrap="square" rtlCol="0">
+              <a:spAutoFit/>
+            </a:bodyPr>
+            <a:lstStyle/>
+            <a:p>
+              <a:pPr marL="285750" indent="-285750" algn="r" rtl="1">
+                <a:lnSpc>
+                  <a:spcPct val="250000"/>
+                </a:lnSpc>
+                <a:buFont typeface="Arial" panose="020B0604020202020204" pitchFamily="34" charset="0"/>
+                <a:buChar char="•"/>
+              </a:pPr>
+              <a:r>
+                <a:rPr lang="fa-IR" dirty="0" smtClean="0">
+                  <a:cs typeface="B Mitra" panose="00000400000000000000" pitchFamily="2" charset="-78"/>
+                </a:rPr>
+                <a:t>دانلود از سایت رسمی پایتون</a:t>
+              </a:r>
+            </a:p>
+            <a:p>
+              <a:pPr marL="285750" indent="-285750" algn="r" rtl="1">
+                <a:lnSpc>
+                  <a:spcPct val="250000"/>
+                </a:lnSpc>
+                <a:buFont typeface="Arial" panose="020B0604020202020204" pitchFamily="34" charset="0"/>
+                <a:buChar char="•"/>
+              </a:pPr>
+              <a:r>
+                <a:rPr lang="fa-IR" dirty="0" smtClean="0">
+                  <a:cs typeface="B Mitra" panose="00000400000000000000" pitchFamily="2" charset="-78"/>
+                </a:rPr>
+                <a:t>استفاده از پکیج </a:t>
+              </a:r>
+              <a:r>
+                <a:rPr lang="en-US" dirty="0" smtClean="0">
+                  <a:cs typeface="B Mitra" panose="00000400000000000000" pitchFamily="2" charset="-78"/>
+                </a:rPr>
+                <a:t>Anacond</a:t>
+              </a:r>
+              <a:r>
+                <a:rPr lang="en-US" dirty="0" smtClean="0"/>
+                <a:t>a</a:t>
+              </a:r>
+              <a:endParaRPr lang="en-US" dirty="0"/>
+            </a:p>
+          </p:txBody>
+        </p:sp>
+        <p:pic>
+          <p:nvPicPr>
+            <p:cNvPr id="7" name="Picture 6"/>
+            <p:cNvPicPr>
+              <a:picLocks noChangeAspect="1"/>
+            </p:cNvPicPr>
+            <p:nvPr/>
+          </p:nvPicPr>
+          <p:blipFill>
+            <a:blip r:embed="rId9" cstate="email">
+              <a:extLst>
+                <a:ext uri="{28A0092B-C50C-407E-A947-70E740481C1C}">
+                  <a14:useLocalDpi xmlns:a14="http://schemas.microsoft.com/office/drawing/2010/main"/>
+                </a:ext>
+              </a:extLst>
+            </a:blip>
+            <a:stretch>
+              <a:fillRect/>
+            </a:stretch>
+          </p:blipFill>
+          <p:spPr>
+            <a:xfrm>
+              <a:off x="522784" y="1312350"/>
+              <a:ext cx="636542" cy="634065"/>
+            </a:xfrm>
+            <a:prstGeom prst="rect">
+              <a:avLst/>
+            </a:prstGeom>
+          </p:spPr>
+        </p:pic>
+        <p:pic>
+          <p:nvPicPr>
+            <p:cNvPr id="8" name="Picture 7"/>
+            <p:cNvPicPr>
+              <a:picLocks noChangeAspect="1"/>
+            </p:cNvPicPr>
+            <p:nvPr/>
+          </p:nvPicPr>
+          <p:blipFill rotWithShape="1">
+            <a:blip r:embed="rId10" cstate="email">
+              <a:extLst>
+                <a:ext uri="{BEBA8EAE-BF5A-486C-A8C5-ECC9F3942E4B}">
+                  <a14:imgProps xmlns:a14="http://schemas.microsoft.com/office/drawing/2010/main">
+                    <a14:imgLayer r:embed="rId11">
+                      <a14:imgEffect>
+                        <a14:sharpenSoften amount="25000"/>
+                      </a14:imgEffect>
+                      <a14:imgEffect>
+                        <a14:brightnessContrast contrast="20000"/>
+                      </a14:imgEffect>
+                    </a14:imgLayer>
+                  </a14:imgProps>
+                </a:ext>
+                <a:ext uri="{28A0092B-C50C-407E-A947-70E740481C1C}">
+                  <a14:useLocalDpi xmlns:a14="http://schemas.microsoft.com/office/drawing/2010/main"/>
+                </a:ext>
+              </a:extLst>
+            </a:blip>
+            <a:srcRect/>
+            <a:stretch/>
+          </p:blipFill>
+          <p:spPr>
+            <a:xfrm>
+              <a:off x="522784" y="1984808"/>
+              <a:ext cx="636542" cy="633700"/>
+            </a:xfrm>
+            <a:prstGeom prst="rect">
+              <a:avLst/>
+            </a:prstGeom>
+          </p:spPr>
+        </p:pic>
+        <p:sp>
+          <p:nvSpPr>
+            <p:cNvPr id="9" name="Right Bracket 8"/>
+            <p:cNvSpPr/>
+            <p:nvPr/>
+          </p:nvSpPr>
+          <p:spPr>
+            <a:xfrm>
+              <a:off x="3371301" y="1488541"/>
+              <a:ext cx="169817" cy="965827"/>
+            </a:xfrm>
+            <a:prstGeom prst="rightBracket">
+              <a:avLst/>
+            </a:prstGeom>
+          </p:spPr>
+          <p:style>
+            <a:lnRef idx="1">
+              <a:schemeClr val="accent1"/>
+            </a:lnRef>
+            <a:fillRef idx="0">
+              <a:schemeClr val="accent1"/>
+            </a:fillRef>
+            <a:effectRef idx="0">
+              <a:schemeClr val="accent1"/>
+            </a:effectRef>
+            <a:fontRef idx="minor">
+              <a:schemeClr val="tx1"/>
+            </a:fontRef>
+          </p:style>
+          <p:txBody>
+            <a:bodyPr rtlCol="0" anchor="ctr"/>
+            <a:lstStyle/>
+            <a:p>
+              <a:pPr algn="ctr"/>
+              <a:endParaRPr lang="en-US"/>
+            </a:p>
+          </p:txBody>
+        </p:sp>
+        <p:cxnSp>
+          <p:nvCxnSpPr>
+            <p:cNvPr id="13" name="Straight Arrow Connector 12"/>
+            <p:cNvCxnSpPr>
+              <a:endCxn id="9" idx="2"/>
+            </p:cNvCxnSpPr>
+            <p:nvPr/>
+          </p:nvCxnSpPr>
+          <p:spPr>
+            <a:xfrm flipH="1" flipV="1">
+              <a:off x="3541118" y="1971455"/>
+              <a:ext cx="1270729" cy="1011588"/>
+            </a:xfrm>
+            <a:prstGeom prst="straightConnector1">
+              <a:avLst/>
+            </a:prstGeom>
+            <a:ln w="9525" cap="flat" cmpd="sng" algn="ctr">
+              <a:solidFill>
+                <a:schemeClr val="accent1"/>
+              </a:solidFill>
+              <a:prstDash val="solid"/>
+              <a:round/>
+              <a:headEnd type="none" w="med" len="med"/>
+              <a:tailEnd type="arrow" w="med" len="med"/>
+            </a:ln>
+          </p:spPr>
+          <p:style>
+            <a:lnRef idx="0">
+              <a:scrgbClr r="0" g="0" b="0"/>
+            </a:lnRef>
+            <a:fillRef idx="0">
+              <a:scrgbClr r="0" g="0" b="0"/>
+            </a:fillRef>
+            <a:effectRef idx="0">
+              <a:scrgbClr r="0" g="0" b="0"/>
+            </a:effectRef>
+            <a:fontRef idx="minor">
+              <a:schemeClr val="tx1"/>
+            </a:fontRef>
+          </p:style>
+        </p:cxnSp>
+      </p:grpSp>
+      <p:sp>
+        <p:nvSpPr>
+          <p:cNvPr id="22" name="Left Brace 21"/>
+          <p:cNvSpPr/>
+          <p:nvPr/>
+        </p:nvSpPr>
+        <p:spPr>
+          <a:xfrm>
+            <a:off x="705658" y="2835104"/>
+            <a:ext cx="326786" cy="1811495"/>
+          </a:xfrm>
+          <a:prstGeom prst="leftBrace">
+            <a:avLst>
+              <a:gd name="adj1" fmla="val 79166"/>
+              <a:gd name="adj2" fmla="val 50000"/>
+            </a:avLst>
+          </a:prstGeom>
+          <a:ln w="19050"/>
+        </p:spPr>
+        <p:style>
+          <a:lnRef idx="2">
+            <a:schemeClr val="accent6"/>
+          </a:lnRef>
+          <a:fillRef idx="0">
+            <a:schemeClr val="accent6"/>
+          </a:fillRef>
+          <a:effectRef idx="1">
+            <a:schemeClr val="accent6"/>
+          </a:effectRef>
+          <a:fontRef idx="minor">
+            <a:schemeClr val="tx1"/>
+          </a:fontRef>
+        </p:style>
+        <p:txBody>
+          <a:bodyPr rtlCol="0" anchor="ctr"/>
+          <a:lstStyle/>
+          <a:p>
+            <a:pPr algn="ctr"/>
+            <a:endParaRPr lang="en-US"/>
+          </a:p>
+        </p:txBody>
+      </p:sp>
+      <p:sp>
+        <p:nvSpPr>
+          <p:cNvPr id="33" name="Freeform 32"/>
+          <p:cNvSpPr/>
+          <p:nvPr/>
+        </p:nvSpPr>
+        <p:spPr>
+          <a:xfrm>
+            <a:off x="320374" y="2323476"/>
+            <a:ext cx="510977" cy="1409075"/>
+          </a:xfrm>
+          <a:custGeom>
+            <a:avLst/>
+            <a:gdLst>
+              <a:gd name="connsiteX0" fmla="*/ 429908 w 429908"/>
+              <a:gd name="connsiteY0" fmla="*/ 0 h 1499016"/>
+              <a:gd name="connsiteX1" fmla="*/ 55153 w 429908"/>
+              <a:gd name="connsiteY1" fmla="*/ 464695 h 1499016"/>
+              <a:gd name="connsiteX2" fmla="*/ 25173 w 429908"/>
+              <a:gd name="connsiteY2" fmla="*/ 1064301 h 1499016"/>
+              <a:gd name="connsiteX3" fmla="*/ 280006 w 429908"/>
+              <a:gd name="connsiteY3" fmla="*/ 1499016 h 1499016"/>
+              <a:gd name="connsiteX0" fmla="*/ 417041 w 417041"/>
+              <a:gd name="connsiteY0" fmla="*/ 0 h 1409075"/>
+              <a:gd name="connsiteX1" fmla="*/ 54521 w 417041"/>
+              <a:gd name="connsiteY1" fmla="*/ 374754 h 1409075"/>
+              <a:gd name="connsiteX2" fmla="*/ 24541 w 417041"/>
+              <a:gd name="connsiteY2" fmla="*/ 974360 h 1409075"/>
+              <a:gd name="connsiteX3" fmla="*/ 279374 w 417041"/>
+              <a:gd name="connsiteY3" fmla="*/ 1409075 h 1409075"/>
+              <a:gd name="connsiteX0" fmla="*/ 417041 w 417041"/>
+              <a:gd name="connsiteY0" fmla="*/ 0 h 1409075"/>
+              <a:gd name="connsiteX1" fmla="*/ 54521 w 417041"/>
+              <a:gd name="connsiteY1" fmla="*/ 374754 h 1409075"/>
+              <a:gd name="connsiteX2" fmla="*/ 24541 w 417041"/>
+              <a:gd name="connsiteY2" fmla="*/ 974360 h 1409075"/>
+              <a:gd name="connsiteX3" fmla="*/ 279374 w 417041"/>
+              <a:gd name="connsiteY3" fmla="*/ 1409075 h 1409075"/>
+            </a:gdLst>
+            <a:ahLst/>
+            <a:cxnLst>
+              <a:cxn ang="0">
+                <a:pos x="connsiteX0" y="connsiteY0"/>
+              </a:cxn>
+              <a:cxn ang="0">
+                <a:pos x="connsiteX1" y="connsiteY1"/>
+              </a:cxn>
+              <a:cxn ang="0">
+                <a:pos x="connsiteX2" y="connsiteY2"/>
+              </a:cxn>
+              <a:cxn ang="0">
+                <a:pos x="connsiteX3" y="connsiteY3"/>
+              </a:cxn>
+            </a:cxnLst>
+            <a:rect l="l" t="t" r="r" b="b"/>
+            <a:pathLst>
+              <a:path w="417041" h="1409075">
+                <a:moveTo>
+                  <a:pt x="417041" y="0"/>
+                </a:moveTo>
+                <a:cubicBezTo>
+                  <a:pt x="238922" y="98686"/>
+                  <a:pt x="119938" y="212361"/>
+                  <a:pt x="54521" y="374754"/>
+                </a:cubicBezTo>
+                <a:cubicBezTo>
+                  <a:pt x="-10896" y="537147"/>
+                  <a:pt x="-12935" y="801973"/>
+                  <a:pt x="24541" y="974360"/>
+                </a:cubicBezTo>
+                <a:cubicBezTo>
+                  <a:pt x="62016" y="1146747"/>
+                  <a:pt x="170695" y="1277911"/>
+                  <a:pt x="279374" y="1409075"/>
+                </a:cubicBezTo>
+              </a:path>
+            </a:pathLst>
+          </a:custGeom>
+          <a:ln w="19050" cap="flat" cmpd="sng" algn="ctr">
+            <a:solidFill>
+              <a:schemeClr val="accent6"/>
+            </a:solidFill>
+            <a:prstDash val="solid"/>
+            <a:round/>
+            <a:headEnd type="none" w="med" len="med"/>
+            <a:tailEnd type="arrow" w="med" len="med"/>
+          </a:ln>
+        </p:spPr>
+        <p:style>
+          <a:lnRef idx="0">
+            <a:scrgbClr r="0" g="0" b="0"/>
+          </a:lnRef>
+          <a:fillRef idx="0">
+            <a:scrgbClr r="0" g="0" b="0"/>
+          </a:fillRef>
+          <a:effectRef idx="0">
+            <a:scrgbClr r="0" g="0" b="0"/>
+          </a:effectRef>
+          <a:fontRef idx="minor">
+            <a:schemeClr val="tx1"/>
+          </a:fontRef>
+        </p:style>
+        <p:txBody>
+          <a:bodyPr rtlCol="0" anchor="ctr"/>
+          <a:lstStyle/>
+          <a:p>
+            <a:pPr algn="ctr"/>
+            <a:endParaRPr lang="en-US"/>
+          </a:p>
+        </p:txBody>
+      </p:sp>
     </p:spTree>
     <p:extLst>
       <p:ext uri="{BB962C8B-B14F-4D97-AF65-F5344CB8AC3E}">
@@ -10182,7 +12696,7 @@
                                           </p:stCondLst>
                                         </p:cTn>
                                         <p:tgtEl>
-                                          <p:spTgt spid="78"/>
+                                          <p:spTgt spid="21"/>
                                         </p:tgtEl>
                                         <p:attrNameLst>
                                           <p:attrName>style.visibility</p:attrName>
@@ -10196,7 +12710,7 @@
                                       <p:cBhvr>
                                         <p:cTn id="7" dur="500"/>
                                         <p:tgtEl>
-                                          <p:spTgt spid="78"/>
+                                          <p:spTgt spid="21"/>
                                         </p:tgtEl>
                                       </p:cBhvr>
                                     </p:animEffect>
@@ -10262,6 +12776,103 @@
                       </p:childTnLst>
                     </p:cTn>
                   </p:par>
+                  <p:par>
+                    <p:cTn id="13" fill="hold">
+                      <p:stCondLst>
+                        <p:cond delay="indefinite"/>
+                      </p:stCondLst>
+                      <p:childTnLst>
+                        <p:par>
+                          <p:cTn id="14" fill="hold">
+                            <p:stCondLst>
+                              <p:cond delay="0"/>
+                            </p:stCondLst>
+                            <p:childTnLst>
+                              <p:par>
+                                <p:cTn id="15" presetID="22" presetClass="entr" presetSubtype="1" fill="hold" grpId="0" nodeType="clickEffect">
+                                  <p:stCondLst>
+                                    <p:cond delay="0"/>
+                                  </p:stCondLst>
+                                  <p:childTnLst>
+                                    <p:set>
+                                      <p:cBhvr>
+                                        <p:cTn id="16" dur="1" fill="hold">
+                                          <p:stCondLst>
+                                            <p:cond delay="0"/>
+                                          </p:stCondLst>
+                                        </p:cTn>
+                                        <p:tgtEl>
+                                          <p:spTgt spid="33"/>
+                                        </p:tgtEl>
+                                        <p:attrNameLst>
+                                          <p:attrName>style.visibility</p:attrName>
+                                        </p:attrNameLst>
+                                      </p:cBhvr>
+                                      <p:to>
+                                        <p:strVal val="visible"/>
+                                      </p:to>
+                                    </p:set>
+                                    <p:animEffect transition="in" filter="wipe(up)">
+                                      <p:cBhvr>
+                                        <p:cTn id="17" dur="500"/>
+                                        <p:tgtEl>
+                                          <p:spTgt spid="33"/>
+                                        </p:tgtEl>
+                                      </p:cBhvr>
+                                    </p:animEffect>
+                                  </p:childTnLst>
+                                </p:cTn>
+                              </p:par>
+                            </p:childTnLst>
+                          </p:cTn>
+                        </p:par>
+                        <p:par>
+                          <p:cTn id="18" fill="hold">
+                            <p:stCondLst>
+                              <p:cond delay="500"/>
+                            </p:stCondLst>
+                            <p:childTnLst>
+                              <p:par>
+                                <p:cTn id="19" presetID="22" presetClass="entr" presetSubtype="1" fill="hold" grpId="0" nodeType="afterEffect">
+                                  <p:stCondLst>
+                                    <p:cond delay="0"/>
+                                  </p:stCondLst>
+                                  <p:childTnLst>
+                                    <p:set>
+                                      <p:cBhvr>
+                                        <p:cTn id="20" dur="1" fill="hold">
+                                          <p:stCondLst>
+                                            <p:cond delay="0"/>
+                                          </p:stCondLst>
+                                        </p:cTn>
+                                        <p:tgtEl>
+                                          <p:spTgt spid="22"/>
+                                        </p:tgtEl>
+                                        <p:attrNameLst>
+                                          <p:attrName>style.visibility</p:attrName>
+                                        </p:attrNameLst>
+                                      </p:cBhvr>
+                                      <p:to>
+                                        <p:strVal val="visible"/>
+                                      </p:to>
+                                    </p:set>
+                                    <p:animEffect transition="in" filter="wipe(up)">
+                                      <p:cBhvr>
+                                        <p:cTn id="21" dur="500"/>
+                                        <p:tgtEl>
+                                          <p:spTgt spid="22"/>
+                                        </p:tgtEl>
+                                      </p:cBhvr>
+                                    </p:animEffect>
+                                  </p:childTnLst>
+                                </p:cTn>
+                              </p:par>
+                            </p:childTnLst>
+                          </p:cTn>
+                        </p:par>
+                      </p:childTnLst>
+                    </p:cTn>
+                  </p:par>
                 </p:childTnLst>
               </p:cTn>
               <p:prevCondLst>
@@ -10283,6 +12894,10 @@
         </p:cTn>
       </p:par>
     </p:tnLst>
+    <p:bldLst>
+      <p:bldP spid="22" grpId="0" animBg="1"/>
+      <p:bldP spid="33" grpId="0" animBg="1"/>
+    </p:bldLst>
   </p:timing>
 </p:sld>
 </file>

--- a/Python_Workshop.pptx
+++ b/Python_Workshop.pptx
@@ -5,7 +5,7 @@
     <p:sldMasterId id="2147483648" r:id="rId1"/>
   </p:sldMasterIdLst>
   <p:notesMasterIdLst>
-    <p:notesMasterId r:id="rId32"/>
+    <p:notesMasterId r:id="rId31"/>
   </p:notesMasterIdLst>
   <p:sldIdLst>
     <p:sldId id="256" r:id="rId2"/>
@@ -18,29 +18,28 @@
     <p:sldId id="263" r:id="rId9"/>
     <p:sldId id="261" r:id="rId10"/>
     <p:sldId id="265" r:id="rId11"/>
-    <p:sldId id="271" r:id="rId12"/>
-    <p:sldId id="270" r:id="rId13"/>
-    <p:sldId id="266" r:id="rId14"/>
-    <p:sldId id="267" r:id="rId15"/>
-    <p:sldId id="268" r:id="rId16"/>
-    <p:sldId id="269" r:id="rId17"/>
-    <p:sldId id="272" r:id="rId18"/>
-    <p:sldId id="275" r:id="rId19"/>
-    <p:sldId id="276" r:id="rId20"/>
-    <p:sldId id="277" r:id="rId21"/>
-    <p:sldId id="274" r:id="rId22"/>
-    <p:sldId id="278" r:id="rId23"/>
-    <p:sldId id="273" r:id="rId24"/>
-    <p:sldId id="284" r:id="rId25"/>
-    <p:sldId id="279" r:id="rId26"/>
+    <p:sldId id="286" r:id="rId12"/>
+    <p:sldId id="271" r:id="rId13"/>
+    <p:sldId id="270" r:id="rId14"/>
+    <p:sldId id="266" r:id="rId15"/>
+    <p:sldId id="267" r:id="rId16"/>
+    <p:sldId id="268" r:id="rId17"/>
+    <p:sldId id="269" r:id="rId18"/>
+    <p:sldId id="272" r:id="rId19"/>
+    <p:sldId id="275" r:id="rId20"/>
+    <p:sldId id="276" r:id="rId21"/>
+    <p:sldId id="277" r:id="rId22"/>
+    <p:sldId id="274" r:id="rId23"/>
+    <p:sldId id="278" r:id="rId24"/>
+    <p:sldId id="273" r:id="rId25"/>
+    <p:sldId id="284" r:id="rId26"/>
     <p:sldId id="281" r:id="rId27"/>
-    <p:sldId id="283" r:id="rId28"/>
-    <p:sldId id="282" r:id="rId29"/>
+    <p:sldId id="282" r:id="rId28"/>
+    <p:sldId id="285" r:id="rId29"/>
     <p:sldId id="280" r:id="rId30"/>
-    <p:sldId id="285" r:id="rId31"/>
   </p:sldIdLst>
   <p:sldSz cx="12192000" cy="6858000"/>
-  <p:notesSz cx="6858000" cy="9144000"/>
+  <p:notesSz cx="7104063" cy="10234613"/>
   <p:defaultTextStyle>
     <a:defPPr>
       <a:defRPr lang="en-US"/>
@@ -179,17 +178,17 @@
         <p:spPr>
           <a:xfrm>
             <a:off x="0" y="0"/>
-            <a:ext cx="2971800" cy="458788"/>
+            <a:ext cx="3078427" cy="513508"/>
           </a:xfrm>
           <a:prstGeom prst="rect">
             <a:avLst/>
           </a:prstGeom>
         </p:spPr>
         <p:txBody>
-          <a:bodyPr vert="horz" lIns="91440" tIns="45720" rIns="91440" bIns="45720" rtlCol="0"/>
+          <a:bodyPr vert="horz" lIns="96661" tIns="48331" rIns="96661" bIns="48331" rtlCol="0"/>
           <a:lstStyle>
             <a:lvl1pPr algn="l">
-              <a:defRPr sz="1200"/>
+              <a:defRPr sz="1300"/>
             </a:lvl1pPr>
           </a:lstStyle>
           <a:p>
@@ -209,24 +208,24 @@
         </p:nvSpPr>
         <p:spPr>
           <a:xfrm>
-            <a:off x="3884613" y="0"/>
-            <a:ext cx="2971800" cy="458788"/>
+            <a:off x="4023992" y="0"/>
+            <a:ext cx="3078427" cy="513508"/>
           </a:xfrm>
           <a:prstGeom prst="rect">
             <a:avLst/>
           </a:prstGeom>
         </p:spPr>
         <p:txBody>
-          <a:bodyPr vert="horz" lIns="91440" tIns="45720" rIns="91440" bIns="45720" rtlCol="0"/>
+          <a:bodyPr vert="horz" lIns="96661" tIns="48331" rIns="96661" bIns="48331" rtlCol="0"/>
           <a:lstStyle>
             <a:lvl1pPr algn="r">
-              <a:defRPr sz="1200"/>
+              <a:defRPr sz="1300"/>
             </a:lvl1pPr>
           </a:lstStyle>
           <a:p>
             <a:fld id="{63FDF96B-723F-4BCA-B0F2-6B2EC8DC2F6A}" type="datetimeFigureOut">
               <a:rPr lang="en-US" smtClean="0"/>
-              <a:t>2019-06-30</a:t>
+              <a:t>2019-08-29</a:t>
             </a:fld>
             <a:endParaRPr lang="en-US"/>
           </a:p>
@@ -244,8 +243,8 @@
         </p:nvSpPr>
         <p:spPr>
           <a:xfrm>
-            <a:off x="685800" y="1143000"/>
-            <a:ext cx="5486400" cy="3086100"/>
+            <a:off x="482600" y="1279525"/>
+            <a:ext cx="6138863" cy="3454400"/>
           </a:xfrm>
           <a:prstGeom prst="rect">
             <a:avLst/>
@@ -258,7 +257,7 @@
           </a:ln>
         </p:spPr>
         <p:txBody>
-          <a:bodyPr vert="horz" lIns="91440" tIns="45720" rIns="91440" bIns="45720" rtlCol="0" anchor="ctr"/>
+          <a:bodyPr vert="horz" lIns="96661" tIns="48331" rIns="96661" bIns="48331" rtlCol="0" anchor="ctr"/>
           <a:lstStyle/>
           <a:p>
             <a:endParaRPr lang="en-US"/>
@@ -277,15 +276,15 @@
         </p:nvSpPr>
         <p:spPr>
           <a:xfrm>
-            <a:off x="685800" y="4400550"/>
-            <a:ext cx="5486400" cy="3600450"/>
+            <a:off x="710407" y="4925408"/>
+            <a:ext cx="5683250" cy="4029879"/>
           </a:xfrm>
           <a:prstGeom prst="rect">
             <a:avLst/>
           </a:prstGeom>
         </p:spPr>
         <p:txBody>
-          <a:bodyPr vert="horz" lIns="91440" tIns="45720" rIns="91440" bIns="45720" rtlCol="0"/>
+          <a:bodyPr vert="horz" lIns="96661" tIns="48331" rIns="96661" bIns="48331" rtlCol="0"/>
           <a:lstStyle/>
           <a:p>
             <a:pPr lvl="0"/>
@@ -337,18 +336,18 @@
         </p:nvSpPr>
         <p:spPr>
           <a:xfrm>
-            <a:off x="0" y="8685213"/>
-            <a:ext cx="2971800" cy="458787"/>
+            <a:off x="0" y="9721106"/>
+            <a:ext cx="3078427" cy="513507"/>
           </a:xfrm>
           <a:prstGeom prst="rect">
             <a:avLst/>
           </a:prstGeom>
         </p:spPr>
         <p:txBody>
-          <a:bodyPr vert="horz" lIns="91440" tIns="45720" rIns="91440" bIns="45720" rtlCol="0" anchor="b"/>
+          <a:bodyPr vert="horz" lIns="96661" tIns="48331" rIns="96661" bIns="48331" rtlCol="0" anchor="b"/>
           <a:lstStyle>
             <a:lvl1pPr algn="l">
-              <a:defRPr sz="1200"/>
+              <a:defRPr sz="1300"/>
             </a:lvl1pPr>
           </a:lstStyle>
           <a:p>
@@ -368,18 +367,18 @@
         </p:nvSpPr>
         <p:spPr>
           <a:xfrm>
-            <a:off x="3884613" y="8685213"/>
-            <a:ext cx="2971800" cy="458787"/>
+            <a:off x="4023992" y="9721106"/>
+            <a:ext cx="3078427" cy="513507"/>
           </a:xfrm>
           <a:prstGeom prst="rect">
             <a:avLst/>
           </a:prstGeom>
         </p:spPr>
         <p:txBody>
-          <a:bodyPr vert="horz" lIns="91440" tIns="45720" rIns="91440" bIns="45720" rtlCol="0" anchor="b"/>
+          <a:bodyPr vert="horz" lIns="96661" tIns="48331" rIns="96661" bIns="48331" rtlCol="0" anchor="b"/>
           <a:lstStyle>
             <a:lvl1pPr algn="r">
-              <a:defRPr sz="1200"/>
+              <a:defRPr sz="1300"/>
             </a:lvl1pPr>
           </a:lstStyle>
           <a:p>
@@ -541,12 +540,32 @@
             <a:pPr algn="r" rtl="1"/>
             <a:r>
               <a:rPr lang="fa-IR" dirty="0" smtClean="0"/>
+              <a:t>پایتون</a:t>
+            </a:r>
+            <a:r>
+              <a:rPr lang="fa-IR" baseline="0" dirty="0" smtClean="0"/>
+              <a:t>:</a:t>
+            </a:r>
+          </a:p>
+          <a:p>
+            <a:pPr algn="r" rtl="1"/>
+            <a:r>
+              <a:rPr lang="fa-IR" dirty="0" smtClean="0"/>
               <a:t>سادگی</a:t>
             </a:r>
             <a:r>
               <a:rPr lang="fa-IR" baseline="0" dirty="0" smtClean="0"/>
-              <a:t> متلب ولی رایگان و سبک</a:t>
-            </a:r>
+              <a:t> متلب را دارد </a:t>
+            </a:r>
+            <a:r>
+              <a:rPr lang="fa-IR" baseline="0" dirty="0" smtClean="0"/>
+              <a:t>ولی رایگان و </a:t>
+            </a:r>
+            <a:r>
+              <a:rPr lang="fa-IR" baseline="0" dirty="0" smtClean="0"/>
+              <a:t>بسیار سبک تر</a:t>
+            </a:r>
+            <a:endParaRPr lang="fa-IR" baseline="0" dirty="0" smtClean="0"/>
           </a:p>
           <a:p>
             <a:pPr algn="r" rtl="1"/>
@@ -560,7 +579,15 @@
             </a:r>
             <a:r>
               <a:rPr lang="fa-IR" baseline="0" dirty="0" smtClean="0"/>
-              <a:t> ولی ساده تر و با دردسر کمتر و بدون نیاز به کامپایلر</a:t>
+              <a:t> </a:t>
+            </a:r>
+            <a:r>
+              <a:rPr lang="fa-IR" baseline="0" dirty="0" smtClean="0"/>
+              <a:t>را دارد ولی </a:t>
+            </a:r>
+            <a:r>
+              <a:rPr lang="fa-IR" baseline="0" dirty="0" smtClean="0"/>
+              <a:t>ساده تر و با دردسر کمتر و بدون نیاز به کامپایلر</a:t>
             </a:r>
             <a:endParaRPr lang="en-US" dirty="0"/>
           </a:p>
@@ -1010,7 +1037,7 @@
           <a:p>
             <a:fld id="{21047F32-E357-4BAC-9105-03C47BA3FBD8}" type="slidenum">
               <a:rPr lang="en-US" smtClean="0"/>
-              <a:t>12</a:t>
+              <a:t>13</a:t>
             </a:fld>
             <a:endParaRPr lang="en-US"/>
           </a:p>
@@ -1095,7 +1122,7 @@
           <a:p>
             <a:fld id="{21047F32-E357-4BAC-9105-03C47BA3FBD8}" type="slidenum">
               <a:rPr lang="en-US" smtClean="0"/>
-              <a:t>13</a:t>
+              <a:t>14</a:t>
             </a:fld>
             <a:endParaRPr lang="en-US"/>
           </a:p>
@@ -1179,7 +1206,7 @@
           <a:p>
             <a:fld id="{21047F32-E357-4BAC-9105-03C47BA3FBD8}" type="slidenum">
               <a:rPr lang="en-US" smtClean="0"/>
-              <a:t>14</a:t>
+              <a:t>15</a:t>
             </a:fld>
             <a:endParaRPr lang="en-US"/>
           </a:p>
@@ -1263,7 +1290,7 @@
           <a:p>
             <a:fld id="{21047F32-E357-4BAC-9105-03C47BA3FBD8}" type="slidenum">
               <a:rPr lang="en-US" smtClean="0"/>
-              <a:t>16</a:t>
+              <a:t>17</a:t>
             </a:fld>
             <a:endParaRPr lang="en-US"/>
           </a:p>
@@ -1364,7 +1391,7 @@
           <a:p>
             <a:fld id="{21047F32-E357-4BAC-9105-03C47BA3FBD8}" type="slidenum">
               <a:rPr lang="en-US" smtClean="0"/>
-              <a:t>23</a:t>
+              <a:t>24</a:t>
             </a:fld>
             <a:endParaRPr lang="en-US"/>
           </a:p>
@@ -1626,7 +1653,7 @@
           <a:p>
             <a:fld id="{91FCE95B-7AAC-4A3D-BD94-B71579557752}" type="datetime1">
               <a:rPr lang="en-US" smtClean="0"/>
-              <a:t>2019-06-30</a:t>
+              <a:t>2019-08-29</a:t>
             </a:fld>
             <a:endParaRPr lang="en-US" dirty="0"/>
           </a:p>
@@ -1907,7 +1934,7 @@
           <a:p>
             <a:fld id="{CCA2AD58-C445-4F69-8CF1-C601F90A31E0}" type="datetime1">
               <a:rPr lang="en-US" smtClean="0"/>
-              <a:t>2019-06-30</a:t>
+              <a:t>2019-08-29</a:t>
             </a:fld>
             <a:endParaRPr lang="en-US" dirty="0"/>
           </a:p>
@@ -2165,7 +2192,7 @@
           <a:p>
             <a:fld id="{611A6809-F529-4CE6-A268-DEC3B5C99C9F}" type="datetime1">
               <a:rPr lang="en-US" smtClean="0"/>
-              <a:t>2019-06-30</a:t>
+              <a:t>2019-08-29</a:t>
             </a:fld>
             <a:endParaRPr lang="en-US" dirty="0"/>
           </a:p>
@@ -2484,7 +2511,7 @@
           <a:p>
             <a:fld id="{70289754-7F55-4018-AF54-0109F721C727}" type="datetime1">
               <a:rPr lang="en-US" smtClean="0"/>
-              <a:t>2019-06-30</a:t>
+              <a:t>2019-08-29</a:t>
             </a:fld>
             <a:endParaRPr lang="en-US" dirty="0"/>
           </a:p>
@@ -2859,7 +2886,7 @@
           <a:p>
             <a:fld id="{6F20C725-9F7E-4BBC-86DD-F7DACE2A4C24}" type="datetime1">
               <a:rPr lang="en-US" smtClean="0"/>
-              <a:t>2019-06-30</a:t>
+              <a:t>2019-08-29</a:t>
             </a:fld>
             <a:endParaRPr lang="en-US" dirty="0"/>
           </a:p>
@@ -3179,7 +3206,7 @@
           <a:p>
             <a:fld id="{2B69B960-853D-41DD-8CE8-4313B63BA6BF}" type="datetime1">
               <a:rPr lang="en-US" smtClean="0"/>
-              <a:t>2019-06-30</a:t>
+              <a:t>2019-08-29</a:t>
             </a:fld>
             <a:endParaRPr lang="en-US" dirty="0"/>
           </a:p>
@@ -3624,7 +3651,7 @@
           <a:p>
             <a:fld id="{828366E5-86D1-40E9-B0A7-9CB1B96D4E82}" type="datetime1">
               <a:rPr lang="en-US" smtClean="0"/>
-              <a:t>2019-06-30</a:t>
+              <a:t>2019-08-29</a:t>
             </a:fld>
             <a:endParaRPr lang="en-US" dirty="0"/>
           </a:p>
@@ -3735,7 +3762,7 @@
           <a:p>
             <a:fld id="{67928D51-3BF8-4D87-BDA4-916FF9B8B93C}" type="datetime1">
               <a:rPr lang="en-US" smtClean="0"/>
-              <a:t>2019-06-30</a:t>
+              <a:t>2019-08-29</a:t>
             </a:fld>
             <a:endParaRPr lang="en-US" dirty="0"/>
           </a:p>
@@ -3913,7 +3940,7 @@
           <a:p>
             <a:fld id="{F2D1B98B-6B00-4948-B102-3726270D0723}" type="datetime1">
               <a:rPr lang="en-US" smtClean="0"/>
-              <a:t>2019-06-30</a:t>
+              <a:t>2019-08-29</a:t>
             </a:fld>
             <a:endParaRPr lang="en-US" dirty="0"/>
           </a:p>
@@ -4307,7 +4334,7 @@
           <a:p>
             <a:fld id="{5D85D569-5D27-4AA2-81DE-64B2C0B7ACF3}" type="datetime1">
               <a:rPr lang="en-US" smtClean="0"/>
-              <a:t>2019-06-30</a:t>
+              <a:t>2019-08-29</a:t>
             </a:fld>
             <a:endParaRPr lang="en-US" dirty="0"/>
           </a:p>
@@ -4619,7 +4646,7 @@
           <a:p>
             <a:fld id="{936CCD7B-4601-41D7-93C8-6AA9FD8A5880}" type="datetime1">
               <a:rPr lang="en-US" smtClean="0"/>
-              <a:t>2019-06-30</a:t>
+              <a:t>2019-08-29</a:t>
             </a:fld>
             <a:endParaRPr lang="en-US" dirty="0"/>
           </a:p>
@@ -4853,7 +4880,7 @@
           <a:p>
             <a:fld id="{14D575CC-05D2-439A-A799-FC49C3693000}" type="datetime1">
               <a:rPr lang="en-US" smtClean="0"/>
-              <a:t>2019-06-30</a:t>
+              <a:t>2019-08-29</a:t>
             </a:fld>
             <a:endParaRPr lang="en-US" dirty="0"/>
           </a:p>
@@ -5520,15 +5547,7 @@
           <a:p>
             <a:r>
               <a:rPr lang="fa-IR" sz="1800" b="1" dirty="0" smtClean="0"/>
-              <a:t>سعید محققی </a:t>
-            </a:r>
-            <a:r>
-              <a:rPr lang="fa-IR" sz="1800" b="1" dirty="0" smtClean="0"/>
-              <a:t>/ </a:t>
-            </a:r>
-            <a:r>
-              <a:rPr lang="fa-IR" sz="1800" b="1" dirty="0" smtClean="0"/>
-              <a:t>تابستان 1398</a:t>
+              <a:t>سعید محققی / تابستان 1398</a:t>
             </a:r>
             <a:endParaRPr lang="en-US" sz="1800" b="1" dirty="0"/>
           </a:p>
@@ -5700,275 +5719,159 @@
           <a:lstStyle/>
           <a:p>
             <a:r>
-              <a:rPr lang="fa-IR" dirty="0" smtClean="0"/>
+              <a:rPr lang="fa-IR" sz="2400" dirty="0" smtClean="0"/>
               <a:t>در حال حاضر پایتون دارای دو گروه نسخه اصلی است:</a:t>
             </a:r>
           </a:p>
           <a:p>
             <a:pPr lvl="1"/>
             <a:r>
-              <a:rPr lang="fa-IR" dirty="0" smtClean="0"/>
+              <a:rPr lang="fa-IR" sz="2000" dirty="0" smtClean="0"/>
               <a:t>نسخه های </a:t>
             </a:r>
             <a:r>
-              <a:rPr lang="en-US" dirty="0" smtClean="0"/>
+              <a:rPr lang="en-US" sz="2000" dirty="0" smtClean="0"/>
               <a:t>2.x</a:t>
             </a:r>
             <a:r>
-              <a:rPr lang="fa-IR" dirty="0" smtClean="0"/>
+              <a:rPr lang="fa-IR" sz="2000" dirty="0" smtClean="0"/>
+              <a:t> مثلا </a:t>
+            </a:r>
+            <a:r>
+              <a:rPr lang="en-US" sz="2000" dirty="0" smtClean="0"/>
+              <a:t>2.7</a:t>
+            </a:r>
+            <a:r>
+              <a:rPr lang="fa-IR" sz="2000" dirty="0" smtClean="0"/>
               <a:t> </a:t>
             </a:r>
             <a:r>
-              <a:rPr lang="fa-IR" dirty="0" smtClean="0">
+              <a:rPr lang="fa-IR" sz="2000" dirty="0" smtClean="0">
                 <a:sym typeface="Wingdings" panose="05000000000000000000" pitchFamily="2" charset="2"/>
               </a:rPr>
-              <a:t> پرکاربردترین نسخه ها در گذشته</a:t>
-            </a:r>
-            <a:r>
-              <a:rPr lang="en-US" dirty="0" smtClean="0">
+              <a:t> پرکاربردترین نسخه ها در </a:t>
+            </a:r>
+            <a:r>
+              <a:rPr lang="fa-IR" sz="2000" dirty="0" smtClean="0">
                 <a:sym typeface="Wingdings" panose="05000000000000000000" pitchFamily="2" charset="2"/>
               </a:rPr>
-              <a:t/>
-            </a:r>
-            <a:br>
-              <a:rPr lang="en-US" dirty="0" smtClean="0">
+              <a:t>گذشته</a:t>
+            </a:r>
+            <a:r>
+              <a:rPr lang="en-US" sz="2000" dirty="0">
                 <a:sym typeface="Wingdings" panose="05000000000000000000" pitchFamily="2" charset="2"/>
               </a:rPr>
-            </a:br>
-            <a:r>
-              <a:rPr lang="fa-IR" dirty="0" smtClean="0">
+              <a:t> </a:t>
+            </a:r>
+            <a:r>
+              <a:rPr lang="fa-IR" sz="2000" dirty="0">
                 <a:sym typeface="Wingdings" panose="05000000000000000000" pitchFamily="2" charset="2"/>
               </a:rPr>
-              <a:t>پایان پشتیبانی تا ابتدای سال 2020</a:t>
-            </a:r>
-            <a:endParaRPr lang="fa-IR" dirty="0" smtClean="0"/>
+              <a:t> پایان </a:t>
+            </a:r>
+            <a:r>
+              <a:rPr lang="fa-IR" sz="2000" dirty="0" smtClean="0">
+                <a:sym typeface="Wingdings" panose="05000000000000000000" pitchFamily="2" charset="2"/>
+              </a:rPr>
+              <a:t>پشتیبانی تا ابتدای سال 2020</a:t>
+            </a:r>
+            <a:endParaRPr lang="fa-IR" sz="2000" dirty="0" smtClean="0"/>
           </a:p>
           <a:p>
             <a:pPr lvl="1"/>
             <a:r>
-              <a:rPr lang="fa-IR" dirty="0" smtClean="0"/>
+              <a:rPr lang="fa-IR" sz="2000" dirty="0" smtClean="0"/>
               <a:t>نسخه های </a:t>
             </a:r>
             <a:r>
-              <a:rPr lang="en-US" dirty="0" smtClean="0"/>
+              <a:rPr lang="en-US" sz="2000" dirty="0" smtClean="0"/>
               <a:t>3.x</a:t>
             </a:r>
             <a:r>
-              <a:rPr lang="fa-IR" dirty="0" smtClean="0"/>
+              <a:rPr lang="fa-IR" sz="2000" dirty="0" smtClean="0"/>
               <a:t> </a:t>
             </a:r>
             <a:r>
-              <a:rPr lang="fa-IR" dirty="0" smtClean="0">
+              <a:rPr lang="fa-IR" sz="2000" dirty="0" smtClean="0"/>
+              <a:t>مثلا </a:t>
+            </a:r>
+            <a:r>
+              <a:rPr lang="en-US" sz="2000" dirty="0" smtClean="0"/>
+              <a:t>3.7</a:t>
+            </a:r>
+            <a:r>
+              <a:rPr lang="fa-IR" sz="2000" dirty="0" smtClean="0">
                 <a:sym typeface="Wingdings" panose="05000000000000000000" pitchFamily="2" charset="2"/>
               </a:rPr>
-              <a:t> نسخه اصلی</a:t>
-            </a:r>
-            <a:r>
-              <a:rPr lang="en-US" dirty="0" smtClean="0">
+              <a:t> </a:t>
+            </a:r>
+            <a:r>
+              <a:rPr lang="fa-IR" sz="2000" dirty="0" smtClean="0">
                 <a:sym typeface="Wingdings" panose="05000000000000000000" pitchFamily="2" charset="2"/>
               </a:rPr>
+              <a:t>نسخه اصلی</a:t>
+            </a:r>
+            <a:r>
+              <a:rPr lang="en-US" sz="2000" dirty="0" smtClean="0">
+                <a:sym typeface="Wingdings" panose="05000000000000000000" pitchFamily="2" charset="2"/>
+              </a:rPr>
               <a:t> </a:t>
             </a:r>
             <a:r>
-              <a:rPr lang="fa-IR" dirty="0" smtClean="0">
+              <a:rPr lang="fa-IR" sz="2000" dirty="0" smtClean="0">
                 <a:sym typeface="Wingdings" panose="05000000000000000000" pitchFamily="2" charset="2"/>
               </a:rPr>
-              <a:t>و پیش فرض</a:t>
-            </a:r>
-            <a:r>
-              <a:rPr lang="en-US" dirty="0" smtClean="0">
+              <a:t>و پیش </a:t>
+            </a:r>
+            <a:r>
+              <a:rPr lang="fa-IR" sz="2000" dirty="0" smtClean="0">
                 <a:sym typeface="Wingdings" panose="05000000000000000000" pitchFamily="2" charset="2"/>
               </a:rPr>
-              <a:t/>
-            </a:r>
-            <a:br>
-              <a:rPr lang="en-US" dirty="0" smtClean="0">
+              <a:t>فرض کنونی</a:t>
+            </a:r>
+            <a:r>
+              <a:rPr lang="en-US" sz="2000" dirty="0">
                 <a:sym typeface="Wingdings" panose="05000000000000000000" pitchFamily="2" charset="2"/>
               </a:rPr>
-            </a:br>
-            <a:r>
-              <a:rPr lang="fa-IR" dirty="0" smtClean="0">
+              <a:t> </a:t>
+            </a:r>
+            <a:r>
+              <a:rPr lang="fa-IR" sz="2000" dirty="0">
                 <a:sym typeface="Wingdings" panose="05000000000000000000" pitchFamily="2" charset="2"/>
               </a:rPr>
-              <a:t>در </a:t>
-            </a:r>
-            <a:r>
-              <a:rPr lang="fa-IR" dirty="0">
+              <a:t> در </a:t>
+            </a:r>
+            <a:r>
+              <a:rPr lang="fa-IR" sz="2000" dirty="0">
                 <a:sym typeface="Wingdings" panose="05000000000000000000" pitchFamily="2" charset="2"/>
               </a:rPr>
               <a:t>نسخه های جدید</a:t>
             </a:r>
             <a:r>
-              <a:rPr lang="fa-IR" dirty="0" smtClean="0">
+              <a:rPr lang="fa-IR" sz="2000" dirty="0" smtClean="0">
                 <a:sym typeface="Wingdings" panose="05000000000000000000" pitchFamily="2" charset="2"/>
               </a:rPr>
               <a:t> </a:t>
             </a:r>
             <a:r>
-              <a:rPr lang="en-US" dirty="0" smtClean="0">
+              <a:rPr lang="en-US" sz="2000" dirty="0" smtClean="0">
                 <a:sym typeface="Wingdings" panose="05000000000000000000" pitchFamily="2" charset="2"/>
               </a:rPr>
               <a:t>Anaconda</a:t>
             </a:r>
             <a:r>
-              <a:rPr lang="fa-IR" dirty="0" smtClean="0">
+              <a:rPr lang="fa-IR" sz="2000" dirty="0" smtClean="0">
                 <a:sym typeface="Wingdings" panose="05000000000000000000" pitchFamily="2" charset="2"/>
               </a:rPr>
-              <a:t> و لینوکس و سایر کتابخانه ها</a:t>
-            </a:r>
-            <a:endParaRPr lang="en-US" dirty="0" smtClean="0">
-              <a:sym typeface="Wingdings" panose="05000000000000000000" pitchFamily="2" charset="2"/>
-            </a:endParaRPr>
-          </a:p>
-          <a:p>
-            <a:r>
-              <a:rPr lang="en-US" dirty="0">
+              <a:t> و لینوکس و سایر کتابخانه </a:t>
+            </a:r>
+            <a:r>
+              <a:rPr lang="fa-IR" sz="2000" dirty="0" smtClean="0">
                 <a:sym typeface="Wingdings" panose="05000000000000000000" pitchFamily="2" charset="2"/>
               </a:rPr>
-              <a:t> </a:t>
-            </a:r>
-            <a:r>
-              <a:rPr lang="fa-IR" dirty="0" smtClean="0">
-                <a:sym typeface="Wingdings" panose="05000000000000000000" pitchFamily="2" charset="2"/>
-              </a:rPr>
-              <a:t>مفسر پایتون به صورت رایگان، برای هر دو نسخه و سیستم عامل های مختلف</a:t>
-            </a:r>
-            <a:br>
-              <a:rPr lang="fa-IR" dirty="0" smtClean="0">
-                <a:sym typeface="Wingdings" panose="05000000000000000000" pitchFamily="2" charset="2"/>
-              </a:rPr>
-            </a:br>
-            <a:r>
-              <a:rPr lang="fa-IR" dirty="0" smtClean="0">
-                <a:sym typeface="Wingdings" panose="05000000000000000000" pitchFamily="2" charset="2"/>
-              </a:rPr>
-              <a:t>از سایت رسمی پایتون (</a:t>
-            </a:r>
-            <a:r>
-              <a:rPr lang="en-US" dirty="0" smtClean="0">
-                <a:hlinkClick r:id="rId2"/>
-              </a:rPr>
-              <a:t>www.python.org</a:t>
-            </a:r>
-            <a:r>
-              <a:rPr lang="fa-IR" dirty="0" smtClean="0">
-                <a:sym typeface="Wingdings" panose="05000000000000000000" pitchFamily="2" charset="2"/>
-              </a:rPr>
-              <a:t>) </a:t>
-            </a:r>
-            <a:r>
-              <a:rPr lang="fa-IR" dirty="0">
-                <a:sym typeface="Wingdings" panose="05000000000000000000" pitchFamily="2" charset="2"/>
-              </a:rPr>
-              <a:t>قابل دانلود است</a:t>
-            </a:r>
-            <a:r>
-              <a:rPr lang="fa-IR" dirty="0" smtClean="0">
-                <a:sym typeface="Wingdings" panose="05000000000000000000" pitchFamily="2" charset="2"/>
-              </a:rPr>
-              <a:t>.</a:t>
-            </a:r>
-            <a:r>
-              <a:rPr lang="fa-IR" dirty="0">
-                <a:sym typeface="Wingdings" panose="05000000000000000000" pitchFamily="2" charset="2"/>
-              </a:rPr>
-              <a:t> </a:t>
-            </a:r>
-            <a:r>
-              <a:rPr lang="fa-IR" dirty="0" smtClean="0">
-                <a:sym typeface="Wingdings" panose="05000000000000000000" pitchFamily="2" charset="2"/>
-              </a:rPr>
-              <a:t>(</a:t>
-            </a:r>
-            <a:r>
-              <a:rPr lang="en-US" dirty="0" smtClean="0">
-                <a:sym typeface="Wingdings" panose="05000000000000000000" pitchFamily="2" charset="2"/>
-              </a:rPr>
-              <a:t>~25 MB</a:t>
-            </a:r>
-            <a:r>
-              <a:rPr lang="fa-IR" dirty="0" smtClean="0">
-                <a:sym typeface="Wingdings" panose="05000000000000000000" pitchFamily="2" charset="2"/>
-              </a:rPr>
-              <a:t>)</a:t>
-            </a:r>
-            <a:endParaRPr lang="fa-IR" dirty="0">
-              <a:sym typeface="Wingdings" panose="05000000000000000000" pitchFamily="2" charset="2"/>
-            </a:endParaRPr>
-          </a:p>
-          <a:p>
-            <a:r>
-              <a:rPr lang="fa-IR" dirty="0" smtClean="0">
-                <a:sym typeface="Wingdings" panose="05000000000000000000" pitchFamily="2" charset="2"/>
-              </a:rPr>
-              <a:t>پکیج </a:t>
-            </a:r>
-            <a:r>
-              <a:rPr lang="en-US" dirty="0" smtClean="0">
-                <a:sym typeface="Wingdings" panose="05000000000000000000" pitchFamily="2" charset="2"/>
-              </a:rPr>
-              <a:t>Anaconda</a:t>
-            </a:r>
-            <a:r>
-              <a:rPr lang="fa-IR" dirty="0" smtClean="0">
-                <a:sym typeface="Wingdings" panose="05000000000000000000" pitchFamily="2" charset="2"/>
-              </a:rPr>
-              <a:t> به صورت رایگان، برای هر دو نسخه و سه سیستم عامل</a:t>
-            </a:r>
-            <a:br>
-              <a:rPr lang="fa-IR" dirty="0" smtClean="0">
-                <a:sym typeface="Wingdings" panose="05000000000000000000" pitchFamily="2" charset="2"/>
-              </a:rPr>
-            </a:br>
-            <a:r>
-              <a:rPr lang="fa-IR" dirty="0" smtClean="0">
-                <a:sym typeface="Wingdings" panose="05000000000000000000" pitchFamily="2" charset="2"/>
-              </a:rPr>
-              <a:t> از سایت رسمی آن (</a:t>
-            </a:r>
-            <a:r>
-              <a:rPr lang="en-US" dirty="0" smtClean="0">
-                <a:hlinkClick r:id="rId3"/>
-              </a:rPr>
-              <a:t>www.anaconda.com</a:t>
-            </a:r>
-            <a:r>
-              <a:rPr lang="fa-IR" dirty="0" smtClean="0">
-                <a:sym typeface="Wingdings" panose="05000000000000000000" pitchFamily="2" charset="2"/>
-              </a:rPr>
-              <a:t>) قابل دانلود است.</a:t>
-            </a:r>
-            <a:r>
-              <a:rPr lang="en-US" dirty="0" smtClean="0">
-                <a:sym typeface="Wingdings" panose="05000000000000000000" pitchFamily="2" charset="2"/>
-              </a:rPr>
-              <a:t> </a:t>
-            </a:r>
-            <a:r>
-              <a:rPr lang="fa-IR" dirty="0">
-                <a:sym typeface="Wingdings" panose="05000000000000000000" pitchFamily="2" charset="2"/>
-              </a:rPr>
-              <a:t>(</a:t>
-            </a:r>
-            <a:r>
-              <a:rPr lang="en-US" dirty="0" smtClean="0">
-                <a:sym typeface="Wingdings" panose="05000000000000000000" pitchFamily="2" charset="2"/>
-              </a:rPr>
-              <a:t>~600 </a:t>
-            </a:r>
-            <a:r>
-              <a:rPr lang="en-US" dirty="0">
-                <a:sym typeface="Wingdings" panose="05000000000000000000" pitchFamily="2" charset="2"/>
-              </a:rPr>
-              <a:t>MB</a:t>
-            </a:r>
-            <a:r>
-              <a:rPr lang="fa-IR" dirty="0" smtClean="0">
-                <a:sym typeface="Wingdings" panose="05000000000000000000" pitchFamily="2" charset="2"/>
-              </a:rPr>
-              <a:t>)</a:t>
-            </a:r>
-            <a:endParaRPr lang="fa-IR" dirty="0">
+              <a:t>ها</a:t>
+            </a:r>
+            <a:endParaRPr lang="en-US" sz="2000" dirty="0" smtClean="0">
               <a:sym typeface="Wingdings" panose="05000000000000000000" pitchFamily="2" charset="2"/>
             </a:endParaRPr>
           </a:p>
@@ -6026,168 +5929,6 @@
           </a:p>
         </p:txBody>
       </p:sp>
-      <p:pic>
-        <p:nvPicPr>
-          <p:cNvPr id="6" name="Picture 5"/>
-          <p:cNvPicPr>
-            <a:picLocks noChangeAspect="1"/>
-          </p:cNvPicPr>
-          <p:nvPr/>
-        </p:nvPicPr>
-        <p:blipFill>
-          <a:blip r:embed="rId4">
-            <a:extLst>
-              <a:ext uri="{BEBA8EAE-BF5A-486C-A8C5-ECC9F3942E4B}">
-                <a14:imgProps xmlns:a14="http://schemas.microsoft.com/office/drawing/2010/main">
-                  <a14:imgLayer r:embed="rId5">
-                    <a14:imgEffect>
-                      <a14:sharpenSoften amount="25000"/>
-                    </a14:imgEffect>
-                  </a14:imgLayer>
-                </a14:imgProps>
-              </a:ext>
-            </a:extLst>
-          </a:blip>
-          <a:stretch>
-            <a:fillRect/>
-          </a:stretch>
-        </p:blipFill>
-        <p:spPr>
-          <a:xfrm>
-            <a:off x="581192" y="3467428"/>
-            <a:ext cx="4891016" cy="2391372"/>
-          </a:xfrm>
-          <a:prstGeom prst="rect">
-            <a:avLst/>
-          </a:prstGeom>
-          <a:ln>
-            <a:noFill/>
-          </a:ln>
-          <a:effectLst>
-            <a:outerShdw blurRad="50800" dist="38100" dir="2700000" algn="tl" rotWithShape="0">
-              <a:prstClr val="black">
-                <a:alpha val="40000"/>
-              </a:prstClr>
-            </a:outerShdw>
-          </a:effectLst>
-        </p:spPr>
-      </p:pic>
-      <p:pic>
-        <p:nvPicPr>
-          <p:cNvPr id="8" name="Picture 7"/>
-          <p:cNvPicPr>
-            <a:picLocks noChangeAspect="1"/>
-          </p:cNvPicPr>
-          <p:nvPr/>
-        </p:nvPicPr>
-        <p:blipFill>
-          <a:blip r:embed="rId6"/>
-          <a:stretch>
-            <a:fillRect/>
-          </a:stretch>
-        </p:blipFill>
-        <p:spPr>
-          <a:xfrm>
-            <a:off x="546988" y="1322674"/>
-            <a:ext cx="4925220" cy="2057004"/>
-          </a:xfrm>
-          <a:prstGeom prst="rect">
-            <a:avLst/>
-          </a:prstGeom>
-          <a:ln>
-            <a:noFill/>
-          </a:ln>
-          <a:effectLst>
-            <a:outerShdw blurRad="50800" dist="38100" dir="2700000" algn="tl" rotWithShape="0">
-              <a:prstClr val="black">
-                <a:alpha val="40000"/>
-              </a:prstClr>
-            </a:outerShdw>
-          </a:effectLst>
-        </p:spPr>
-      </p:pic>
-      <p:cxnSp>
-        <p:nvCxnSpPr>
-          <p:cNvPr id="10" name="Straight Arrow Connector 9"/>
-          <p:cNvCxnSpPr>
-            <a:endCxn id="8" idx="3"/>
-          </p:cNvCxnSpPr>
-          <p:nvPr/>
-        </p:nvCxnSpPr>
-        <p:spPr>
-          <a:xfrm flipH="1" flipV="1">
-            <a:off x="5472208" y="2351176"/>
-            <a:ext cx="658769" cy="1711158"/>
-          </a:xfrm>
-          <a:prstGeom prst="straightConnector1">
-            <a:avLst/>
-          </a:prstGeom>
-          <a:ln w="9525" cap="flat" cmpd="sng" algn="ctr">
-            <a:solidFill>
-              <a:schemeClr val="accent1"/>
-            </a:solidFill>
-            <a:prstDash val="solid"/>
-            <a:round/>
-            <a:headEnd type="none" w="med" len="med"/>
-            <a:tailEnd type="arrow" w="med" len="med"/>
-          </a:ln>
-        </p:spPr>
-        <p:style>
-          <a:lnRef idx="0">
-            <a:scrgbClr r="0" g="0" b="0"/>
-          </a:lnRef>
-          <a:fillRef idx="0">
-            <a:scrgbClr r="0" g="0" b="0"/>
-          </a:fillRef>
-          <a:effectRef idx="0">
-            <a:scrgbClr r="0" g="0" b="0"/>
-          </a:effectRef>
-          <a:fontRef idx="minor">
-            <a:schemeClr val="tx1"/>
-          </a:fontRef>
-        </p:style>
-      </p:cxnSp>
-      <p:cxnSp>
-        <p:nvCxnSpPr>
-          <p:cNvPr id="12" name="Straight Arrow Connector 11"/>
-          <p:cNvCxnSpPr>
-            <a:endCxn id="6" idx="3"/>
-          </p:cNvCxnSpPr>
-          <p:nvPr/>
-        </p:nvCxnSpPr>
-        <p:spPr>
-          <a:xfrm flipH="1" flipV="1">
-            <a:off x="5472208" y="4663114"/>
-            <a:ext cx="793681" cy="388571"/>
-          </a:xfrm>
-          <a:prstGeom prst="straightConnector1">
-            <a:avLst/>
-          </a:prstGeom>
-          <a:ln w="9525" cap="flat" cmpd="sng" algn="ctr">
-            <a:solidFill>
-              <a:schemeClr val="accent1"/>
-            </a:solidFill>
-            <a:prstDash val="solid"/>
-            <a:round/>
-            <a:headEnd type="none" w="med" len="med"/>
-            <a:tailEnd type="arrow" w="med" len="med"/>
-          </a:ln>
-        </p:spPr>
-        <p:style>
-          <a:lnRef idx="0">
-            <a:scrgbClr r="0" g="0" b="0"/>
-          </a:lnRef>
-          <a:fillRef idx="0">
-            <a:scrgbClr r="0" g="0" b="0"/>
-          </a:fillRef>
-          <a:effectRef idx="0">
-            <a:scrgbClr r="0" g="0" b="0"/>
-          </a:effectRef>
-          <a:fontRef idx="minor">
-            <a:schemeClr val="tx1"/>
-          </a:fontRef>
-        </p:style>
-      </p:cxnSp>
     </p:spTree>
     <p:extLst>
       <p:ext uri="{BB962C8B-B14F-4D97-AF65-F5344CB8AC3E}">
@@ -6213,328 +5954,7 @@
   <p:timing>
     <p:tnLst>
       <p:par>
-        <p:cTn id="1" dur="indefinite" restart="never" nodeType="tmRoot">
-          <p:childTnLst>
-            <p:seq concurrent="1" nextAc="seek">
-              <p:cTn id="2" dur="indefinite" nodeType="mainSeq">
-                <p:childTnLst>
-                  <p:par>
-                    <p:cTn id="3" fill="hold">
-                      <p:stCondLst>
-                        <p:cond delay="indefinite"/>
-                      </p:stCondLst>
-                      <p:childTnLst>
-                        <p:par>
-                          <p:cTn id="4" fill="hold">
-                            <p:stCondLst>
-                              <p:cond delay="0"/>
-                            </p:stCondLst>
-                            <p:childTnLst>
-                              <p:par>
-                                <p:cTn id="5" presetID="22" presetClass="entr" presetSubtype="2" fill="hold" nodeType="clickEffect">
-                                  <p:stCondLst>
-                                    <p:cond delay="0"/>
-                                  </p:stCondLst>
-                                  <p:childTnLst>
-                                    <p:set>
-                                      <p:cBhvr>
-                                        <p:cTn id="6" dur="1" fill="hold">
-                                          <p:stCondLst>
-                                            <p:cond delay="0"/>
-                                          </p:stCondLst>
-                                        </p:cTn>
-                                        <p:tgtEl>
-                                          <p:spTgt spid="3">
-                                            <p:txEl>
-                                              <p:pRg st="3" end="3"/>
-                                            </p:txEl>
-                                          </p:spTgt>
-                                        </p:tgtEl>
-                                        <p:attrNameLst>
-                                          <p:attrName>style.visibility</p:attrName>
-                                        </p:attrNameLst>
-                                      </p:cBhvr>
-                                      <p:to>
-                                        <p:strVal val="visible"/>
-                                      </p:to>
-                                    </p:set>
-                                    <p:animEffect transition="in" filter="wipe(right)">
-                                      <p:cBhvr>
-                                        <p:cTn id="7" dur="500"/>
-                                        <p:tgtEl>
-                                          <p:spTgt spid="3">
-                                            <p:txEl>
-                                              <p:pRg st="3" end="3"/>
-                                            </p:txEl>
-                                          </p:spTgt>
-                                        </p:tgtEl>
-                                      </p:cBhvr>
-                                    </p:animEffect>
-                                  </p:childTnLst>
-                                </p:cTn>
-                              </p:par>
-                            </p:childTnLst>
-                          </p:cTn>
-                        </p:par>
-                        <p:par>
-                          <p:cTn id="8" fill="hold">
-                            <p:stCondLst>
-                              <p:cond delay="500"/>
-                            </p:stCondLst>
-                            <p:childTnLst>
-                              <p:par>
-                                <p:cTn id="9" presetID="22" presetClass="entr" presetSubtype="2" fill="hold" nodeType="afterEffect">
-                                  <p:stCondLst>
-                                    <p:cond delay="0"/>
-                                  </p:stCondLst>
-                                  <p:childTnLst>
-                                    <p:set>
-                                      <p:cBhvr>
-                                        <p:cTn id="10" dur="1" fill="hold">
-                                          <p:stCondLst>
-                                            <p:cond delay="0"/>
-                                          </p:stCondLst>
-                                        </p:cTn>
-                                        <p:tgtEl>
-                                          <p:spTgt spid="10"/>
-                                        </p:tgtEl>
-                                        <p:attrNameLst>
-                                          <p:attrName>style.visibility</p:attrName>
-                                        </p:attrNameLst>
-                                      </p:cBhvr>
-                                      <p:to>
-                                        <p:strVal val="visible"/>
-                                      </p:to>
-                                    </p:set>
-                                    <p:animEffect transition="in" filter="wipe(right)">
-                                      <p:cBhvr>
-                                        <p:cTn id="11" dur="500"/>
-                                        <p:tgtEl>
-                                          <p:spTgt spid="10"/>
-                                        </p:tgtEl>
-                                      </p:cBhvr>
-                                    </p:animEffect>
-                                  </p:childTnLst>
-                                </p:cTn>
-                              </p:par>
-                            </p:childTnLst>
-                          </p:cTn>
-                        </p:par>
-                        <p:par>
-                          <p:cTn id="12" fill="hold">
-                            <p:stCondLst>
-                              <p:cond delay="1000"/>
-                            </p:stCondLst>
-                            <p:childTnLst>
-                              <p:par>
-                                <p:cTn id="13" presetID="22" presetClass="entr" presetSubtype="2" fill="hold" nodeType="afterEffect">
-                                  <p:stCondLst>
-                                    <p:cond delay="0"/>
-                                  </p:stCondLst>
-                                  <p:childTnLst>
-                                    <p:set>
-                                      <p:cBhvr>
-                                        <p:cTn id="14" dur="1" fill="hold">
-                                          <p:stCondLst>
-                                            <p:cond delay="0"/>
-                                          </p:stCondLst>
-                                        </p:cTn>
-                                        <p:tgtEl>
-                                          <p:spTgt spid="8"/>
-                                        </p:tgtEl>
-                                        <p:attrNameLst>
-                                          <p:attrName>style.visibility</p:attrName>
-                                        </p:attrNameLst>
-                                      </p:cBhvr>
-                                      <p:to>
-                                        <p:strVal val="visible"/>
-                                      </p:to>
-                                    </p:set>
-                                    <p:animEffect transition="in" filter="wipe(right)">
-                                      <p:cBhvr>
-                                        <p:cTn id="15" dur="500"/>
-                                        <p:tgtEl>
-                                          <p:spTgt spid="8"/>
-                                        </p:tgtEl>
-                                      </p:cBhvr>
-                                    </p:animEffect>
-                                  </p:childTnLst>
-                                </p:cTn>
-                              </p:par>
-                            </p:childTnLst>
-                          </p:cTn>
-                        </p:par>
-                      </p:childTnLst>
-                    </p:cTn>
-                  </p:par>
-                  <p:par>
-                    <p:cTn id="16" fill="hold">
-                      <p:stCondLst>
-                        <p:cond delay="indefinite"/>
-                      </p:stCondLst>
-                      <p:childTnLst>
-                        <p:par>
-                          <p:cTn id="17" fill="hold">
-                            <p:stCondLst>
-                              <p:cond delay="0"/>
-                            </p:stCondLst>
-                            <p:childTnLst>
-                              <p:par>
-                                <p:cTn id="18" presetID="22" presetClass="entr" presetSubtype="2" fill="hold" nodeType="clickEffect">
-                                  <p:stCondLst>
-                                    <p:cond delay="0"/>
-                                  </p:stCondLst>
-                                  <p:childTnLst>
-                                    <p:set>
-                                      <p:cBhvr>
-                                        <p:cTn id="19" dur="1" fill="hold">
-                                          <p:stCondLst>
-                                            <p:cond delay="0"/>
-                                          </p:stCondLst>
-                                        </p:cTn>
-                                        <p:tgtEl>
-                                          <p:spTgt spid="3">
-                                            <p:txEl>
-                                              <p:pRg st="4" end="4"/>
-                                            </p:txEl>
-                                          </p:spTgt>
-                                        </p:tgtEl>
-                                        <p:attrNameLst>
-                                          <p:attrName>style.visibility</p:attrName>
-                                        </p:attrNameLst>
-                                      </p:cBhvr>
-                                      <p:to>
-                                        <p:strVal val="visible"/>
-                                      </p:to>
-                                    </p:set>
-                                    <p:animEffect transition="in" filter="wipe(right)">
-                                      <p:cBhvr>
-                                        <p:cTn id="20" dur="500"/>
-                                        <p:tgtEl>
-                                          <p:spTgt spid="3">
-                                            <p:txEl>
-                                              <p:pRg st="4" end="4"/>
-                                            </p:txEl>
-                                          </p:spTgt>
-                                        </p:tgtEl>
-                                      </p:cBhvr>
-                                    </p:animEffect>
-                                  </p:childTnLst>
-                                </p:cTn>
-                              </p:par>
-                            </p:childTnLst>
-                          </p:cTn>
-                        </p:par>
-                        <p:par>
-                          <p:cTn id="21" fill="hold">
-                            <p:stCondLst>
-                              <p:cond delay="500"/>
-                            </p:stCondLst>
-                            <p:childTnLst>
-                              <p:par>
-                                <p:cTn id="22" presetID="22" presetClass="entr" presetSubtype="2" fill="hold" nodeType="afterEffect">
-                                  <p:stCondLst>
-                                    <p:cond delay="0"/>
-                                  </p:stCondLst>
-                                  <p:childTnLst>
-                                    <p:set>
-                                      <p:cBhvr>
-                                        <p:cTn id="23" dur="1" fill="hold">
-                                          <p:stCondLst>
-                                            <p:cond delay="0"/>
-                                          </p:stCondLst>
-                                        </p:cTn>
-                                        <p:tgtEl>
-                                          <p:spTgt spid="12"/>
-                                        </p:tgtEl>
-                                        <p:attrNameLst>
-                                          <p:attrName>style.visibility</p:attrName>
-                                        </p:attrNameLst>
-                                      </p:cBhvr>
-                                      <p:to>
-                                        <p:strVal val="visible"/>
-                                      </p:to>
-                                    </p:set>
-                                    <p:animEffect transition="in" filter="wipe(right)">
-                                      <p:cBhvr>
-                                        <p:cTn id="24" dur="500"/>
-                                        <p:tgtEl>
-                                          <p:spTgt spid="12"/>
-                                        </p:tgtEl>
-                                      </p:cBhvr>
-                                    </p:animEffect>
-                                  </p:childTnLst>
-                                </p:cTn>
-                              </p:par>
-                            </p:childTnLst>
-                          </p:cTn>
-                        </p:par>
-                        <p:par>
-                          <p:cTn id="25" fill="hold">
-                            <p:stCondLst>
-                              <p:cond delay="1000"/>
-                            </p:stCondLst>
-                            <p:childTnLst>
-                              <p:par>
-                                <p:cTn id="26" presetID="22" presetClass="entr" presetSubtype="2" fill="hold" nodeType="afterEffect">
-                                  <p:stCondLst>
-                                    <p:cond delay="0"/>
-                                  </p:stCondLst>
-                                  <p:childTnLst>
-                                    <p:set>
-                                      <p:cBhvr>
-                                        <p:cTn id="27" dur="1" fill="hold">
-                                          <p:stCondLst>
-                                            <p:cond delay="0"/>
-                                          </p:stCondLst>
-                                        </p:cTn>
-                                        <p:tgtEl>
-                                          <p:spTgt spid="6"/>
-                                        </p:tgtEl>
-                                        <p:attrNameLst>
-                                          <p:attrName>style.visibility</p:attrName>
-                                        </p:attrNameLst>
-                                      </p:cBhvr>
-                                      <p:to>
-                                        <p:strVal val="visible"/>
-                                      </p:to>
-                                    </p:set>
-                                    <p:animEffect transition="in" filter="wipe(right)">
-                                      <p:cBhvr>
-                                        <p:cTn id="28" dur="500"/>
-                                        <p:tgtEl>
-                                          <p:spTgt spid="6"/>
-                                        </p:tgtEl>
-                                      </p:cBhvr>
-                                    </p:animEffect>
-                                  </p:childTnLst>
-                                </p:cTn>
-                              </p:par>
-                            </p:childTnLst>
-                          </p:cTn>
-                        </p:par>
-                      </p:childTnLst>
-                    </p:cTn>
-                  </p:par>
-                </p:childTnLst>
-              </p:cTn>
-              <p:prevCondLst>
-                <p:cond evt="onPrev" delay="0">
-                  <p:tgtEl>
-                    <p:sldTgt/>
-                  </p:tgtEl>
-                </p:cond>
-              </p:prevCondLst>
-              <p:nextCondLst>
-                <p:cond evt="onNext" delay="0">
-                  <p:tgtEl>
-                    <p:sldTgt/>
-                  </p:tgtEl>
-                </p:cond>
-              </p:nextCondLst>
-            </p:seq>
-          </p:childTnLst>
-        </p:cTn>
+        <p:cTn id="1" dur="indefinite" restart="never" nodeType="tmRoot"/>
       </p:par>
     </p:tnLst>
   </p:timing>
@@ -6575,6 +5995,387 @@
           <a:p>
             <a:r>
               <a:rPr lang="fa-IR" dirty="0" smtClean="0"/>
+              <a:t>روش های دانلود پایتون</a:t>
+            </a:r>
+            <a:endParaRPr lang="en-US" dirty="0"/>
+          </a:p>
+        </p:txBody>
+      </p:sp>
+      <p:sp>
+        <p:nvSpPr>
+          <p:cNvPr id="3" name="Content Placeholder 2"/>
+          <p:cNvSpPr>
+            <a:spLocks noGrp="1"/>
+          </p:cNvSpPr>
+          <p:nvPr>
+            <p:ph idx="1"/>
+          </p:nvPr>
+        </p:nvSpPr>
+        <p:spPr/>
+        <p:txBody>
+          <a:bodyPr>
+            <a:normAutofit/>
+          </a:bodyPr>
+          <a:lstStyle/>
+          <a:p>
+            <a:pPr marL="457200" indent="-457200">
+              <a:lnSpc>
+                <a:spcPct val="200000"/>
+              </a:lnSpc>
+              <a:buFont typeface="+mj-lt"/>
+              <a:buAutoNum type="arabicParenR"/>
+            </a:pPr>
+            <a:r>
+              <a:rPr lang="fa-IR" sz="2000" dirty="0" smtClean="0">
+                <a:sym typeface="Wingdings" panose="05000000000000000000" pitchFamily="2" charset="2"/>
+              </a:rPr>
+              <a:t>دانلود</a:t>
+            </a:r>
+            <a:r>
+              <a:rPr lang="en-US" sz="2000" dirty="0" smtClean="0">
+                <a:sym typeface="Wingdings" panose="05000000000000000000" pitchFamily="2" charset="2"/>
+              </a:rPr>
+              <a:t> </a:t>
+            </a:r>
+            <a:r>
+              <a:rPr lang="fa-IR" sz="2000" dirty="0">
+                <a:sym typeface="Wingdings" panose="05000000000000000000" pitchFamily="2" charset="2"/>
+              </a:rPr>
+              <a:t>مفسر پایتون به صورت </a:t>
+            </a:r>
+            <a:r>
+              <a:rPr lang="fa-IR" sz="2000" dirty="0" smtClean="0">
+                <a:sym typeface="Wingdings" panose="05000000000000000000" pitchFamily="2" charset="2"/>
+              </a:rPr>
+              <a:t>رایگان از سایت </a:t>
+            </a:r>
+            <a:r>
+              <a:rPr lang="en-US" sz="2000" dirty="0" smtClean="0">
+                <a:hlinkClick r:id="rId2"/>
+              </a:rPr>
+              <a:t>www.python.org</a:t>
+            </a:r>
+            <a:r>
+              <a:rPr lang="fa-IR" sz="2000" dirty="0" smtClean="0">
+                <a:sym typeface="Wingdings" panose="05000000000000000000" pitchFamily="2" charset="2"/>
+              </a:rPr>
+              <a:t> (</a:t>
+            </a:r>
+            <a:r>
+              <a:rPr lang="en-US" sz="2000" dirty="0">
+                <a:sym typeface="Wingdings" panose="05000000000000000000" pitchFamily="2" charset="2"/>
+              </a:rPr>
+              <a:t>~25 MB</a:t>
+            </a:r>
+            <a:r>
+              <a:rPr lang="fa-IR" sz="2000" dirty="0" smtClean="0">
+                <a:sym typeface="Wingdings" panose="05000000000000000000" pitchFamily="2" charset="2"/>
+              </a:rPr>
+              <a:t>)</a:t>
+            </a:r>
+          </a:p>
+          <a:p>
+            <a:pPr marL="457200" indent="-457200">
+              <a:buFont typeface="+mj-lt"/>
+              <a:buAutoNum type="arabicParenR"/>
+            </a:pPr>
+            <a:r>
+              <a:rPr lang="fa-IR" sz="2000" dirty="0" smtClean="0">
+                <a:sym typeface="Wingdings" panose="05000000000000000000" pitchFamily="2" charset="2"/>
+              </a:rPr>
+              <a:t>دانلود پکیج </a:t>
+            </a:r>
+            <a:r>
+              <a:rPr lang="en-US" sz="2000" dirty="0" smtClean="0">
+                <a:sym typeface="Wingdings" panose="05000000000000000000" pitchFamily="2" charset="2"/>
+              </a:rPr>
+              <a:t>Anaconda</a:t>
+            </a:r>
+            <a:r>
+              <a:rPr lang="fa-IR" sz="2000" dirty="0" smtClean="0">
+                <a:sym typeface="Wingdings" panose="05000000000000000000" pitchFamily="2" charset="2"/>
+              </a:rPr>
+              <a:t> به صورت رایگان از سایت </a:t>
+            </a:r>
+            <a:r>
+              <a:rPr lang="en-US" sz="2000" dirty="0" smtClean="0">
+                <a:hlinkClick r:id="rId3"/>
+              </a:rPr>
+              <a:t>www.anaconda.com</a:t>
+            </a:r>
+            <a:r>
+              <a:rPr lang="fa-IR" sz="2000" dirty="0" smtClean="0">
+                <a:sym typeface="Wingdings" panose="05000000000000000000" pitchFamily="2" charset="2"/>
+              </a:rPr>
+              <a:t> (</a:t>
+            </a:r>
+            <a:r>
+              <a:rPr lang="en-US" sz="2000" dirty="0" smtClean="0">
+                <a:sym typeface="Wingdings" panose="05000000000000000000" pitchFamily="2" charset="2"/>
+              </a:rPr>
+              <a:t>~600 MB</a:t>
+            </a:r>
+            <a:r>
+              <a:rPr lang="fa-IR" sz="2000" dirty="0" smtClean="0">
+                <a:sym typeface="Wingdings" panose="05000000000000000000" pitchFamily="2" charset="2"/>
+              </a:rPr>
+              <a:t>)</a:t>
+            </a:r>
+            <a:br>
+              <a:rPr lang="fa-IR" sz="2000" dirty="0" smtClean="0">
+                <a:sym typeface="Wingdings" panose="05000000000000000000" pitchFamily="2" charset="2"/>
+              </a:rPr>
+            </a:br>
+            <a:r>
+              <a:rPr lang="fa-IR" sz="2000" dirty="0" smtClean="0">
+                <a:sym typeface="Wingdings" panose="05000000000000000000" pitchFamily="2" charset="2"/>
+              </a:rPr>
+              <a:t>(شامل مفسر پایتون + بسیاری از کتابخانه ها + </a:t>
+            </a:r>
+            <a:r>
+              <a:rPr lang="en-US" sz="2000" dirty="0" smtClean="0">
+                <a:sym typeface="Wingdings" panose="05000000000000000000" pitchFamily="2" charset="2"/>
+              </a:rPr>
+              <a:t>IDE</a:t>
+            </a:r>
+            <a:r>
+              <a:rPr lang="fa-IR" sz="2000" dirty="0" smtClean="0">
+                <a:sym typeface="Wingdings" panose="05000000000000000000" pitchFamily="2" charset="2"/>
+              </a:rPr>
+              <a:t> های مختلف)</a:t>
+            </a:r>
+          </a:p>
+          <a:p>
+            <a:pPr marL="457200" indent="-457200">
+              <a:buFont typeface="+mj-lt"/>
+              <a:buAutoNum type="arabicParenR"/>
+            </a:pPr>
+            <a:r>
+              <a:rPr lang="fa-IR" sz="2000" dirty="0" smtClean="0"/>
+              <a:t>دانلود پکیج </a:t>
+            </a:r>
+            <a:r>
+              <a:rPr lang="en-US" sz="2000" dirty="0" err="1" smtClean="0"/>
+              <a:t>Miniconda</a:t>
+            </a:r>
+            <a:r>
+              <a:rPr lang="fa-IR" sz="2000" dirty="0" smtClean="0"/>
+              <a:t> </a:t>
+            </a:r>
+            <a:r>
+              <a:rPr lang="fa-IR" sz="2000" dirty="0">
+                <a:sym typeface="Wingdings" panose="05000000000000000000" pitchFamily="2" charset="2"/>
+              </a:rPr>
+              <a:t>به صورت </a:t>
+            </a:r>
+            <a:r>
+              <a:rPr lang="fa-IR" sz="2000" dirty="0" smtClean="0">
+                <a:sym typeface="Wingdings" panose="05000000000000000000" pitchFamily="2" charset="2"/>
+              </a:rPr>
+              <a:t>رایگان از سایت</a:t>
+            </a:r>
+            <a:r>
+              <a:rPr lang="fa-IR" sz="2000" dirty="0" smtClean="0"/>
+              <a:t> </a:t>
+            </a:r>
+            <a:r>
+              <a:rPr lang="en-US" sz="2000" dirty="0" smtClean="0">
+                <a:hlinkClick r:id="rId4"/>
+              </a:rPr>
+              <a:t>https</a:t>
+            </a:r>
+            <a:r>
+              <a:rPr lang="en-US" sz="2000" dirty="0">
+                <a:hlinkClick r:id="rId4"/>
+              </a:rPr>
+              <a:t>://</a:t>
+            </a:r>
+            <a:r>
+              <a:rPr lang="en-US" sz="2000" dirty="0" smtClean="0">
+                <a:hlinkClick r:id="rId4"/>
+              </a:rPr>
+              <a:t>docs.conda.io/en/latest/miniconda.html</a:t>
+            </a:r>
+            <a:r>
+              <a:rPr lang="fa-IR" sz="2000" dirty="0" smtClean="0"/>
+              <a:t> </a:t>
+            </a:r>
+            <a:r>
+              <a:rPr lang="fa-IR" sz="2000" dirty="0" smtClean="0">
+                <a:sym typeface="Wingdings" panose="05000000000000000000" pitchFamily="2" charset="2"/>
+              </a:rPr>
+              <a:t>(</a:t>
+            </a:r>
+            <a:r>
+              <a:rPr lang="en-US" sz="2000" dirty="0" smtClean="0">
+                <a:sym typeface="Wingdings" panose="05000000000000000000" pitchFamily="2" charset="2"/>
+              </a:rPr>
+              <a:t>~70 </a:t>
+            </a:r>
+            <a:r>
+              <a:rPr lang="en-US" sz="2000" dirty="0">
+                <a:sym typeface="Wingdings" panose="05000000000000000000" pitchFamily="2" charset="2"/>
+              </a:rPr>
+              <a:t>MB</a:t>
+            </a:r>
+            <a:r>
+              <a:rPr lang="fa-IR" sz="2000" dirty="0" smtClean="0">
+                <a:sym typeface="Wingdings" panose="05000000000000000000" pitchFamily="2" charset="2"/>
+              </a:rPr>
+              <a:t>)</a:t>
+            </a:r>
+            <a:br>
+              <a:rPr lang="fa-IR" sz="2000" dirty="0" smtClean="0">
+                <a:sym typeface="Wingdings" panose="05000000000000000000" pitchFamily="2" charset="2"/>
+              </a:rPr>
+            </a:br>
+            <a:r>
+              <a:rPr lang="fa-IR" sz="2000" dirty="0" smtClean="0">
+                <a:sym typeface="Wingdings" panose="05000000000000000000" pitchFamily="2" charset="2"/>
+              </a:rPr>
+              <a:t>(شامل مفسر پایتون + دستورات </a:t>
+            </a:r>
+            <a:r>
+              <a:rPr lang="en-US" sz="2000" dirty="0" smtClean="0">
+                <a:sym typeface="Wingdings" panose="05000000000000000000" pitchFamily="2" charset="2"/>
+              </a:rPr>
+              <a:t>Anaconda</a:t>
+            </a:r>
+            <a:r>
+              <a:rPr lang="fa-IR" sz="2000" dirty="0" smtClean="0">
+                <a:sym typeface="Wingdings" panose="05000000000000000000" pitchFamily="2" charset="2"/>
+              </a:rPr>
+              <a:t>)</a:t>
+            </a:r>
+            <a:r>
+              <a:rPr lang="en-US" sz="2000" dirty="0" smtClean="0"/>
+              <a:t/>
+            </a:r>
+            <a:br>
+              <a:rPr lang="en-US" sz="2000" dirty="0" smtClean="0"/>
+            </a:br>
+            <a:endParaRPr lang="en-US" sz="2000" dirty="0"/>
+          </a:p>
+        </p:txBody>
+      </p:sp>
+      <p:sp>
+        <p:nvSpPr>
+          <p:cNvPr id="4" name="Footer Placeholder 3"/>
+          <p:cNvSpPr>
+            <a:spLocks noGrp="1"/>
+          </p:cNvSpPr>
+          <p:nvPr>
+            <p:ph type="ftr" sz="quarter" idx="11"/>
+          </p:nvPr>
+        </p:nvSpPr>
+        <p:spPr/>
+        <p:txBody>
+          <a:bodyPr/>
+          <a:lstStyle/>
+          <a:p>
+            <a:pPr algn="l"/>
+            <a:r>
+              <a:rPr lang="fa-IR" smtClean="0"/>
+              <a:t>سعید محققی </a:t>
+            </a:r>
+            <a:r>
+              <a:rPr lang="en-US" smtClean="0"/>
+              <a:t>Daneshjoy.ir</a:t>
+            </a:r>
+            <a:endParaRPr lang="en-US" dirty="0"/>
+          </a:p>
+        </p:txBody>
+      </p:sp>
+      <p:sp>
+        <p:nvSpPr>
+          <p:cNvPr id="5" name="Slide Number Placeholder 4"/>
+          <p:cNvSpPr>
+            <a:spLocks noGrp="1"/>
+          </p:cNvSpPr>
+          <p:nvPr>
+            <p:ph type="sldNum" sz="quarter" idx="12"/>
+          </p:nvPr>
+        </p:nvSpPr>
+        <p:spPr/>
+        <p:txBody>
+          <a:bodyPr/>
+          <a:lstStyle/>
+          <a:p>
+            <a:fld id="{D57F1E4F-1CFF-5643-939E-217C01CDF565}" type="slidenum">
+              <a:rPr lang="en-US" smtClean="0"/>
+              <a:pPr/>
+              <a:t>11</a:t>
+            </a:fld>
+            <a:endParaRPr lang="en-US" dirty="0"/>
+          </a:p>
+        </p:txBody>
+      </p:sp>
+    </p:spTree>
+    <p:extLst>
+      <p:ext uri="{BB962C8B-B14F-4D97-AF65-F5344CB8AC3E}">
+        <p14:creationId xmlns:p14="http://schemas.microsoft.com/office/powerpoint/2010/main" val="2313035819"/>
+      </p:ext>
+    </p:extLst>
+  </p:cSld>
+  <p:clrMapOvr>
+    <a:masterClrMapping/>
+  </p:clrMapOvr>
+  <mc:AlternateContent xmlns:mc="http://schemas.openxmlformats.org/markup-compatibility/2006" xmlns:p15="http://schemas.microsoft.com/office/powerpoint/2012/main">
+    <mc:Choice Requires="p15">
+      <p:transition xmlns:p14="http://schemas.microsoft.com/office/powerpoint/2010/main" spd="slow" p14:dur="1250">
+        <p15:prstTrans prst="pageCurlDouble" invX="1"/>
+      </p:transition>
+    </mc:Choice>
+    <mc:Fallback xmlns="">
+      <p:transition spd="slow">
+        <p:fade/>
+      </p:transition>
+    </mc:Fallback>
+  </mc:AlternateContent>
+  <p:timing>
+    <p:tnLst>
+      <p:par>
+        <p:cTn id="1" dur="indefinite" restart="never" nodeType="tmRoot"/>
+      </p:par>
+    </p:tnLst>
+  </p:timing>
+</p:sld>
+</file>
+
+<file path=ppt/slides/slide12.xml><?xml version="1.0" encoding="utf-8"?>
+<p:sld xmlns:a="http://schemas.openxmlformats.org/drawingml/2006/main" xmlns:r="http://schemas.openxmlformats.org/officeDocument/2006/relationships" xmlns:p="http://schemas.openxmlformats.org/presentationml/2006/main">
+  <p:cSld>
+    <p:spTree>
+      <p:nvGrpSpPr>
+        <p:cNvPr id="1" name=""/>
+        <p:cNvGrpSpPr/>
+        <p:nvPr/>
+      </p:nvGrpSpPr>
+      <p:grpSpPr>
+        <a:xfrm>
+          <a:off x="0" y="0"/>
+          <a:ext cx="0" cy="0"/>
+          <a:chOff x="0" y="0"/>
+          <a:chExt cx="0" cy="0"/>
+        </a:xfrm>
+      </p:grpSpPr>
+      <p:sp>
+        <p:nvSpPr>
+          <p:cNvPr id="2" name="Title 1"/>
+          <p:cNvSpPr>
+            <a:spLocks noGrp="1"/>
+          </p:cNvSpPr>
+          <p:nvPr>
+            <p:ph type="title"/>
+          </p:nvPr>
+        </p:nvSpPr>
+        <p:spPr/>
+        <p:txBody>
+          <a:bodyPr/>
+          <a:lstStyle/>
+          <a:p>
+            <a:r>
+              <a:rPr lang="fa-IR" dirty="0" smtClean="0"/>
               <a:t>افزودن پایتون به مسیرهای ویندوز</a:t>
             </a:r>
             <a:endParaRPr lang="en-US" dirty="0"/>
@@ -6606,7 +6407,42 @@
             </a:r>
             <a:r>
               <a:rPr lang="fa-IR" dirty="0" smtClean="0"/>
-              <a:t> این گزینه انتخاب شود:</a:t>
+              <a:t> یا </a:t>
+            </a:r>
+            <a:r>
+              <a:rPr lang="en-US" dirty="0" err="1" smtClean="0"/>
+              <a:t>Miniconda</a:t>
+            </a:r>
+            <a:r>
+              <a:rPr lang="en-US" dirty="0" smtClean="0"/>
+              <a:t/>
+            </a:r>
+            <a:br>
+              <a:rPr lang="en-US" dirty="0" smtClean="0"/>
+            </a:br>
+            <a:r>
+              <a:rPr lang="fa-IR" dirty="0" smtClean="0"/>
+              <a:t> </a:t>
+            </a:r>
+            <a:r>
+              <a:rPr lang="fa-IR" dirty="0" smtClean="0"/>
+              <a:t>این گزینه انتخاب </a:t>
+            </a:r>
+            <a:r>
+              <a:rPr lang="fa-IR" dirty="0" smtClean="0"/>
+              <a:t>شود</a:t>
+            </a:r>
+            <a:r>
+              <a:rPr lang="fa-IR" dirty="0"/>
+              <a:t> </a:t>
+            </a:r>
+            <a:r>
+              <a:rPr lang="fa-IR" dirty="0" smtClean="0"/>
+              <a:t>تا مسیر پایتون برای ویندوز شناخته شود</a:t>
+            </a:r>
+            <a:r>
+              <a:rPr lang="fa-IR" dirty="0" smtClean="0"/>
+              <a:t>:</a:t>
             </a:r>
             <a:endParaRPr lang="en-US" dirty="0"/>
           </a:p>
@@ -6658,7 +6494,7 @@
             <a:fld id="{D57F1E4F-1CFF-5643-939E-217C01CDF565}" type="slidenum">
               <a:rPr lang="en-US" smtClean="0"/>
               <a:pPr/>
-              <a:t>11</a:t>
+              <a:t>12</a:t>
             </a:fld>
             <a:endParaRPr lang="en-US" dirty="0"/>
           </a:p>
@@ -6761,7 +6597,7 @@
         <p:spPr>
           <a:xfrm flipH="1" flipV="1">
             <a:off x="5411449" y="3207650"/>
-            <a:ext cx="1878351" cy="414362"/>
+            <a:ext cx="1663908" cy="629832"/>
           </a:xfrm>
           <a:prstGeom prst="straightConnector1">
             <a:avLst/>
@@ -6949,7 +6785,7 @@
 </p:sld>
 </file>
 
-<file path=ppt/slides/slide12.xml><?xml version="1.0" encoding="utf-8"?>
+<file path=ppt/slides/slide13.xml><?xml version="1.0" encoding="utf-8"?>
 <p:sld xmlns:a="http://schemas.openxmlformats.org/drawingml/2006/main" xmlns:r="http://schemas.openxmlformats.org/officeDocument/2006/relationships" xmlns:p="http://schemas.openxmlformats.org/presentationml/2006/main">
   <p:cSld>
     <p:spTree>
@@ -7001,7 +6837,9 @@
         </p:nvSpPr>
         <p:spPr/>
         <p:txBody>
-          <a:bodyPr/>
+          <a:bodyPr>
+            <a:normAutofit/>
+          </a:bodyPr>
           <a:lstStyle/>
           <a:p>
             <a:r>
@@ -7104,7 +6942,7 @@
             </a:r>
             <a:r>
               <a:rPr lang="fa-IR" dirty="0" smtClean="0"/>
-              <a:t>  		</a:t>
+              <a:t>  	</a:t>
             </a:r>
             <a:r>
               <a:rPr lang="fa-IR" dirty="0" smtClean="0">
@@ -7125,8 +6963,8 @@
               <a:t>restart</a:t>
             </a:r>
             <a:r>
-              <a:rPr lang="fa-IR" dirty="0"/>
-              <a:t>)</a:t>
+              <a:rPr lang="fa-IR" dirty="0" smtClean="0"/>
+              <a:t>) انجام می شود</a:t>
             </a:r>
             <a:endParaRPr lang="en-US" dirty="0"/>
           </a:p>
@@ -7178,7 +7016,7 @@
             <a:fld id="{D57F1E4F-1CFF-5643-939E-217C01CDF565}" type="slidenum">
               <a:rPr lang="en-US" smtClean="0"/>
               <a:pPr/>
-              <a:t>12</a:t>
+              <a:t>13</a:t>
             </a:fld>
             <a:endParaRPr lang="en-US" dirty="0"/>
           </a:p>
@@ -7355,7 +7193,7 @@
 </p:sld>
 </file>
 
-<file path=ppt/slides/slide13.xml><?xml version="1.0" encoding="utf-8"?>
+<file path=ppt/slides/slide14.xml><?xml version="1.0" encoding="utf-8"?>
 <p:sld xmlns:a="http://schemas.openxmlformats.org/drawingml/2006/main" xmlns:r="http://schemas.openxmlformats.org/officeDocument/2006/relationships" xmlns:p="http://schemas.openxmlformats.org/presentationml/2006/main">
   <p:cSld>
     <p:spTree>
@@ -7820,7 +7658,7 @@
             <a:fld id="{D57F1E4F-1CFF-5643-939E-217C01CDF565}" type="slidenum">
               <a:rPr lang="en-US" smtClean="0"/>
               <a:pPr/>
-              <a:t>13</a:t>
+              <a:t>14</a:t>
             </a:fld>
             <a:endParaRPr lang="en-US" dirty="0"/>
           </a:p>
@@ -9546,7 +9384,7 @@
 </p:sld>
 </file>
 
-<file path=ppt/slides/slide14.xml><?xml version="1.0" encoding="utf-8"?>
+<file path=ppt/slides/slide15.xml><?xml version="1.0" encoding="utf-8"?>
 <p:sld xmlns:a="http://schemas.openxmlformats.org/drawingml/2006/main" xmlns:r="http://schemas.openxmlformats.org/officeDocument/2006/relationships" xmlns:p="http://schemas.openxmlformats.org/presentationml/2006/main">
   <p:cSld>
     <p:spTree>
@@ -9625,19 +9463,15 @@
             </a:r>
             <a:r>
               <a:rPr lang="fa-IR" dirty="0" smtClean="0"/>
-              <a:t> (یا </a:t>
-            </a:r>
-            <a:r>
-              <a:rPr lang="en-US" dirty="0" smtClean="0"/>
-              <a:t>.</a:t>
-            </a:r>
-            <a:r>
-              <a:rPr lang="en-US" dirty="0" err="1" smtClean="0"/>
-              <a:t>pyw</a:t>
+              <a:t> </a:t>
             </a:r>
             <a:r>
               <a:rPr lang="fa-IR" dirty="0" smtClean="0"/>
-              <a:t>) و اجرای یک جا</a:t>
+              <a:t>و </a:t>
+            </a:r>
+            <a:r>
+              <a:rPr lang="fa-IR" dirty="0" smtClean="0"/>
+              <a:t>اجرای یک جا</a:t>
             </a:r>
           </a:p>
           <a:p>
@@ -9726,7 +9560,7 @@
             <a:fld id="{D57F1E4F-1CFF-5643-939E-217C01CDF565}" type="slidenum">
               <a:rPr lang="en-US" smtClean="0"/>
               <a:pPr/>
-              <a:t>14</a:t>
+              <a:t>15</a:t>
             </a:fld>
             <a:endParaRPr lang="en-US" dirty="0"/>
           </a:p>
@@ -9812,9 +9646,9 @@
           <p:nvPr/>
         </p:nvCxnSpPr>
         <p:spPr>
-          <a:xfrm flipH="1" flipV="1">
+          <a:xfrm flipH="1">
             <a:off x="3552668" y="3417757"/>
-            <a:ext cx="3488442" cy="2499"/>
+            <a:ext cx="4107306" cy="1"/>
           </a:xfrm>
           <a:prstGeom prst="straightConnector1">
             <a:avLst/>
@@ -9876,7 +9710,7 @@
 </p:sld>
 </file>
 
-<file path=ppt/slides/slide15.xml><?xml version="1.0" encoding="utf-8"?>
+<file path=ppt/slides/slide16.xml><?xml version="1.0" encoding="utf-8"?>
 <p:sld xmlns:a="http://schemas.openxmlformats.org/drawingml/2006/main" xmlns:r="http://schemas.openxmlformats.org/officeDocument/2006/relationships" xmlns:p="http://schemas.openxmlformats.org/presentationml/2006/main">
   <p:cSld>
     <p:spTree>
@@ -10050,6 +9884,17 @@
               <a:t> </a:t>
             </a:r>
             <a:r>
+              <a:rPr lang="en-US" dirty="0" err="1">
+                <a:solidFill>
+                  <a:schemeClr val="accent6"/>
+                </a:solidFill>
+                <a:latin typeface="Courier New" panose="02070309020205020404" pitchFamily="49" charset="0"/>
+                <a:cs typeface="Courier New" panose="02070309020205020404" pitchFamily="49" charset="0"/>
+                <a:sym typeface="Wingdings" panose="05000000000000000000" pitchFamily="2" charset="2"/>
+              </a:rPr>
+              <a:t>c</a:t>
+            </a:r>
+            <a:r>
               <a:rPr lang="en-US" dirty="0" err="1" smtClean="0">
                 <a:solidFill>
                   <a:schemeClr val="accent6"/>
@@ -10058,15 +9903,30 @@
                 <a:cs typeface="Courier New" panose="02070309020205020404" pitchFamily="49" charset="0"/>
                 <a:sym typeface="Wingdings" panose="05000000000000000000" pitchFamily="2" charset="2"/>
               </a:rPr>
-              <a:t>CamelCase</a:t>
-            </a:r>
-            <a:endParaRPr lang="en-US" dirty="0" smtClean="0">
-              <a:solidFill>
-                <a:schemeClr val="accent6"/>
-              </a:solidFill>
-              <a:latin typeface="Courier New" panose="02070309020205020404" pitchFamily="49" charset="0"/>
-              <a:cs typeface="Courier New" panose="02070309020205020404" pitchFamily="49" charset="0"/>
-            </a:endParaRPr>
+              <a:t>amelCase</a:t>
+            </a:r>
+            <a:r>
+              <a:rPr lang="en-US" dirty="0" smtClean="0">
+                <a:solidFill>
+                  <a:schemeClr val="accent6"/>
+                </a:solidFill>
+                <a:latin typeface="Courier New" panose="02070309020205020404" pitchFamily="49" charset="0"/>
+                <a:cs typeface="Courier New" panose="02070309020205020404" pitchFamily="49" charset="0"/>
+                <a:sym typeface="Wingdings" panose="05000000000000000000" pitchFamily="2" charset="2"/>
+              </a:rPr>
+              <a:t> 	</a:t>
+            </a:r>
+            <a:r>
+              <a:rPr lang="en-US" dirty="0" smtClean="0">
+                <a:solidFill>
+                  <a:schemeClr val="accent6">
+                    <a:lumMod val="75000"/>
+                  </a:schemeClr>
+                </a:solidFill>
+                <a:latin typeface="Berlin Sans FB" panose="020E0602020502020306" pitchFamily="34" charset="0"/>
+              </a:rPr>
+              <a:t>√</a:t>
+            </a:r>
           </a:p>
           <a:p>
             <a:pPr marL="0" indent="0" algn="l" rtl="0">
@@ -10086,10 +9946,10 @@
                 <a:latin typeface="Courier New" panose="02070309020205020404" pitchFamily="49" charset="0"/>
                 <a:cs typeface="Courier New" panose="02070309020205020404" pitchFamily="49" charset="0"/>
               </a:rPr>
-              <a:t>var_name</a:t>
-            </a:r>
-            <a:r>
-              <a:rPr lang="en-US" dirty="0" smtClean="0">
+              <a:t>VarName</a:t>
+            </a:r>
+            <a:r>
+              <a:rPr lang="en-US" dirty="0">
                 <a:solidFill>
                   <a:schemeClr val="accent1">
                     <a:lumMod val="60000"/>
@@ -10099,10 +9959,10 @@
                 <a:latin typeface="Courier New" panose="02070309020205020404" pitchFamily="49" charset="0"/>
                 <a:cs typeface="Courier New" panose="02070309020205020404" pitchFamily="49" charset="0"/>
               </a:rPr>
-              <a:t>, _</a:t>
-            </a:r>
-            <a:r>
-              <a:rPr lang="en-US" dirty="0" err="1" smtClean="0">
+              <a:t>,  </a:t>
+            </a:r>
+            <a:r>
+              <a:rPr lang="en-US" dirty="0" smtClean="0">
                 <a:solidFill>
                   <a:schemeClr val="accent1">
                     <a:lumMod val="60000"/>
@@ -10112,41 +9972,84 @@
                 <a:latin typeface="Courier New" panose="02070309020205020404" pitchFamily="49" charset="0"/>
                 <a:cs typeface="Courier New" panose="02070309020205020404" pitchFamily="49" charset="0"/>
               </a:rPr>
-              <a:t>var_name</a:t>
+              <a:t>_</a:t>
+            </a:r>
+            <a:r>
+              <a:rPr lang="en-US" dirty="0" err="1" smtClean="0">
+                <a:solidFill>
+                  <a:schemeClr val="accent1">
+                    <a:lumMod val="60000"/>
+                    <a:lumOff val="40000"/>
+                  </a:schemeClr>
+                </a:solidFill>
+                <a:latin typeface="Courier New" panose="02070309020205020404" pitchFamily="49" charset="0"/>
+                <a:cs typeface="Courier New" panose="02070309020205020404" pitchFamily="49" charset="0"/>
+              </a:rPr>
+              <a:t>VarName</a:t>
             </a:r>
             <a:r>
               <a:rPr lang="en-US" dirty="0" smtClean="0">
                 <a:latin typeface="Courier New" panose="02070309020205020404" pitchFamily="49" charset="0"/>
                 <a:cs typeface="Courier New" panose="02070309020205020404" pitchFamily="49" charset="0"/>
               </a:rPr>
-              <a:t> 	</a:t>
+              <a:t> </a:t>
+            </a:r>
+            <a:r>
+              <a:rPr lang="en-US" dirty="0">
+                <a:latin typeface="Courier New" panose="02070309020205020404" pitchFamily="49" charset="0"/>
+                <a:cs typeface="Courier New" panose="02070309020205020404" pitchFamily="49" charset="0"/>
+              </a:rPr>
+              <a:t>	</a:t>
+            </a:r>
+            <a:r>
+              <a:rPr lang="en-US" dirty="0">
+                <a:latin typeface="Courier New" panose="02070309020205020404" pitchFamily="49" charset="0"/>
+                <a:cs typeface="Courier New" panose="02070309020205020404" pitchFamily="49" charset="0"/>
+                <a:sym typeface="Wingdings" panose="05000000000000000000" pitchFamily="2" charset="2"/>
+              </a:rPr>
+              <a:t> </a:t>
+            </a:r>
+            <a:r>
+              <a:rPr lang="en-US" dirty="0" err="1" smtClean="0">
+                <a:solidFill>
+                  <a:schemeClr val="accent6"/>
+                </a:solidFill>
+                <a:latin typeface="Courier New" panose="02070309020205020404" pitchFamily="49" charset="0"/>
+                <a:cs typeface="Courier New" panose="02070309020205020404" pitchFamily="49" charset="0"/>
+                <a:sym typeface="Wingdings" panose="05000000000000000000" pitchFamily="2" charset="2"/>
+              </a:rPr>
+              <a:t>PascalCase</a:t>
             </a:r>
             <a:r>
               <a:rPr lang="en-US" dirty="0" smtClean="0">
+                <a:solidFill>
+                  <a:schemeClr val="accent6"/>
+                </a:solidFill>
                 <a:latin typeface="Courier New" panose="02070309020205020404" pitchFamily="49" charset="0"/>
                 <a:cs typeface="Courier New" panose="02070309020205020404" pitchFamily="49" charset="0"/>
                 <a:sym typeface="Wingdings" panose="05000000000000000000" pitchFamily="2" charset="2"/>
               </a:rPr>
-              <a:t> </a:t>
-            </a:r>
-            <a:r>
-              <a:rPr lang="en-US" dirty="0" err="1" smtClean="0">
-                <a:solidFill>
-                  <a:schemeClr val="accent6"/>
-                </a:solidFill>
-                <a:latin typeface="Courier New" panose="02070309020205020404" pitchFamily="49" charset="0"/>
-                <a:cs typeface="Courier New" panose="02070309020205020404" pitchFamily="49" charset="0"/>
-                <a:sym typeface="Wingdings" panose="05000000000000000000" pitchFamily="2" charset="2"/>
-              </a:rPr>
-              <a:t>snake_case</a:t>
+              <a:t> </a:t>
+            </a:r>
+            <a:r>
+              <a:rPr lang="en-US" dirty="0" smtClean="0">
+                <a:solidFill>
+                  <a:schemeClr val="accent6">
+                    <a:lumMod val="75000"/>
+                  </a:schemeClr>
+                </a:solidFill>
+                <a:latin typeface="Berlin Sans FB" panose="020E0602020502020306" pitchFamily="34" charset="0"/>
+              </a:rPr>
+              <a:t>√</a:t>
             </a:r>
             <a:endParaRPr lang="en-US" dirty="0" smtClean="0">
               <a:solidFill>
-                <a:schemeClr val="accent6"/>
+                <a:schemeClr val="accent6">
+                  <a:lumMod val="75000"/>
+                </a:schemeClr>
               </a:solidFill>
-              <a:latin typeface="Courier New" panose="02070309020205020404" pitchFamily="49" charset="0"/>
+              <a:latin typeface="Berlin Sans FB" panose="020E0602020502020306" pitchFamily="34" charset="0"/>
               <a:cs typeface="Courier New" panose="02070309020205020404" pitchFamily="49" charset="0"/>
-              <a:sym typeface="Wingdings" panose="05000000000000000000" pitchFamily="2" charset="2"/>
             </a:endParaRPr>
           </a:p>
           <a:p>
@@ -10157,7 +10060,7 @@
               <a:buNone/>
             </a:pPr>
             <a:r>
-              <a:rPr lang="en-US" dirty="0" smtClean="0">
+              <a:rPr lang="en-US" dirty="0" err="1" smtClean="0">
                 <a:solidFill>
                   <a:schemeClr val="accent1">
                     <a:lumMod val="60000"/>
@@ -10166,12 +10069,11 @@
                 </a:solidFill>
                 <a:latin typeface="Courier New" panose="02070309020205020404" pitchFamily="49" charset="0"/>
                 <a:cs typeface="Courier New" panose="02070309020205020404" pitchFamily="49" charset="0"/>
-                <a:sym typeface="Wingdings" panose="05000000000000000000" pitchFamily="2" charset="2"/>
-              </a:rPr>
-              <a:t>2varName, </a:t>
-            </a:r>
-            <a:r>
-              <a:rPr lang="en-US" dirty="0" err="1" smtClean="0">
+              </a:rPr>
+              <a:t>var_name</a:t>
+            </a:r>
+            <a:r>
+              <a:rPr lang="en-US" dirty="0" smtClean="0">
                 <a:solidFill>
                   <a:schemeClr val="accent1">
                     <a:lumMod val="60000"/>
@@ -10180,16 +10082,158 @@
                 </a:solidFill>
                 <a:latin typeface="Courier New" panose="02070309020205020404" pitchFamily="49" charset="0"/>
                 <a:cs typeface="Courier New" panose="02070309020205020404" pitchFamily="49" charset="0"/>
+              </a:rPr>
+              <a:t>, _</a:t>
+            </a:r>
+            <a:r>
+              <a:rPr lang="en-US" dirty="0" err="1" smtClean="0">
+                <a:solidFill>
+                  <a:schemeClr val="accent1">
+                    <a:lumMod val="60000"/>
+                    <a:lumOff val="40000"/>
+                  </a:schemeClr>
+                </a:solidFill>
+                <a:latin typeface="Courier New" panose="02070309020205020404" pitchFamily="49" charset="0"/>
+                <a:cs typeface="Courier New" panose="02070309020205020404" pitchFamily="49" charset="0"/>
+              </a:rPr>
+              <a:t>var_name</a:t>
+            </a:r>
+            <a:r>
+              <a:rPr lang="en-US" dirty="0" smtClean="0">
+                <a:latin typeface="Courier New" panose="02070309020205020404" pitchFamily="49" charset="0"/>
+                <a:cs typeface="Courier New" panose="02070309020205020404" pitchFamily="49" charset="0"/>
+              </a:rPr>
+              <a:t> 	</a:t>
+            </a:r>
+            <a:r>
+              <a:rPr lang="en-US" dirty="0" smtClean="0">
+                <a:latin typeface="Courier New" panose="02070309020205020404" pitchFamily="49" charset="0"/>
+                <a:cs typeface="Courier New" panose="02070309020205020404" pitchFamily="49" charset="0"/>
                 <a:sym typeface="Wingdings" panose="05000000000000000000" pitchFamily="2" charset="2"/>
               </a:rPr>
-              <a:t>var$name</a:t>
+              <a:t> </a:t>
+            </a:r>
+            <a:r>
+              <a:rPr lang="en-US" dirty="0" err="1" smtClean="0">
+                <a:solidFill>
+                  <a:schemeClr val="accent6"/>
+                </a:solidFill>
+                <a:latin typeface="Courier New" panose="02070309020205020404" pitchFamily="49" charset="0"/>
+                <a:cs typeface="Courier New" panose="02070309020205020404" pitchFamily="49" charset="0"/>
+                <a:sym typeface="Wingdings" panose="05000000000000000000" pitchFamily="2" charset="2"/>
+              </a:rPr>
+              <a:t>snake_case</a:t>
             </a:r>
             <a:r>
               <a:rPr lang="en-US" dirty="0" smtClean="0">
+                <a:solidFill>
+                  <a:schemeClr val="accent6"/>
+                </a:solidFill>
                 <a:latin typeface="Courier New" panose="02070309020205020404" pitchFamily="49" charset="0"/>
                 <a:cs typeface="Courier New" panose="02070309020205020404" pitchFamily="49" charset="0"/>
                 <a:sym typeface="Wingdings" panose="05000000000000000000" pitchFamily="2" charset="2"/>
               </a:rPr>
+              <a:t> </a:t>
+            </a:r>
+            <a:r>
+              <a:rPr lang="en-US" dirty="0" smtClean="0">
+                <a:solidFill>
+                  <a:schemeClr val="accent6">
+                    <a:lumMod val="75000"/>
+                  </a:schemeClr>
+                </a:solidFill>
+                <a:latin typeface="Berlin Sans FB" panose="020E0602020502020306" pitchFamily="34" charset="0"/>
+              </a:rPr>
+              <a:t>√</a:t>
+            </a:r>
+            <a:endParaRPr lang="en-US" dirty="0" smtClean="0">
+              <a:solidFill>
+                <a:schemeClr val="accent6">
+                  <a:lumMod val="75000"/>
+                </a:schemeClr>
+              </a:solidFill>
+              <a:latin typeface="Berlin Sans FB" panose="020E0602020502020306" pitchFamily="34" charset="0"/>
+              <a:cs typeface="Courier New" panose="02070309020205020404" pitchFamily="49" charset="0"/>
+              <a:sym typeface="Wingdings" panose="05000000000000000000" pitchFamily="2" charset="2"/>
+            </a:endParaRPr>
+          </a:p>
+          <a:p>
+            <a:pPr marL="0" indent="0" algn="l" rtl="0">
+              <a:lnSpc>
+                <a:spcPct val="100000"/>
+              </a:lnSpc>
+              <a:buNone/>
+            </a:pPr>
+            <a:r>
+              <a:rPr lang="en-US" dirty="0" smtClean="0">
+                <a:solidFill>
+                  <a:srgbClr val="FF0000"/>
+                </a:solidFill>
+                <a:latin typeface="Courier New" panose="02070309020205020404" pitchFamily="49" charset="0"/>
+                <a:cs typeface="Courier New" panose="02070309020205020404" pitchFamily="49" charset="0"/>
+                <a:sym typeface="Wingdings" panose="05000000000000000000" pitchFamily="2" charset="2"/>
+              </a:rPr>
+              <a:t>2</a:t>
+            </a:r>
+            <a:r>
+              <a:rPr lang="en-US" dirty="0" smtClean="0">
+                <a:solidFill>
+                  <a:schemeClr val="accent1">
+                    <a:lumMod val="60000"/>
+                    <a:lumOff val="40000"/>
+                  </a:schemeClr>
+                </a:solidFill>
+                <a:latin typeface="Courier New" panose="02070309020205020404" pitchFamily="49" charset="0"/>
+                <a:cs typeface="Courier New" panose="02070309020205020404" pitchFamily="49" charset="0"/>
+                <a:sym typeface="Wingdings" panose="05000000000000000000" pitchFamily="2" charset="2"/>
+              </a:rPr>
+              <a:t>varName, </a:t>
+            </a:r>
+            <a:r>
+              <a:rPr lang="en-US" dirty="0" err="1" smtClean="0">
+                <a:solidFill>
+                  <a:schemeClr val="accent1">
+                    <a:lumMod val="60000"/>
+                    <a:lumOff val="40000"/>
+                  </a:schemeClr>
+                </a:solidFill>
+                <a:latin typeface="Courier New" panose="02070309020205020404" pitchFamily="49" charset="0"/>
+                <a:cs typeface="Courier New" panose="02070309020205020404" pitchFamily="49" charset="0"/>
+                <a:sym typeface="Wingdings" panose="05000000000000000000" pitchFamily="2" charset="2"/>
+              </a:rPr>
+              <a:t>var</a:t>
+            </a:r>
+            <a:r>
+              <a:rPr lang="en-US" dirty="0" err="1" smtClean="0">
+                <a:solidFill>
+                  <a:srgbClr val="FF0000"/>
+                </a:solidFill>
+                <a:latin typeface="Courier New" panose="02070309020205020404" pitchFamily="49" charset="0"/>
+                <a:cs typeface="Courier New" panose="02070309020205020404" pitchFamily="49" charset="0"/>
+                <a:sym typeface="Wingdings" panose="05000000000000000000" pitchFamily="2" charset="2"/>
+              </a:rPr>
+              <a:t>$</a:t>
+            </a:r>
+            <a:r>
+              <a:rPr lang="en-US" dirty="0" err="1" smtClean="0">
+                <a:solidFill>
+                  <a:schemeClr val="accent1">
+                    <a:lumMod val="60000"/>
+                    <a:lumOff val="40000"/>
+                  </a:schemeClr>
+                </a:solidFill>
+                <a:latin typeface="Courier New" panose="02070309020205020404" pitchFamily="49" charset="0"/>
+                <a:cs typeface="Courier New" panose="02070309020205020404" pitchFamily="49" charset="0"/>
+                <a:sym typeface="Wingdings" panose="05000000000000000000" pitchFamily="2" charset="2"/>
+              </a:rPr>
+              <a:t>name</a:t>
+            </a:r>
+            <a:r>
+              <a:rPr lang="en-US" dirty="0" smtClean="0">
+                <a:latin typeface="Courier New" panose="02070309020205020404" pitchFamily="49" charset="0"/>
+                <a:cs typeface="Courier New" panose="02070309020205020404" pitchFamily="49" charset="0"/>
+                <a:sym typeface="Wingdings" panose="05000000000000000000" pitchFamily="2" charset="2"/>
+              </a:rPr>
               <a:t> 	 </a:t>
             </a:r>
             <a:r>
@@ -10202,6 +10246,17 @@
                 <a:sym typeface="Wingdings" panose="05000000000000000000" pitchFamily="2" charset="2"/>
               </a:rPr>
               <a:t>invalid </a:t>
+            </a:r>
+            <a:r>
+              <a:rPr lang="en-US" dirty="0" smtClean="0">
+                <a:solidFill>
+                  <a:srgbClr val="FF0000"/>
+                </a:solidFill>
+                <a:latin typeface="Courier New" panose="02070309020205020404" pitchFamily="49" charset="0"/>
+                <a:cs typeface="Courier New" panose="02070309020205020404" pitchFamily="49" charset="0"/>
+                <a:sym typeface="Wingdings" panose="05000000000000000000" pitchFamily="2" charset="2"/>
+              </a:rPr>
+              <a:t>	</a:t>
             </a:r>
             <a:r>
               <a:rPr lang="en-US" dirty="0" smtClean="0">
@@ -10272,7 +10327,7 @@
             <a:fld id="{D57F1E4F-1CFF-5643-939E-217C01CDF565}" type="slidenum">
               <a:rPr lang="en-US" smtClean="0"/>
               <a:pPr/>
-              <a:t>15</a:t>
+              <a:t>16</a:t>
             </a:fld>
             <a:endParaRPr lang="en-US" dirty="0"/>
           </a:p>
@@ -10491,6 +10546,67 @@
                       </p:childTnLst>
                     </p:cTn>
                   </p:par>
+                  <p:par>
+                    <p:cTn id="18" fill="hold">
+                      <p:stCondLst>
+                        <p:cond delay="indefinite"/>
+                      </p:stCondLst>
+                      <p:childTnLst>
+                        <p:par>
+                          <p:cTn id="19" fill="hold">
+                            <p:stCondLst>
+                              <p:cond delay="0"/>
+                            </p:stCondLst>
+                            <p:childTnLst>
+                              <p:par>
+                                <p:cTn id="20" presetID="22" presetClass="entr" presetSubtype="8" fill="hold" nodeType="clickEffect">
+                                  <p:stCondLst>
+                                    <p:cond delay="0"/>
+                                  </p:stCondLst>
+                                  <p:childTnLst>
+                                    <p:set>
+                                      <p:cBhvr>
+                                        <p:cTn id="21" dur="1" fill="hold">
+                                          <p:stCondLst>
+                                            <p:cond delay="0"/>
+                                          </p:stCondLst>
+                                        </p:cTn>
+                                        <p:tgtEl>
+                                          <p:spTgt spid="3">
+                                            <p:txEl>
+                                              <p:pRg st="6" end="6"/>
+                                            </p:txEl>
+                                          </p:spTgt>
+                                        </p:tgtEl>
+                                        <p:attrNameLst>
+                                          <p:attrName>style.visibility</p:attrName>
+                                        </p:attrNameLst>
+                                      </p:cBhvr>
+                                      <p:to>
+                                        <p:strVal val="visible"/>
+                                      </p:to>
+                                    </p:set>
+                                    <p:animEffect transition="in" filter="wipe(left)">
+                                      <p:cBhvr>
+                                        <p:cTn id="22" dur="500"/>
+                                        <p:tgtEl>
+                                          <p:spTgt spid="3">
+                                            <p:txEl>
+                                              <p:pRg st="6" end="6"/>
+                                            </p:txEl>
+                                          </p:spTgt>
+                                        </p:tgtEl>
+                                      </p:cBhvr>
+                                    </p:animEffect>
+                                  </p:childTnLst>
+                                </p:cTn>
+                              </p:par>
+                            </p:childTnLst>
+                          </p:cTn>
+                        </p:par>
+                      </p:childTnLst>
+                    </p:cTn>
+                  </p:par>
                 </p:childTnLst>
               </p:cTn>
               <p:prevCondLst>
@@ -10510,1365 +10626,6 @@
             </p:seq>
           </p:childTnLst>
         </p:cTn>
-      </p:par>
-    </p:tnLst>
-  </p:timing>
-</p:sld>
-</file>
-
-<file path=ppt/slides/slide16.xml><?xml version="1.0" encoding="utf-8"?>
-<p:sld xmlns:a="http://schemas.openxmlformats.org/drawingml/2006/main" xmlns:r="http://schemas.openxmlformats.org/officeDocument/2006/relationships" xmlns:p="http://schemas.openxmlformats.org/presentationml/2006/main">
-  <p:cSld>
-    <p:spTree>
-      <p:nvGrpSpPr>
-        <p:cNvPr id="1" name=""/>
-        <p:cNvGrpSpPr/>
-        <p:nvPr/>
-      </p:nvGrpSpPr>
-      <p:grpSpPr>
-        <a:xfrm>
-          <a:off x="0" y="0"/>
-          <a:ext cx="0" cy="0"/>
-          <a:chOff x="0" y="0"/>
-          <a:chExt cx="0" cy="0"/>
-        </a:xfrm>
-      </p:grpSpPr>
-      <p:sp>
-        <p:nvSpPr>
-          <p:cNvPr id="2" name="Title 1"/>
-          <p:cNvSpPr>
-            <a:spLocks noGrp="1"/>
-          </p:cNvSpPr>
-          <p:nvPr>
-            <p:ph type="title"/>
-          </p:nvPr>
-        </p:nvSpPr>
-        <p:spPr/>
-        <p:txBody>
-          <a:bodyPr/>
-          <a:lstStyle/>
-          <a:p>
-            <a:r>
-              <a:rPr lang="fa-IR" dirty="0" smtClean="0"/>
-              <a:t>انواع متغیرها</a:t>
-            </a:r>
-            <a:endParaRPr lang="en-US" dirty="0"/>
-          </a:p>
-        </p:txBody>
-      </p:sp>
-      <p:sp>
-        <p:nvSpPr>
-          <p:cNvPr id="3" name="Content Placeholder 2"/>
-          <p:cNvSpPr>
-            <a:spLocks noGrp="1"/>
-          </p:cNvSpPr>
-          <p:nvPr>
-            <p:ph idx="1"/>
-          </p:nvPr>
-        </p:nvSpPr>
-        <p:spPr/>
-        <p:txBody>
-          <a:bodyPr>
-            <a:normAutofit fontScale="92500" lnSpcReduction="20000"/>
-          </a:bodyPr>
-          <a:lstStyle/>
-          <a:p>
-            <a:pPr marL="0" indent="0" algn="l" rtl="0">
-              <a:lnSpc>
-                <a:spcPct val="100000"/>
-              </a:lnSpc>
-              <a:buNone/>
-            </a:pPr>
-            <a:r>
-              <a:rPr lang="en-US" dirty="0" smtClean="0">
-                <a:solidFill>
-                  <a:schemeClr val="tx1"/>
-                </a:solidFill>
-                <a:latin typeface="Courier New" panose="02070309020205020404" pitchFamily="49" charset="0"/>
-                <a:cs typeface="Courier New" panose="02070309020205020404" pitchFamily="49" charset="0"/>
-              </a:rPr>
-              <a:t>x = 2</a:t>
-            </a:r>
-            <a:r>
-              <a:rPr lang="en-US" dirty="0" smtClean="0">
-                <a:latin typeface="Courier New" panose="02070309020205020404" pitchFamily="49" charset="0"/>
-                <a:cs typeface="Courier New" panose="02070309020205020404" pitchFamily="49" charset="0"/>
-              </a:rPr>
-              <a:t>			</a:t>
-            </a:r>
-            <a:r>
-              <a:rPr lang="en-US" dirty="0" smtClean="0">
-                <a:latin typeface="Courier New" panose="02070309020205020404" pitchFamily="49" charset="0"/>
-                <a:cs typeface="Courier New" panose="02070309020205020404" pitchFamily="49" charset="0"/>
-                <a:sym typeface="Wingdings" panose="05000000000000000000" pitchFamily="2" charset="2"/>
-              </a:rPr>
-              <a:t>	</a:t>
-            </a:r>
-            <a:r>
-              <a:rPr lang="en-US" dirty="0" smtClean="0">
-                <a:solidFill>
-                  <a:schemeClr val="accent6"/>
-                </a:solidFill>
-                <a:latin typeface="Courier New" panose="02070309020205020404" pitchFamily="49" charset="0"/>
-                <a:cs typeface="Courier New" panose="02070309020205020404" pitchFamily="49" charset="0"/>
-                <a:sym typeface="Wingdings" panose="05000000000000000000" pitchFamily="2" charset="2"/>
-              </a:rPr>
-              <a:t>integer</a:t>
-            </a:r>
-            <a:endParaRPr lang="en-US" dirty="0" smtClean="0">
-              <a:solidFill>
-                <a:schemeClr val="accent6"/>
-              </a:solidFill>
-              <a:latin typeface="Courier New" panose="02070309020205020404" pitchFamily="49" charset="0"/>
-              <a:cs typeface="Courier New" panose="02070309020205020404" pitchFamily="49" charset="0"/>
-            </a:endParaRPr>
-          </a:p>
-          <a:p>
-            <a:pPr marL="0" indent="0" algn="l" rtl="0">
-              <a:lnSpc>
-                <a:spcPct val="100000"/>
-              </a:lnSpc>
-              <a:buNone/>
-            </a:pPr>
-            <a:r>
-              <a:rPr lang="en-US" dirty="0" smtClean="0">
-                <a:solidFill>
-                  <a:schemeClr val="tx1"/>
-                </a:solidFill>
-                <a:latin typeface="Courier New" panose="02070309020205020404" pitchFamily="49" charset="0"/>
-                <a:cs typeface="Courier New" panose="02070309020205020404" pitchFamily="49" charset="0"/>
-              </a:rPr>
-              <a:t>x = 3.14</a:t>
-            </a:r>
-            <a:r>
-              <a:rPr lang="en-US" dirty="0" smtClean="0">
-                <a:latin typeface="Courier New" panose="02070309020205020404" pitchFamily="49" charset="0"/>
-                <a:cs typeface="Courier New" panose="02070309020205020404" pitchFamily="49" charset="0"/>
-              </a:rPr>
-              <a:t>		</a:t>
-            </a:r>
-            <a:r>
-              <a:rPr lang="en-US" dirty="0" smtClean="0">
-                <a:latin typeface="Courier New" panose="02070309020205020404" pitchFamily="49" charset="0"/>
-                <a:cs typeface="Courier New" panose="02070309020205020404" pitchFamily="49" charset="0"/>
-                <a:sym typeface="Wingdings" panose="05000000000000000000" pitchFamily="2" charset="2"/>
-              </a:rPr>
-              <a:t>	</a:t>
-            </a:r>
-            <a:r>
-              <a:rPr lang="en-US" dirty="0" smtClean="0">
-                <a:solidFill>
-                  <a:schemeClr val="accent6"/>
-                </a:solidFill>
-                <a:latin typeface="Courier New" panose="02070309020205020404" pitchFamily="49" charset="0"/>
-                <a:cs typeface="Courier New" panose="02070309020205020404" pitchFamily="49" charset="0"/>
-                <a:sym typeface="Wingdings" panose="05000000000000000000" pitchFamily="2" charset="2"/>
-              </a:rPr>
-              <a:t>float</a:t>
-            </a:r>
-            <a:endParaRPr lang="en-US" dirty="0" smtClean="0">
-              <a:solidFill>
-                <a:schemeClr val="accent6"/>
-              </a:solidFill>
-              <a:latin typeface="Courier New" panose="02070309020205020404" pitchFamily="49" charset="0"/>
-              <a:cs typeface="Courier New" panose="02070309020205020404" pitchFamily="49" charset="0"/>
-            </a:endParaRPr>
-          </a:p>
-          <a:p>
-            <a:pPr marL="0" indent="0" algn="l" rtl="0">
-              <a:lnSpc>
-                <a:spcPct val="100000"/>
-              </a:lnSpc>
-              <a:buNone/>
-            </a:pPr>
-            <a:r>
-              <a:rPr lang="en-US" dirty="0" smtClean="0">
-                <a:solidFill>
-                  <a:schemeClr val="tx1"/>
-                </a:solidFill>
-                <a:latin typeface="Courier New" panose="02070309020205020404" pitchFamily="49" charset="0"/>
-                <a:cs typeface="Courier New" panose="02070309020205020404" pitchFamily="49" charset="0"/>
-              </a:rPr>
-              <a:t>x = </a:t>
-            </a:r>
-            <a:r>
-              <a:rPr lang="en-US" dirty="0" smtClean="0">
-                <a:solidFill>
-                  <a:schemeClr val="tx1"/>
-                </a:solidFill>
-                <a:latin typeface="Courier New" panose="02070309020205020404" pitchFamily="49" charset="0"/>
-                <a:cs typeface="Courier New" panose="02070309020205020404" pitchFamily="49" charset="0"/>
-                <a:sym typeface="Wingdings" panose="05000000000000000000" pitchFamily="2" charset="2"/>
-              </a:rPr>
-              <a:t>'</a:t>
-            </a:r>
-            <a:r>
-              <a:rPr lang="en-US" dirty="0" smtClean="0">
-                <a:solidFill>
-                  <a:schemeClr val="tx1"/>
-                </a:solidFill>
-                <a:latin typeface="Courier New" panose="02070309020205020404" pitchFamily="49" charset="0"/>
-                <a:cs typeface="Courier New" panose="02070309020205020404" pitchFamily="49" charset="0"/>
-              </a:rPr>
-              <a:t>test</a:t>
-            </a:r>
-            <a:r>
-              <a:rPr lang="en-US" dirty="0">
-                <a:solidFill>
-                  <a:schemeClr val="tx1"/>
-                </a:solidFill>
-                <a:latin typeface="Courier New" panose="02070309020205020404" pitchFamily="49" charset="0"/>
-                <a:cs typeface="Courier New" panose="02070309020205020404" pitchFamily="49" charset="0"/>
-                <a:sym typeface="Wingdings" panose="05000000000000000000" pitchFamily="2" charset="2"/>
-              </a:rPr>
-              <a:t>'</a:t>
-            </a:r>
-            <a:r>
-              <a:rPr lang="en-US" dirty="0" smtClean="0">
-                <a:latin typeface="Courier New" panose="02070309020205020404" pitchFamily="49" charset="0"/>
-                <a:cs typeface="Courier New" panose="02070309020205020404" pitchFamily="49" charset="0"/>
-              </a:rPr>
-              <a:t>		</a:t>
-            </a:r>
-            <a:r>
-              <a:rPr lang="en-US" dirty="0" smtClean="0">
-                <a:latin typeface="Courier New" panose="02070309020205020404" pitchFamily="49" charset="0"/>
-                <a:cs typeface="Courier New" panose="02070309020205020404" pitchFamily="49" charset="0"/>
-                <a:sym typeface="Wingdings" panose="05000000000000000000" pitchFamily="2" charset="2"/>
-              </a:rPr>
-              <a:t>	</a:t>
-            </a:r>
-            <a:r>
-              <a:rPr lang="en-US" dirty="0" smtClean="0">
-                <a:solidFill>
-                  <a:schemeClr val="accent6"/>
-                </a:solidFill>
-                <a:latin typeface="Courier New" panose="02070309020205020404" pitchFamily="49" charset="0"/>
-                <a:cs typeface="Courier New" panose="02070309020205020404" pitchFamily="49" charset="0"/>
-                <a:sym typeface="Wingdings" panose="05000000000000000000" pitchFamily="2" charset="2"/>
-              </a:rPr>
-              <a:t>string</a:t>
-            </a:r>
-            <a:endParaRPr lang="fa-IR" dirty="0" smtClean="0">
-              <a:solidFill>
-                <a:schemeClr val="accent6"/>
-              </a:solidFill>
-              <a:latin typeface="Courier New" panose="02070309020205020404" pitchFamily="49" charset="0"/>
-              <a:cs typeface="Courier New" panose="02070309020205020404" pitchFamily="49" charset="0"/>
-              <a:sym typeface="Wingdings" panose="05000000000000000000" pitchFamily="2" charset="2"/>
-            </a:endParaRPr>
-          </a:p>
-          <a:p>
-            <a:pPr marL="0" indent="0" algn="l" rtl="0">
-              <a:lnSpc>
-                <a:spcPct val="100000"/>
-              </a:lnSpc>
-              <a:buNone/>
-            </a:pPr>
-            <a:r>
-              <a:rPr lang="en-US" dirty="0" smtClean="0">
-                <a:solidFill>
-                  <a:schemeClr val="tx1"/>
-                </a:solidFill>
-                <a:latin typeface="Courier New" panose="02070309020205020404" pitchFamily="49" charset="0"/>
-                <a:cs typeface="Courier New" panose="02070309020205020404" pitchFamily="49" charset="0"/>
-                <a:sym typeface="Wingdings" panose="05000000000000000000" pitchFamily="2" charset="2"/>
-              </a:rPr>
-              <a:t>x = True</a:t>
-            </a:r>
-            <a:r>
-              <a:rPr lang="en-US" dirty="0" smtClean="0">
-                <a:solidFill>
-                  <a:schemeClr val="accent6"/>
-                </a:solidFill>
-                <a:latin typeface="Courier New" panose="02070309020205020404" pitchFamily="49" charset="0"/>
-                <a:cs typeface="Courier New" panose="02070309020205020404" pitchFamily="49" charset="0"/>
-                <a:sym typeface="Wingdings" panose="05000000000000000000" pitchFamily="2" charset="2"/>
-              </a:rPr>
-              <a:t>	</a:t>
-            </a:r>
-            <a:r>
-              <a:rPr lang="en-US" dirty="0">
-                <a:latin typeface="Courier New" panose="02070309020205020404" pitchFamily="49" charset="0"/>
-                <a:cs typeface="Courier New" panose="02070309020205020404" pitchFamily="49" charset="0"/>
-                <a:sym typeface="Wingdings" panose="05000000000000000000" pitchFamily="2" charset="2"/>
-              </a:rPr>
-              <a:t> </a:t>
-            </a:r>
-            <a:r>
-              <a:rPr lang="en-US" dirty="0" smtClean="0">
-                <a:latin typeface="Courier New" panose="02070309020205020404" pitchFamily="49" charset="0"/>
-                <a:cs typeface="Courier New" panose="02070309020205020404" pitchFamily="49" charset="0"/>
-                <a:sym typeface="Wingdings" panose="05000000000000000000" pitchFamily="2" charset="2"/>
-              </a:rPr>
-              <a:t>	</a:t>
-            </a:r>
-            <a:r>
-              <a:rPr lang="en-US" dirty="0">
-                <a:latin typeface="Courier New" panose="02070309020205020404" pitchFamily="49" charset="0"/>
-                <a:cs typeface="Courier New" panose="02070309020205020404" pitchFamily="49" charset="0"/>
-                <a:sym typeface="Wingdings" panose="05000000000000000000" pitchFamily="2" charset="2"/>
-              </a:rPr>
-              <a:t>	</a:t>
-            </a:r>
-            <a:r>
-              <a:rPr lang="en-US" dirty="0" err="1" smtClean="0">
-                <a:solidFill>
-                  <a:schemeClr val="accent6"/>
-                </a:solidFill>
-                <a:latin typeface="Courier New" panose="02070309020205020404" pitchFamily="49" charset="0"/>
-                <a:cs typeface="Courier New" panose="02070309020205020404" pitchFamily="49" charset="0"/>
-                <a:sym typeface="Wingdings" panose="05000000000000000000" pitchFamily="2" charset="2"/>
-              </a:rPr>
-              <a:t>boolean</a:t>
-            </a:r>
-            <a:r>
-              <a:rPr lang="en-US" dirty="0" smtClean="0">
-                <a:latin typeface="Courier New" panose="02070309020205020404" pitchFamily="49" charset="0"/>
-                <a:cs typeface="Courier New" panose="02070309020205020404" pitchFamily="49" charset="0"/>
-                <a:sym typeface="Wingdings" panose="05000000000000000000" pitchFamily="2" charset="2"/>
-              </a:rPr>
-              <a:t/>
-            </a:r>
-            <a:br>
-              <a:rPr lang="en-US" dirty="0" smtClean="0">
-                <a:latin typeface="Courier New" panose="02070309020205020404" pitchFamily="49" charset="0"/>
-                <a:cs typeface="Courier New" panose="02070309020205020404" pitchFamily="49" charset="0"/>
-                <a:sym typeface="Wingdings" panose="05000000000000000000" pitchFamily="2" charset="2"/>
-              </a:rPr>
-            </a:br>
-            <a:endParaRPr lang="en-US" dirty="0" smtClean="0">
-              <a:latin typeface="Courier New" panose="02070309020205020404" pitchFamily="49" charset="0"/>
-              <a:cs typeface="Courier New" panose="02070309020205020404" pitchFamily="49" charset="0"/>
-              <a:sym typeface="Wingdings" panose="05000000000000000000" pitchFamily="2" charset="2"/>
-            </a:endParaRPr>
-          </a:p>
-          <a:p>
-            <a:pPr marL="0" indent="0" algn="l" rtl="0">
-              <a:lnSpc>
-                <a:spcPct val="100000"/>
-              </a:lnSpc>
-              <a:buNone/>
-            </a:pPr>
-            <a:r>
-              <a:rPr lang="en-US" dirty="0" smtClean="0">
-                <a:latin typeface="Courier New" panose="02070309020205020404" pitchFamily="49" charset="0"/>
-                <a:cs typeface="Courier New" panose="02070309020205020404" pitchFamily="49" charset="0"/>
-                <a:sym typeface="Wingdings" panose="05000000000000000000" pitchFamily="2" charset="2"/>
-              </a:rPr>
-              <a:t>x = [1, 2, 3]		</a:t>
-            </a:r>
-            <a:endParaRPr lang="fa-IR" dirty="0" smtClean="0">
-              <a:solidFill>
-                <a:schemeClr val="accent6"/>
-              </a:solidFill>
-              <a:latin typeface="Courier New" panose="02070309020205020404" pitchFamily="49" charset="0"/>
-              <a:cs typeface="Courier New" panose="02070309020205020404" pitchFamily="49" charset="0"/>
-              <a:sym typeface="Wingdings" panose="05000000000000000000" pitchFamily="2" charset="2"/>
-            </a:endParaRPr>
-          </a:p>
-          <a:p>
-            <a:pPr marL="0" indent="0" algn="l" rtl="0">
-              <a:lnSpc>
-                <a:spcPct val="100000"/>
-              </a:lnSpc>
-              <a:buNone/>
-            </a:pPr>
-            <a:r>
-              <a:rPr lang="en-US" dirty="0" smtClean="0">
-                <a:solidFill>
-                  <a:schemeClr val="tx1"/>
-                </a:solidFill>
-                <a:latin typeface="Courier New" panose="02070309020205020404" pitchFamily="49" charset="0"/>
-                <a:cs typeface="Courier New" panose="02070309020205020404" pitchFamily="49" charset="0"/>
-                <a:sym typeface="Wingdings" panose="05000000000000000000" pitchFamily="2" charset="2"/>
-              </a:rPr>
-              <a:t>x = [</a:t>
-            </a:r>
-            <a:r>
-              <a:rPr lang="en-US" dirty="0" smtClean="0">
-                <a:latin typeface="Courier New" panose="02070309020205020404" pitchFamily="49" charset="0"/>
-                <a:cs typeface="Courier New" panose="02070309020205020404" pitchFamily="49" charset="0"/>
-                <a:sym typeface="Wingdings" panose="05000000000000000000" pitchFamily="2" charset="2"/>
-              </a:rPr>
-              <a:t>1, </a:t>
-            </a:r>
-            <a:r>
-              <a:rPr lang="fa-IR" dirty="0" smtClean="0">
-                <a:latin typeface="Courier New" panose="02070309020205020404" pitchFamily="49" charset="0"/>
-                <a:cs typeface="Courier New" panose="02070309020205020404" pitchFamily="49" charset="0"/>
-                <a:sym typeface="Wingdings" panose="05000000000000000000" pitchFamily="2" charset="2"/>
-              </a:rPr>
-              <a:t>2.5</a:t>
-            </a:r>
-            <a:r>
-              <a:rPr lang="en-US" dirty="0" smtClean="0">
-                <a:latin typeface="Courier New" panose="02070309020205020404" pitchFamily="49" charset="0"/>
-                <a:cs typeface="Courier New" panose="02070309020205020404" pitchFamily="49" charset="0"/>
-                <a:sym typeface="Wingdings" panose="05000000000000000000" pitchFamily="2" charset="2"/>
-              </a:rPr>
-              <a:t>, 'a</a:t>
-            </a:r>
-            <a:r>
-              <a:rPr lang="en-US" dirty="0">
-                <a:latin typeface="Courier New" panose="02070309020205020404" pitchFamily="49" charset="0"/>
-                <a:cs typeface="Courier New" panose="02070309020205020404" pitchFamily="49" charset="0"/>
-                <a:sym typeface="Wingdings" panose="05000000000000000000" pitchFamily="2" charset="2"/>
-              </a:rPr>
-              <a:t>'</a:t>
-            </a:r>
-            <a:r>
-              <a:rPr lang="en-US" dirty="0" smtClean="0">
-                <a:latin typeface="Courier New" panose="02070309020205020404" pitchFamily="49" charset="0"/>
-                <a:cs typeface="Courier New" panose="02070309020205020404" pitchFamily="49" charset="0"/>
-                <a:sym typeface="Wingdings" panose="05000000000000000000" pitchFamily="2" charset="2"/>
-              </a:rPr>
-              <a:t>]</a:t>
-            </a:r>
-            <a:endParaRPr lang="en-US" dirty="0" smtClean="0">
-              <a:solidFill>
-                <a:schemeClr val="accent6"/>
-              </a:solidFill>
-              <a:latin typeface="Courier New" panose="02070309020205020404" pitchFamily="49" charset="0"/>
-              <a:cs typeface="Courier New" panose="02070309020205020404" pitchFamily="49" charset="0"/>
-              <a:sym typeface="Wingdings" panose="05000000000000000000" pitchFamily="2" charset="2"/>
-            </a:endParaRPr>
-          </a:p>
-          <a:p>
-            <a:pPr marL="0" indent="0" algn="l" rtl="0">
-              <a:lnSpc>
-                <a:spcPct val="100000"/>
-              </a:lnSpc>
-              <a:buNone/>
-            </a:pPr>
-            <a:r>
-              <a:rPr lang="en-US" dirty="0" smtClean="0">
-                <a:latin typeface="Courier New" panose="02070309020205020404" pitchFamily="49" charset="0"/>
-                <a:cs typeface="Courier New" panose="02070309020205020404" pitchFamily="49" charset="0"/>
-                <a:sym typeface="Wingdings" panose="05000000000000000000" pitchFamily="2" charset="2"/>
-              </a:rPr>
-              <a:t>x = (1, 2, 3)		</a:t>
-            </a:r>
-            <a:endParaRPr lang="en-US" dirty="0" smtClean="0">
-              <a:solidFill>
-                <a:schemeClr val="accent6"/>
-              </a:solidFill>
-              <a:latin typeface="Courier New" panose="02070309020205020404" pitchFamily="49" charset="0"/>
-              <a:cs typeface="Courier New" panose="02070309020205020404" pitchFamily="49" charset="0"/>
-              <a:sym typeface="Wingdings" panose="05000000000000000000" pitchFamily="2" charset="2"/>
-            </a:endParaRPr>
-          </a:p>
-          <a:p>
-            <a:pPr marL="0" indent="0" algn="l" rtl="0">
-              <a:lnSpc>
-                <a:spcPct val="100000"/>
-              </a:lnSpc>
-              <a:buNone/>
-            </a:pPr>
-            <a:r>
-              <a:rPr lang="en-US" dirty="0">
-                <a:latin typeface="Courier New" panose="02070309020205020404" pitchFamily="49" charset="0"/>
-                <a:cs typeface="Courier New" panose="02070309020205020404" pitchFamily="49" charset="0"/>
-                <a:sym typeface="Wingdings" panose="05000000000000000000" pitchFamily="2" charset="2"/>
-              </a:rPr>
-              <a:t>x = </a:t>
-            </a:r>
-            <a:r>
-              <a:rPr lang="en-US" dirty="0" smtClean="0">
-                <a:latin typeface="Courier New" panose="02070309020205020404" pitchFamily="49" charset="0"/>
-                <a:cs typeface="Courier New" panose="02070309020205020404" pitchFamily="49" charset="0"/>
-                <a:sym typeface="Wingdings" panose="05000000000000000000" pitchFamily="2" charset="2"/>
-              </a:rPr>
-              <a:t>(</a:t>
-            </a:r>
-            <a:r>
-              <a:rPr lang="en-US" dirty="0">
-                <a:latin typeface="Courier New" panose="02070309020205020404" pitchFamily="49" charset="0"/>
-                <a:cs typeface="Courier New" panose="02070309020205020404" pitchFamily="49" charset="0"/>
-                <a:sym typeface="Wingdings" panose="05000000000000000000" pitchFamily="2" charset="2"/>
-              </a:rPr>
-              <a:t>1</a:t>
-            </a:r>
-            <a:r>
-              <a:rPr lang="en-US" dirty="0" smtClean="0">
-                <a:latin typeface="Courier New" panose="02070309020205020404" pitchFamily="49" charset="0"/>
-                <a:cs typeface="Courier New" panose="02070309020205020404" pitchFamily="49" charset="0"/>
-                <a:sym typeface="Wingdings" panose="05000000000000000000" pitchFamily="2" charset="2"/>
-              </a:rPr>
-              <a:t>, </a:t>
-            </a:r>
-            <a:r>
-              <a:rPr lang="fa-IR" dirty="0" smtClean="0">
-                <a:latin typeface="Courier New" panose="02070309020205020404" pitchFamily="49" charset="0"/>
-                <a:cs typeface="Courier New" panose="02070309020205020404" pitchFamily="49" charset="0"/>
-                <a:sym typeface="Wingdings" panose="05000000000000000000" pitchFamily="2" charset="2"/>
-              </a:rPr>
-              <a:t>2.5</a:t>
-            </a:r>
-            <a:r>
-              <a:rPr lang="en-US" dirty="0" smtClean="0">
-                <a:latin typeface="Courier New" panose="02070309020205020404" pitchFamily="49" charset="0"/>
-                <a:cs typeface="Courier New" panose="02070309020205020404" pitchFamily="49" charset="0"/>
-                <a:sym typeface="Wingdings" panose="05000000000000000000" pitchFamily="2" charset="2"/>
-              </a:rPr>
-              <a:t>, 'a</a:t>
-            </a:r>
-            <a:r>
-              <a:rPr lang="en-US" dirty="0">
-                <a:latin typeface="Courier New" panose="02070309020205020404" pitchFamily="49" charset="0"/>
-                <a:cs typeface="Courier New" panose="02070309020205020404" pitchFamily="49" charset="0"/>
-                <a:sym typeface="Wingdings" panose="05000000000000000000" pitchFamily="2" charset="2"/>
-              </a:rPr>
-              <a:t>'</a:t>
-            </a:r>
-            <a:r>
-              <a:rPr lang="en-US" dirty="0" smtClean="0">
-                <a:latin typeface="Courier New" panose="02070309020205020404" pitchFamily="49" charset="0"/>
-                <a:cs typeface="Courier New" panose="02070309020205020404" pitchFamily="49" charset="0"/>
-                <a:sym typeface="Wingdings" panose="05000000000000000000" pitchFamily="2" charset="2"/>
-              </a:rPr>
-              <a:t>)</a:t>
-            </a:r>
-            <a:br>
-              <a:rPr lang="en-US" dirty="0" smtClean="0">
-                <a:latin typeface="Courier New" panose="02070309020205020404" pitchFamily="49" charset="0"/>
-                <a:cs typeface="Courier New" panose="02070309020205020404" pitchFamily="49" charset="0"/>
-                <a:sym typeface="Wingdings" panose="05000000000000000000" pitchFamily="2" charset="2"/>
-              </a:rPr>
-            </a:br>
-            <a:endParaRPr lang="en-US" dirty="0" smtClean="0">
-              <a:latin typeface="Courier New" panose="02070309020205020404" pitchFamily="49" charset="0"/>
-              <a:cs typeface="Courier New" panose="02070309020205020404" pitchFamily="49" charset="0"/>
-              <a:sym typeface="Wingdings" panose="05000000000000000000" pitchFamily="2" charset="2"/>
-            </a:endParaRPr>
-          </a:p>
-          <a:p>
-            <a:pPr marL="0" indent="0" algn="l" rtl="0">
-              <a:lnSpc>
-                <a:spcPct val="100000"/>
-              </a:lnSpc>
-              <a:buNone/>
-            </a:pPr>
-            <a:r>
-              <a:rPr lang="en-US" dirty="0" smtClean="0">
-                <a:latin typeface="Courier New" panose="02070309020205020404" pitchFamily="49" charset="0"/>
-                <a:cs typeface="Courier New" panose="02070309020205020404" pitchFamily="49" charset="0"/>
-                <a:sym typeface="Wingdings" panose="05000000000000000000" pitchFamily="2" charset="2"/>
-              </a:rPr>
-              <a:t>x = {1, 2, 3}	</a:t>
-            </a:r>
-            <a:endParaRPr lang="en-US" dirty="0" smtClean="0">
-              <a:solidFill>
-                <a:schemeClr val="accent6"/>
-              </a:solidFill>
-              <a:latin typeface="Courier New" panose="02070309020205020404" pitchFamily="49" charset="0"/>
-              <a:cs typeface="Courier New" panose="02070309020205020404" pitchFamily="49" charset="0"/>
-              <a:sym typeface="Wingdings" panose="05000000000000000000" pitchFamily="2" charset="2"/>
-            </a:endParaRPr>
-          </a:p>
-          <a:p>
-            <a:pPr marL="0" indent="0" algn="l" rtl="0">
-              <a:lnSpc>
-                <a:spcPct val="100000"/>
-              </a:lnSpc>
-              <a:buNone/>
-            </a:pPr>
-            <a:r>
-              <a:rPr lang="en-US" dirty="0" smtClean="0">
-                <a:latin typeface="Courier New" panose="02070309020205020404" pitchFamily="49" charset="0"/>
-                <a:cs typeface="Courier New" panose="02070309020205020404" pitchFamily="49" charset="0"/>
-                <a:sym typeface="Wingdings" panose="05000000000000000000" pitchFamily="2" charset="2"/>
-              </a:rPr>
-              <a:t>x = {1,</a:t>
-            </a:r>
-            <a:r>
-              <a:rPr lang="en-US" dirty="0">
-                <a:latin typeface="Courier New" panose="02070309020205020404" pitchFamily="49" charset="0"/>
-                <a:cs typeface="Courier New" panose="02070309020205020404" pitchFamily="49" charset="0"/>
-                <a:sym typeface="Wingdings" panose="05000000000000000000" pitchFamily="2" charset="2"/>
-              </a:rPr>
-              <a:t> </a:t>
-            </a:r>
-            <a:r>
-              <a:rPr lang="fa-IR" dirty="0" smtClean="0">
-                <a:latin typeface="Courier New" panose="02070309020205020404" pitchFamily="49" charset="0"/>
-                <a:cs typeface="Courier New" panose="02070309020205020404" pitchFamily="49" charset="0"/>
-                <a:sym typeface="Wingdings" panose="05000000000000000000" pitchFamily="2" charset="2"/>
-              </a:rPr>
-              <a:t>2.5</a:t>
-            </a:r>
-            <a:r>
-              <a:rPr lang="en-US" dirty="0" smtClean="0">
-                <a:latin typeface="Courier New" panose="02070309020205020404" pitchFamily="49" charset="0"/>
-                <a:cs typeface="Courier New" panose="02070309020205020404" pitchFamily="49" charset="0"/>
-                <a:sym typeface="Wingdings" panose="05000000000000000000" pitchFamily="2" charset="2"/>
-              </a:rPr>
-              <a:t>, 'a'}</a:t>
-            </a:r>
-          </a:p>
-          <a:p>
-            <a:pPr marL="0" indent="0" algn="l" rtl="0">
-              <a:lnSpc>
-                <a:spcPct val="100000"/>
-              </a:lnSpc>
-              <a:buNone/>
-            </a:pPr>
-            <a:r>
-              <a:rPr lang="en-US" dirty="0" smtClean="0">
-                <a:latin typeface="Courier New" panose="02070309020205020404" pitchFamily="49" charset="0"/>
-                <a:cs typeface="Courier New" panose="02070309020205020404" pitchFamily="49" charset="0"/>
-                <a:sym typeface="Wingdings" panose="05000000000000000000" pitchFamily="2" charset="2"/>
-              </a:rPr>
-              <a:t>x = {'a</a:t>
-            </a:r>
-            <a:r>
-              <a:rPr lang="en-US" dirty="0">
-                <a:latin typeface="Courier New" panose="02070309020205020404" pitchFamily="49" charset="0"/>
-                <a:cs typeface="Courier New" panose="02070309020205020404" pitchFamily="49" charset="0"/>
-                <a:sym typeface="Wingdings" panose="05000000000000000000" pitchFamily="2" charset="2"/>
-              </a:rPr>
-              <a:t>'</a:t>
-            </a:r>
-            <a:r>
-              <a:rPr lang="en-US" dirty="0" smtClean="0">
-                <a:latin typeface="Courier New" panose="02070309020205020404" pitchFamily="49" charset="0"/>
-                <a:cs typeface="Courier New" panose="02070309020205020404" pitchFamily="49" charset="0"/>
-                <a:sym typeface="Wingdings" panose="05000000000000000000" pitchFamily="2" charset="2"/>
-              </a:rPr>
-              <a:t>:1, '</a:t>
-            </a:r>
-            <a:r>
-              <a:rPr lang="en-US" dirty="0" err="1" smtClean="0">
-                <a:latin typeface="Courier New" panose="02070309020205020404" pitchFamily="49" charset="0"/>
-                <a:cs typeface="Courier New" panose="02070309020205020404" pitchFamily="49" charset="0"/>
-                <a:sym typeface="Wingdings" panose="05000000000000000000" pitchFamily="2" charset="2"/>
-              </a:rPr>
-              <a:t>b':'c</a:t>
-            </a:r>
-            <a:r>
-              <a:rPr lang="en-US" dirty="0" smtClean="0">
-                <a:latin typeface="Courier New" panose="02070309020205020404" pitchFamily="49" charset="0"/>
-                <a:cs typeface="Courier New" panose="02070309020205020404" pitchFamily="49" charset="0"/>
-                <a:sym typeface="Wingdings" panose="05000000000000000000" pitchFamily="2" charset="2"/>
-              </a:rPr>
-              <a:t>'}</a:t>
-            </a:r>
-            <a:endParaRPr lang="en-US" dirty="0" smtClean="0">
-              <a:solidFill>
-                <a:schemeClr val="accent6"/>
-              </a:solidFill>
-              <a:latin typeface="Courier New" panose="02070309020205020404" pitchFamily="49" charset="0"/>
-              <a:cs typeface="Courier New" panose="02070309020205020404" pitchFamily="49" charset="0"/>
-              <a:sym typeface="Wingdings" panose="05000000000000000000" pitchFamily="2" charset="2"/>
-            </a:endParaRPr>
-          </a:p>
-          <a:p>
-            <a:pPr marL="0" indent="0" algn="l" rtl="0">
-              <a:lnSpc>
-                <a:spcPct val="100000"/>
-              </a:lnSpc>
-              <a:buNone/>
-            </a:pPr>
-            <a:r>
-              <a:rPr lang="en-US" dirty="0" smtClean="0">
-                <a:latin typeface="Courier New" panose="02070309020205020404" pitchFamily="49" charset="0"/>
-                <a:cs typeface="Courier New" panose="02070309020205020404" pitchFamily="49" charset="0"/>
-                <a:sym typeface="Wingdings" panose="05000000000000000000" pitchFamily="2" charset="2"/>
-              </a:rPr>
-              <a:t>x = {1:2, 3:</a:t>
-            </a:r>
-            <a:r>
-              <a:rPr lang="en-US" dirty="0">
-                <a:latin typeface="Courier New" panose="02070309020205020404" pitchFamily="49" charset="0"/>
-                <a:cs typeface="Courier New" panose="02070309020205020404" pitchFamily="49" charset="0"/>
-                <a:sym typeface="Wingdings" panose="05000000000000000000" pitchFamily="2" charset="2"/>
-              </a:rPr>
-              <a:t>'a</a:t>
-            </a:r>
-            <a:r>
-              <a:rPr lang="en-US" dirty="0" smtClean="0">
-                <a:latin typeface="Courier New" panose="02070309020205020404" pitchFamily="49" charset="0"/>
-                <a:cs typeface="Courier New" panose="02070309020205020404" pitchFamily="49" charset="0"/>
-                <a:sym typeface="Wingdings" panose="05000000000000000000" pitchFamily="2" charset="2"/>
-              </a:rPr>
-              <a:t>'}</a:t>
-            </a:r>
-            <a:endParaRPr lang="en-US" dirty="0">
-              <a:solidFill>
-                <a:schemeClr val="accent6"/>
-              </a:solidFill>
-              <a:latin typeface="Courier New" panose="02070309020205020404" pitchFamily="49" charset="0"/>
-              <a:cs typeface="Courier New" panose="02070309020205020404" pitchFamily="49" charset="0"/>
-              <a:sym typeface="Wingdings" panose="05000000000000000000" pitchFamily="2" charset="2"/>
-            </a:endParaRPr>
-          </a:p>
-        </p:txBody>
-      </p:sp>
-      <p:sp>
-        <p:nvSpPr>
-          <p:cNvPr id="4" name="Footer Placeholder 3"/>
-          <p:cNvSpPr>
-            <a:spLocks noGrp="1"/>
-          </p:cNvSpPr>
-          <p:nvPr>
-            <p:ph type="ftr" sz="quarter" idx="11"/>
-          </p:nvPr>
-        </p:nvSpPr>
-        <p:spPr/>
-        <p:txBody>
-          <a:bodyPr/>
-          <a:lstStyle/>
-          <a:p>
-            <a:pPr algn="l"/>
-            <a:r>
-              <a:rPr lang="fa-IR" dirty="0" smtClean="0"/>
-              <a:t>سعید محققی </a:t>
-            </a:r>
-            <a:r>
-              <a:rPr lang="en-US" dirty="0" smtClean="0"/>
-              <a:t>Daneshjoy.ir</a:t>
-            </a:r>
-            <a:endParaRPr lang="en-US" dirty="0"/>
-          </a:p>
-        </p:txBody>
-      </p:sp>
-      <p:sp>
-        <p:nvSpPr>
-          <p:cNvPr id="5" name="Slide Number Placeholder 4"/>
-          <p:cNvSpPr>
-            <a:spLocks noGrp="1"/>
-          </p:cNvSpPr>
-          <p:nvPr>
-            <p:ph type="sldNum" sz="quarter" idx="12"/>
-          </p:nvPr>
-        </p:nvSpPr>
-        <p:spPr/>
-        <p:txBody>
-          <a:bodyPr/>
-          <a:lstStyle/>
-          <a:p>
-            <a:fld id="{D57F1E4F-1CFF-5643-939E-217C01CDF565}" type="slidenum">
-              <a:rPr lang="en-US" smtClean="0"/>
-              <a:pPr/>
-              <a:t>16</a:t>
-            </a:fld>
-            <a:endParaRPr lang="en-US" dirty="0"/>
-          </a:p>
-        </p:txBody>
-      </p:sp>
-      <p:sp>
-        <p:nvSpPr>
-          <p:cNvPr id="6" name="TextBox 5"/>
-          <p:cNvSpPr txBox="1"/>
-          <p:nvPr/>
-        </p:nvSpPr>
-        <p:spPr>
-          <a:xfrm>
-            <a:off x="3379580" y="4635158"/>
-            <a:ext cx="1167020" cy="369332"/>
-          </a:xfrm>
-          <a:prstGeom prst="rect">
-            <a:avLst/>
-          </a:prstGeom>
-          <a:noFill/>
-        </p:spPr>
-        <p:txBody>
-          <a:bodyPr wrap="square" rtlCol="0">
-            <a:spAutoFit/>
-          </a:bodyPr>
-          <a:lstStyle/>
-          <a:p>
-            <a:r>
-              <a:rPr lang="en-US" dirty="0">
-                <a:latin typeface="Courier New" panose="02070309020205020404" pitchFamily="49" charset="0"/>
-                <a:cs typeface="Courier New" panose="02070309020205020404" pitchFamily="49" charset="0"/>
-                <a:sym typeface="Wingdings" panose="05000000000000000000" pitchFamily="2" charset="2"/>
-              </a:rPr>
-              <a:t>	</a:t>
-            </a:r>
-            <a:r>
-              <a:rPr lang="en-US" dirty="0" smtClean="0">
-                <a:solidFill>
-                  <a:schemeClr val="accent6"/>
-                </a:solidFill>
-                <a:latin typeface="Courier New" panose="02070309020205020404" pitchFamily="49" charset="0"/>
-                <a:cs typeface="Courier New" panose="02070309020205020404" pitchFamily="49" charset="0"/>
-                <a:sym typeface="Wingdings" panose="05000000000000000000" pitchFamily="2" charset="2"/>
-              </a:rPr>
-              <a:t>set</a:t>
-            </a:r>
-            <a:endParaRPr lang="en-US" dirty="0">
-              <a:latin typeface="Courier New" panose="02070309020205020404" pitchFamily="49" charset="0"/>
-              <a:cs typeface="Courier New" panose="02070309020205020404" pitchFamily="49" charset="0"/>
-              <a:sym typeface="Wingdings" panose="05000000000000000000" pitchFamily="2" charset="2"/>
-            </a:endParaRPr>
-          </a:p>
-        </p:txBody>
-      </p:sp>
-      <p:sp>
-        <p:nvSpPr>
-          <p:cNvPr id="7" name="TextBox 6"/>
-          <p:cNvSpPr txBox="1"/>
-          <p:nvPr/>
-        </p:nvSpPr>
-        <p:spPr>
-          <a:xfrm>
-            <a:off x="3379580" y="5340633"/>
-            <a:ext cx="2259220" cy="369332"/>
-          </a:xfrm>
-          <a:prstGeom prst="rect">
-            <a:avLst/>
-          </a:prstGeom>
-          <a:noFill/>
-        </p:spPr>
-        <p:txBody>
-          <a:bodyPr wrap="square" rtlCol="0">
-            <a:spAutoFit/>
-          </a:bodyPr>
-          <a:lstStyle/>
-          <a:p>
-            <a:r>
-              <a:rPr lang="en-US" dirty="0" smtClean="0">
-                <a:latin typeface="Courier New" panose="02070309020205020404" pitchFamily="49" charset="0"/>
-                <a:cs typeface="Courier New" panose="02070309020205020404" pitchFamily="49" charset="0"/>
-                <a:sym typeface="Wingdings" panose="05000000000000000000" pitchFamily="2" charset="2"/>
-              </a:rPr>
-              <a:t></a:t>
-            </a:r>
-            <a:r>
-              <a:rPr lang="en-US" dirty="0">
-                <a:latin typeface="Courier New" panose="02070309020205020404" pitchFamily="49" charset="0"/>
-                <a:cs typeface="Courier New" panose="02070309020205020404" pitchFamily="49" charset="0"/>
-                <a:sym typeface="Wingdings" panose="05000000000000000000" pitchFamily="2" charset="2"/>
-              </a:rPr>
-              <a:t>	</a:t>
-            </a:r>
-            <a:r>
-              <a:rPr lang="en-US" dirty="0" smtClean="0">
-                <a:solidFill>
-                  <a:schemeClr val="accent6"/>
-                </a:solidFill>
-                <a:latin typeface="Courier New" panose="02070309020205020404" pitchFamily="49" charset="0"/>
-                <a:cs typeface="Courier New" panose="02070309020205020404" pitchFamily="49" charset="0"/>
-                <a:sym typeface="Wingdings" panose="05000000000000000000" pitchFamily="2" charset="2"/>
-              </a:rPr>
-              <a:t>dictionary</a:t>
-            </a:r>
-            <a:endParaRPr lang="en-US" dirty="0">
-              <a:latin typeface="Courier New" panose="02070309020205020404" pitchFamily="49" charset="0"/>
-              <a:cs typeface="Courier New" panose="02070309020205020404" pitchFamily="49" charset="0"/>
-              <a:sym typeface="Wingdings" panose="05000000000000000000" pitchFamily="2" charset="2"/>
-            </a:endParaRPr>
-          </a:p>
-        </p:txBody>
-      </p:sp>
-      <p:sp>
-        <p:nvSpPr>
-          <p:cNvPr id="8" name="Right Brace 7"/>
-          <p:cNvSpPr/>
-          <p:nvPr/>
-        </p:nvSpPr>
-        <p:spPr>
-          <a:xfrm>
-            <a:off x="3296340" y="4471147"/>
-            <a:ext cx="166480" cy="626261"/>
-          </a:xfrm>
-          <a:prstGeom prst="rightBrace">
-            <a:avLst/>
-          </a:prstGeom>
-        </p:spPr>
-        <p:style>
-          <a:lnRef idx="1">
-            <a:schemeClr val="accent1"/>
-          </a:lnRef>
-          <a:fillRef idx="0">
-            <a:schemeClr val="accent1"/>
-          </a:fillRef>
-          <a:effectRef idx="0">
-            <a:schemeClr val="accent1"/>
-          </a:effectRef>
-          <a:fontRef idx="minor">
-            <a:schemeClr val="tx1"/>
-          </a:fontRef>
-        </p:style>
-        <p:txBody>
-          <a:bodyPr rtlCol="0" anchor="ctr"/>
-          <a:lstStyle/>
-          <a:p>
-            <a:pPr algn="ctr"/>
-            <a:endParaRPr lang="en-US"/>
-          </a:p>
-        </p:txBody>
-      </p:sp>
-      <p:sp>
-        <p:nvSpPr>
-          <p:cNvPr id="9" name="Right Brace 8"/>
-          <p:cNvSpPr/>
-          <p:nvPr/>
-        </p:nvSpPr>
-        <p:spPr>
-          <a:xfrm>
-            <a:off x="3299100" y="5172375"/>
-            <a:ext cx="166480" cy="626261"/>
-          </a:xfrm>
-          <a:prstGeom prst="rightBrace">
-            <a:avLst/>
-          </a:prstGeom>
-        </p:spPr>
-        <p:style>
-          <a:lnRef idx="1">
-            <a:schemeClr val="accent1"/>
-          </a:lnRef>
-          <a:fillRef idx="0">
-            <a:schemeClr val="accent1"/>
-          </a:fillRef>
-          <a:effectRef idx="0">
-            <a:schemeClr val="accent1"/>
-          </a:effectRef>
-          <a:fontRef idx="minor">
-            <a:schemeClr val="tx1"/>
-          </a:fontRef>
-        </p:style>
-        <p:txBody>
-          <a:bodyPr rtlCol="0" anchor="ctr"/>
-          <a:lstStyle/>
-          <a:p>
-            <a:pPr algn="ctr"/>
-            <a:endParaRPr lang="en-US"/>
-          </a:p>
-        </p:txBody>
-      </p:sp>
-      <p:sp>
-        <p:nvSpPr>
-          <p:cNvPr id="14" name="TextBox 13"/>
-          <p:cNvSpPr txBox="1"/>
-          <p:nvPr/>
-        </p:nvSpPr>
-        <p:spPr>
-          <a:xfrm>
-            <a:off x="6473053" y="1324122"/>
-            <a:ext cx="4996881" cy="2862322"/>
-          </a:xfrm>
-          <a:prstGeom prst="rect">
-            <a:avLst/>
-          </a:prstGeom>
-          <a:noFill/>
-        </p:spPr>
-        <p:txBody>
-          <a:bodyPr wrap="none" rtlCol="0">
-            <a:spAutoFit/>
-          </a:bodyPr>
-          <a:lstStyle/>
-          <a:p>
-            <a:pPr marL="285750" indent="-285750" algn="r" rtl="1">
-              <a:lnSpc>
-                <a:spcPct val="200000"/>
-              </a:lnSpc>
-              <a:buFont typeface="Wingdings" panose="05000000000000000000" pitchFamily="2" charset="2"/>
-              <a:buChar char="ü"/>
-            </a:pPr>
-            <a:r>
-              <a:rPr lang="fa-IR" dirty="0" smtClean="0">
-                <a:cs typeface="B Mitra" panose="00000400000000000000" pitchFamily="2" charset="-78"/>
-              </a:rPr>
-              <a:t>نوع متغیرها در حین اجرا با توجه به مقادیر آن ها تعیین می شود.</a:t>
-            </a:r>
-            <a:endParaRPr lang="en-US" dirty="0" smtClean="0">
-              <a:cs typeface="B Mitra" panose="00000400000000000000" pitchFamily="2" charset="-78"/>
-            </a:endParaRPr>
-          </a:p>
-          <a:p>
-            <a:pPr marL="285750" indent="-285750" algn="r" rtl="1">
-              <a:lnSpc>
-                <a:spcPct val="200000"/>
-              </a:lnSpc>
-              <a:buFont typeface="Wingdings" panose="05000000000000000000" pitchFamily="2" charset="2"/>
-              <a:buChar char="ü"/>
-            </a:pPr>
-            <a:r>
-              <a:rPr lang="fa-IR" dirty="0" smtClean="0">
-                <a:cs typeface="B Mitra" panose="00000400000000000000" pitchFamily="2" charset="-78"/>
-              </a:rPr>
-              <a:t>تشخیص نوع متغیر با دستور </a:t>
-            </a:r>
-            <a:r>
-              <a:rPr lang="en-US" dirty="0" smtClean="0">
-                <a:latin typeface="Courier New" panose="02070309020205020404" pitchFamily="49" charset="0"/>
-                <a:cs typeface="Courier New" panose="02070309020205020404" pitchFamily="49" charset="0"/>
-              </a:rPr>
-              <a:t>type(</a:t>
-            </a:r>
-            <a:r>
-              <a:rPr lang="en-US" dirty="0" err="1" smtClean="0">
-                <a:latin typeface="Courier New" panose="02070309020205020404" pitchFamily="49" charset="0"/>
-                <a:cs typeface="Courier New" panose="02070309020205020404" pitchFamily="49" charset="0"/>
-              </a:rPr>
-              <a:t>var</a:t>
-            </a:r>
-            <a:r>
-              <a:rPr lang="en-US" dirty="0" smtClean="0">
-                <a:latin typeface="Courier New" panose="02070309020205020404" pitchFamily="49" charset="0"/>
-                <a:cs typeface="Courier New" panose="02070309020205020404" pitchFamily="49" charset="0"/>
-              </a:rPr>
-              <a:t>)</a:t>
-            </a:r>
-          </a:p>
-          <a:p>
-            <a:pPr marL="285750" indent="-285750" algn="r" rtl="1">
-              <a:lnSpc>
-                <a:spcPct val="200000"/>
-              </a:lnSpc>
-              <a:buFont typeface="Wingdings" panose="05000000000000000000" pitchFamily="2" charset="2"/>
-              <a:buChar char="ü"/>
-            </a:pPr>
-            <a:r>
-              <a:rPr lang="fa-IR" dirty="0" smtClean="0">
-                <a:latin typeface="Courier New" panose="02070309020205020404" pitchFamily="49" charset="0"/>
-                <a:cs typeface="B Mitra" panose="00000400000000000000" pitchFamily="2" charset="-78"/>
-              </a:rPr>
-              <a:t>انواع </a:t>
-            </a:r>
-            <a:r>
-              <a:rPr lang="en-US" dirty="0" smtClean="0">
-                <a:latin typeface="Courier New" panose="02070309020205020404" pitchFamily="49" charset="0"/>
-                <a:cs typeface="B Mitra" panose="00000400000000000000" pitchFamily="2" charset="-78"/>
-              </a:rPr>
-              <a:t>list</a:t>
-            </a:r>
-            <a:r>
-              <a:rPr lang="fa-IR" dirty="0" smtClean="0">
-                <a:latin typeface="Courier New" panose="02070309020205020404" pitchFamily="49" charset="0"/>
-                <a:cs typeface="B Mitra" panose="00000400000000000000" pitchFamily="2" charset="-78"/>
-              </a:rPr>
-              <a:t>، </a:t>
-            </a:r>
-            <a:r>
-              <a:rPr lang="en-US" dirty="0" smtClean="0">
-                <a:latin typeface="Courier New" panose="02070309020205020404" pitchFamily="49" charset="0"/>
-                <a:cs typeface="B Mitra" panose="00000400000000000000" pitchFamily="2" charset="-78"/>
-              </a:rPr>
-              <a:t>tuple</a:t>
-            </a:r>
-            <a:r>
-              <a:rPr lang="fa-IR" dirty="0" smtClean="0">
-                <a:latin typeface="Courier New" panose="02070309020205020404" pitchFamily="49" charset="0"/>
-                <a:cs typeface="B Mitra" panose="00000400000000000000" pitchFamily="2" charset="-78"/>
-              </a:rPr>
-              <a:t> و </a:t>
-            </a:r>
-            <a:r>
-              <a:rPr lang="en-US" dirty="0" smtClean="0">
-                <a:latin typeface="Courier New" panose="02070309020205020404" pitchFamily="49" charset="0"/>
-                <a:cs typeface="B Mitra" panose="00000400000000000000" pitchFamily="2" charset="-78"/>
-              </a:rPr>
-              <a:t>set</a:t>
-            </a:r>
-            <a:r>
-              <a:rPr lang="fa-IR" dirty="0" smtClean="0">
-                <a:latin typeface="Courier New" panose="02070309020205020404" pitchFamily="49" charset="0"/>
-                <a:cs typeface="B Mitra" panose="00000400000000000000" pitchFamily="2" charset="-78"/>
-              </a:rPr>
-              <a:t> قابل تبدیل به یکدیگر هستند.</a:t>
-            </a:r>
-            <a:endParaRPr lang="en-US" dirty="0" smtClean="0">
-              <a:latin typeface="Courier New" panose="02070309020205020404" pitchFamily="49" charset="0"/>
-              <a:cs typeface="B Mitra" panose="00000400000000000000" pitchFamily="2" charset="-78"/>
-            </a:endParaRPr>
-          </a:p>
-          <a:p>
-            <a:pPr marL="285750" indent="-285750" algn="r" rtl="1">
-              <a:lnSpc>
-                <a:spcPct val="200000"/>
-              </a:lnSpc>
-              <a:buFont typeface="Wingdings" panose="05000000000000000000" pitchFamily="2" charset="2"/>
-              <a:buChar char="ü"/>
-            </a:pPr>
-            <a:r>
-              <a:rPr lang="fa-IR" dirty="0" smtClean="0">
-                <a:latin typeface="Courier New" panose="02070309020205020404" pitchFamily="49" charset="0"/>
-                <a:cs typeface="B Mitra" panose="00000400000000000000" pitchFamily="2" charset="-78"/>
-              </a:rPr>
-              <a:t>آیتم های </a:t>
-            </a:r>
-            <a:r>
-              <a:rPr lang="en-US" dirty="0" smtClean="0">
-                <a:latin typeface="Courier New" panose="02070309020205020404" pitchFamily="49" charset="0"/>
-                <a:cs typeface="B Mitra" panose="00000400000000000000" pitchFamily="2" charset="-78"/>
-              </a:rPr>
-              <a:t>list</a:t>
-            </a:r>
-            <a:r>
-              <a:rPr lang="fa-IR" dirty="0" smtClean="0">
-                <a:latin typeface="Courier New" panose="02070309020205020404" pitchFamily="49" charset="0"/>
-                <a:cs typeface="B Mitra" panose="00000400000000000000" pitchFamily="2" charset="-78"/>
-              </a:rPr>
-              <a:t> قابل تغییر ولی در </a:t>
-            </a:r>
-            <a:r>
-              <a:rPr lang="en-US" dirty="0" smtClean="0">
-                <a:latin typeface="Courier New" panose="02070309020205020404" pitchFamily="49" charset="0"/>
-                <a:cs typeface="B Mitra" panose="00000400000000000000" pitchFamily="2" charset="-78"/>
-              </a:rPr>
-              <a:t>tuple</a:t>
-            </a:r>
-            <a:r>
-              <a:rPr lang="fa-IR" dirty="0" smtClean="0">
-                <a:latin typeface="Courier New" panose="02070309020205020404" pitchFamily="49" charset="0"/>
-                <a:cs typeface="B Mitra" panose="00000400000000000000" pitchFamily="2" charset="-78"/>
-              </a:rPr>
-              <a:t> غیر قابل تغییر هستند.</a:t>
-            </a:r>
-          </a:p>
-          <a:p>
-            <a:pPr marL="285750" indent="-285750" algn="r" rtl="1">
-              <a:lnSpc>
-                <a:spcPct val="200000"/>
-              </a:lnSpc>
-              <a:buFont typeface="Wingdings" panose="05000000000000000000" pitchFamily="2" charset="2"/>
-              <a:buChar char="ü"/>
-            </a:pPr>
-            <a:r>
-              <a:rPr lang="fa-IR" dirty="0" smtClean="0">
-                <a:latin typeface="Courier New" panose="02070309020205020404" pitchFamily="49" charset="0"/>
-                <a:cs typeface="B Mitra" panose="00000400000000000000" pitchFamily="2" charset="-78"/>
-              </a:rPr>
-              <a:t>در </a:t>
-            </a:r>
-            <a:r>
-              <a:rPr lang="en-US" dirty="0" smtClean="0">
-                <a:latin typeface="Courier New" panose="02070309020205020404" pitchFamily="49" charset="0"/>
-                <a:cs typeface="B Mitra" panose="00000400000000000000" pitchFamily="2" charset="-78"/>
-              </a:rPr>
-              <a:t>set</a:t>
-            </a:r>
-            <a:r>
-              <a:rPr lang="fa-IR" dirty="0" smtClean="0">
-                <a:latin typeface="Courier New" panose="02070309020205020404" pitchFamily="49" charset="0"/>
-                <a:cs typeface="B Mitra" panose="00000400000000000000" pitchFamily="2" charset="-78"/>
-              </a:rPr>
-              <a:t> و </a:t>
-            </a:r>
-            <a:r>
-              <a:rPr lang="en-US" dirty="0" err="1" smtClean="0">
-                <a:latin typeface="Courier New" panose="02070309020205020404" pitchFamily="49" charset="0"/>
-                <a:cs typeface="B Mitra" panose="00000400000000000000" pitchFamily="2" charset="-78"/>
-              </a:rPr>
-              <a:t>dict</a:t>
-            </a:r>
-            <a:r>
-              <a:rPr lang="fa-IR" dirty="0" smtClean="0">
-                <a:latin typeface="Courier New" panose="02070309020205020404" pitchFamily="49" charset="0"/>
-                <a:cs typeface="B Mitra" panose="00000400000000000000" pitchFamily="2" charset="-78"/>
-              </a:rPr>
-              <a:t>، آیتم تکراری وجود نخواهد داشت.</a:t>
-            </a:r>
-            <a:endParaRPr lang="en-US" dirty="0" smtClean="0">
-              <a:latin typeface="Courier New" panose="02070309020205020404" pitchFamily="49" charset="0"/>
-              <a:cs typeface="B Mitra" panose="00000400000000000000" pitchFamily="2" charset="-78"/>
-            </a:endParaRPr>
-          </a:p>
-        </p:txBody>
-      </p:sp>
-      <p:sp>
-        <p:nvSpPr>
-          <p:cNvPr id="15" name="Right Brace 14"/>
-          <p:cNvSpPr/>
-          <p:nvPr/>
-        </p:nvSpPr>
-        <p:spPr>
-          <a:xfrm>
-            <a:off x="2953440" y="2945571"/>
-            <a:ext cx="166480" cy="626261"/>
-          </a:xfrm>
-          <a:prstGeom prst="rightBrace">
-            <a:avLst/>
-          </a:prstGeom>
-        </p:spPr>
-        <p:style>
-          <a:lnRef idx="1">
-            <a:schemeClr val="accent1"/>
-          </a:lnRef>
-          <a:fillRef idx="0">
-            <a:schemeClr val="accent1"/>
-          </a:fillRef>
-          <a:effectRef idx="0">
-            <a:schemeClr val="accent1"/>
-          </a:effectRef>
-          <a:fontRef idx="minor">
-            <a:schemeClr val="tx1"/>
-          </a:fontRef>
-        </p:style>
-        <p:txBody>
-          <a:bodyPr rtlCol="0" anchor="ctr"/>
-          <a:lstStyle/>
-          <a:p>
-            <a:pPr algn="ctr"/>
-            <a:endParaRPr lang="en-US"/>
-          </a:p>
-        </p:txBody>
-      </p:sp>
-      <p:sp>
-        <p:nvSpPr>
-          <p:cNvPr id="16" name="Right Brace 15"/>
-          <p:cNvSpPr/>
-          <p:nvPr/>
-        </p:nvSpPr>
-        <p:spPr>
-          <a:xfrm>
-            <a:off x="2953440" y="3635249"/>
-            <a:ext cx="166480" cy="626261"/>
-          </a:xfrm>
-          <a:prstGeom prst="rightBrace">
-            <a:avLst/>
-          </a:prstGeom>
-        </p:spPr>
-        <p:style>
-          <a:lnRef idx="1">
-            <a:schemeClr val="accent1"/>
-          </a:lnRef>
-          <a:fillRef idx="0">
-            <a:schemeClr val="accent1"/>
-          </a:fillRef>
-          <a:effectRef idx="0">
-            <a:schemeClr val="accent1"/>
-          </a:effectRef>
-          <a:fontRef idx="minor">
-            <a:schemeClr val="tx1"/>
-          </a:fontRef>
-        </p:style>
-        <p:txBody>
-          <a:bodyPr rtlCol="0" anchor="ctr"/>
-          <a:lstStyle/>
-          <a:p>
-            <a:pPr algn="ctr"/>
-            <a:endParaRPr lang="en-US"/>
-          </a:p>
-        </p:txBody>
-      </p:sp>
-      <p:sp>
-        <p:nvSpPr>
-          <p:cNvPr id="17" name="TextBox 16"/>
-          <p:cNvSpPr txBox="1"/>
-          <p:nvPr/>
-        </p:nvSpPr>
-        <p:spPr>
-          <a:xfrm>
-            <a:off x="3036680" y="3798254"/>
-            <a:ext cx="1776620" cy="369332"/>
-          </a:xfrm>
-          <a:prstGeom prst="rect">
-            <a:avLst/>
-          </a:prstGeom>
-          <a:noFill/>
-        </p:spPr>
-        <p:txBody>
-          <a:bodyPr wrap="square" rtlCol="0">
-            <a:spAutoFit/>
-          </a:bodyPr>
-          <a:lstStyle/>
-          <a:p>
-            <a:r>
-              <a:rPr lang="en-US" dirty="0">
-                <a:latin typeface="Courier New" panose="02070309020205020404" pitchFamily="49" charset="0"/>
-                <a:cs typeface="Courier New" panose="02070309020205020404" pitchFamily="49" charset="0"/>
-                <a:sym typeface="Wingdings" panose="05000000000000000000" pitchFamily="2" charset="2"/>
-              </a:rPr>
-              <a:t>	</a:t>
-            </a:r>
-            <a:r>
-              <a:rPr lang="en-US" dirty="0" smtClean="0">
-                <a:solidFill>
-                  <a:schemeClr val="accent6"/>
-                </a:solidFill>
-                <a:latin typeface="Courier New" panose="02070309020205020404" pitchFamily="49" charset="0"/>
-                <a:cs typeface="Courier New" panose="02070309020205020404" pitchFamily="49" charset="0"/>
-                <a:sym typeface="Wingdings" panose="05000000000000000000" pitchFamily="2" charset="2"/>
-              </a:rPr>
-              <a:t>tuple</a:t>
-            </a:r>
-            <a:endParaRPr lang="en-US" dirty="0">
-              <a:latin typeface="Courier New" panose="02070309020205020404" pitchFamily="49" charset="0"/>
-              <a:cs typeface="Courier New" panose="02070309020205020404" pitchFamily="49" charset="0"/>
-              <a:sym typeface="Wingdings" panose="05000000000000000000" pitchFamily="2" charset="2"/>
-            </a:endParaRPr>
-          </a:p>
-        </p:txBody>
-      </p:sp>
-      <p:sp>
-        <p:nvSpPr>
-          <p:cNvPr id="18" name="TextBox 17"/>
-          <p:cNvSpPr txBox="1"/>
-          <p:nvPr/>
-        </p:nvSpPr>
-        <p:spPr>
-          <a:xfrm>
-            <a:off x="3036680" y="3109319"/>
-            <a:ext cx="1776620" cy="369332"/>
-          </a:xfrm>
-          <a:prstGeom prst="rect">
-            <a:avLst/>
-          </a:prstGeom>
-          <a:noFill/>
-        </p:spPr>
-        <p:txBody>
-          <a:bodyPr wrap="square" rtlCol="0">
-            <a:spAutoFit/>
-          </a:bodyPr>
-          <a:lstStyle/>
-          <a:p>
-            <a:r>
-              <a:rPr lang="en-US" dirty="0" smtClean="0">
-                <a:latin typeface="Courier New" panose="02070309020205020404" pitchFamily="49" charset="0"/>
-                <a:cs typeface="Courier New" panose="02070309020205020404" pitchFamily="49" charset="0"/>
-                <a:sym typeface="Wingdings" panose="05000000000000000000" pitchFamily="2" charset="2"/>
-              </a:rPr>
-              <a:t>  </a:t>
-            </a:r>
-            <a:r>
-              <a:rPr lang="en-US" dirty="0" smtClean="0">
-                <a:solidFill>
-                  <a:schemeClr val="accent6"/>
-                </a:solidFill>
-                <a:latin typeface="Courier New" panose="02070309020205020404" pitchFamily="49" charset="0"/>
-                <a:cs typeface="Courier New" panose="02070309020205020404" pitchFamily="49" charset="0"/>
-                <a:sym typeface="Wingdings" panose="05000000000000000000" pitchFamily="2" charset="2"/>
-              </a:rPr>
-              <a:t>list</a:t>
-            </a:r>
-            <a:endParaRPr lang="en-US" dirty="0">
-              <a:latin typeface="Courier New" panose="02070309020205020404" pitchFamily="49" charset="0"/>
-              <a:cs typeface="Courier New" panose="02070309020205020404" pitchFamily="49" charset="0"/>
-              <a:sym typeface="Wingdings" panose="05000000000000000000" pitchFamily="2" charset="2"/>
-            </a:endParaRPr>
-          </a:p>
-        </p:txBody>
-      </p:sp>
-    </p:spTree>
-    <p:extLst>
-      <p:ext uri="{BB962C8B-B14F-4D97-AF65-F5344CB8AC3E}">
-        <p14:creationId xmlns:p14="http://schemas.microsoft.com/office/powerpoint/2010/main" val="203682561"/>
-      </p:ext>
-    </p:extLst>
-  </p:cSld>
-  <p:clrMapOvr>
-    <a:masterClrMapping/>
-  </p:clrMapOvr>
-  <mc:AlternateContent xmlns:mc="http://schemas.openxmlformats.org/markup-compatibility/2006" xmlns:p15="http://schemas.microsoft.com/office/powerpoint/2012/main">
-    <mc:Choice Requires="p15">
-      <p:transition xmlns:p14="http://schemas.microsoft.com/office/powerpoint/2010/main" spd="slow" p14:dur="1250">
-        <p15:prstTrans prst="pageCurlDouble" invX="1"/>
-      </p:transition>
-    </mc:Choice>
-    <mc:Fallback xmlns="">
-      <p:transition spd="slow">
-        <p:fade/>
-      </p:transition>
-    </mc:Fallback>
-  </mc:AlternateContent>
-  <p:timing>
-    <p:tnLst>
-      <p:par>
-        <p:cTn id="1" dur="indefinite" restart="never" nodeType="tmRoot"/>
       </p:par>
     </p:tnLst>
   </p:timing>
@@ -11909,6 +10666,1374 @@
           <a:p>
             <a:r>
               <a:rPr lang="fa-IR" dirty="0" smtClean="0"/>
+              <a:t>انواع متغیرها</a:t>
+            </a:r>
+            <a:endParaRPr lang="en-US" dirty="0"/>
+          </a:p>
+        </p:txBody>
+      </p:sp>
+      <p:sp>
+        <p:nvSpPr>
+          <p:cNvPr id="3" name="Content Placeholder 2"/>
+          <p:cNvSpPr>
+            <a:spLocks noGrp="1"/>
+          </p:cNvSpPr>
+          <p:nvPr>
+            <p:ph idx="1"/>
+          </p:nvPr>
+        </p:nvSpPr>
+        <p:spPr/>
+        <p:txBody>
+          <a:bodyPr>
+            <a:normAutofit fontScale="92500" lnSpcReduction="20000"/>
+          </a:bodyPr>
+          <a:lstStyle/>
+          <a:p>
+            <a:pPr marL="0" indent="0" algn="l" rtl="0">
+              <a:lnSpc>
+                <a:spcPct val="100000"/>
+              </a:lnSpc>
+              <a:buNone/>
+            </a:pPr>
+            <a:r>
+              <a:rPr lang="en-US" dirty="0" smtClean="0">
+                <a:solidFill>
+                  <a:schemeClr val="tx1"/>
+                </a:solidFill>
+                <a:latin typeface="Courier New" panose="02070309020205020404" pitchFamily="49" charset="0"/>
+                <a:cs typeface="Courier New" panose="02070309020205020404" pitchFamily="49" charset="0"/>
+              </a:rPr>
+              <a:t>x = 2</a:t>
+            </a:r>
+            <a:r>
+              <a:rPr lang="en-US" dirty="0" smtClean="0">
+                <a:latin typeface="Courier New" panose="02070309020205020404" pitchFamily="49" charset="0"/>
+                <a:cs typeface="Courier New" panose="02070309020205020404" pitchFamily="49" charset="0"/>
+              </a:rPr>
+              <a:t>			</a:t>
+            </a:r>
+            <a:r>
+              <a:rPr lang="en-US" dirty="0" smtClean="0">
+                <a:latin typeface="Courier New" panose="02070309020205020404" pitchFamily="49" charset="0"/>
+                <a:cs typeface="Courier New" panose="02070309020205020404" pitchFamily="49" charset="0"/>
+                <a:sym typeface="Wingdings" panose="05000000000000000000" pitchFamily="2" charset="2"/>
+              </a:rPr>
+              <a:t>	</a:t>
+            </a:r>
+            <a:r>
+              <a:rPr lang="en-US" dirty="0" smtClean="0">
+                <a:solidFill>
+                  <a:schemeClr val="accent6"/>
+                </a:solidFill>
+                <a:latin typeface="Courier New" panose="02070309020205020404" pitchFamily="49" charset="0"/>
+                <a:cs typeface="Courier New" panose="02070309020205020404" pitchFamily="49" charset="0"/>
+                <a:sym typeface="Wingdings" panose="05000000000000000000" pitchFamily="2" charset="2"/>
+              </a:rPr>
+              <a:t>integer</a:t>
+            </a:r>
+            <a:endParaRPr lang="en-US" dirty="0" smtClean="0">
+              <a:solidFill>
+                <a:schemeClr val="accent6"/>
+              </a:solidFill>
+              <a:latin typeface="Courier New" panose="02070309020205020404" pitchFamily="49" charset="0"/>
+              <a:cs typeface="Courier New" panose="02070309020205020404" pitchFamily="49" charset="0"/>
+            </a:endParaRPr>
+          </a:p>
+          <a:p>
+            <a:pPr marL="0" indent="0" algn="l" rtl="0">
+              <a:lnSpc>
+                <a:spcPct val="100000"/>
+              </a:lnSpc>
+              <a:buNone/>
+            </a:pPr>
+            <a:r>
+              <a:rPr lang="en-US" dirty="0" smtClean="0">
+                <a:solidFill>
+                  <a:schemeClr val="tx1"/>
+                </a:solidFill>
+                <a:latin typeface="Courier New" panose="02070309020205020404" pitchFamily="49" charset="0"/>
+                <a:cs typeface="Courier New" panose="02070309020205020404" pitchFamily="49" charset="0"/>
+              </a:rPr>
+              <a:t>x = 3.14</a:t>
+            </a:r>
+            <a:r>
+              <a:rPr lang="en-US" dirty="0" smtClean="0">
+                <a:latin typeface="Courier New" panose="02070309020205020404" pitchFamily="49" charset="0"/>
+                <a:cs typeface="Courier New" panose="02070309020205020404" pitchFamily="49" charset="0"/>
+              </a:rPr>
+              <a:t>		</a:t>
+            </a:r>
+            <a:r>
+              <a:rPr lang="en-US" dirty="0" smtClean="0">
+                <a:latin typeface="Courier New" panose="02070309020205020404" pitchFamily="49" charset="0"/>
+                <a:cs typeface="Courier New" panose="02070309020205020404" pitchFamily="49" charset="0"/>
+                <a:sym typeface="Wingdings" panose="05000000000000000000" pitchFamily="2" charset="2"/>
+              </a:rPr>
+              <a:t>	</a:t>
+            </a:r>
+            <a:r>
+              <a:rPr lang="en-US" dirty="0" smtClean="0">
+                <a:solidFill>
+                  <a:schemeClr val="accent6"/>
+                </a:solidFill>
+                <a:latin typeface="Courier New" panose="02070309020205020404" pitchFamily="49" charset="0"/>
+                <a:cs typeface="Courier New" panose="02070309020205020404" pitchFamily="49" charset="0"/>
+                <a:sym typeface="Wingdings" panose="05000000000000000000" pitchFamily="2" charset="2"/>
+              </a:rPr>
+              <a:t>float</a:t>
+            </a:r>
+            <a:endParaRPr lang="en-US" dirty="0" smtClean="0">
+              <a:solidFill>
+                <a:schemeClr val="accent6"/>
+              </a:solidFill>
+              <a:latin typeface="Courier New" panose="02070309020205020404" pitchFamily="49" charset="0"/>
+              <a:cs typeface="Courier New" panose="02070309020205020404" pitchFamily="49" charset="0"/>
+            </a:endParaRPr>
+          </a:p>
+          <a:p>
+            <a:pPr marL="0" indent="0" algn="l" rtl="0">
+              <a:lnSpc>
+                <a:spcPct val="100000"/>
+              </a:lnSpc>
+              <a:buNone/>
+            </a:pPr>
+            <a:r>
+              <a:rPr lang="en-US" dirty="0" smtClean="0">
+                <a:solidFill>
+                  <a:schemeClr val="tx1"/>
+                </a:solidFill>
+                <a:latin typeface="Courier New" panose="02070309020205020404" pitchFamily="49" charset="0"/>
+                <a:cs typeface="Courier New" panose="02070309020205020404" pitchFamily="49" charset="0"/>
+              </a:rPr>
+              <a:t>x = </a:t>
+            </a:r>
+            <a:r>
+              <a:rPr lang="en-US" dirty="0" smtClean="0">
+                <a:solidFill>
+                  <a:schemeClr val="tx1"/>
+                </a:solidFill>
+                <a:latin typeface="Courier New" panose="02070309020205020404" pitchFamily="49" charset="0"/>
+                <a:cs typeface="Courier New" panose="02070309020205020404" pitchFamily="49" charset="0"/>
+                <a:sym typeface="Wingdings" panose="05000000000000000000" pitchFamily="2" charset="2"/>
+              </a:rPr>
+              <a:t>'</a:t>
+            </a:r>
+            <a:r>
+              <a:rPr lang="en-US" dirty="0" smtClean="0">
+                <a:solidFill>
+                  <a:schemeClr val="tx1"/>
+                </a:solidFill>
+                <a:latin typeface="Courier New" panose="02070309020205020404" pitchFamily="49" charset="0"/>
+                <a:cs typeface="Courier New" panose="02070309020205020404" pitchFamily="49" charset="0"/>
+              </a:rPr>
+              <a:t>test</a:t>
+            </a:r>
+            <a:r>
+              <a:rPr lang="en-US" dirty="0">
+                <a:solidFill>
+                  <a:schemeClr val="tx1"/>
+                </a:solidFill>
+                <a:latin typeface="Courier New" panose="02070309020205020404" pitchFamily="49" charset="0"/>
+                <a:cs typeface="Courier New" panose="02070309020205020404" pitchFamily="49" charset="0"/>
+                <a:sym typeface="Wingdings" panose="05000000000000000000" pitchFamily="2" charset="2"/>
+              </a:rPr>
+              <a:t>'</a:t>
+            </a:r>
+            <a:r>
+              <a:rPr lang="en-US" dirty="0" smtClean="0">
+                <a:latin typeface="Courier New" panose="02070309020205020404" pitchFamily="49" charset="0"/>
+                <a:cs typeface="Courier New" panose="02070309020205020404" pitchFamily="49" charset="0"/>
+              </a:rPr>
+              <a:t>		</a:t>
+            </a:r>
+            <a:r>
+              <a:rPr lang="en-US" dirty="0" smtClean="0">
+                <a:latin typeface="Courier New" panose="02070309020205020404" pitchFamily="49" charset="0"/>
+                <a:cs typeface="Courier New" panose="02070309020205020404" pitchFamily="49" charset="0"/>
+                <a:sym typeface="Wingdings" panose="05000000000000000000" pitchFamily="2" charset="2"/>
+              </a:rPr>
+              <a:t>	</a:t>
+            </a:r>
+            <a:r>
+              <a:rPr lang="en-US" dirty="0" smtClean="0">
+                <a:solidFill>
+                  <a:schemeClr val="accent6"/>
+                </a:solidFill>
+                <a:latin typeface="Courier New" panose="02070309020205020404" pitchFamily="49" charset="0"/>
+                <a:cs typeface="Courier New" panose="02070309020205020404" pitchFamily="49" charset="0"/>
+                <a:sym typeface="Wingdings" panose="05000000000000000000" pitchFamily="2" charset="2"/>
+              </a:rPr>
+              <a:t>string</a:t>
+            </a:r>
+            <a:endParaRPr lang="fa-IR" dirty="0" smtClean="0">
+              <a:solidFill>
+                <a:schemeClr val="accent6"/>
+              </a:solidFill>
+              <a:latin typeface="Courier New" panose="02070309020205020404" pitchFamily="49" charset="0"/>
+              <a:cs typeface="Courier New" panose="02070309020205020404" pitchFamily="49" charset="0"/>
+              <a:sym typeface="Wingdings" panose="05000000000000000000" pitchFamily="2" charset="2"/>
+            </a:endParaRPr>
+          </a:p>
+          <a:p>
+            <a:pPr marL="0" indent="0" algn="l" rtl="0">
+              <a:lnSpc>
+                <a:spcPct val="100000"/>
+              </a:lnSpc>
+              <a:buNone/>
+            </a:pPr>
+            <a:r>
+              <a:rPr lang="en-US" dirty="0" smtClean="0">
+                <a:solidFill>
+                  <a:schemeClr val="tx1"/>
+                </a:solidFill>
+                <a:latin typeface="Courier New" panose="02070309020205020404" pitchFamily="49" charset="0"/>
+                <a:cs typeface="Courier New" panose="02070309020205020404" pitchFamily="49" charset="0"/>
+                <a:sym typeface="Wingdings" panose="05000000000000000000" pitchFamily="2" charset="2"/>
+              </a:rPr>
+              <a:t>x = True</a:t>
+            </a:r>
+            <a:r>
+              <a:rPr lang="en-US" dirty="0" smtClean="0">
+                <a:solidFill>
+                  <a:schemeClr val="accent6"/>
+                </a:solidFill>
+                <a:latin typeface="Courier New" panose="02070309020205020404" pitchFamily="49" charset="0"/>
+                <a:cs typeface="Courier New" panose="02070309020205020404" pitchFamily="49" charset="0"/>
+                <a:sym typeface="Wingdings" panose="05000000000000000000" pitchFamily="2" charset="2"/>
+              </a:rPr>
+              <a:t>	</a:t>
+            </a:r>
+            <a:r>
+              <a:rPr lang="en-US" dirty="0">
+                <a:latin typeface="Courier New" panose="02070309020205020404" pitchFamily="49" charset="0"/>
+                <a:cs typeface="Courier New" panose="02070309020205020404" pitchFamily="49" charset="0"/>
+                <a:sym typeface="Wingdings" panose="05000000000000000000" pitchFamily="2" charset="2"/>
+              </a:rPr>
+              <a:t> </a:t>
+            </a:r>
+            <a:r>
+              <a:rPr lang="en-US" dirty="0" smtClean="0">
+                <a:latin typeface="Courier New" panose="02070309020205020404" pitchFamily="49" charset="0"/>
+                <a:cs typeface="Courier New" panose="02070309020205020404" pitchFamily="49" charset="0"/>
+                <a:sym typeface="Wingdings" panose="05000000000000000000" pitchFamily="2" charset="2"/>
+              </a:rPr>
+              <a:t>	</a:t>
+            </a:r>
+            <a:r>
+              <a:rPr lang="en-US" dirty="0">
+                <a:latin typeface="Courier New" panose="02070309020205020404" pitchFamily="49" charset="0"/>
+                <a:cs typeface="Courier New" panose="02070309020205020404" pitchFamily="49" charset="0"/>
+                <a:sym typeface="Wingdings" panose="05000000000000000000" pitchFamily="2" charset="2"/>
+              </a:rPr>
+              <a:t>	</a:t>
+            </a:r>
+            <a:r>
+              <a:rPr lang="en-US" dirty="0" err="1" smtClean="0">
+                <a:solidFill>
+                  <a:schemeClr val="accent6"/>
+                </a:solidFill>
+                <a:latin typeface="Courier New" panose="02070309020205020404" pitchFamily="49" charset="0"/>
+                <a:cs typeface="Courier New" panose="02070309020205020404" pitchFamily="49" charset="0"/>
+                <a:sym typeface="Wingdings" panose="05000000000000000000" pitchFamily="2" charset="2"/>
+              </a:rPr>
+              <a:t>boolean</a:t>
+            </a:r>
+            <a:r>
+              <a:rPr lang="en-US" dirty="0" smtClean="0">
+                <a:latin typeface="Courier New" panose="02070309020205020404" pitchFamily="49" charset="0"/>
+                <a:cs typeface="Courier New" panose="02070309020205020404" pitchFamily="49" charset="0"/>
+                <a:sym typeface="Wingdings" panose="05000000000000000000" pitchFamily="2" charset="2"/>
+              </a:rPr>
+              <a:t/>
+            </a:r>
+            <a:br>
+              <a:rPr lang="en-US" dirty="0" smtClean="0">
+                <a:latin typeface="Courier New" panose="02070309020205020404" pitchFamily="49" charset="0"/>
+                <a:cs typeface="Courier New" panose="02070309020205020404" pitchFamily="49" charset="0"/>
+                <a:sym typeface="Wingdings" panose="05000000000000000000" pitchFamily="2" charset="2"/>
+              </a:rPr>
+            </a:br>
+            <a:endParaRPr lang="en-US" dirty="0" smtClean="0">
+              <a:latin typeface="Courier New" panose="02070309020205020404" pitchFamily="49" charset="0"/>
+              <a:cs typeface="Courier New" panose="02070309020205020404" pitchFamily="49" charset="0"/>
+              <a:sym typeface="Wingdings" panose="05000000000000000000" pitchFamily="2" charset="2"/>
+            </a:endParaRPr>
+          </a:p>
+          <a:p>
+            <a:pPr marL="0" indent="0" algn="l" rtl="0">
+              <a:lnSpc>
+                <a:spcPct val="100000"/>
+              </a:lnSpc>
+              <a:buNone/>
+            </a:pPr>
+            <a:r>
+              <a:rPr lang="en-US" dirty="0" smtClean="0">
+                <a:latin typeface="Courier New" panose="02070309020205020404" pitchFamily="49" charset="0"/>
+                <a:cs typeface="Courier New" panose="02070309020205020404" pitchFamily="49" charset="0"/>
+                <a:sym typeface="Wingdings" panose="05000000000000000000" pitchFamily="2" charset="2"/>
+              </a:rPr>
+              <a:t>x = [1, 2, 3]		</a:t>
+            </a:r>
+            <a:endParaRPr lang="fa-IR" dirty="0" smtClean="0">
+              <a:solidFill>
+                <a:schemeClr val="accent6"/>
+              </a:solidFill>
+              <a:latin typeface="Courier New" panose="02070309020205020404" pitchFamily="49" charset="0"/>
+              <a:cs typeface="Courier New" panose="02070309020205020404" pitchFamily="49" charset="0"/>
+              <a:sym typeface="Wingdings" panose="05000000000000000000" pitchFamily="2" charset="2"/>
+            </a:endParaRPr>
+          </a:p>
+          <a:p>
+            <a:pPr marL="0" indent="0" algn="l" rtl="0">
+              <a:lnSpc>
+                <a:spcPct val="100000"/>
+              </a:lnSpc>
+              <a:buNone/>
+            </a:pPr>
+            <a:r>
+              <a:rPr lang="en-US" dirty="0" smtClean="0">
+                <a:solidFill>
+                  <a:schemeClr val="tx1"/>
+                </a:solidFill>
+                <a:latin typeface="Courier New" panose="02070309020205020404" pitchFamily="49" charset="0"/>
+                <a:cs typeface="Courier New" panose="02070309020205020404" pitchFamily="49" charset="0"/>
+                <a:sym typeface="Wingdings" panose="05000000000000000000" pitchFamily="2" charset="2"/>
+              </a:rPr>
+              <a:t>x = [</a:t>
+            </a:r>
+            <a:r>
+              <a:rPr lang="en-US" dirty="0" smtClean="0">
+                <a:latin typeface="Courier New" panose="02070309020205020404" pitchFamily="49" charset="0"/>
+                <a:cs typeface="Courier New" panose="02070309020205020404" pitchFamily="49" charset="0"/>
+                <a:sym typeface="Wingdings" panose="05000000000000000000" pitchFamily="2" charset="2"/>
+              </a:rPr>
+              <a:t>1, </a:t>
+            </a:r>
+            <a:r>
+              <a:rPr lang="fa-IR" dirty="0" smtClean="0">
+                <a:latin typeface="Courier New" panose="02070309020205020404" pitchFamily="49" charset="0"/>
+                <a:cs typeface="Courier New" panose="02070309020205020404" pitchFamily="49" charset="0"/>
+                <a:sym typeface="Wingdings" panose="05000000000000000000" pitchFamily="2" charset="2"/>
+              </a:rPr>
+              <a:t>2.5</a:t>
+            </a:r>
+            <a:r>
+              <a:rPr lang="en-US" dirty="0" smtClean="0">
+                <a:latin typeface="Courier New" panose="02070309020205020404" pitchFamily="49" charset="0"/>
+                <a:cs typeface="Courier New" panose="02070309020205020404" pitchFamily="49" charset="0"/>
+                <a:sym typeface="Wingdings" panose="05000000000000000000" pitchFamily="2" charset="2"/>
+              </a:rPr>
+              <a:t>, 'a</a:t>
+            </a:r>
+            <a:r>
+              <a:rPr lang="en-US" dirty="0">
+                <a:latin typeface="Courier New" panose="02070309020205020404" pitchFamily="49" charset="0"/>
+                <a:cs typeface="Courier New" panose="02070309020205020404" pitchFamily="49" charset="0"/>
+                <a:sym typeface="Wingdings" panose="05000000000000000000" pitchFamily="2" charset="2"/>
+              </a:rPr>
+              <a:t>'</a:t>
+            </a:r>
+            <a:r>
+              <a:rPr lang="en-US" dirty="0" smtClean="0">
+                <a:latin typeface="Courier New" panose="02070309020205020404" pitchFamily="49" charset="0"/>
+                <a:cs typeface="Courier New" panose="02070309020205020404" pitchFamily="49" charset="0"/>
+                <a:sym typeface="Wingdings" panose="05000000000000000000" pitchFamily="2" charset="2"/>
+              </a:rPr>
+              <a:t>]</a:t>
+            </a:r>
+            <a:endParaRPr lang="en-US" dirty="0" smtClean="0">
+              <a:solidFill>
+                <a:schemeClr val="accent6"/>
+              </a:solidFill>
+              <a:latin typeface="Courier New" panose="02070309020205020404" pitchFamily="49" charset="0"/>
+              <a:cs typeface="Courier New" panose="02070309020205020404" pitchFamily="49" charset="0"/>
+              <a:sym typeface="Wingdings" panose="05000000000000000000" pitchFamily="2" charset="2"/>
+            </a:endParaRPr>
+          </a:p>
+          <a:p>
+            <a:pPr marL="0" indent="0" algn="l" rtl="0">
+              <a:lnSpc>
+                <a:spcPct val="100000"/>
+              </a:lnSpc>
+              <a:buNone/>
+            </a:pPr>
+            <a:r>
+              <a:rPr lang="en-US" dirty="0" smtClean="0">
+                <a:latin typeface="Courier New" panose="02070309020205020404" pitchFamily="49" charset="0"/>
+                <a:cs typeface="Courier New" panose="02070309020205020404" pitchFamily="49" charset="0"/>
+                <a:sym typeface="Wingdings" panose="05000000000000000000" pitchFamily="2" charset="2"/>
+              </a:rPr>
+              <a:t>x = (1, 2, 3)		</a:t>
+            </a:r>
+            <a:endParaRPr lang="en-US" dirty="0" smtClean="0">
+              <a:solidFill>
+                <a:schemeClr val="accent6"/>
+              </a:solidFill>
+              <a:latin typeface="Courier New" panose="02070309020205020404" pitchFamily="49" charset="0"/>
+              <a:cs typeface="Courier New" panose="02070309020205020404" pitchFamily="49" charset="0"/>
+              <a:sym typeface="Wingdings" panose="05000000000000000000" pitchFamily="2" charset="2"/>
+            </a:endParaRPr>
+          </a:p>
+          <a:p>
+            <a:pPr marL="0" indent="0" algn="l" rtl="0">
+              <a:lnSpc>
+                <a:spcPct val="100000"/>
+              </a:lnSpc>
+              <a:buNone/>
+            </a:pPr>
+            <a:r>
+              <a:rPr lang="en-US" dirty="0">
+                <a:latin typeface="Courier New" panose="02070309020205020404" pitchFamily="49" charset="0"/>
+                <a:cs typeface="Courier New" panose="02070309020205020404" pitchFamily="49" charset="0"/>
+                <a:sym typeface="Wingdings" panose="05000000000000000000" pitchFamily="2" charset="2"/>
+              </a:rPr>
+              <a:t>x = </a:t>
+            </a:r>
+            <a:r>
+              <a:rPr lang="en-US" dirty="0" smtClean="0">
+                <a:latin typeface="Courier New" panose="02070309020205020404" pitchFamily="49" charset="0"/>
+                <a:cs typeface="Courier New" panose="02070309020205020404" pitchFamily="49" charset="0"/>
+                <a:sym typeface="Wingdings" panose="05000000000000000000" pitchFamily="2" charset="2"/>
+              </a:rPr>
+              <a:t>(</a:t>
+            </a:r>
+            <a:r>
+              <a:rPr lang="en-US" dirty="0">
+                <a:latin typeface="Courier New" panose="02070309020205020404" pitchFamily="49" charset="0"/>
+                <a:cs typeface="Courier New" panose="02070309020205020404" pitchFamily="49" charset="0"/>
+                <a:sym typeface="Wingdings" panose="05000000000000000000" pitchFamily="2" charset="2"/>
+              </a:rPr>
+              <a:t>1</a:t>
+            </a:r>
+            <a:r>
+              <a:rPr lang="en-US" dirty="0" smtClean="0">
+                <a:latin typeface="Courier New" panose="02070309020205020404" pitchFamily="49" charset="0"/>
+                <a:cs typeface="Courier New" panose="02070309020205020404" pitchFamily="49" charset="0"/>
+                <a:sym typeface="Wingdings" panose="05000000000000000000" pitchFamily="2" charset="2"/>
+              </a:rPr>
+              <a:t>, </a:t>
+            </a:r>
+            <a:r>
+              <a:rPr lang="fa-IR" dirty="0" smtClean="0">
+                <a:latin typeface="Courier New" panose="02070309020205020404" pitchFamily="49" charset="0"/>
+                <a:cs typeface="Courier New" panose="02070309020205020404" pitchFamily="49" charset="0"/>
+                <a:sym typeface="Wingdings" panose="05000000000000000000" pitchFamily="2" charset="2"/>
+              </a:rPr>
+              <a:t>2.5</a:t>
+            </a:r>
+            <a:r>
+              <a:rPr lang="en-US" dirty="0" smtClean="0">
+                <a:latin typeface="Courier New" panose="02070309020205020404" pitchFamily="49" charset="0"/>
+                <a:cs typeface="Courier New" panose="02070309020205020404" pitchFamily="49" charset="0"/>
+                <a:sym typeface="Wingdings" panose="05000000000000000000" pitchFamily="2" charset="2"/>
+              </a:rPr>
+              <a:t>, 'a</a:t>
+            </a:r>
+            <a:r>
+              <a:rPr lang="en-US" dirty="0">
+                <a:latin typeface="Courier New" panose="02070309020205020404" pitchFamily="49" charset="0"/>
+                <a:cs typeface="Courier New" panose="02070309020205020404" pitchFamily="49" charset="0"/>
+                <a:sym typeface="Wingdings" panose="05000000000000000000" pitchFamily="2" charset="2"/>
+              </a:rPr>
+              <a:t>'</a:t>
+            </a:r>
+            <a:r>
+              <a:rPr lang="en-US" dirty="0" smtClean="0">
+                <a:latin typeface="Courier New" panose="02070309020205020404" pitchFamily="49" charset="0"/>
+                <a:cs typeface="Courier New" panose="02070309020205020404" pitchFamily="49" charset="0"/>
+                <a:sym typeface="Wingdings" panose="05000000000000000000" pitchFamily="2" charset="2"/>
+              </a:rPr>
+              <a:t>)</a:t>
+            </a:r>
+            <a:br>
+              <a:rPr lang="en-US" dirty="0" smtClean="0">
+                <a:latin typeface="Courier New" panose="02070309020205020404" pitchFamily="49" charset="0"/>
+                <a:cs typeface="Courier New" panose="02070309020205020404" pitchFamily="49" charset="0"/>
+                <a:sym typeface="Wingdings" panose="05000000000000000000" pitchFamily="2" charset="2"/>
+              </a:rPr>
+            </a:br>
+            <a:endParaRPr lang="en-US" dirty="0" smtClean="0">
+              <a:latin typeface="Courier New" panose="02070309020205020404" pitchFamily="49" charset="0"/>
+              <a:cs typeface="Courier New" panose="02070309020205020404" pitchFamily="49" charset="0"/>
+              <a:sym typeface="Wingdings" panose="05000000000000000000" pitchFamily="2" charset="2"/>
+            </a:endParaRPr>
+          </a:p>
+          <a:p>
+            <a:pPr marL="0" indent="0" algn="l" rtl="0">
+              <a:lnSpc>
+                <a:spcPct val="100000"/>
+              </a:lnSpc>
+              <a:buNone/>
+            </a:pPr>
+            <a:r>
+              <a:rPr lang="en-US" dirty="0" smtClean="0">
+                <a:latin typeface="Courier New" panose="02070309020205020404" pitchFamily="49" charset="0"/>
+                <a:cs typeface="Courier New" panose="02070309020205020404" pitchFamily="49" charset="0"/>
+                <a:sym typeface="Wingdings" panose="05000000000000000000" pitchFamily="2" charset="2"/>
+              </a:rPr>
+              <a:t>x = {1, 2, 3}	</a:t>
+            </a:r>
+            <a:endParaRPr lang="en-US" dirty="0" smtClean="0">
+              <a:solidFill>
+                <a:schemeClr val="accent6"/>
+              </a:solidFill>
+              <a:latin typeface="Courier New" panose="02070309020205020404" pitchFamily="49" charset="0"/>
+              <a:cs typeface="Courier New" panose="02070309020205020404" pitchFamily="49" charset="0"/>
+              <a:sym typeface="Wingdings" panose="05000000000000000000" pitchFamily="2" charset="2"/>
+            </a:endParaRPr>
+          </a:p>
+          <a:p>
+            <a:pPr marL="0" indent="0" algn="l" rtl="0">
+              <a:lnSpc>
+                <a:spcPct val="100000"/>
+              </a:lnSpc>
+              <a:buNone/>
+            </a:pPr>
+            <a:r>
+              <a:rPr lang="en-US" dirty="0" smtClean="0">
+                <a:latin typeface="Courier New" panose="02070309020205020404" pitchFamily="49" charset="0"/>
+                <a:cs typeface="Courier New" panose="02070309020205020404" pitchFamily="49" charset="0"/>
+                <a:sym typeface="Wingdings" panose="05000000000000000000" pitchFamily="2" charset="2"/>
+              </a:rPr>
+              <a:t>x = {1,</a:t>
+            </a:r>
+            <a:r>
+              <a:rPr lang="en-US" dirty="0">
+                <a:latin typeface="Courier New" panose="02070309020205020404" pitchFamily="49" charset="0"/>
+                <a:cs typeface="Courier New" panose="02070309020205020404" pitchFamily="49" charset="0"/>
+                <a:sym typeface="Wingdings" panose="05000000000000000000" pitchFamily="2" charset="2"/>
+              </a:rPr>
+              <a:t> </a:t>
+            </a:r>
+            <a:r>
+              <a:rPr lang="fa-IR" dirty="0" smtClean="0">
+                <a:latin typeface="Courier New" panose="02070309020205020404" pitchFamily="49" charset="0"/>
+                <a:cs typeface="Courier New" panose="02070309020205020404" pitchFamily="49" charset="0"/>
+                <a:sym typeface="Wingdings" panose="05000000000000000000" pitchFamily="2" charset="2"/>
+              </a:rPr>
+              <a:t>2.5</a:t>
+            </a:r>
+            <a:r>
+              <a:rPr lang="en-US" dirty="0" smtClean="0">
+                <a:latin typeface="Courier New" panose="02070309020205020404" pitchFamily="49" charset="0"/>
+                <a:cs typeface="Courier New" panose="02070309020205020404" pitchFamily="49" charset="0"/>
+                <a:sym typeface="Wingdings" panose="05000000000000000000" pitchFamily="2" charset="2"/>
+              </a:rPr>
+              <a:t>, 'a'}</a:t>
+            </a:r>
+          </a:p>
+          <a:p>
+            <a:pPr marL="0" indent="0" algn="l" rtl="0">
+              <a:lnSpc>
+                <a:spcPct val="100000"/>
+              </a:lnSpc>
+              <a:buNone/>
+            </a:pPr>
+            <a:r>
+              <a:rPr lang="en-US" dirty="0" smtClean="0">
+                <a:latin typeface="Courier New" panose="02070309020205020404" pitchFamily="49" charset="0"/>
+                <a:cs typeface="Courier New" panose="02070309020205020404" pitchFamily="49" charset="0"/>
+                <a:sym typeface="Wingdings" panose="05000000000000000000" pitchFamily="2" charset="2"/>
+              </a:rPr>
+              <a:t>x = {'a</a:t>
+            </a:r>
+            <a:r>
+              <a:rPr lang="en-US" dirty="0">
+                <a:latin typeface="Courier New" panose="02070309020205020404" pitchFamily="49" charset="0"/>
+                <a:cs typeface="Courier New" panose="02070309020205020404" pitchFamily="49" charset="0"/>
+                <a:sym typeface="Wingdings" panose="05000000000000000000" pitchFamily="2" charset="2"/>
+              </a:rPr>
+              <a:t>'</a:t>
+            </a:r>
+            <a:r>
+              <a:rPr lang="en-US" dirty="0" smtClean="0">
+                <a:latin typeface="Courier New" panose="02070309020205020404" pitchFamily="49" charset="0"/>
+                <a:cs typeface="Courier New" panose="02070309020205020404" pitchFamily="49" charset="0"/>
+                <a:sym typeface="Wingdings" panose="05000000000000000000" pitchFamily="2" charset="2"/>
+              </a:rPr>
+              <a:t>:1, '</a:t>
+            </a:r>
+            <a:r>
+              <a:rPr lang="en-US" dirty="0" err="1" smtClean="0">
+                <a:latin typeface="Courier New" panose="02070309020205020404" pitchFamily="49" charset="0"/>
+                <a:cs typeface="Courier New" panose="02070309020205020404" pitchFamily="49" charset="0"/>
+                <a:sym typeface="Wingdings" panose="05000000000000000000" pitchFamily="2" charset="2"/>
+              </a:rPr>
+              <a:t>b':'c</a:t>
+            </a:r>
+            <a:r>
+              <a:rPr lang="en-US" dirty="0" smtClean="0">
+                <a:latin typeface="Courier New" panose="02070309020205020404" pitchFamily="49" charset="0"/>
+                <a:cs typeface="Courier New" panose="02070309020205020404" pitchFamily="49" charset="0"/>
+                <a:sym typeface="Wingdings" panose="05000000000000000000" pitchFamily="2" charset="2"/>
+              </a:rPr>
+              <a:t>'}</a:t>
+            </a:r>
+            <a:endParaRPr lang="en-US" dirty="0" smtClean="0">
+              <a:solidFill>
+                <a:schemeClr val="accent6"/>
+              </a:solidFill>
+              <a:latin typeface="Courier New" panose="02070309020205020404" pitchFamily="49" charset="0"/>
+              <a:cs typeface="Courier New" panose="02070309020205020404" pitchFamily="49" charset="0"/>
+              <a:sym typeface="Wingdings" panose="05000000000000000000" pitchFamily="2" charset="2"/>
+            </a:endParaRPr>
+          </a:p>
+          <a:p>
+            <a:pPr marL="0" indent="0" algn="l" rtl="0">
+              <a:lnSpc>
+                <a:spcPct val="100000"/>
+              </a:lnSpc>
+              <a:buNone/>
+            </a:pPr>
+            <a:r>
+              <a:rPr lang="en-US" dirty="0" smtClean="0">
+                <a:latin typeface="Courier New" panose="02070309020205020404" pitchFamily="49" charset="0"/>
+                <a:cs typeface="Courier New" panose="02070309020205020404" pitchFamily="49" charset="0"/>
+                <a:sym typeface="Wingdings" panose="05000000000000000000" pitchFamily="2" charset="2"/>
+              </a:rPr>
+              <a:t>x = {1:2, 3:</a:t>
+            </a:r>
+            <a:r>
+              <a:rPr lang="en-US" dirty="0">
+                <a:latin typeface="Courier New" panose="02070309020205020404" pitchFamily="49" charset="0"/>
+                <a:cs typeface="Courier New" panose="02070309020205020404" pitchFamily="49" charset="0"/>
+                <a:sym typeface="Wingdings" panose="05000000000000000000" pitchFamily="2" charset="2"/>
+              </a:rPr>
+              <a:t>'a</a:t>
+            </a:r>
+            <a:r>
+              <a:rPr lang="en-US" dirty="0" smtClean="0">
+                <a:latin typeface="Courier New" panose="02070309020205020404" pitchFamily="49" charset="0"/>
+                <a:cs typeface="Courier New" panose="02070309020205020404" pitchFamily="49" charset="0"/>
+                <a:sym typeface="Wingdings" panose="05000000000000000000" pitchFamily="2" charset="2"/>
+              </a:rPr>
+              <a:t>'}</a:t>
+            </a:r>
+            <a:endParaRPr lang="en-US" dirty="0">
+              <a:solidFill>
+                <a:schemeClr val="accent6"/>
+              </a:solidFill>
+              <a:latin typeface="Courier New" panose="02070309020205020404" pitchFamily="49" charset="0"/>
+              <a:cs typeface="Courier New" panose="02070309020205020404" pitchFamily="49" charset="0"/>
+              <a:sym typeface="Wingdings" panose="05000000000000000000" pitchFamily="2" charset="2"/>
+            </a:endParaRPr>
+          </a:p>
+        </p:txBody>
+      </p:sp>
+      <p:sp>
+        <p:nvSpPr>
+          <p:cNvPr id="4" name="Footer Placeholder 3"/>
+          <p:cNvSpPr>
+            <a:spLocks noGrp="1"/>
+          </p:cNvSpPr>
+          <p:nvPr>
+            <p:ph type="ftr" sz="quarter" idx="11"/>
+          </p:nvPr>
+        </p:nvSpPr>
+        <p:spPr/>
+        <p:txBody>
+          <a:bodyPr/>
+          <a:lstStyle/>
+          <a:p>
+            <a:pPr algn="l"/>
+            <a:r>
+              <a:rPr lang="fa-IR" dirty="0" smtClean="0"/>
+              <a:t>سعید محققی </a:t>
+            </a:r>
+            <a:r>
+              <a:rPr lang="en-US" dirty="0" smtClean="0"/>
+              <a:t>Daneshjoy.ir</a:t>
+            </a:r>
+            <a:endParaRPr lang="en-US" dirty="0"/>
+          </a:p>
+        </p:txBody>
+      </p:sp>
+      <p:sp>
+        <p:nvSpPr>
+          <p:cNvPr id="5" name="Slide Number Placeholder 4"/>
+          <p:cNvSpPr>
+            <a:spLocks noGrp="1"/>
+          </p:cNvSpPr>
+          <p:nvPr>
+            <p:ph type="sldNum" sz="quarter" idx="12"/>
+          </p:nvPr>
+        </p:nvSpPr>
+        <p:spPr/>
+        <p:txBody>
+          <a:bodyPr/>
+          <a:lstStyle/>
+          <a:p>
+            <a:fld id="{D57F1E4F-1CFF-5643-939E-217C01CDF565}" type="slidenum">
+              <a:rPr lang="en-US" smtClean="0"/>
+              <a:pPr/>
+              <a:t>17</a:t>
+            </a:fld>
+            <a:endParaRPr lang="en-US" dirty="0"/>
+          </a:p>
+        </p:txBody>
+      </p:sp>
+      <p:sp>
+        <p:nvSpPr>
+          <p:cNvPr id="6" name="TextBox 5"/>
+          <p:cNvSpPr txBox="1"/>
+          <p:nvPr/>
+        </p:nvSpPr>
+        <p:spPr>
+          <a:xfrm>
+            <a:off x="3379580" y="4635158"/>
+            <a:ext cx="1167020" cy="369332"/>
+          </a:xfrm>
+          <a:prstGeom prst="rect">
+            <a:avLst/>
+          </a:prstGeom>
+          <a:noFill/>
+        </p:spPr>
+        <p:txBody>
+          <a:bodyPr wrap="square" rtlCol="0">
+            <a:spAutoFit/>
+          </a:bodyPr>
+          <a:lstStyle/>
+          <a:p>
+            <a:r>
+              <a:rPr lang="en-US" dirty="0">
+                <a:latin typeface="Courier New" panose="02070309020205020404" pitchFamily="49" charset="0"/>
+                <a:cs typeface="Courier New" panose="02070309020205020404" pitchFamily="49" charset="0"/>
+                <a:sym typeface="Wingdings" panose="05000000000000000000" pitchFamily="2" charset="2"/>
+              </a:rPr>
+              <a:t>	</a:t>
+            </a:r>
+            <a:r>
+              <a:rPr lang="en-US" dirty="0" smtClean="0">
+                <a:solidFill>
+                  <a:schemeClr val="accent6"/>
+                </a:solidFill>
+                <a:latin typeface="Courier New" panose="02070309020205020404" pitchFamily="49" charset="0"/>
+                <a:cs typeface="Courier New" panose="02070309020205020404" pitchFamily="49" charset="0"/>
+                <a:sym typeface="Wingdings" panose="05000000000000000000" pitchFamily="2" charset="2"/>
+              </a:rPr>
+              <a:t>set</a:t>
+            </a:r>
+            <a:endParaRPr lang="en-US" dirty="0">
+              <a:latin typeface="Courier New" panose="02070309020205020404" pitchFamily="49" charset="0"/>
+              <a:cs typeface="Courier New" panose="02070309020205020404" pitchFamily="49" charset="0"/>
+              <a:sym typeface="Wingdings" panose="05000000000000000000" pitchFamily="2" charset="2"/>
+            </a:endParaRPr>
+          </a:p>
+        </p:txBody>
+      </p:sp>
+      <p:sp>
+        <p:nvSpPr>
+          <p:cNvPr id="7" name="TextBox 6"/>
+          <p:cNvSpPr txBox="1"/>
+          <p:nvPr/>
+        </p:nvSpPr>
+        <p:spPr>
+          <a:xfrm>
+            <a:off x="3379580" y="5340633"/>
+            <a:ext cx="2259220" cy="369332"/>
+          </a:xfrm>
+          <a:prstGeom prst="rect">
+            <a:avLst/>
+          </a:prstGeom>
+          <a:noFill/>
+        </p:spPr>
+        <p:txBody>
+          <a:bodyPr wrap="square" rtlCol="0">
+            <a:spAutoFit/>
+          </a:bodyPr>
+          <a:lstStyle/>
+          <a:p>
+            <a:r>
+              <a:rPr lang="en-US" dirty="0" smtClean="0">
+                <a:latin typeface="Courier New" panose="02070309020205020404" pitchFamily="49" charset="0"/>
+                <a:cs typeface="Courier New" panose="02070309020205020404" pitchFamily="49" charset="0"/>
+                <a:sym typeface="Wingdings" panose="05000000000000000000" pitchFamily="2" charset="2"/>
+              </a:rPr>
+              <a:t></a:t>
+            </a:r>
+            <a:r>
+              <a:rPr lang="en-US" dirty="0">
+                <a:latin typeface="Courier New" panose="02070309020205020404" pitchFamily="49" charset="0"/>
+                <a:cs typeface="Courier New" panose="02070309020205020404" pitchFamily="49" charset="0"/>
+                <a:sym typeface="Wingdings" panose="05000000000000000000" pitchFamily="2" charset="2"/>
+              </a:rPr>
+              <a:t>	</a:t>
+            </a:r>
+            <a:r>
+              <a:rPr lang="en-US" dirty="0" smtClean="0">
+                <a:solidFill>
+                  <a:schemeClr val="accent6"/>
+                </a:solidFill>
+                <a:latin typeface="Courier New" panose="02070309020205020404" pitchFamily="49" charset="0"/>
+                <a:cs typeface="Courier New" panose="02070309020205020404" pitchFamily="49" charset="0"/>
+                <a:sym typeface="Wingdings" panose="05000000000000000000" pitchFamily="2" charset="2"/>
+              </a:rPr>
+              <a:t>dictionary</a:t>
+            </a:r>
+            <a:endParaRPr lang="en-US" dirty="0">
+              <a:latin typeface="Courier New" panose="02070309020205020404" pitchFamily="49" charset="0"/>
+              <a:cs typeface="Courier New" panose="02070309020205020404" pitchFamily="49" charset="0"/>
+              <a:sym typeface="Wingdings" panose="05000000000000000000" pitchFamily="2" charset="2"/>
+            </a:endParaRPr>
+          </a:p>
+        </p:txBody>
+      </p:sp>
+      <p:sp>
+        <p:nvSpPr>
+          <p:cNvPr id="8" name="Right Brace 7"/>
+          <p:cNvSpPr/>
+          <p:nvPr/>
+        </p:nvSpPr>
+        <p:spPr>
+          <a:xfrm>
+            <a:off x="3296340" y="4471147"/>
+            <a:ext cx="166480" cy="626261"/>
+          </a:xfrm>
+          <a:prstGeom prst="rightBrace">
+            <a:avLst/>
+          </a:prstGeom>
+        </p:spPr>
+        <p:style>
+          <a:lnRef idx="1">
+            <a:schemeClr val="accent1"/>
+          </a:lnRef>
+          <a:fillRef idx="0">
+            <a:schemeClr val="accent1"/>
+          </a:fillRef>
+          <a:effectRef idx="0">
+            <a:schemeClr val="accent1"/>
+          </a:effectRef>
+          <a:fontRef idx="minor">
+            <a:schemeClr val="tx1"/>
+          </a:fontRef>
+        </p:style>
+        <p:txBody>
+          <a:bodyPr rtlCol="0" anchor="ctr"/>
+          <a:lstStyle/>
+          <a:p>
+            <a:pPr algn="ctr"/>
+            <a:endParaRPr lang="en-US"/>
+          </a:p>
+        </p:txBody>
+      </p:sp>
+      <p:sp>
+        <p:nvSpPr>
+          <p:cNvPr id="9" name="Right Brace 8"/>
+          <p:cNvSpPr/>
+          <p:nvPr/>
+        </p:nvSpPr>
+        <p:spPr>
+          <a:xfrm>
+            <a:off x="3299100" y="5172375"/>
+            <a:ext cx="166480" cy="626261"/>
+          </a:xfrm>
+          <a:prstGeom prst="rightBrace">
+            <a:avLst/>
+          </a:prstGeom>
+        </p:spPr>
+        <p:style>
+          <a:lnRef idx="1">
+            <a:schemeClr val="accent1"/>
+          </a:lnRef>
+          <a:fillRef idx="0">
+            <a:schemeClr val="accent1"/>
+          </a:fillRef>
+          <a:effectRef idx="0">
+            <a:schemeClr val="accent1"/>
+          </a:effectRef>
+          <a:fontRef idx="minor">
+            <a:schemeClr val="tx1"/>
+          </a:fontRef>
+        </p:style>
+        <p:txBody>
+          <a:bodyPr rtlCol="0" anchor="ctr"/>
+          <a:lstStyle/>
+          <a:p>
+            <a:pPr algn="ctr"/>
+            <a:endParaRPr lang="en-US"/>
+          </a:p>
+        </p:txBody>
+      </p:sp>
+      <p:sp>
+        <p:nvSpPr>
+          <p:cNvPr id="14" name="TextBox 13"/>
+          <p:cNvSpPr txBox="1"/>
+          <p:nvPr/>
+        </p:nvSpPr>
+        <p:spPr>
+          <a:xfrm>
+            <a:off x="6340004" y="1324122"/>
+            <a:ext cx="5129930" cy="2862322"/>
+          </a:xfrm>
+          <a:prstGeom prst="rect">
+            <a:avLst/>
+          </a:prstGeom>
+          <a:noFill/>
+        </p:spPr>
+        <p:txBody>
+          <a:bodyPr wrap="none" rtlCol="0">
+            <a:spAutoFit/>
+          </a:bodyPr>
+          <a:lstStyle/>
+          <a:p>
+            <a:pPr marL="285750" indent="-285750" algn="r" rtl="1">
+              <a:lnSpc>
+                <a:spcPct val="200000"/>
+              </a:lnSpc>
+              <a:buFont typeface="Wingdings" panose="05000000000000000000" pitchFamily="2" charset="2"/>
+              <a:buChar char="ü"/>
+            </a:pPr>
+            <a:r>
+              <a:rPr lang="fa-IR" dirty="0" smtClean="0">
+                <a:cs typeface="B Mitra" panose="00000400000000000000" pitchFamily="2" charset="-78"/>
+              </a:rPr>
+              <a:t>نوع متغیرها در حین اجرا با توجه به مقادیر آن ها تعیین می شود</a:t>
+            </a:r>
+            <a:r>
+              <a:rPr lang="fa-IR" dirty="0" smtClean="0">
+                <a:cs typeface="B Mitra" panose="00000400000000000000" pitchFamily="2" charset="-78"/>
+              </a:rPr>
+              <a:t>.</a:t>
+            </a:r>
+            <a:r>
+              <a:rPr lang="en-US" dirty="0" smtClean="0">
+                <a:cs typeface="B Mitra" panose="00000400000000000000" pitchFamily="2" charset="-78"/>
+              </a:rPr>
+              <a:t> </a:t>
+            </a:r>
+          </a:p>
+          <a:p>
+            <a:pPr marL="285750" indent="-285750" algn="r" rtl="1">
+              <a:lnSpc>
+                <a:spcPct val="200000"/>
+              </a:lnSpc>
+              <a:buFont typeface="Wingdings" panose="05000000000000000000" pitchFamily="2" charset="2"/>
+              <a:buChar char="ü"/>
+            </a:pPr>
+            <a:r>
+              <a:rPr lang="fa-IR" dirty="0" smtClean="0">
+                <a:cs typeface="B Mitra" panose="00000400000000000000" pitchFamily="2" charset="-78"/>
+              </a:rPr>
+              <a:t>تشخیص نوع متغیر با دستور </a:t>
+            </a:r>
+            <a:r>
+              <a:rPr lang="en-US" dirty="0" smtClean="0">
+                <a:latin typeface="Courier New" panose="02070309020205020404" pitchFamily="49" charset="0"/>
+                <a:cs typeface="Courier New" panose="02070309020205020404" pitchFamily="49" charset="0"/>
+              </a:rPr>
+              <a:t>type(</a:t>
+            </a:r>
+            <a:r>
+              <a:rPr lang="en-US" dirty="0" err="1" smtClean="0">
+                <a:latin typeface="Courier New" panose="02070309020205020404" pitchFamily="49" charset="0"/>
+                <a:cs typeface="Courier New" panose="02070309020205020404" pitchFamily="49" charset="0"/>
+              </a:rPr>
+              <a:t>var</a:t>
+            </a:r>
+            <a:r>
+              <a:rPr lang="en-US" dirty="0" smtClean="0">
+                <a:latin typeface="Courier New" panose="02070309020205020404" pitchFamily="49" charset="0"/>
+                <a:cs typeface="Courier New" panose="02070309020205020404" pitchFamily="49" charset="0"/>
+              </a:rPr>
+              <a:t>)</a:t>
+            </a:r>
+          </a:p>
+          <a:p>
+            <a:pPr marL="285750" indent="-285750" algn="r" rtl="1">
+              <a:lnSpc>
+                <a:spcPct val="200000"/>
+              </a:lnSpc>
+              <a:buFont typeface="Wingdings" panose="05000000000000000000" pitchFamily="2" charset="2"/>
+              <a:buChar char="ü"/>
+            </a:pPr>
+            <a:r>
+              <a:rPr lang="fa-IR" dirty="0" smtClean="0">
+                <a:latin typeface="Courier New" panose="02070309020205020404" pitchFamily="49" charset="0"/>
+                <a:cs typeface="B Mitra" panose="00000400000000000000" pitchFamily="2" charset="-78"/>
+              </a:rPr>
+              <a:t>انواع </a:t>
+            </a:r>
+            <a:r>
+              <a:rPr lang="en-US" dirty="0" smtClean="0">
+                <a:latin typeface="Courier New" panose="02070309020205020404" pitchFamily="49" charset="0"/>
+                <a:cs typeface="B Mitra" panose="00000400000000000000" pitchFamily="2" charset="-78"/>
+              </a:rPr>
+              <a:t>list</a:t>
+            </a:r>
+            <a:r>
+              <a:rPr lang="fa-IR" dirty="0" smtClean="0">
+                <a:latin typeface="Courier New" panose="02070309020205020404" pitchFamily="49" charset="0"/>
+                <a:cs typeface="B Mitra" panose="00000400000000000000" pitchFamily="2" charset="-78"/>
+              </a:rPr>
+              <a:t>، </a:t>
+            </a:r>
+            <a:r>
+              <a:rPr lang="en-US" dirty="0" smtClean="0">
+                <a:latin typeface="Courier New" panose="02070309020205020404" pitchFamily="49" charset="0"/>
+                <a:cs typeface="B Mitra" panose="00000400000000000000" pitchFamily="2" charset="-78"/>
+              </a:rPr>
+              <a:t>tuple</a:t>
+            </a:r>
+            <a:r>
+              <a:rPr lang="fa-IR" dirty="0" smtClean="0">
+                <a:latin typeface="Courier New" panose="02070309020205020404" pitchFamily="49" charset="0"/>
+                <a:cs typeface="B Mitra" panose="00000400000000000000" pitchFamily="2" charset="-78"/>
+              </a:rPr>
+              <a:t> و </a:t>
+            </a:r>
+            <a:r>
+              <a:rPr lang="en-US" dirty="0" smtClean="0">
+                <a:latin typeface="Courier New" panose="02070309020205020404" pitchFamily="49" charset="0"/>
+                <a:cs typeface="B Mitra" panose="00000400000000000000" pitchFamily="2" charset="-78"/>
+              </a:rPr>
+              <a:t>set</a:t>
+            </a:r>
+            <a:r>
+              <a:rPr lang="fa-IR" dirty="0" smtClean="0">
+                <a:latin typeface="Courier New" panose="02070309020205020404" pitchFamily="49" charset="0"/>
+                <a:cs typeface="B Mitra" panose="00000400000000000000" pitchFamily="2" charset="-78"/>
+              </a:rPr>
+              <a:t> قابل تبدیل به یکدیگر هستند.</a:t>
+            </a:r>
+            <a:endParaRPr lang="en-US" dirty="0" smtClean="0">
+              <a:latin typeface="Courier New" panose="02070309020205020404" pitchFamily="49" charset="0"/>
+              <a:cs typeface="B Mitra" panose="00000400000000000000" pitchFamily="2" charset="-78"/>
+            </a:endParaRPr>
+          </a:p>
+          <a:p>
+            <a:pPr marL="285750" indent="-285750" algn="r" rtl="1">
+              <a:lnSpc>
+                <a:spcPct val="200000"/>
+              </a:lnSpc>
+              <a:buFont typeface="Wingdings" panose="05000000000000000000" pitchFamily="2" charset="2"/>
+              <a:buChar char="ü"/>
+            </a:pPr>
+            <a:r>
+              <a:rPr lang="fa-IR" dirty="0" smtClean="0">
+                <a:latin typeface="Courier New" panose="02070309020205020404" pitchFamily="49" charset="0"/>
+                <a:cs typeface="B Mitra" panose="00000400000000000000" pitchFamily="2" charset="-78"/>
+              </a:rPr>
+              <a:t>آیتم های </a:t>
+            </a:r>
+            <a:r>
+              <a:rPr lang="en-US" dirty="0" smtClean="0">
+                <a:latin typeface="Courier New" panose="02070309020205020404" pitchFamily="49" charset="0"/>
+                <a:cs typeface="B Mitra" panose="00000400000000000000" pitchFamily="2" charset="-78"/>
+              </a:rPr>
+              <a:t>list</a:t>
+            </a:r>
+            <a:r>
+              <a:rPr lang="fa-IR" dirty="0" smtClean="0">
+                <a:latin typeface="Courier New" panose="02070309020205020404" pitchFamily="49" charset="0"/>
+                <a:cs typeface="B Mitra" panose="00000400000000000000" pitchFamily="2" charset="-78"/>
+              </a:rPr>
+              <a:t> قابل تغییر ولی در </a:t>
+            </a:r>
+            <a:r>
+              <a:rPr lang="en-US" dirty="0" smtClean="0">
+                <a:latin typeface="Courier New" panose="02070309020205020404" pitchFamily="49" charset="0"/>
+                <a:cs typeface="B Mitra" panose="00000400000000000000" pitchFamily="2" charset="-78"/>
+              </a:rPr>
+              <a:t>tuple</a:t>
+            </a:r>
+            <a:r>
+              <a:rPr lang="fa-IR" dirty="0" smtClean="0">
+                <a:latin typeface="Courier New" panose="02070309020205020404" pitchFamily="49" charset="0"/>
+                <a:cs typeface="B Mitra" panose="00000400000000000000" pitchFamily="2" charset="-78"/>
+              </a:rPr>
+              <a:t> غیر قابل تغییر هستند.</a:t>
+            </a:r>
+          </a:p>
+          <a:p>
+            <a:pPr marL="285750" indent="-285750" algn="r" rtl="1">
+              <a:lnSpc>
+                <a:spcPct val="200000"/>
+              </a:lnSpc>
+              <a:buFont typeface="Wingdings" panose="05000000000000000000" pitchFamily="2" charset="2"/>
+              <a:buChar char="ü"/>
+            </a:pPr>
+            <a:r>
+              <a:rPr lang="fa-IR" dirty="0" smtClean="0">
+                <a:latin typeface="Courier New" panose="02070309020205020404" pitchFamily="49" charset="0"/>
+                <a:cs typeface="B Mitra" panose="00000400000000000000" pitchFamily="2" charset="-78"/>
+              </a:rPr>
+              <a:t>در </a:t>
+            </a:r>
+            <a:r>
+              <a:rPr lang="en-US" dirty="0" smtClean="0">
+                <a:latin typeface="Courier New" panose="02070309020205020404" pitchFamily="49" charset="0"/>
+                <a:cs typeface="B Mitra" panose="00000400000000000000" pitchFamily="2" charset="-78"/>
+              </a:rPr>
+              <a:t>set</a:t>
+            </a:r>
+            <a:r>
+              <a:rPr lang="fa-IR" dirty="0" smtClean="0">
+                <a:latin typeface="Courier New" panose="02070309020205020404" pitchFamily="49" charset="0"/>
+                <a:cs typeface="B Mitra" panose="00000400000000000000" pitchFamily="2" charset="-78"/>
+              </a:rPr>
+              <a:t> و </a:t>
+            </a:r>
+            <a:r>
+              <a:rPr lang="en-US" dirty="0" err="1" smtClean="0">
+                <a:latin typeface="Courier New" panose="02070309020205020404" pitchFamily="49" charset="0"/>
+                <a:cs typeface="B Mitra" panose="00000400000000000000" pitchFamily="2" charset="-78"/>
+              </a:rPr>
+              <a:t>dict</a:t>
+            </a:r>
+            <a:r>
+              <a:rPr lang="fa-IR" dirty="0" smtClean="0">
+                <a:latin typeface="Courier New" panose="02070309020205020404" pitchFamily="49" charset="0"/>
+                <a:cs typeface="B Mitra" panose="00000400000000000000" pitchFamily="2" charset="-78"/>
+              </a:rPr>
+              <a:t>، آیتم تکراری وجود نخواهد داشت.</a:t>
+            </a:r>
+            <a:endParaRPr lang="en-US" dirty="0" smtClean="0">
+              <a:latin typeface="Courier New" panose="02070309020205020404" pitchFamily="49" charset="0"/>
+              <a:cs typeface="B Mitra" panose="00000400000000000000" pitchFamily="2" charset="-78"/>
+            </a:endParaRPr>
+          </a:p>
+        </p:txBody>
+      </p:sp>
+      <p:sp>
+        <p:nvSpPr>
+          <p:cNvPr id="15" name="Right Brace 14"/>
+          <p:cNvSpPr/>
+          <p:nvPr/>
+        </p:nvSpPr>
+        <p:spPr>
+          <a:xfrm>
+            <a:off x="2953440" y="2945571"/>
+            <a:ext cx="166480" cy="626261"/>
+          </a:xfrm>
+          <a:prstGeom prst="rightBrace">
+            <a:avLst/>
+          </a:prstGeom>
+        </p:spPr>
+        <p:style>
+          <a:lnRef idx="1">
+            <a:schemeClr val="accent1"/>
+          </a:lnRef>
+          <a:fillRef idx="0">
+            <a:schemeClr val="accent1"/>
+          </a:fillRef>
+          <a:effectRef idx="0">
+            <a:schemeClr val="accent1"/>
+          </a:effectRef>
+          <a:fontRef idx="minor">
+            <a:schemeClr val="tx1"/>
+          </a:fontRef>
+        </p:style>
+        <p:txBody>
+          <a:bodyPr rtlCol="0" anchor="ctr"/>
+          <a:lstStyle/>
+          <a:p>
+            <a:pPr algn="ctr"/>
+            <a:endParaRPr lang="en-US"/>
+          </a:p>
+        </p:txBody>
+      </p:sp>
+      <p:sp>
+        <p:nvSpPr>
+          <p:cNvPr id="16" name="Right Brace 15"/>
+          <p:cNvSpPr/>
+          <p:nvPr/>
+        </p:nvSpPr>
+        <p:spPr>
+          <a:xfrm>
+            <a:off x="2953440" y="3635249"/>
+            <a:ext cx="166480" cy="626261"/>
+          </a:xfrm>
+          <a:prstGeom prst="rightBrace">
+            <a:avLst/>
+          </a:prstGeom>
+        </p:spPr>
+        <p:style>
+          <a:lnRef idx="1">
+            <a:schemeClr val="accent1"/>
+          </a:lnRef>
+          <a:fillRef idx="0">
+            <a:schemeClr val="accent1"/>
+          </a:fillRef>
+          <a:effectRef idx="0">
+            <a:schemeClr val="accent1"/>
+          </a:effectRef>
+          <a:fontRef idx="minor">
+            <a:schemeClr val="tx1"/>
+          </a:fontRef>
+        </p:style>
+        <p:txBody>
+          <a:bodyPr rtlCol="0" anchor="ctr"/>
+          <a:lstStyle/>
+          <a:p>
+            <a:pPr algn="ctr"/>
+            <a:endParaRPr lang="en-US"/>
+          </a:p>
+        </p:txBody>
+      </p:sp>
+      <p:sp>
+        <p:nvSpPr>
+          <p:cNvPr id="17" name="TextBox 16"/>
+          <p:cNvSpPr txBox="1"/>
+          <p:nvPr/>
+        </p:nvSpPr>
+        <p:spPr>
+          <a:xfrm>
+            <a:off x="3036680" y="3798254"/>
+            <a:ext cx="1776620" cy="369332"/>
+          </a:xfrm>
+          <a:prstGeom prst="rect">
+            <a:avLst/>
+          </a:prstGeom>
+          <a:noFill/>
+        </p:spPr>
+        <p:txBody>
+          <a:bodyPr wrap="square" rtlCol="0">
+            <a:spAutoFit/>
+          </a:bodyPr>
+          <a:lstStyle/>
+          <a:p>
+            <a:r>
+              <a:rPr lang="en-US" dirty="0">
+                <a:latin typeface="Courier New" panose="02070309020205020404" pitchFamily="49" charset="0"/>
+                <a:cs typeface="Courier New" panose="02070309020205020404" pitchFamily="49" charset="0"/>
+                <a:sym typeface="Wingdings" panose="05000000000000000000" pitchFamily="2" charset="2"/>
+              </a:rPr>
+              <a:t>	</a:t>
+            </a:r>
+            <a:r>
+              <a:rPr lang="en-US" dirty="0" smtClean="0">
+                <a:solidFill>
+                  <a:schemeClr val="accent6"/>
+                </a:solidFill>
+                <a:latin typeface="Courier New" panose="02070309020205020404" pitchFamily="49" charset="0"/>
+                <a:cs typeface="Courier New" panose="02070309020205020404" pitchFamily="49" charset="0"/>
+                <a:sym typeface="Wingdings" panose="05000000000000000000" pitchFamily="2" charset="2"/>
+              </a:rPr>
+              <a:t>tuple</a:t>
+            </a:r>
+            <a:endParaRPr lang="en-US" dirty="0">
+              <a:latin typeface="Courier New" panose="02070309020205020404" pitchFamily="49" charset="0"/>
+              <a:cs typeface="Courier New" panose="02070309020205020404" pitchFamily="49" charset="0"/>
+              <a:sym typeface="Wingdings" panose="05000000000000000000" pitchFamily="2" charset="2"/>
+            </a:endParaRPr>
+          </a:p>
+        </p:txBody>
+      </p:sp>
+      <p:sp>
+        <p:nvSpPr>
+          <p:cNvPr id="18" name="TextBox 17"/>
+          <p:cNvSpPr txBox="1"/>
+          <p:nvPr/>
+        </p:nvSpPr>
+        <p:spPr>
+          <a:xfrm>
+            <a:off x="3036680" y="3109319"/>
+            <a:ext cx="1776620" cy="369332"/>
+          </a:xfrm>
+          <a:prstGeom prst="rect">
+            <a:avLst/>
+          </a:prstGeom>
+          <a:noFill/>
+        </p:spPr>
+        <p:txBody>
+          <a:bodyPr wrap="square" rtlCol="0">
+            <a:spAutoFit/>
+          </a:bodyPr>
+          <a:lstStyle/>
+          <a:p>
+            <a:r>
+              <a:rPr lang="en-US" dirty="0" smtClean="0">
+                <a:latin typeface="Courier New" panose="02070309020205020404" pitchFamily="49" charset="0"/>
+                <a:cs typeface="Courier New" panose="02070309020205020404" pitchFamily="49" charset="0"/>
+                <a:sym typeface="Wingdings" panose="05000000000000000000" pitchFamily="2" charset="2"/>
+              </a:rPr>
+              <a:t>  </a:t>
+            </a:r>
+            <a:r>
+              <a:rPr lang="en-US" dirty="0" smtClean="0">
+                <a:solidFill>
+                  <a:schemeClr val="accent6"/>
+                </a:solidFill>
+                <a:latin typeface="Courier New" panose="02070309020205020404" pitchFamily="49" charset="0"/>
+                <a:cs typeface="Courier New" panose="02070309020205020404" pitchFamily="49" charset="0"/>
+                <a:sym typeface="Wingdings" panose="05000000000000000000" pitchFamily="2" charset="2"/>
+              </a:rPr>
+              <a:t>list</a:t>
+            </a:r>
+            <a:endParaRPr lang="en-US" dirty="0">
+              <a:latin typeface="Courier New" panose="02070309020205020404" pitchFamily="49" charset="0"/>
+              <a:cs typeface="Courier New" panose="02070309020205020404" pitchFamily="49" charset="0"/>
+              <a:sym typeface="Wingdings" panose="05000000000000000000" pitchFamily="2" charset="2"/>
+            </a:endParaRPr>
+          </a:p>
+        </p:txBody>
+      </p:sp>
+    </p:spTree>
+    <p:extLst>
+      <p:ext uri="{BB962C8B-B14F-4D97-AF65-F5344CB8AC3E}">
+        <p14:creationId xmlns:p14="http://schemas.microsoft.com/office/powerpoint/2010/main" val="203682561"/>
+      </p:ext>
+    </p:extLst>
+  </p:cSld>
+  <p:clrMapOvr>
+    <a:masterClrMapping/>
+  </p:clrMapOvr>
+  <mc:AlternateContent xmlns:mc="http://schemas.openxmlformats.org/markup-compatibility/2006" xmlns:p15="http://schemas.microsoft.com/office/powerpoint/2012/main">
+    <mc:Choice Requires="p15">
+      <p:transition xmlns:p14="http://schemas.microsoft.com/office/powerpoint/2010/main" spd="slow" p14:dur="1250">
+        <p15:prstTrans prst="pageCurlDouble" invX="1"/>
+      </p:transition>
+    </mc:Choice>
+    <mc:Fallback xmlns="">
+      <p:transition spd="slow">
+        <p:fade/>
+      </p:transition>
+    </mc:Fallback>
+  </mc:AlternateContent>
+  <p:timing>
+    <p:tnLst>
+      <p:par>
+        <p:cTn id="1" dur="indefinite" restart="never" nodeType="tmRoot"/>
+      </p:par>
+    </p:tnLst>
+  </p:timing>
+</p:sld>
+</file>
+
+<file path=ppt/slides/slide18.xml><?xml version="1.0" encoding="utf-8"?>
+<p:sld xmlns:a="http://schemas.openxmlformats.org/drawingml/2006/main" xmlns:r="http://schemas.openxmlformats.org/officeDocument/2006/relationships" xmlns:p="http://schemas.openxmlformats.org/presentationml/2006/main">
+  <p:cSld>
+    <p:spTree>
+      <p:nvGrpSpPr>
+        <p:cNvPr id="1" name=""/>
+        <p:cNvGrpSpPr/>
+        <p:nvPr/>
+      </p:nvGrpSpPr>
+      <p:grpSpPr>
+        <a:xfrm>
+          <a:off x="0" y="0"/>
+          <a:ext cx="0" cy="0"/>
+          <a:chOff x="0" y="0"/>
+          <a:chExt cx="0" cy="0"/>
+        </a:xfrm>
+      </p:grpSpPr>
+      <p:sp>
+        <p:nvSpPr>
+          <p:cNvPr id="2" name="Title 1"/>
+          <p:cNvSpPr>
+            <a:spLocks noGrp="1"/>
+          </p:cNvSpPr>
+          <p:nvPr>
+            <p:ph type="title"/>
+          </p:nvPr>
+        </p:nvSpPr>
+        <p:spPr/>
+        <p:txBody>
+          <a:bodyPr/>
+          <a:lstStyle/>
+          <a:p>
+            <a:r>
+              <a:rPr lang="fa-IR" dirty="0" smtClean="0"/>
               <a:t>اپراتورهای ریاضی</a:t>
             </a:r>
             <a:endParaRPr lang="en-US" dirty="0"/>
@@ -12145,7 +12270,7 @@
             <a:fld id="{D57F1E4F-1CFF-5643-939E-217C01CDF565}" type="slidenum">
               <a:rPr lang="en-US" smtClean="0"/>
               <a:pPr/>
-              <a:t>17</a:t>
+              <a:t>18</a:t>
             </a:fld>
             <a:endParaRPr lang="en-US" dirty="0"/>
           </a:p>
@@ -13186,7 +13311,7 @@
 </p:sld>
 </file>
 
-<file path=ppt/slides/slide18.xml><?xml version="1.0" encoding="utf-8"?>
+<file path=ppt/slides/slide19.xml><?xml version="1.0" encoding="utf-8"?>
 <p:sld xmlns:a="http://schemas.openxmlformats.org/drawingml/2006/main" xmlns:r="http://schemas.openxmlformats.org/officeDocument/2006/relationships" xmlns:p="http://schemas.openxmlformats.org/presentationml/2006/main">
   <p:cSld>
     <p:spTree>
@@ -13361,7 +13486,7 @@
             <a:fld id="{D57F1E4F-1CFF-5643-939E-217C01CDF565}" type="slidenum">
               <a:rPr lang="en-US" smtClean="0"/>
               <a:pPr/>
-              <a:t>18</a:t>
+              <a:t>19</a:t>
             </a:fld>
             <a:endParaRPr lang="en-US" dirty="0"/>
           </a:p>
@@ -13487,7 +13612,7 @@
 </p:sld>
 </file>
 
-<file path=ppt/slides/slide19.xml><?xml version="1.0" encoding="utf-8"?>
+<file path=ppt/slides/slide2.xml><?xml version="1.0" encoding="utf-8"?>
 <p:sld xmlns:a="http://schemas.openxmlformats.org/drawingml/2006/main" xmlns:r="http://schemas.openxmlformats.org/officeDocument/2006/relationships" xmlns:p="http://schemas.openxmlformats.org/presentationml/2006/main">
   <p:cSld>
     <p:spTree>
@@ -13520,18 +13645,49 @@
           <a:lstStyle/>
           <a:p>
             <a:r>
-              <a:rPr lang="fa-IR" dirty="0"/>
-              <a:t>حلقه </a:t>
-            </a:r>
-            <a:r>
-              <a:rPr lang="fa-IR" cap="none" dirty="0"/>
-              <a:t>ها در </a:t>
-            </a:r>
-            <a:r>
-              <a:rPr lang="fa-IR" cap="none" dirty="0" smtClean="0"/>
-              <a:t>پایتون</a:t>
+              <a:rPr lang="fa-IR" dirty="0" smtClean="0"/>
+              <a:t>فهرست مطالب</a:t>
             </a:r>
             <a:endParaRPr lang="en-US" dirty="0"/>
+          </a:p>
+        </p:txBody>
+      </p:sp>
+      <p:sp>
+        <p:nvSpPr>
+          <p:cNvPr id="3" name="Content Placeholder 2"/>
+          <p:cNvSpPr>
+            <a:spLocks noGrp="1"/>
+          </p:cNvSpPr>
+          <p:nvPr>
+            <p:ph idx="1"/>
+          </p:nvPr>
+        </p:nvSpPr>
+        <p:spPr/>
+        <p:txBody>
+          <a:bodyPr>
+            <a:normAutofit/>
+          </a:bodyPr>
+          <a:lstStyle/>
+          <a:p>
+            <a:pPr marL="342900" indent="-342900">
+              <a:buFont typeface="+mj-lt"/>
+              <a:buAutoNum type="arabicPeriod"/>
+            </a:pPr>
+            <a:r>
+              <a:rPr lang="fa-IR" sz="2400" dirty="0" smtClean="0"/>
+              <a:t>مقدمه و معرفی</a:t>
+            </a:r>
+          </a:p>
+          <a:p>
+            <a:pPr marL="342900" indent="-342900">
+              <a:buFont typeface="+mj-lt"/>
+              <a:buAutoNum type="arabicPeriod"/>
+            </a:pPr>
+            <a:r>
+              <a:rPr lang="fa-IR" sz="2400" dirty="0" smtClean="0"/>
+              <a:t>کدنویسی پایتون در عمل</a:t>
+            </a:r>
+            <a:endParaRPr lang="en-US" sz="2400" dirty="0"/>
           </a:p>
         </p:txBody>
       </p:sp>
@@ -13581,7 +13737,139 @@
             <a:fld id="{D57F1E4F-1CFF-5643-939E-217C01CDF565}" type="slidenum">
               <a:rPr lang="en-US" smtClean="0"/>
               <a:pPr/>
-              <a:t>19</a:t>
+              <a:t>2</a:t>
+            </a:fld>
+            <a:endParaRPr lang="en-US" dirty="0"/>
+          </a:p>
+        </p:txBody>
+      </p:sp>
+    </p:spTree>
+    <p:extLst>
+      <p:ext uri="{BB962C8B-B14F-4D97-AF65-F5344CB8AC3E}">
+        <p14:creationId xmlns:p14="http://schemas.microsoft.com/office/powerpoint/2010/main" val="2892241527"/>
+      </p:ext>
+    </p:extLst>
+  </p:cSld>
+  <p:clrMapOvr>
+    <a:masterClrMapping/>
+  </p:clrMapOvr>
+  <mc:AlternateContent xmlns:mc="http://schemas.openxmlformats.org/markup-compatibility/2006" xmlns:p15="http://schemas.microsoft.com/office/powerpoint/2012/main">
+    <mc:Choice Requires="p15">
+      <p:transition xmlns:p14="http://schemas.microsoft.com/office/powerpoint/2010/main" spd="slow" p14:dur="1250">
+        <p15:prstTrans prst="pageCurlDouble" invX="1"/>
+      </p:transition>
+    </mc:Choice>
+    <mc:Fallback xmlns="">
+      <p:transition spd="slow">
+        <p:fade/>
+      </p:transition>
+    </mc:Fallback>
+  </mc:AlternateContent>
+  <p:timing>
+    <p:tnLst>
+      <p:par>
+        <p:cTn id="1" dur="indefinite" restart="never" nodeType="tmRoot"/>
+      </p:par>
+    </p:tnLst>
+  </p:timing>
+</p:sld>
+</file>
+
+<file path=ppt/slides/slide20.xml><?xml version="1.0" encoding="utf-8"?>
+<p:sld xmlns:a="http://schemas.openxmlformats.org/drawingml/2006/main" xmlns:r="http://schemas.openxmlformats.org/officeDocument/2006/relationships" xmlns:p="http://schemas.openxmlformats.org/presentationml/2006/main">
+  <p:cSld>
+    <p:spTree>
+      <p:nvGrpSpPr>
+        <p:cNvPr id="1" name=""/>
+        <p:cNvGrpSpPr/>
+        <p:nvPr/>
+      </p:nvGrpSpPr>
+      <p:grpSpPr>
+        <a:xfrm>
+          <a:off x="0" y="0"/>
+          <a:ext cx="0" cy="0"/>
+          <a:chOff x="0" y="0"/>
+          <a:chExt cx="0" cy="0"/>
+        </a:xfrm>
+      </p:grpSpPr>
+      <p:sp>
+        <p:nvSpPr>
+          <p:cNvPr id="2" name="Title 1"/>
+          <p:cNvSpPr>
+            <a:spLocks noGrp="1"/>
+          </p:cNvSpPr>
+          <p:nvPr>
+            <p:ph type="title"/>
+          </p:nvPr>
+        </p:nvSpPr>
+        <p:spPr/>
+        <p:txBody>
+          <a:bodyPr/>
+          <a:lstStyle/>
+          <a:p>
+            <a:r>
+              <a:rPr lang="fa-IR" dirty="0"/>
+              <a:t>حلقه </a:t>
+            </a:r>
+            <a:r>
+              <a:rPr lang="fa-IR" cap="none" dirty="0"/>
+              <a:t>ها در </a:t>
+            </a:r>
+            <a:r>
+              <a:rPr lang="fa-IR" cap="none" dirty="0" smtClean="0"/>
+              <a:t>پایتون</a:t>
+            </a:r>
+            <a:endParaRPr lang="en-US" dirty="0"/>
+          </a:p>
+        </p:txBody>
+      </p:sp>
+      <p:sp>
+        <p:nvSpPr>
+          <p:cNvPr id="4" name="Footer Placeholder 3"/>
+          <p:cNvSpPr>
+            <a:spLocks noGrp="1"/>
+          </p:cNvSpPr>
+          <p:nvPr>
+            <p:ph type="ftr" sz="quarter" idx="11"/>
+          </p:nvPr>
+        </p:nvSpPr>
+        <p:spPr/>
+        <p:txBody>
+          <a:bodyPr/>
+          <a:lstStyle/>
+          <a:p>
+            <a:pPr algn="l"/>
+            <a:r>
+              <a:rPr lang="fa-IR" smtClean="0"/>
+              <a:t>سعید محققی </a:t>
+            </a:r>
+            <a:r>
+              <a:rPr lang="en-US" smtClean="0"/>
+              <a:t>Daneshjoy.ir</a:t>
+            </a:r>
+            <a:endParaRPr lang="en-US" dirty="0"/>
+          </a:p>
+        </p:txBody>
+      </p:sp>
+      <p:sp>
+        <p:nvSpPr>
+          <p:cNvPr id="5" name="Slide Number Placeholder 4"/>
+          <p:cNvSpPr>
+            <a:spLocks noGrp="1"/>
+          </p:cNvSpPr>
+          <p:nvPr>
+            <p:ph type="sldNum" sz="quarter" idx="12"/>
+          </p:nvPr>
+        </p:nvSpPr>
+        <p:spPr/>
+        <p:txBody>
+          <a:bodyPr/>
+          <a:lstStyle/>
+          <a:p>
+            <a:fld id="{D57F1E4F-1CFF-5643-939E-217C01CDF565}" type="slidenum">
+              <a:rPr lang="en-US" smtClean="0"/>
+              <a:pPr/>
+              <a:t>20</a:t>
             </a:fld>
             <a:endParaRPr lang="en-US" dirty="0"/>
           </a:p>
@@ -16048,7 +16336,7 @@
 </p:sld>
 </file>
 
-<file path=ppt/slides/slide2.xml><?xml version="1.0" encoding="utf-8"?>
+<file path=ppt/slides/slide21.xml><?xml version="1.0" encoding="utf-8"?>
 <p:sld xmlns:a="http://schemas.openxmlformats.org/drawingml/2006/main" xmlns:r="http://schemas.openxmlformats.org/officeDocument/2006/relationships" xmlns:p="http://schemas.openxmlformats.org/presentationml/2006/main">
   <p:cSld>
     <p:spTree>
@@ -16082,48 +16370,13 @@
           <a:p>
             <a:r>
               <a:rPr lang="fa-IR" dirty="0" smtClean="0"/>
-              <a:t>فهرست مطالب</a:t>
+              <a:t>حلقه </a:t>
+            </a:r>
+            <a:r>
+              <a:rPr lang="fa-IR" cap="none" dirty="0" smtClean="0"/>
+              <a:t>ها در پایتون</a:t>
             </a:r>
             <a:endParaRPr lang="en-US" dirty="0"/>
-          </a:p>
-        </p:txBody>
-      </p:sp>
-      <p:sp>
-        <p:nvSpPr>
-          <p:cNvPr id="3" name="Content Placeholder 2"/>
-          <p:cNvSpPr>
-            <a:spLocks noGrp="1"/>
-          </p:cNvSpPr>
-          <p:nvPr>
-            <p:ph idx="1"/>
-          </p:nvPr>
-        </p:nvSpPr>
-        <p:spPr/>
-        <p:txBody>
-          <a:bodyPr>
-            <a:normAutofit/>
-          </a:bodyPr>
-          <a:lstStyle/>
-          <a:p>
-            <a:pPr marL="342900" indent="-342900">
-              <a:buFont typeface="+mj-lt"/>
-              <a:buAutoNum type="arabicPeriod"/>
-            </a:pPr>
-            <a:r>
-              <a:rPr lang="fa-IR" sz="2400" dirty="0" smtClean="0"/>
-              <a:t>مقدمه و معرفی</a:t>
-            </a:r>
-          </a:p>
-          <a:p>
-            <a:pPr marL="342900" indent="-342900">
-              <a:buFont typeface="+mj-lt"/>
-              <a:buAutoNum type="arabicPeriod"/>
-            </a:pPr>
-            <a:r>
-              <a:rPr lang="fa-IR" sz="2400" dirty="0" smtClean="0"/>
-              <a:t>کدنویسی پایتون در عمل</a:t>
-            </a:r>
-            <a:endParaRPr lang="en-US" sz="2400" dirty="0"/>
           </a:p>
         </p:txBody>
       </p:sp>
@@ -16173,135 +16426,7 @@
             <a:fld id="{D57F1E4F-1CFF-5643-939E-217C01CDF565}" type="slidenum">
               <a:rPr lang="en-US" smtClean="0"/>
               <a:pPr/>
-              <a:t>2</a:t>
-            </a:fld>
-            <a:endParaRPr lang="en-US" dirty="0"/>
-          </a:p>
-        </p:txBody>
-      </p:sp>
-    </p:spTree>
-    <p:extLst>
-      <p:ext uri="{BB962C8B-B14F-4D97-AF65-F5344CB8AC3E}">
-        <p14:creationId xmlns:p14="http://schemas.microsoft.com/office/powerpoint/2010/main" val="2892241527"/>
-      </p:ext>
-    </p:extLst>
-  </p:cSld>
-  <p:clrMapOvr>
-    <a:masterClrMapping/>
-  </p:clrMapOvr>
-  <mc:AlternateContent xmlns:mc="http://schemas.openxmlformats.org/markup-compatibility/2006" xmlns:p15="http://schemas.microsoft.com/office/powerpoint/2012/main">
-    <mc:Choice Requires="p15">
-      <p:transition xmlns:p14="http://schemas.microsoft.com/office/powerpoint/2010/main" spd="slow" p14:dur="1250">
-        <p15:prstTrans prst="pageCurlDouble" invX="1"/>
-      </p:transition>
-    </mc:Choice>
-    <mc:Fallback xmlns="">
-      <p:transition spd="slow">
-        <p:fade/>
-      </p:transition>
-    </mc:Fallback>
-  </mc:AlternateContent>
-  <p:timing>
-    <p:tnLst>
-      <p:par>
-        <p:cTn id="1" dur="indefinite" restart="never" nodeType="tmRoot"/>
-      </p:par>
-    </p:tnLst>
-  </p:timing>
-</p:sld>
-</file>
-
-<file path=ppt/slides/slide20.xml><?xml version="1.0" encoding="utf-8"?>
-<p:sld xmlns:a="http://schemas.openxmlformats.org/drawingml/2006/main" xmlns:r="http://schemas.openxmlformats.org/officeDocument/2006/relationships" xmlns:p="http://schemas.openxmlformats.org/presentationml/2006/main">
-  <p:cSld>
-    <p:spTree>
-      <p:nvGrpSpPr>
-        <p:cNvPr id="1" name=""/>
-        <p:cNvGrpSpPr/>
-        <p:nvPr/>
-      </p:nvGrpSpPr>
-      <p:grpSpPr>
-        <a:xfrm>
-          <a:off x="0" y="0"/>
-          <a:ext cx="0" cy="0"/>
-          <a:chOff x="0" y="0"/>
-          <a:chExt cx="0" cy="0"/>
-        </a:xfrm>
-      </p:grpSpPr>
-      <p:sp>
-        <p:nvSpPr>
-          <p:cNvPr id="2" name="Title 1"/>
-          <p:cNvSpPr>
-            <a:spLocks noGrp="1"/>
-          </p:cNvSpPr>
-          <p:nvPr>
-            <p:ph type="title"/>
-          </p:nvPr>
-        </p:nvSpPr>
-        <p:spPr/>
-        <p:txBody>
-          <a:bodyPr/>
-          <a:lstStyle/>
-          <a:p>
-            <a:r>
-              <a:rPr lang="fa-IR" dirty="0" smtClean="0"/>
-              <a:t>حلقه </a:t>
-            </a:r>
-            <a:r>
-              <a:rPr lang="fa-IR" cap="none" dirty="0" smtClean="0"/>
-              <a:t>ها در پایتون</a:t>
-            </a:r>
-            <a:endParaRPr lang="en-US" dirty="0"/>
-          </a:p>
-        </p:txBody>
-      </p:sp>
-      <p:sp>
-        <p:nvSpPr>
-          <p:cNvPr id="4" name="Footer Placeholder 3"/>
-          <p:cNvSpPr>
-            <a:spLocks noGrp="1"/>
-          </p:cNvSpPr>
-          <p:nvPr>
-            <p:ph type="ftr" sz="quarter" idx="11"/>
-          </p:nvPr>
-        </p:nvSpPr>
-        <p:spPr/>
-        <p:txBody>
-          <a:bodyPr/>
-          <a:lstStyle/>
-          <a:p>
-            <a:pPr algn="l"/>
-            <a:r>
-              <a:rPr lang="fa-IR" smtClean="0"/>
-              <a:t>سعید محققی </a:t>
-            </a:r>
-            <a:r>
-              <a:rPr lang="en-US" smtClean="0"/>
-              <a:t>Daneshjoy.ir</a:t>
-            </a:r>
-            <a:endParaRPr lang="en-US" dirty="0"/>
-          </a:p>
-        </p:txBody>
-      </p:sp>
-      <p:sp>
-        <p:nvSpPr>
-          <p:cNvPr id="5" name="Slide Number Placeholder 4"/>
-          <p:cNvSpPr>
-            <a:spLocks noGrp="1"/>
-          </p:cNvSpPr>
-          <p:nvPr>
-            <p:ph type="sldNum" sz="quarter" idx="12"/>
-          </p:nvPr>
-        </p:nvSpPr>
-        <p:spPr/>
-        <p:txBody>
-          <a:bodyPr/>
-          <a:lstStyle/>
-          <a:p>
-            <a:fld id="{D57F1E4F-1CFF-5643-939E-217C01CDF565}" type="slidenum">
-              <a:rPr lang="en-US" smtClean="0"/>
-              <a:pPr/>
-              <a:t>20</a:t>
+              <a:t>21</a:t>
             </a:fld>
             <a:endParaRPr lang="en-US" dirty="0"/>
           </a:p>
@@ -18820,7 +18945,7 @@
 </p:sld>
 </file>
 
-<file path=ppt/slides/slide21.xml><?xml version="1.0" encoding="utf-8"?>
+<file path=ppt/slides/slide22.xml><?xml version="1.0" encoding="utf-8"?>
 <p:sld xmlns:a="http://schemas.openxmlformats.org/drawingml/2006/main" xmlns:r="http://schemas.openxmlformats.org/officeDocument/2006/relationships" xmlns:p="http://schemas.openxmlformats.org/presentationml/2006/main">
   <p:cSld>
     <p:spTree>
@@ -18887,12 +19012,90 @@
                 <a:cs typeface="Microsoft Sans Serif" panose="020B0604020202020204" pitchFamily="34" charset="0"/>
                 <a:hlinkClick r:id="rId2"/>
               </a:rPr>
-              <a:t>https://projecteuler.net/problem=1</a:t>
-            </a:r>
+              <a:t>https://</a:t>
+            </a:r>
+            <a:r>
+              <a:rPr lang="en-US" dirty="0" smtClean="0">
+                <a:latin typeface="Microsoft Sans Serif" panose="020B0604020202020204" pitchFamily="34" charset="0"/>
+                <a:ea typeface="Microsoft Sans Serif" panose="020B0604020202020204" pitchFamily="34" charset="0"/>
+                <a:cs typeface="Microsoft Sans Serif" panose="020B0604020202020204" pitchFamily="34" charset="0"/>
+                <a:hlinkClick r:id="rId2"/>
+              </a:rPr>
+              <a:t>projecteuler.net/problem=1</a:t>
+            </a:r>
+            <a:endParaRPr lang="en-US" dirty="0" smtClean="0">
+              <a:latin typeface="Microsoft Sans Serif" panose="020B0604020202020204" pitchFamily="34" charset="0"/>
+              <a:ea typeface="Microsoft Sans Serif" panose="020B0604020202020204" pitchFamily="34" charset="0"/>
+              <a:cs typeface="Microsoft Sans Serif" panose="020B0604020202020204" pitchFamily="34" charset="0"/>
+            </a:endParaRPr>
+          </a:p>
+          <a:p>
+            <a:pPr algn="l" rtl="0"/>
             <a:endParaRPr lang="en-US" dirty="0">
               <a:latin typeface="Microsoft Sans Serif" panose="020B0604020202020204" pitchFamily="34" charset="0"/>
               <a:ea typeface="Microsoft Sans Serif" panose="020B0604020202020204" pitchFamily="34" charset="0"/>
               <a:cs typeface="Microsoft Sans Serif" panose="020B0604020202020204" pitchFamily="34" charset="0"/>
+            </a:endParaRPr>
+          </a:p>
+          <a:p>
+            <a:pPr algn="l" rtl="0"/>
+            <a:endParaRPr lang="en-US" dirty="0" smtClean="0">
+              <a:latin typeface="Microsoft Sans Serif" panose="020B0604020202020204" pitchFamily="34" charset="0"/>
+              <a:ea typeface="Microsoft Sans Serif" panose="020B0604020202020204" pitchFamily="34" charset="0"/>
+              <a:cs typeface="Microsoft Sans Serif" panose="020B0604020202020204" pitchFamily="34" charset="0"/>
+            </a:endParaRPr>
+          </a:p>
+          <a:p>
+            <a:pPr algn="l" rtl="0"/>
+            <a:endParaRPr lang="en-US" dirty="0">
+              <a:latin typeface="Microsoft Sans Serif" panose="020B0604020202020204" pitchFamily="34" charset="0"/>
+              <a:ea typeface="Microsoft Sans Serif" panose="020B0604020202020204" pitchFamily="34" charset="0"/>
+              <a:cs typeface="Microsoft Sans Serif" panose="020B0604020202020204" pitchFamily="34" charset="0"/>
+            </a:endParaRPr>
+          </a:p>
+          <a:p>
+            <a:pPr algn="l" rtl="0"/>
+            <a:endParaRPr lang="en-US" dirty="0" smtClean="0">
+              <a:latin typeface="Microsoft Sans Serif" panose="020B0604020202020204" pitchFamily="34" charset="0"/>
+              <a:ea typeface="Microsoft Sans Serif" panose="020B0604020202020204" pitchFamily="34" charset="0"/>
+              <a:cs typeface="Microsoft Sans Serif" panose="020B0604020202020204" pitchFamily="34" charset="0"/>
+            </a:endParaRPr>
+          </a:p>
+          <a:p>
+            <a:pPr algn="l" rtl="0"/>
+            <a:endParaRPr lang="en-US" dirty="0">
+              <a:latin typeface="Microsoft Sans Serif" panose="020B0604020202020204" pitchFamily="34" charset="0"/>
+              <a:ea typeface="Microsoft Sans Serif" panose="020B0604020202020204" pitchFamily="34" charset="0"/>
+              <a:cs typeface="Microsoft Sans Serif" panose="020B0604020202020204" pitchFamily="34" charset="0"/>
+            </a:endParaRPr>
+          </a:p>
+          <a:p>
+            <a:pPr algn="l" rtl="0"/>
+            <a:endParaRPr lang="en-US" dirty="0" smtClean="0">
+              <a:latin typeface="Microsoft Sans Serif" panose="020B0604020202020204" pitchFamily="34" charset="0"/>
+              <a:ea typeface="Microsoft Sans Serif" panose="020B0604020202020204" pitchFamily="34" charset="0"/>
+              <a:cs typeface="Microsoft Sans Serif" panose="020B0604020202020204" pitchFamily="34" charset="0"/>
+            </a:endParaRPr>
+          </a:p>
+          <a:p>
+            <a:pPr algn="r"/>
+            <a:r>
+              <a:rPr lang="fa-IR" sz="2000" dirty="0" smtClean="0">
+                <a:latin typeface="Microsoft Sans Serif" panose="020B0604020202020204" pitchFamily="34" charset="0"/>
+                <a:ea typeface="Microsoft Sans Serif" panose="020B0604020202020204" pitchFamily="34" charset="0"/>
+              </a:rPr>
+              <a:t>راه حل در فایل </a:t>
+            </a:r>
+            <a:r>
+              <a:rPr lang="en-US" sz="2000" dirty="0" smtClean="0">
+                <a:latin typeface="Microsoft Sans Serif" panose="020B0604020202020204" pitchFamily="34" charset="0"/>
+                <a:ea typeface="Microsoft Sans Serif" panose="020B0604020202020204" pitchFamily="34" charset="0"/>
+              </a:rPr>
+              <a:t>001.py</a:t>
+            </a:r>
+            <a:endParaRPr lang="en-US" sz="2000" dirty="0">
+              <a:latin typeface="Microsoft Sans Serif" panose="020B0604020202020204" pitchFamily="34" charset="0"/>
+              <a:ea typeface="Microsoft Sans Serif" panose="020B0604020202020204" pitchFamily="34" charset="0"/>
             </a:endParaRPr>
           </a:p>
         </p:txBody>
@@ -18943,7 +19146,7 @@
             <a:fld id="{D57F1E4F-1CFF-5643-939E-217C01CDF565}" type="slidenum">
               <a:rPr lang="en-US" smtClean="0"/>
               <a:pPr/>
-              <a:t>21</a:t>
+              <a:t>22</a:t>
             </a:fld>
             <a:endParaRPr lang="en-US" dirty="0"/>
           </a:p>
@@ -19017,7 +19220,7 @@
 </p:sld>
 </file>
 
-<file path=ppt/slides/slide22.xml><?xml version="1.0" encoding="utf-8"?>
+<file path=ppt/slides/slide23.xml><?xml version="1.0" encoding="utf-8"?>
 <p:sld xmlns:a="http://schemas.openxmlformats.org/drawingml/2006/main" xmlns:r="http://schemas.openxmlformats.org/officeDocument/2006/relationships" xmlns:p="http://schemas.openxmlformats.org/presentationml/2006/main">
   <p:cSld>
     <p:spTree>
@@ -19088,8 +19291,94 @@
                 <a:cs typeface="Microsoft Sans Serif" panose="020B0604020202020204" pitchFamily="34" charset="0"/>
                 <a:hlinkClick r:id="rId2"/>
               </a:rPr>
-              <a:t>https://projecteuler.net/problem=2</a:t>
-            </a:r>
+              <a:t>https://</a:t>
+            </a:r>
+            <a:r>
+              <a:rPr lang="en-US" dirty="0" smtClean="0">
+                <a:latin typeface="Microsoft Sans Serif" panose="020B0604020202020204" pitchFamily="34" charset="0"/>
+                <a:ea typeface="Microsoft Sans Serif" panose="020B0604020202020204" pitchFamily="34" charset="0"/>
+                <a:cs typeface="Microsoft Sans Serif" panose="020B0604020202020204" pitchFamily="34" charset="0"/>
+                <a:hlinkClick r:id="rId2"/>
+              </a:rPr>
+              <a:t>projecteuler.net/problem=2</a:t>
+            </a:r>
+            <a:endParaRPr lang="en-US" dirty="0" smtClean="0">
+              <a:latin typeface="Microsoft Sans Serif" panose="020B0604020202020204" pitchFamily="34" charset="0"/>
+              <a:ea typeface="Microsoft Sans Serif" panose="020B0604020202020204" pitchFamily="34" charset="0"/>
+              <a:cs typeface="Microsoft Sans Serif" panose="020B0604020202020204" pitchFamily="34" charset="0"/>
+            </a:endParaRPr>
+          </a:p>
+          <a:p>
+            <a:pPr algn="l" rtl="0"/>
+            <a:endParaRPr lang="en-US" dirty="0">
+              <a:latin typeface="Microsoft Sans Serif" panose="020B0604020202020204" pitchFamily="34" charset="0"/>
+              <a:ea typeface="Microsoft Sans Serif" panose="020B0604020202020204" pitchFamily="34" charset="0"/>
+              <a:cs typeface="Microsoft Sans Serif" panose="020B0604020202020204" pitchFamily="34" charset="0"/>
+            </a:endParaRPr>
+          </a:p>
+          <a:p>
+            <a:pPr algn="l" rtl="0"/>
+            <a:endParaRPr lang="en-US" dirty="0" smtClean="0">
+              <a:latin typeface="Microsoft Sans Serif" panose="020B0604020202020204" pitchFamily="34" charset="0"/>
+              <a:ea typeface="Microsoft Sans Serif" panose="020B0604020202020204" pitchFamily="34" charset="0"/>
+              <a:cs typeface="Microsoft Sans Serif" panose="020B0604020202020204" pitchFamily="34" charset="0"/>
+            </a:endParaRPr>
+          </a:p>
+          <a:p>
+            <a:pPr algn="l" rtl="0"/>
+            <a:endParaRPr lang="en-US" dirty="0">
+              <a:latin typeface="Microsoft Sans Serif" panose="020B0604020202020204" pitchFamily="34" charset="0"/>
+              <a:ea typeface="Microsoft Sans Serif" panose="020B0604020202020204" pitchFamily="34" charset="0"/>
+              <a:cs typeface="Microsoft Sans Serif" panose="020B0604020202020204" pitchFamily="34" charset="0"/>
+            </a:endParaRPr>
+          </a:p>
+          <a:p>
+            <a:pPr algn="l" rtl="0"/>
+            <a:endParaRPr lang="en-US" dirty="0" smtClean="0">
+              <a:latin typeface="Microsoft Sans Serif" panose="020B0604020202020204" pitchFamily="34" charset="0"/>
+              <a:ea typeface="Microsoft Sans Serif" panose="020B0604020202020204" pitchFamily="34" charset="0"/>
+              <a:cs typeface="Microsoft Sans Serif" panose="020B0604020202020204" pitchFamily="34" charset="0"/>
+            </a:endParaRPr>
+          </a:p>
+          <a:p>
+            <a:pPr algn="l" rtl="0"/>
+            <a:endParaRPr lang="en-US" dirty="0">
+              <a:latin typeface="Microsoft Sans Serif" panose="020B0604020202020204" pitchFamily="34" charset="0"/>
+              <a:ea typeface="Microsoft Sans Serif" panose="020B0604020202020204" pitchFamily="34" charset="0"/>
+              <a:cs typeface="Microsoft Sans Serif" panose="020B0604020202020204" pitchFamily="34" charset="0"/>
+            </a:endParaRPr>
+          </a:p>
+          <a:p>
+            <a:pPr algn="l" rtl="0"/>
+            <a:endParaRPr lang="en-US" dirty="0" smtClean="0">
+              <a:latin typeface="Microsoft Sans Serif" panose="020B0604020202020204" pitchFamily="34" charset="0"/>
+              <a:ea typeface="Microsoft Sans Serif" panose="020B0604020202020204" pitchFamily="34" charset="0"/>
+              <a:cs typeface="Microsoft Sans Serif" panose="020B0604020202020204" pitchFamily="34" charset="0"/>
+            </a:endParaRPr>
+          </a:p>
+          <a:p>
+            <a:pPr algn="r"/>
+            <a:r>
+              <a:rPr lang="fa-IR" sz="2000" dirty="0">
+                <a:latin typeface="Microsoft Sans Serif" panose="020B0604020202020204" pitchFamily="34" charset="0"/>
+                <a:ea typeface="Microsoft Sans Serif" panose="020B0604020202020204" pitchFamily="34" charset="0"/>
+              </a:rPr>
+              <a:t>راه حل در فایل </a:t>
+            </a:r>
+            <a:r>
+              <a:rPr lang="en-US" sz="2000" dirty="0" smtClean="0">
+                <a:latin typeface="Microsoft Sans Serif" panose="020B0604020202020204" pitchFamily="34" charset="0"/>
+                <a:ea typeface="Microsoft Sans Serif" panose="020B0604020202020204" pitchFamily="34" charset="0"/>
+              </a:rPr>
+              <a:t>002.py</a:t>
+            </a:r>
+            <a:endParaRPr lang="en-US" sz="2000" dirty="0">
+              <a:latin typeface="Microsoft Sans Serif" panose="020B0604020202020204" pitchFamily="34" charset="0"/>
+              <a:ea typeface="Microsoft Sans Serif" panose="020B0604020202020204" pitchFamily="34" charset="0"/>
+            </a:endParaRPr>
+          </a:p>
+          <a:p>
+            <a:pPr algn="l" rtl="0"/>
             <a:endParaRPr lang="en-US" dirty="0">
               <a:latin typeface="Microsoft Sans Serif" panose="020B0604020202020204" pitchFamily="34" charset="0"/>
               <a:ea typeface="Microsoft Sans Serif" panose="020B0604020202020204" pitchFamily="34" charset="0"/>
@@ -19144,7 +19433,7 @@
             <a:fld id="{D57F1E4F-1CFF-5643-939E-217C01CDF565}" type="slidenum">
               <a:rPr lang="en-US" smtClean="0"/>
               <a:pPr/>
-              <a:t>22</a:t>
+              <a:t>23</a:t>
             </a:fld>
             <a:endParaRPr lang="en-US" dirty="0"/>
           </a:p>
@@ -19178,7 +19467,7 @@
         </p:blipFill>
         <p:spPr>
           <a:xfrm>
-            <a:off x="581192" y="2329222"/>
+            <a:off x="581192" y="2089382"/>
             <a:ext cx="11099705" cy="2947316"/>
           </a:xfrm>
           <a:prstGeom prst="rect">
@@ -19218,7 +19507,7 @@
 </p:sld>
 </file>
 
-<file path=ppt/slides/slide23.xml><?xml version="1.0" encoding="utf-8"?>
+<file path=ppt/slides/slide24.xml><?xml version="1.0" encoding="utf-8"?>
 <p:sld xmlns:a="http://schemas.openxmlformats.org/drawingml/2006/main" xmlns:r="http://schemas.openxmlformats.org/officeDocument/2006/relationships" xmlns:p="http://schemas.openxmlformats.org/presentationml/2006/main">
   <p:cSld>
     <p:spTree>
@@ -19334,7 +19623,7 @@
             <a:fld id="{D57F1E4F-1CFF-5643-939E-217C01CDF565}" type="slidenum">
               <a:rPr lang="en-US" smtClean="0"/>
               <a:pPr/>
-              <a:t>23</a:t>
+              <a:t>24</a:t>
             </a:fld>
             <a:endParaRPr lang="en-US" dirty="0"/>
           </a:p>
@@ -20307,207 +20596,6 @@
 </p:sld>
 </file>
 
-<file path=ppt/slides/slide24.xml><?xml version="1.0" encoding="utf-8"?>
-<p:sld xmlns:a="http://schemas.openxmlformats.org/drawingml/2006/main" xmlns:r="http://schemas.openxmlformats.org/officeDocument/2006/relationships" xmlns:p="http://schemas.openxmlformats.org/presentationml/2006/main">
-  <p:cSld>
-    <p:spTree>
-      <p:nvGrpSpPr>
-        <p:cNvPr id="1" name=""/>
-        <p:cNvGrpSpPr/>
-        <p:nvPr/>
-      </p:nvGrpSpPr>
-      <p:grpSpPr>
-        <a:xfrm>
-          <a:off x="0" y="0"/>
-          <a:ext cx="0" cy="0"/>
-          <a:chOff x="0" y="0"/>
-          <a:chExt cx="0" cy="0"/>
-        </a:xfrm>
-      </p:grpSpPr>
-      <p:sp>
-        <p:nvSpPr>
-          <p:cNvPr id="2" name="Title 1"/>
-          <p:cNvSpPr>
-            <a:spLocks noGrp="1"/>
-          </p:cNvSpPr>
-          <p:nvPr>
-            <p:ph type="title"/>
-          </p:nvPr>
-        </p:nvSpPr>
-        <p:spPr/>
-        <p:txBody>
-          <a:bodyPr/>
-          <a:lstStyle/>
-          <a:p>
-            <a:r>
-              <a:rPr lang="fa-IR" dirty="0"/>
-              <a:t>مساله </a:t>
-            </a:r>
-            <a:r>
-              <a:rPr lang="fa-IR" dirty="0" smtClean="0"/>
-              <a:t>شانزدهم </a:t>
-            </a:r>
-            <a:r>
-              <a:rPr lang="en-US" cap="none" dirty="0" smtClean="0"/>
-              <a:t>Projecteuler.net</a:t>
-            </a:r>
-            <a:endParaRPr lang="en-US" cap="none" dirty="0"/>
-          </a:p>
-        </p:txBody>
-      </p:sp>
-      <p:sp>
-        <p:nvSpPr>
-          <p:cNvPr id="3" name="Content Placeholder 2"/>
-          <p:cNvSpPr>
-            <a:spLocks noGrp="1"/>
-          </p:cNvSpPr>
-          <p:nvPr>
-            <p:ph idx="1"/>
-          </p:nvPr>
-        </p:nvSpPr>
-        <p:spPr/>
-        <p:txBody>
-          <a:bodyPr anchor="t"/>
-          <a:lstStyle/>
-          <a:p>
-            <a:pPr algn="l" rtl="0"/>
-            <a:r>
-              <a:rPr lang="en-US" dirty="0" smtClean="0">
-                <a:latin typeface="Microsoft Sans Serif" panose="020B0604020202020204" pitchFamily="34" charset="0"/>
-                <a:ea typeface="Microsoft Sans Serif" panose="020B0604020202020204" pitchFamily="34" charset="0"/>
-                <a:cs typeface="Microsoft Sans Serif" panose="020B0604020202020204" pitchFamily="34" charset="0"/>
-                <a:hlinkClick r:id="rId2"/>
-              </a:rPr>
-              <a:t>https://projecteuler.net/problem=16</a:t>
-            </a:r>
-            <a:endParaRPr lang="en-US" dirty="0">
-              <a:latin typeface="Microsoft Sans Serif" panose="020B0604020202020204" pitchFamily="34" charset="0"/>
-              <a:ea typeface="Microsoft Sans Serif" panose="020B0604020202020204" pitchFamily="34" charset="0"/>
-              <a:cs typeface="Microsoft Sans Serif" panose="020B0604020202020204" pitchFamily="34" charset="0"/>
-            </a:endParaRPr>
-          </a:p>
-        </p:txBody>
-      </p:sp>
-      <p:sp>
-        <p:nvSpPr>
-          <p:cNvPr id="4" name="Footer Placeholder 3"/>
-          <p:cNvSpPr>
-            <a:spLocks noGrp="1"/>
-          </p:cNvSpPr>
-          <p:nvPr>
-            <p:ph type="ftr" sz="quarter" idx="11"/>
-          </p:nvPr>
-        </p:nvSpPr>
-        <p:spPr/>
-        <p:txBody>
-          <a:bodyPr/>
-          <a:lstStyle/>
-          <a:p>
-            <a:pPr algn="l"/>
-            <a:r>
-              <a:rPr lang="fa-IR" smtClean="0"/>
-              <a:t>سعید محققی </a:t>
-            </a:r>
-            <a:r>
-              <a:rPr lang="en-US" smtClean="0"/>
-              <a:t>Daneshjoy.ir</a:t>
-            </a:r>
-            <a:endParaRPr lang="en-US" dirty="0"/>
-          </a:p>
-        </p:txBody>
-      </p:sp>
-      <p:sp>
-        <p:nvSpPr>
-          <p:cNvPr id="5" name="Slide Number Placeholder 4"/>
-          <p:cNvSpPr>
-            <a:spLocks noGrp="1"/>
-          </p:cNvSpPr>
-          <p:nvPr>
-            <p:ph type="sldNum" sz="quarter" idx="12"/>
-          </p:nvPr>
-        </p:nvSpPr>
-        <p:spPr/>
-        <p:txBody>
-          <a:bodyPr/>
-          <a:lstStyle/>
-          <a:p>
-            <a:fld id="{D57F1E4F-1CFF-5643-939E-217C01CDF565}" type="slidenum">
-              <a:rPr lang="en-US" smtClean="0"/>
-              <a:pPr/>
-              <a:t>24</a:t>
-            </a:fld>
-            <a:endParaRPr lang="en-US" dirty="0"/>
-          </a:p>
-        </p:txBody>
-      </p:sp>
-      <p:pic>
-        <p:nvPicPr>
-          <p:cNvPr id="6" name="Picture 5"/>
-          <p:cNvPicPr>
-            <a:picLocks noChangeAspect="1"/>
-          </p:cNvPicPr>
-          <p:nvPr/>
-        </p:nvPicPr>
-        <p:blipFill>
-          <a:blip r:embed="rId3">
-            <a:extLst>
-              <a:ext uri="{BEBA8EAE-BF5A-486C-A8C5-ECC9F3942E4B}">
-                <a14:imgProps xmlns:a14="http://schemas.microsoft.com/office/drawing/2010/main">
-                  <a14:imgLayer r:embed="rId4">
-                    <a14:imgEffect>
-                      <a14:sharpenSoften amount="25000"/>
-                    </a14:imgEffect>
-                  </a14:imgLayer>
-                </a14:imgProps>
-              </a:ext>
-            </a:extLst>
-          </a:blip>
-          <a:stretch>
-            <a:fillRect/>
-          </a:stretch>
-        </p:blipFill>
-        <p:spPr>
-          <a:xfrm>
-            <a:off x="581192" y="2670537"/>
-            <a:ext cx="11263330" cy="2201266"/>
-          </a:xfrm>
-          <a:prstGeom prst="rect">
-            <a:avLst/>
-          </a:prstGeom>
-        </p:spPr>
-      </p:pic>
-    </p:spTree>
-    <p:extLst>
-      <p:ext uri="{BB962C8B-B14F-4D97-AF65-F5344CB8AC3E}">
-        <p14:creationId xmlns:p14="http://schemas.microsoft.com/office/powerpoint/2010/main" val="3322323058"/>
-      </p:ext>
-    </p:extLst>
-  </p:cSld>
-  <p:clrMapOvr>
-    <a:masterClrMapping/>
-  </p:clrMapOvr>
-  <mc:AlternateContent xmlns:mc="http://schemas.openxmlformats.org/markup-compatibility/2006" xmlns:p15="http://schemas.microsoft.com/office/powerpoint/2012/main">
-    <mc:Choice Requires="p15">
-      <p:transition xmlns:p14="http://schemas.microsoft.com/office/powerpoint/2010/main" spd="slow" p14:dur="1250">
-        <p15:prstTrans prst="pageCurlDouble" invX="1"/>
-      </p:transition>
-    </mc:Choice>
-    <mc:Fallback xmlns="">
-      <p:transition spd="slow">
-        <p:fade/>
-      </p:transition>
-    </mc:Fallback>
-  </mc:AlternateContent>
-  <p:timing>
-    <p:tnLst>
-      <p:par>
-        <p:cTn id="1" dur="indefinite" restart="never" nodeType="tmRoot"/>
-      </p:par>
-    </p:tnLst>
-  </p:timing>
-</p:sld>
-</file>
-
 <file path=ppt/slides/slide25.xml><?xml version="1.0" encoding="utf-8"?>
 <p:sld xmlns:a="http://schemas.openxmlformats.org/drawingml/2006/main" xmlns:r="http://schemas.openxmlformats.org/officeDocument/2006/relationships" xmlns:p="http://schemas.openxmlformats.org/presentationml/2006/main">
   <p:cSld>
@@ -20541,22 +20629,18 @@
           <a:lstStyle/>
           <a:p>
             <a:r>
+              <a:rPr lang="fa-IR" dirty="0"/>
+              <a:t>مساله </a:t>
+            </a:r>
+            <a:r>
               <a:rPr lang="fa-IR" dirty="0" smtClean="0"/>
-              <a:t>ماژول های </a:t>
+              <a:t>شانزدهم </a:t>
             </a:r>
             <a:r>
               <a:rPr lang="en-US" cap="none" dirty="0" smtClean="0"/>
-              <a:t>time</a:t>
-            </a:r>
-            <a:r>
-              <a:rPr lang="fa-IR" dirty="0" smtClean="0"/>
-              <a:t> و </a:t>
-            </a:r>
-            <a:r>
-              <a:rPr lang="en-US" cap="none" dirty="0" smtClean="0"/>
-              <a:t>date</a:t>
-            </a:r>
-            <a:endParaRPr lang="en-US" dirty="0"/>
+              <a:t>Projecteuler.net</a:t>
+            </a:r>
+            <a:endParaRPr lang="en-US" cap="none" dirty="0"/>
           </a:p>
         </p:txBody>
       </p:sp>
@@ -20572,10 +20656,110 @@
         </p:nvSpPr>
         <p:spPr/>
         <p:txBody>
-          <a:bodyPr/>
+          <a:bodyPr anchor="t"/>
           <a:lstStyle/>
           <a:p>
-            <a:endParaRPr lang="en-US" dirty="0"/>
+            <a:pPr algn="l" rtl="0"/>
+            <a:r>
+              <a:rPr lang="en-US" dirty="0" smtClean="0">
+                <a:latin typeface="Microsoft Sans Serif" panose="020B0604020202020204" pitchFamily="34" charset="0"/>
+                <a:ea typeface="Microsoft Sans Serif" panose="020B0604020202020204" pitchFamily="34" charset="0"/>
+                <a:cs typeface="Microsoft Sans Serif" panose="020B0604020202020204" pitchFamily="34" charset="0"/>
+                <a:hlinkClick r:id="rId2"/>
+              </a:rPr>
+              <a:t>https://</a:t>
+            </a:r>
+            <a:r>
+              <a:rPr lang="en-US" dirty="0" smtClean="0">
+                <a:latin typeface="Microsoft Sans Serif" panose="020B0604020202020204" pitchFamily="34" charset="0"/>
+                <a:ea typeface="Microsoft Sans Serif" panose="020B0604020202020204" pitchFamily="34" charset="0"/>
+                <a:cs typeface="Microsoft Sans Serif" panose="020B0604020202020204" pitchFamily="34" charset="0"/>
+                <a:hlinkClick r:id="rId2"/>
+              </a:rPr>
+              <a:t>projecteuler.net/problem=16</a:t>
+            </a:r>
+            <a:endParaRPr lang="en-US" dirty="0" smtClean="0">
+              <a:latin typeface="Microsoft Sans Serif" panose="020B0604020202020204" pitchFamily="34" charset="0"/>
+              <a:ea typeface="Microsoft Sans Serif" panose="020B0604020202020204" pitchFamily="34" charset="0"/>
+              <a:cs typeface="Microsoft Sans Serif" panose="020B0604020202020204" pitchFamily="34" charset="0"/>
+            </a:endParaRPr>
+          </a:p>
+          <a:p>
+            <a:pPr algn="l" rtl="0"/>
+            <a:endParaRPr lang="en-US" dirty="0">
+              <a:latin typeface="Microsoft Sans Serif" panose="020B0604020202020204" pitchFamily="34" charset="0"/>
+              <a:ea typeface="Microsoft Sans Serif" panose="020B0604020202020204" pitchFamily="34" charset="0"/>
+              <a:cs typeface="Microsoft Sans Serif" panose="020B0604020202020204" pitchFamily="34" charset="0"/>
+            </a:endParaRPr>
+          </a:p>
+          <a:p>
+            <a:pPr algn="l" rtl="0"/>
+            <a:endParaRPr lang="en-US" dirty="0" smtClean="0">
+              <a:latin typeface="Microsoft Sans Serif" panose="020B0604020202020204" pitchFamily="34" charset="0"/>
+              <a:ea typeface="Microsoft Sans Serif" panose="020B0604020202020204" pitchFamily="34" charset="0"/>
+              <a:cs typeface="Microsoft Sans Serif" panose="020B0604020202020204" pitchFamily="34" charset="0"/>
+            </a:endParaRPr>
+          </a:p>
+          <a:p>
+            <a:pPr algn="l" rtl="0"/>
+            <a:endParaRPr lang="en-US" dirty="0">
+              <a:latin typeface="Microsoft Sans Serif" panose="020B0604020202020204" pitchFamily="34" charset="0"/>
+              <a:ea typeface="Microsoft Sans Serif" panose="020B0604020202020204" pitchFamily="34" charset="0"/>
+              <a:cs typeface="Microsoft Sans Serif" panose="020B0604020202020204" pitchFamily="34" charset="0"/>
+            </a:endParaRPr>
+          </a:p>
+          <a:p>
+            <a:pPr algn="l" rtl="0"/>
+            <a:endParaRPr lang="en-US" dirty="0" smtClean="0">
+              <a:latin typeface="Microsoft Sans Serif" panose="020B0604020202020204" pitchFamily="34" charset="0"/>
+              <a:ea typeface="Microsoft Sans Serif" panose="020B0604020202020204" pitchFamily="34" charset="0"/>
+              <a:cs typeface="Microsoft Sans Serif" panose="020B0604020202020204" pitchFamily="34" charset="0"/>
+            </a:endParaRPr>
+          </a:p>
+          <a:p>
+            <a:pPr algn="l" rtl="0"/>
+            <a:endParaRPr lang="en-US" dirty="0">
+              <a:latin typeface="Microsoft Sans Serif" panose="020B0604020202020204" pitchFamily="34" charset="0"/>
+              <a:ea typeface="Microsoft Sans Serif" panose="020B0604020202020204" pitchFamily="34" charset="0"/>
+              <a:cs typeface="Microsoft Sans Serif" panose="020B0604020202020204" pitchFamily="34" charset="0"/>
+            </a:endParaRPr>
+          </a:p>
+          <a:p>
+            <a:pPr algn="l" rtl="0"/>
+            <a:endParaRPr lang="en-US" dirty="0" smtClean="0">
+              <a:latin typeface="Microsoft Sans Serif" panose="020B0604020202020204" pitchFamily="34" charset="0"/>
+              <a:ea typeface="Microsoft Sans Serif" panose="020B0604020202020204" pitchFamily="34" charset="0"/>
+              <a:cs typeface="Microsoft Sans Serif" panose="020B0604020202020204" pitchFamily="34" charset="0"/>
+            </a:endParaRPr>
+          </a:p>
+          <a:p>
+            <a:pPr algn="r"/>
+            <a:r>
+              <a:rPr lang="fa-IR" sz="2000" dirty="0">
+                <a:latin typeface="Microsoft Sans Serif" panose="020B0604020202020204" pitchFamily="34" charset="0"/>
+                <a:ea typeface="Microsoft Sans Serif" panose="020B0604020202020204" pitchFamily="34" charset="0"/>
+              </a:rPr>
+              <a:t>راه حل در فایل </a:t>
+            </a:r>
+            <a:r>
+              <a:rPr lang="en-US" sz="2000" dirty="0" smtClean="0">
+                <a:latin typeface="Microsoft Sans Serif" panose="020B0604020202020204" pitchFamily="34" charset="0"/>
+                <a:ea typeface="Microsoft Sans Serif" panose="020B0604020202020204" pitchFamily="34" charset="0"/>
+              </a:rPr>
+              <a:t>016.py</a:t>
+            </a:r>
+            <a:endParaRPr lang="en-US" sz="2000" dirty="0">
+              <a:latin typeface="Microsoft Sans Serif" panose="020B0604020202020204" pitchFamily="34" charset="0"/>
+              <a:ea typeface="Microsoft Sans Serif" panose="020B0604020202020204" pitchFamily="34" charset="0"/>
+            </a:endParaRPr>
+          </a:p>
+          <a:p>
+            <a:pPr algn="l" rtl="0"/>
+            <a:endParaRPr lang="en-US" dirty="0">
+              <a:latin typeface="Microsoft Sans Serif" panose="020B0604020202020204" pitchFamily="34" charset="0"/>
+              <a:ea typeface="Microsoft Sans Serif" panose="020B0604020202020204" pitchFamily="34" charset="0"/>
+              <a:cs typeface="Microsoft Sans Serif" panose="020B0604020202020204" pitchFamily="34" charset="0"/>
+            </a:endParaRPr>
           </a:p>
         </p:txBody>
       </p:sp>
@@ -20631,10 +20815,46 @@
           </a:p>
         </p:txBody>
       </p:sp>
+      <p:pic>
+        <p:nvPicPr>
+          <p:cNvPr id="6" name="Picture 5"/>
+          <p:cNvPicPr>
+            <a:picLocks noChangeAspect="1"/>
+          </p:cNvPicPr>
+          <p:nvPr/>
+        </p:nvPicPr>
+        <p:blipFill>
+          <a:blip r:embed="rId3">
+            <a:extLst>
+              <a:ext uri="{BEBA8EAE-BF5A-486C-A8C5-ECC9F3942E4B}">
+                <a14:imgProps xmlns:a14="http://schemas.microsoft.com/office/drawing/2010/main">
+                  <a14:imgLayer r:embed="rId4">
+                    <a14:imgEffect>
+                      <a14:sharpenSoften amount="25000"/>
+                    </a14:imgEffect>
+                  </a14:imgLayer>
+                </a14:imgProps>
+              </a:ext>
+            </a:extLst>
+          </a:blip>
+          <a:stretch>
+            <a:fillRect/>
+          </a:stretch>
+        </p:blipFill>
+        <p:spPr>
+          <a:xfrm>
+            <a:off x="581192" y="2445687"/>
+            <a:ext cx="11263330" cy="2201266"/>
+          </a:xfrm>
+          <a:prstGeom prst="rect">
+            <a:avLst/>
+          </a:prstGeom>
+        </p:spPr>
+      </p:pic>
     </p:spTree>
     <p:extLst>
       <p:ext uri="{BB962C8B-B14F-4D97-AF65-F5344CB8AC3E}">
-        <p14:creationId xmlns:p14="http://schemas.microsoft.com/office/powerpoint/2010/main" val="2017182680"/>
+        <p14:creationId xmlns:p14="http://schemas.microsoft.com/office/powerpoint/2010/main" val="3322323058"/>
       </p:ext>
     </p:extLst>
   </p:cSld>
@@ -20734,8 +20954,94 @@
                 <a:cs typeface="Microsoft Sans Serif" panose="020B0604020202020204" pitchFamily="34" charset="0"/>
                 <a:hlinkClick r:id="rId2"/>
               </a:rPr>
-              <a:t>https://projecteuler.net/problem=19</a:t>
-            </a:r>
+              <a:t>https://</a:t>
+            </a:r>
+            <a:r>
+              <a:rPr lang="en-US" dirty="0" smtClean="0">
+                <a:latin typeface="Microsoft Sans Serif" panose="020B0604020202020204" pitchFamily="34" charset="0"/>
+                <a:ea typeface="Microsoft Sans Serif" panose="020B0604020202020204" pitchFamily="34" charset="0"/>
+                <a:cs typeface="Microsoft Sans Serif" panose="020B0604020202020204" pitchFamily="34" charset="0"/>
+                <a:hlinkClick r:id="rId2"/>
+              </a:rPr>
+              <a:t>projecteuler.net/problem=19</a:t>
+            </a:r>
+            <a:endParaRPr lang="en-US" dirty="0" smtClean="0">
+              <a:latin typeface="Microsoft Sans Serif" panose="020B0604020202020204" pitchFamily="34" charset="0"/>
+              <a:ea typeface="Microsoft Sans Serif" panose="020B0604020202020204" pitchFamily="34" charset="0"/>
+              <a:cs typeface="Microsoft Sans Serif" panose="020B0604020202020204" pitchFamily="34" charset="0"/>
+            </a:endParaRPr>
+          </a:p>
+          <a:p>
+            <a:pPr algn="l" rtl="0"/>
+            <a:endParaRPr lang="en-US" dirty="0">
+              <a:latin typeface="Microsoft Sans Serif" panose="020B0604020202020204" pitchFamily="34" charset="0"/>
+              <a:ea typeface="Microsoft Sans Serif" panose="020B0604020202020204" pitchFamily="34" charset="0"/>
+              <a:cs typeface="Microsoft Sans Serif" panose="020B0604020202020204" pitchFamily="34" charset="0"/>
+            </a:endParaRPr>
+          </a:p>
+          <a:p>
+            <a:pPr algn="l" rtl="0"/>
+            <a:endParaRPr lang="en-US" dirty="0" smtClean="0">
+              <a:latin typeface="Microsoft Sans Serif" panose="020B0604020202020204" pitchFamily="34" charset="0"/>
+              <a:ea typeface="Microsoft Sans Serif" panose="020B0604020202020204" pitchFamily="34" charset="0"/>
+              <a:cs typeface="Microsoft Sans Serif" panose="020B0604020202020204" pitchFamily="34" charset="0"/>
+            </a:endParaRPr>
+          </a:p>
+          <a:p>
+            <a:pPr algn="l" rtl="0"/>
+            <a:endParaRPr lang="en-US" dirty="0">
+              <a:latin typeface="Microsoft Sans Serif" panose="020B0604020202020204" pitchFamily="34" charset="0"/>
+              <a:ea typeface="Microsoft Sans Serif" panose="020B0604020202020204" pitchFamily="34" charset="0"/>
+              <a:cs typeface="Microsoft Sans Serif" panose="020B0604020202020204" pitchFamily="34" charset="0"/>
+            </a:endParaRPr>
+          </a:p>
+          <a:p>
+            <a:pPr algn="l" rtl="0"/>
+            <a:endParaRPr lang="en-US" dirty="0" smtClean="0">
+              <a:latin typeface="Microsoft Sans Serif" panose="020B0604020202020204" pitchFamily="34" charset="0"/>
+              <a:ea typeface="Microsoft Sans Serif" panose="020B0604020202020204" pitchFamily="34" charset="0"/>
+              <a:cs typeface="Microsoft Sans Serif" panose="020B0604020202020204" pitchFamily="34" charset="0"/>
+            </a:endParaRPr>
+          </a:p>
+          <a:p>
+            <a:pPr algn="l" rtl="0"/>
+            <a:endParaRPr lang="en-US" dirty="0">
+              <a:latin typeface="Microsoft Sans Serif" panose="020B0604020202020204" pitchFamily="34" charset="0"/>
+              <a:ea typeface="Microsoft Sans Serif" panose="020B0604020202020204" pitchFamily="34" charset="0"/>
+              <a:cs typeface="Microsoft Sans Serif" panose="020B0604020202020204" pitchFamily="34" charset="0"/>
+            </a:endParaRPr>
+          </a:p>
+          <a:p>
+            <a:pPr algn="l" rtl="0"/>
+            <a:endParaRPr lang="en-US" dirty="0" smtClean="0">
+              <a:latin typeface="Microsoft Sans Serif" panose="020B0604020202020204" pitchFamily="34" charset="0"/>
+              <a:ea typeface="Microsoft Sans Serif" panose="020B0604020202020204" pitchFamily="34" charset="0"/>
+              <a:cs typeface="Microsoft Sans Serif" panose="020B0604020202020204" pitchFamily="34" charset="0"/>
+            </a:endParaRPr>
+          </a:p>
+          <a:p>
+            <a:pPr algn="r"/>
+            <a:r>
+              <a:rPr lang="fa-IR" sz="2000" dirty="0">
+                <a:latin typeface="Microsoft Sans Serif" panose="020B0604020202020204" pitchFamily="34" charset="0"/>
+                <a:ea typeface="Microsoft Sans Serif" panose="020B0604020202020204" pitchFamily="34" charset="0"/>
+              </a:rPr>
+              <a:t>راه حل در فایل </a:t>
+            </a:r>
+            <a:r>
+              <a:rPr lang="en-US" sz="2000" dirty="0" smtClean="0">
+                <a:latin typeface="Microsoft Sans Serif" panose="020B0604020202020204" pitchFamily="34" charset="0"/>
+                <a:ea typeface="Microsoft Sans Serif" panose="020B0604020202020204" pitchFamily="34" charset="0"/>
+              </a:rPr>
+              <a:t>019.py</a:t>
+            </a:r>
+            <a:endParaRPr lang="en-US" sz="2000" dirty="0">
+              <a:latin typeface="Microsoft Sans Serif" panose="020B0604020202020204" pitchFamily="34" charset="0"/>
+              <a:ea typeface="Microsoft Sans Serif" panose="020B0604020202020204" pitchFamily="34" charset="0"/>
+            </a:endParaRPr>
+          </a:p>
+          <a:p>
+            <a:pPr algn="l" rtl="0"/>
             <a:endParaRPr lang="en-US" dirty="0">
               <a:latin typeface="Microsoft Sans Serif" panose="020B0604020202020204" pitchFamily="34" charset="0"/>
               <a:ea typeface="Microsoft Sans Serif" panose="020B0604020202020204" pitchFamily="34" charset="0"/>
@@ -20825,7 +21131,7 @@
         <p:spPr>
           <a:xfrm>
             <a:off x="581192" y="1827547"/>
-            <a:ext cx="11156106" cy="4187662"/>
+            <a:ext cx="9057483" cy="3399903"/>
           </a:xfrm>
           <a:prstGeom prst="rect">
             <a:avLst/>
@@ -20897,10 +21203,18 @@
           <a:lstStyle/>
           <a:p>
             <a:r>
+              <a:rPr lang="fa-IR" dirty="0"/>
+              <a:t>مساله </a:t>
+            </a:r>
+            <a:r>
               <a:rPr lang="fa-IR" dirty="0" smtClean="0"/>
-              <a:t>توابع در پایتون</a:t>
-            </a:r>
-            <a:endParaRPr lang="en-US" dirty="0"/>
+              <a:t>بیستم </a:t>
+            </a:r>
+            <a:r>
+              <a:rPr lang="en-US" cap="none" dirty="0" smtClean="0"/>
+              <a:t>Projecteuler.net</a:t>
+            </a:r>
+            <a:endParaRPr lang="en-US" cap="none" dirty="0"/>
           </a:p>
         </p:txBody>
       </p:sp>
@@ -20916,10 +21230,110 @@
         </p:nvSpPr>
         <p:spPr/>
         <p:txBody>
-          <a:bodyPr/>
+          <a:bodyPr anchor="t"/>
           <a:lstStyle/>
           <a:p>
-            <a:endParaRPr lang="en-US"/>
+            <a:pPr algn="l" rtl="0"/>
+            <a:r>
+              <a:rPr lang="en-US" dirty="0" smtClean="0">
+                <a:latin typeface="Microsoft Sans Serif" panose="020B0604020202020204" pitchFamily="34" charset="0"/>
+                <a:ea typeface="Microsoft Sans Serif" panose="020B0604020202020204" pitchFamily="34" charset="0"/>
+                <a:cs typeface="Microsoft Sans Serif" panose="020B0604020202020204" pitchFamily="34" charset="0"/>
+                <a:hlinkClick r:id="rId2"/>
+              </a:rPr>
+              <a:t>https://</a:t>
+            </a:r>
+            <a:r>
+              <a:rPr lang="en-US" dirty="0" smtClean="0">
+                <a:latin typeface="Microsoft Sans Serif" panose="020B0604020202020204" pitchFamily="34" charset="0"/>
+                <a:ea typeface="Microsoft Sans Serif" panose="020B0604020202020204" pitchFamily="34" charset="0"/>
+                <a:cs typeface="Microsoft Sans Serif" panose="020B0604020202020204" pitchFamily="34" charset="0"/>
+                <a:hlinkClick r:id="rId2"/>
+              </a:rPr>
+              <a:t>projecteuler.net/problem=20</a:t>
+            </a:r>
+            <a:endParaRPr lang="en-US" dirty="0" smtClean="0">
+              <a:latin typeface="Microsoft Sans Serif" panose="020B0604020202020204" pitchFamily="34" charset="0"/>
+              <a:ea typeface="Microsoft Sans Serif" panose="020B0604020202020204" pitchFamily="34" charset="0"/>
+              <a:cs typeface="Microsoft Sans Serif" panose="020B0604020202020204" pitchFamily="34" charset="0"/>
+            </a:endParaRPr>
+          </a:p>
+          <a:p>
+            <a:pPr algn="l" rtl="0"/>
+            <a:endParaRPr lang="en-US" dirty="0">
+              <a:latin typeface="Microsoft Sans Serif" panose="020B0604020202020204" pitchFamily="34" charset="0"/>
+              <a:ea typeface="Microsoft Sans Serif" panose="020B0604020202020204" pitchFamily="34" charset="0"/>
+              <a:cs typeface="Microsoft Sans Serif" panose="020B0604020202020204" pitchFamily="34" charset="0"/>
+            </a:endParaRPr>
+          </a:p>
+          <a:p>
+            <a:pPr algn="l" rtl="0"/>
+            <a:endParaRPr lang="en-US" dirty="0" smtClean="0">
+              <a:latin typeface="Microsoft Sans Serif" panose="020B0604020202020204" pitchFamily="34" charset="0"/>
+              <a:ea typeface="Microsoft Sans Serif" panose="020B0604020202020204" pitchFamily="34" charset="0"/>
+              <a:cs typeface="Microsoft Sans Serif" panose="020B0604020202020204" pitchFamily="34" charset="0"/>
+            </a:endParaRPr>
+          </a:p>
+          <a:p>
+            <a:pPr algn="l" rtl="0"/>
+            <a:endParaRPr lang="en-US" dirty="0">
+              <a:latin typeface="Microsoft Sans Serif" panose="020B0604020202020204" pitchFamily="34" charset="0"/>
+              <a:ea typeface="Microsoft Sans Serif" panose="020B0604020202020204" pitchFamily="34" charset="0"/>
+              <a:cs typeface="Microsoft Sans Serif" panose="020B0604020202020204" pitchFamily="34" charset="0"/>
+            </a:endParaRPr>
+          </a:p>
+          <a:p>
+            <a:pPr algn="l" rtl="0"/>
+            <a:endParaRPr lang="en-US" dirty="0" smtClean="0">
+              <a:latin typeface="Microsoft Sans Serif" panose="020B0604020202020204" pitchFamily="34" charset="0"/>
+              <a:ea typeface="Microsoft Sans Serif" panose="020B0604020202020204" pitchFamily="34" charset="0"/>
+              <a:cs typeface="Microsoft Sans Serif" panose="020B0604020202020204" pitchFamily="34" charset="0"/>
+            </a:endParaRPr>
+          </a:p>
+          <a:p>
+            <a:pPr algn="l" rtl="0"/>
+            <a:endParaRPr lang="en-US" dirty="0">
+              <a:latin typeface="Microsoft Sans Serif" panose="020B0604020202020204" pitchFamily="34" charset="0"/>
+              <a:ea typeface="Microsoft Sans Serif" panose="020B0604020202020204" pitchFamily="34" charset="0"/>
+              <a:cs typeface="Microsoft Sans Serif" panose="020B0604020202020204" pitchFamily="34" charset="0"/>
+            </a:endParaRPr>
+          </a:p>
+          <a:p>
+            <a:pPr algn="l" rtl="0"/>
+            <a:endParaRPr lang="en-US" dirty="0" smtClean="0">
+              <a:latin typeface="Microsoft Sans Serif" panose="020B0604020202020204" pitchFamily="34" charset="0"/>
+              <a:ea typeface="Microsoft Sans Serif" panose="020B0604020202020204" pitchFamily="34" charset="0"/>
+              <a:cs typeface="Microsoft Sans Serif" panose="020B0604020202020204" pitchFamily="34" charset="0"/>
+            </a:endParaRPr>
+          </a:p>
+          <a:p>
+            <a:pPr algn="r"/>
+            <a:r>
+              <a:rPr lang="fa-IR" sz="2000" dirty="0">
+                <a:latin typeface="Microsoft Sans Serif" panose="020B0604020202020204" pitchFamily="34" charset="0"/>
+                <a:ea typeface="Microsoft Sans Serif" panose="020B0604020202020204" pitchFamily="34" charset="0"/>
+              </a:rPr>
+              <a:t>راه حل در فایل </a:t>
+            </a:r>
+            <a:r>
+              <a:rPr lang="en-US" sz="2000" dirty="0" smtClean="0">
+                <a:latin typeface="Microsoft Sans Serif" panose="020B0604020202020204" pitchFamily="34" charset="0"/>
+                <a:ea typeface="Microsoft Sans Serif" panose="020B0604020202020204" pitchFamily="34" charset="0"/>
+              </a:rPr>
+              <a:t>020.py</a:t>
+            </a:r>
+            <a:endParaRPr lang="en-US" sz="2000" dirty="0">
+              <a:latin typeface="Microsoft Sans Serif" panose="020B0604020202020204" pitchFamily="34" charset="0"/>
+              <a:ea typeface="Microsoft Sans Serif" panose="020B0604020202020204" pitchFamily="34" charset="0"/>
+            </a:endParaRPr>
+          </a:p>
+          <a:p>
+            <a:pPr algn="l" rtl="0"/>
+            <a:endParaRPr lang="en-US" dirty="0">
+              <a:latin typeface="Microsoft Sans Serif" panose="020B0604020202020204" pitchFamily="34" charset="0"/>
+              <a:ea typeface="Microsoft Sans Serif" panose="020B0604020202020204" pitchFamily="34" charset="0"/>
+              <a:cs typeface="Microsoft Sans Serif" panose="020B0604020202020204" pitchFamily="34" charset="0"/>
+            </a:endParaRPr>
           </a:p>
         </p:txBody>
       </p:sp>
@@ -20975,10 +21389,46 @@
           </a:p>
         </p:txBody>
       </p:sp>
+      <p:pic>
+        <p:nvPicPr>
+          <p:cNvPr id="7" name="Picture 6"/>
+          <p:cNvPicPr>
+            <a:picLocks noChangeAspect="1"/>
+          </p:cNvPicPr>
+          <p:nvPr/>
+        </p:nvPicPr>
+        <p:blipFill>
+          <a:blip r:embed="rId3">
+            <a:extLst>
+              <a:ext uri="{BEBA8EAE-BF5A-486C-A8C5-ECC9F3942E4B}">
+                <a14:imgProps xmlns:a14="http://schemas.microsoft.com/office/drawing/2010/main">
+                  <a14:imgLayer r:embed="rId4">
+                    <a14:imgEffect>
+                      <a14:sharpenSoften amount="25000"/>
+                    </a14:imgEffect>
+                  </a14:imgLayer>
+                </a14:imgProps>
+              </a:ext>
+            </a:extLst>
+          </a:blip>
+          <a:stretch>
+            <a:fillRect/>
+          </a:stretch>
+        </p:blipFill>
+        <p:spPr>
+          <a:xfrm>
+            <a:off x="581192" y="2243674"/>
+            <a:ext cx="11224798" cy="2823003"/>
+          </a:xfrm>
+          <a:prstGeom prst="rect">
+            <a:avLst/>
+          </a:prstGeom>
+        </p:spPr>
+      </p:pic>
     </p:spTree>
     <p:extLst>
       <p:ext uri="{BB962C8B-B14F-4D97-AF65-F5344CB8AC3E}">
-        <p14:creationId xmlns:p14="http://schemas.microsoft.com/office/powerpoint/2010/main" val="3497403465"/>
+        <p14:creationId xmlns:p14="http://schemas.microsoft.com/office/powerpoint/2010/main" val="3819256963"/>
       </p:ext>
     </p:extLst>
   </p:cSld>
@@ -21045,7 +21495,7 @@
             </a:r>
             <a:r>
               <a:rPr lang="fa-IR" dirty="0" smtClean="0"/>
-              <a:t>بیستم </a:t>
+              <a:t>ششم </a:t>
             </a:r>
             <a:r>
               <a:rPr lang="en-US" cap="none" dirty="0" smtClean="0"/>
@@ -21078,8 +21528,94 @@
                 <a:cs typeface="Microsoft Sans Serif" panose="020B0604020202020204" pitchFamily="34" charset="0"/>
                 <a:hlinkClick r:id="rId2"/>
               </a:rPr>
-              <a:t>https://projecteuler.net/problem=20</a:t>
-            </a:r>
+              <a:t>https://</a:t>
+            </a:r>
+            <a:r>
+              <a:rPr lang="en-US" dirty="0" smtClean="0">
+                <a:latin typeface="Microsoft Sans Serif" panose="020B0604020202020204" pitchFamily="34" charset="0"/>
+                <a:ea typeface="Microsoft Sans Serif" panose="020B0604020202020204" pitchFamily="34" charset="0"/>
+                <a:cs typeface="Microsoft Sans Serif" panose="020B0604020202020204" pitchFamily="34" charset="0"/>
+                <a:hlinkClick r:id="rId2"/>
+              </a:rPr>
+              <a:t>projecteuler.net/problem=6</a:t>
+            </a:r>
+            <a:endParaRPr lang="en-US" dirty="0" smtClean="0">
+              <a:latin typeface="Microsoft Sans Serif" panose="020B0604020202020204" pitchFamily="34" charset="0"/>
+              <a:ea typeface="Microsoft Sans Serif" panose="020B0604020202020204" pitchFamily="34" charset="0"/>
+              <a:cs typeface="Microsoft Sans Serif" panose="020B0604020202020204" pitchFamily="34" charset="0"/>
+            </a:endParaRPr>
+          </a:p>
+          <a:p>
+            <a:pPr algn="l" rtl="0"/>
+            <a:endParaRPr lang="en-US" dirty="0">
+              <a:latin typeface="Microsoft Sans Serif" panose="020B0604020202020204" pitchFamily="34" charset="0"/>
+              <a:ea typeface="Microsoft Sans Serif" panose="020B0604020202020204" pitchFamily="34" charset="0"/>
+              <a:cs typeface="Microsoft Sans Serif" panose="020B0604020202020204" pitchFamily="34" charset="0"/>
+            </a:endParaRPr>
+          </a:p>
+          <a:p>
+            <a:pPr algn="l" rtl="0"/>
+            <a:endParaRPr lang="en-US" dirty="0" smtClean="0">
+              <a:latin typeface="Microsoft Sans Serif" panose="020B0604020202020204" pitchFamily="34" charset="0"/>
+              <a:ea typeface="Microsoft Sans Serif" panose="020B0604020202020204" pitchFamily="34" charset="0"/>
+              <a:cs typeface="Microsoft Sans Serif" panose="020B0604020202020204" pitchFamily="34" charset="0"/>
+            </a:endParaRPr>
+          </a:p>
+          <a:p>
+            <a:pPr algn="l" rtl="0"/>
+            <a:endParaRPr lang="en-US" dirty="0">
+              <a:latin typeface="Microsoft Sans Serif" panose="020B0604020202020204" pitchFamily="34" charset="0"/>
+              <a:ea typeface="Microsoft Sans Serif" panose="020B0604020202020204" pitchFamily="34" charset="0"/>
+              <a:cs typeface="Microsoft Sans Serif" panose="020B0604020202020204" pitchFamily="34" charset="0"/>
+            </a:endParaRPr>
+          </a:p>
+          <a:p>
+            <a:pPr algn="l" rtl="0"/>
+            <a:endParaRPr lang="en-US" dirty="0" smtClean="0">
+              <a:latin typeface="Microsoft Sans Serif" panose="020B0604020202020204" pitchFamily="34" charset="0"/>
+              <a:ea typeface="Microsoft Sans Serif" panose="020B0604020202020204" pitchFamily="34" charset="0"/>
+              <a:cs typeface="Microsoft Sans Serif" panose="020B0604020202020204" pitchFamily="34" charset="0"/>
+            </a:endParaRPr>
+          </a:p>
+          <a:p>
+            <a:pPr algn="l" rtl="0"/>
+            <a:endParaRPr lang="en-US" dirty="0">
+              <a:latin typeface="Microsoft Sans Serif" panose="020B0604020202020204" pitchFamily="34" charset="0"/>
+              <a:ea typeface="Microsoft Sans Serif" panose="020B0604020202020204" pitchFamily="34" charset="0"/>
+              <a:cs typeface="Microsoft Sans Serif" panose="020B0604020202020204" pitchFamily="34" charset="0"/>
+            </a:endParaRPr>
+          </a:p>
+          <a:p>
+            <a:pPr algn="l" rtl="0"/>
+            <a:endParaRPr lang="en-US" dirty="0" smtClean="0">
+              <a:latin typeface="Microsoft Sans Serif" panose="020B0604020202020204" pitchFamily="34" charset="0"/>
+              <a:ea typeface="Microsoft Sans Serif" panose="020B0604020202020204" pitchFamily="34" charset="0"/>
+              <a:cs typeface="Microsoft Sans Serif" panose="020B0604020202020204" pitchFamily="34" charset="0"/>
+            </a:endParaRPr>
+          </a:p>
+          <a:p>
+            <a:pPr algn="r"/>
+            <a:r>
+              <a:rPr lang="fa-IR" sz="2000" dirty="0">
+                <a:latin typeface="Microsoft Sans Serif" panose="020B0604020202020204" pitchFamily="34" charset="0"/>
+                <a:ea typeface="Microsoft Sans Serif" panose="020B0604020202020204" pitchFamily="34" charset="0"/>
+              </a:rPr>
+              <a:t>راه حل در فایل </a:t>
+            </a:r>
+            <a:r>
+              <a:rPr lang="en-US" sz="2000" dirty="0" smtClean="0">
+                <a:latin typeface="Microsoft Sans Serif" panose="020B0604020202020204" pitchFamily="34" charset="0"/>
+                <a:ea typeface="Microsoft Sans Serif" panose="020B0604020202020204" pitchFamily="34" charset="0"/>
+              </a:rPr>
+              <a:t>006.py</a:t>
+            </a:r>
+            <a:endParaRPr lang="en-US" sz="2000" dirty="0">
+              <a:latin typeface="Microsoft Sans Serif" panose="020B0604020202020204" pitchFamily="34" charset="0"/>
+              <a:ea typeface="Microsoft Sans Serif" panose="020B0604020202020204" pitchFamily="34" charset="0"/>
+            </a:endParaRPr>
+          </a:p>
+          <a:p>
+            <a:pPr algn="l" rtl="0"/>
             <a:endParaRPr lang="en-US" dirty="0">
               <a:latin typeface="Microsoft Sans Serif" panose="020B0604020202020204" pitchFamily="34" charset="0"/>
               <a:ea typeface="Microsoft Sans Serif" panose="020B0604020202020204" pitchFamily="34" charset="0"/>
@@ -21168,8 +21704,8 @@
         </p:blipFill>
         <p:spPr>
           <a:xfrm>
-            <a:off x="581192" y="2408564"/>
-            <a:ext cx="11224798" cy="2823003"/>
+            <a:off x="626161" y="1932389"/>
+            <a:ext cx="8892593" cy="3315882"/>
           </a:xfrm>
           <a:prstGeom prst="rect">
             <a:avLst/>
@@ -21179,7 +21715,7 @@
     </p:spTree>
     <p:extLst>
       <p:ext uri="{BB962C8B-B14F-4D97-AF65-F5344CB8AC3E}">
-        <p14:creationId xmlns:p14="http://schemas.microsoft.com/office/powerpoint/2010/main" val="3819256963"/>
+        <p14:creationId xmlns:p14="http://schemas.microsoft.com/office/powerpoint/2010/main" val="239779650"/>
       </p:ext>
     </p:extLst>
   </p:cSld>
@@ -21245,8 +21781,16 @@
               <a:t>کتابخانه </a:t>
             </a:r>
             <a:r>
-              <a:rPr lang="en-US" cap="none" dirty="0" err="1" smtClean="0"/>
-              <a:t>Numpy</a:t>
+              <a:rPr lang="fa-IR" cap="none" dirty="0" smtClean="0"/>
+              <a:t>های مفید</a:t>
+            </a:r>
+            <a:r>
+              <a:rPr lang="en-US" cap="none" dirty="0" smtClean="0"/>
+              <a:t> </a:t>
+            </a:r>
+            <a:r>
+              <a:rPr lang="fa-IR" cap="none" dirty="0" smtClean="0"/>
+              <a:t>پایتون برای کاربردهای علمی</a:t>
             </a:r>
             <a:endParaRPr lang="en-US" dirty="0"/>
           </a:p>
@@ -21264,10 +21808,129 @@
         </p:nvSpPr>
         <p:spPr/>
         <p:txBody>
-          <a:bodyPr/>
+          <a:bodyPr>
+            <a:normAutofit/>
+          </a:bodyPr>
           <a:lstStyle/>
           <a:p>
-            <a:endParaRPr lang="en-US"/>
+            <a:r>
+              <a:rPr lang="en-US" sz="2000" dirty="0" err="1" smtClean="0"/>
+              <a:t>Numpy</a:t>
+            </a:r>
+            <a:r>
+              <a:rPr lang="fa-IR" sz="2000" dirty="0" smtClean="0"/>
+              <a:t>: کتابخانه بسیار پرکاربرد برای محاسبات عددی و ماتریسی </a:t>
+            </a:r>
+            <a:r>
+              <a:rPr lang="fa-IR" sz="2000" dirty="0" smtClean="0">
+                <a:sym typeface="Wingdings" panose="05000000000000000000" pitchFamily="2" charset="2"/>
+              </a:rPr>
+              <a:t> </a:t>
+            </a:r>
+            <a:r>
+              <a:rPr lang="fa-IR" sz="2000" dirty="0" smtClean="0"/>
+              <a:t>فایل </a:t>
+            </a:r>
+            <a:r>
+              <a:rPr lang="en-US" sz="2000" dirty="0" smtClean="0"/>
+              <a:t>numpy.pdf</a:t>
+            </a:r>
+            <a:endParaRPr lang="fa-IR" sz="2000" dirty="0" smtClean="0"/>
+          </a:p>
+          <a:p>
+            <a:r>
+              <a:rPr lang="en-US" sz="2000" dirty="0" err="1" smtClean="0"/>
+              <a:t>Scipy</a:t>
+            </a:r>
+            <a:r>
+              <a:rPr lang="fa-IR" sz="2000" dirty="0" smtClean="0"/>
+              <a:t>: کتابخانه بسیار پرکاربرد شامل الگوریتم های مختلف علمی </a:t>
+            </a:r>
+            <a:r>
+              <a:rPr lang="fa-IR" sz="2000" dirty="0" smtClean="0">
+                <a:sym typeface="Wingdings" panose="05000000000000000000" pitchFamily="2" charset="2"/>
+              </a:rPr>
+              <a:t> فایل </a:t>
+            </a:r>
+            <a:r>
+              <a:rPr lang="en-US" sz="2000" dirty="0" smtClean="0">
+                <a:sym typeface="Wingdings" panose="05000000000000000000" pitchFamily="2" charset="2"/>
+              </a:rPr>
+              <a:t>scipy.pdf</a:t>
+            </a:r>
+          </a:p>
+          <a:p>
+            <a:r>
+              <a:rPr lang="en-US" sz="2000" dirty="0" smtClean="0">
+                <a:sym typeface="Wingdings" panose="05000000000000000000" pitchFamily="2" charset="2"/>
+              </a:rPr>
+              <a:t>Pandas</a:t>
+            </a:r>
+            <a:r>
+              <a:rPr lang="fa-IR" sz="2000" dirty="0" smtClean="0">
+                <a:sym typeface="Wingdings" panose="05000000000000000000" pitchFamily="2" charset="2"/>
+              </a:rPr>
+              <a:t>: کتابخانه پرکاربرد برای محاسبات آماری و کار با داده ها  فایل </a:t>
+            </a:r>
+            <a:r>
+              <a:rPr lang="en-US" sz="2000" dirty="0" smtClean="0">
+                <a:sym typeface="Wingdings" panose="05000000000000000000" pitchFamily="2" charset="2"/>
+              </a:rPr>
+              <a:t>pandas.pdf</a:t>
+            </a:r>
+          </a:p>
+          <a:p>
+            <a:r>
+              <a:rPr lang="en-US" sz="2000" dirty="0" err="1" smtClean="0"/>
+              <a:t>Scikit</a:t>
+            </a:r>
+            <a:r>
+              <a:rPr lang="en-US" sz="2000" dirty="0" smtClean="0"/>
+              <a:t>-Learn</a:t>
+            </a:r>
+            <a:r>
+              <a:rPr lang="fa-IR" sz="2000" dirty="0" smtClean="0"/>
+              <a:t>: کتابخانه پرکاربرد برای یادگیری ماشین و پردازش داده ها </a:t>
+            </a:r>
+            <a:r>
+              <a:rPr lang="fa-IR" sz="2000" dirty="0" smtClean="0">
+                <a:sym typeface="Wingdings" panose="05000000000000000000" pitchFamily="2" charset="2"/>
+              </a:rPr>
+              <a:t> </a:t>
+            </a:r>
+            <a:r>
+              <a:rPr lang="fa-IR" sz="2000" dirty="0" smtClean="0">
+                <a:sym typeface="Wingdings" panose="05000000000000000000" pitchFamily="2" charset="2"/>
+              </a:rPr>
+              <a:t>فایل </a:t>
+            </a:r>
+            <a:r>
+              <a:rPr lang="en-US" sz="2000" dirty="0" smtClean="0">
+                <a:sym typeface="Wingdings" panose="05000000000000000000" pitchFamily="2" charset="2"/>
+              </a:rPr>
+              <a:t>sklearn.pdf</a:t>
+            </a:r>
+          </a:p>
+          <a:p>
+            <a:r>
+              <a:rPr lang="en-US" sz="2000" dirty="0" err="1" smtClean="0">
+                <a:sym typeface="Wingdings" panose="05000000000000000000" pitchFamily="2" charset="2"/>
+              </a:rPr>
+              <a:t>Matplotlib</a:t>
+            </a:r>
+            <a:r>
+              <a:rPr lang="fa-IR" sz="2000" dirty="0" smtClean="0">
+                <a:sym typeface="Wingdings" panose="05000000000000000000" pitchFamily="2" charset="2"/>
+              </a:rPr>
+              <a:t>: کتابخانه بسیار پرکاربرد برای نمایش نمودارها و تصاویر  فایل </a:t>
+            </a:r>
+            <a:r>
+              <a:rPr lang="en-US" sz="2000" dirty="0" smtClean="0">
+                <a:sym typeface="Wingdings" panose="05000000000000000000" pitchFamily="2" charset="2"/>
+              </a:rPr>
+              <a:t>matplotlib.pdf</a:t>
+            </a:r>
+            <a:endParaRPr lang="en-US" sz="2000" dirty="0"/>
           </a:p>
         </p:txBody>
       </p:sp>
@@ -21482,207 +22145,6 @@
     <p:extLst>
       <p:ext uri="{BB962C8B-B14F-4D97-AF65-F5344CB8AC3E}">
         <p14:creationId xmlns:p14="http://schemas.microsoft.com/office/powerpoint/2010/main" val="4056040084"/>
-      </p:ext>
-    </p:extLst>
-  </p:cSld>
-  <p:clrMapOvr>
-    <a:masterClrMapping/>
-  </p:clrMapOvr>
-  <mc:AlternateContent xmlns:mc="http://schemas.openxmlformats.org/markup-compatibility/2006" xmlns:p15="http://schemas.microsoft.com/office/powerpoint/2012/main">
-    <mc:Choice Requires="p15">
-      <p:transition xmlns:p14="http://schemas.microsoft.com/office/powerpoint/2010/main" spd="slow" p14:dur="1250">
-        <p15:prstTrans prst="pageCurlDouble" invX="1"/>
-      </p:transition>
-    </mc:Choice>
-    <mc:Fallback xmlns="">
-      <p:transition spd="slow">
-        <p:fade/>
-      </p:transition>
-    </mc:Fallback>
-  </mc:AlternateContent>
-  <p:timing>
-    <p:tnLst>
-      <p:par>
-        <p:cTn id="1" dur="indefinite" restart="never" nodeType="tmRoot"/>
-      </p:par>
-    </p:tnLst>
-  </p:timing>
-</p:sld>
-</file>
-
-<file path=ppt/slides/slide30.xml><?xml version="1.0" encoding="utf-8"?>
-<p:sld xmlns:a="http://schemas.openxmlformats.org/drawingml/2006/main" xmlns:r="http://schemas.openxmlformats.org/officeDocument/2006/relationships" xmlns:p="http://schemas.openxmlformats.org/presentationml/2006/main">
-  <p:cSld>
-    <p:spTree>
-      <p:nvGrpSpPr>
-        <p:cNvPr id="1" name=""/>
-        <p:cNvGrpSpPr/>
-        <p:nvPr/>
-      </p:nvGrpSpPr>
-      <p:grpSpPr>
-        <a:xfrm>
-          <a:off x="0" y="0"/>
-          <a:ext cx="0" cy="0"/>
-          <a:chOff x="0" y="0"/>
-          <a:chExt cx="0" cy="0"/>
-        </a:xfrm>
-      </p:grpSpPr>
-      <p:sp>
-        <p:nvSpPr>
-          <p:cNvPr id="2" name="Title 1"/>
-          <p:cNvSpPr>
-            <a:spLocks noGrp="1"/>
-          </p:cNvSpPr>
-          <p:nvPr>
-            <p:ph type="title"/>
-          </p:nvPr>
-        </p:nvSpPr>
-        <p:spPr/>
-        <p:txBody>
-          <a:bodyPr/>
-          <a:lstStyle/>
-          <a:p>
-            <a:r>
-              <a:rPr lang="fa-IR" dirty="0"/>
-              <a:t>مساله </a:t>
-            </a:r>
-            <a:r>
-              <a:rPr lang="fa-IR" dirty="0" smtClean="0"/>
-              <a:t>ششم </a:t>
-            </a:r>
-            <a:r>
-              <a:rPr lang="en-US" cap="none" dirty="0" smtClean="0"/>
-              <a:t>Projecteuler.net</a:t>
-            </a:r>
-            <a:endParaRPr lang="en-US" cap="none" dirty="0"/>
-          </a:p>
-        </p:txBody>
-      </p:sp>
-      <p:sp>
-        <p:nvSpPr>
-          <p:cNvPr id="3" name="Content Placeholder 2"/>
-          <p:cNvSpPr>
-            <a:spLocks noGrp="1"/>
-          </p:cNvSpPr>
-          <p:nvPr>
-            <p:ph idx="1"/>
-          </p:nvPr>
-        </p:nvSpPr>
-        <p:spPr/>
-        <p:txBody>
-          <a:bodyPr anchor="t"/>
-          <a:lstStyle/>
-          <a:p>
-            <a:pPr algn="l" rtl="0"/>
-            <a:r>
-              <a:rPr lang="en-US" dirty="0" smtClean="0">
-                <a:latin typeface="Microsoft Sans Serif" panose="020B0604020202020204" pitchFamily="34" charset="0"/>
-                <a:ea typeface="Microsoft Sans Serif" panose="020B0604020202020204" pitchFamily="34" charset="0"/>
-                <a:cs typeface="Microsoft Sans Serif" panose="020B0604020202020204" pitchFamily="34" charset="0"/>
-                <a:hlinkClick r:id="rId2"/>
-              </a:rPr>
-              <a:t>https://projecteuler.net/problem=6</a:t>
-            </a:r>
-            <a:endParaRPr lang="en-US" dirty="0">
-              <a:latin typeface="Microsoft Sans Serif" panose="020B0604020202020204" pitchFamily="34" charset="0"/>
-              <a:ea typeface="Microsoft Sans Serif" panose="020B0604020202020204" pitchFamily="34" charset="0"/>
-              <a:cs typeface="Microsoft Sans Serif" panose="020B0604020202020204" pitchFamily="34" charset="0"/>
-            </a:endParaRPr>
-          </a:p>
-        </p:txBody>
-      </p:sp>
-      <p:sp>
-        <p:nvSpPr>
-          <p:cNvPr id="4" name="Footer Placeholder 3"/>
-          <p:cNvSpPr>
-            <a:spLocks noGrp="1"/>
-          </p:cNvSpPr>
-          <p:nvPr>
-            <p:ph type="ftr" sz="quarter" idx="11"/>
-          </p:nvPr>
-        </p:nvSpPr>
-        <p:spPr/>
-        <p:txBody>
-          <a:bodyPr/>
-          <a:lstStyle/>
-          <a:p>
-            <a:pPr algn="l"/>
-            <a:r>
-              <a:rPr lang="fa-IR" smtClean="0"/>
-              <a:t>سعید محققی </a:t>
-            </a:r>
-            <a:r>
-              <a:rPr lang="en-US" smtClean="0"/>
-              <a:t>Daneshjoy.ir</a:t>
-            </a:r>
-            <a:endParaRPr lang="en-US" dirty="0"/>
-          </a:p>
-        </p:txBody>
-      </p:sp>
-      <p:sp>
-        <p:nvSpPr>
-          <p:cNvPr id="5" name="Slide Number Placeholder 4"/>
-          <p:cNvSpPr>
-            <a:spLocks noGrp="1"/>
-          </p:cNvSpPr>
-          <p:nvPr>
-            <p:ph type="sldNum" sz="quarter" idx="12"/>
-          </p:nvPr>
-        </p:nvSpPr>
-        <p:spPr/>
-        <p:txBody>
-          <a:bodyPr/>
-          <a:lstStyle/>
-          <a:p>
-            <a:fld id="{D57F1E4F-1CFF-5643-939E-217C01CDF565}" type="slidenum">
-              <a:rPr lang="en-US" smtClean="0"/>
-              <a:pPr/>
-              <a:t>30</a:t>
-            </a:fld>
-            <a:endParaRPr lang="en-US" dirty="0"/>
-          </a:p>
-        </p:txBody>
-      </p:sp>
-      <p:pic>
-        <p:nvPicPr>
-          <p:cNvPr id="7" name="Picture 6"/>
-          <p:cNvPicPr>
-            <a:picLocks noChangeAspect="1"/>
-          </p:cNvPicPr>
-          <p:nvPr/>
-        </p:nvPicPr>
-        <p:blipFill>
-          <a:blip r:embed="rId3">
-            <a:extLst>
-              <a:ext uri="{BEBA8EAE-BF5A-486C-A8C5-ECC9F3942E4B}">
-                <a14:imgProps xmlns:a14="http://schemas.microsoft.com/office/drawing/2010/main">
-                  <a14:imgLayer r:embed="rId4">
-                    <a14:imgEffect>
-                      <a14:sharpenSoften amount="25000"/>
-                    </a14:imgEffect>
-                  </a14:imgLayer>
-                </a14:imgProps>
-              </a:ext>
-            </a:extLst>
-          </a:blip>
-          <a:stretch>
-            <a:fillRect/>
-          </a:stretch>
-        </p:blipFill>
-        <p:spPr>
-          <a:xfrm>
-            <a:off x="626161" y="1932389"/>
-            <a:ext cx="11029615" cy="4112738"/>
-          </a:xfrm>
-          <a:prstGeom prst="rect">
-            <a:avLst/>
-          </a:prstGeom>
-        </p:spPr>
-      </p:pic>
-    </p:spTree>
-    <p:extLst>
-      <p:ext uri="{BB962C8B-B14F-4D97-AF65-F5344CB8AC3E}">
-        <p14:creationId xmlns:p14="http://schemas.microsoft.com/office/powerpoint/2010/main" val="239779650"/>
       </p:ext>
     </p:extLst>
   </p:cSld>
@@ -22372,9 +22834,16 @@
             <p:ph idx="1"/>
           </p:nvPr>
         </p:nvSpPr>
-        <p:spPr/>
+        <p:spPr>
+          <a:xfrm>
+            <a:off x="581192" y="3747538"/>
+            <a:ext cx="11029615" cy="2411061"/>
+          </a:xfrm>
+        </p:spPr>
         <p:txBody>
-          <a:bodyPr/>
+          <a:bodyPr>
+            <a:normAutofit/>
+          </a:bodyPr>
           <a:lstStyle/>
           <a:p>
             <a:r>
@@ -22383,15 +22852,50 @@
             </a:r>
             <a:r>
               <a:rPr lang="en-US" dirty="0" smtClean="0"/>
-              <a:t>Stack Overflow</a:t>
-            </a:r>
+              <a:t>Stack </a:t>
+            </a:r>
+            <a:r>
+              <a:rPr lang="en-US" dirty="0" smtClean="0"/>
+              <a:t>Overflow</a:t>
+            </a:r>
+            <a:endParaRPr lang="fa-IR" dirty="0">
+              <a:hlinkClick r:id="rId3" action="ppaction://hlinkfile"/>
+            </a:endParaRPr>
+          </a:p>
+          <a:p>
+            <a:pPr marL="0" indent="0">
+              <a:buNone/>
+            </a:pPr>
+            <a:endParaRPr lang="fa-IR" dirty="0" smtClean="0">
+              <a:hlinkClick r:id="rId3" action="ppaction://hlinkfile"/>
+            </a:endParaRPr>
+          </a:p>
+          <a:p>
+            <a:pPr marL="0" indent="0">
+              <a:buNone/>
+            </a:pPr>
+            <a:endParaRPr lang="fa-IR" dirty="0">
+              <a:hlinkClick r:id="rId3" action="ppaction://hlinkfile"/>
+            </a:endParaRPr>
           </a:p>
           <a:p>
             <a:r>
               <a:rPr lang="en-US" dirty="0" smtClean="0">
-                <a:hlinkClick r:id="rId3"/>
-              </a:rPr>
-              <a:t>https://insights.stackoverflow.com/trends</a:t>
+                <a:hlinkClick r:id="rId3" action="ppaction://hlinkfile"/>
+              </a:rPr>
+              <a:t>insights.stackoverflow.com/</a:t>
+            </a:r>
+            <a:r>
+              <a:rPr lang="en-US" dirty="0" err="1" smtClean="0">
+                <a:hlinkClick r:id="rId3" action="ppaction://hlinkfile"/>
+              </a:rPr>
+              <a:t>trends?tags</a:t>
+            </a:r>
+            <a:r>
+              <a:rPr lang="en-US" dirty="0" smtClean="0">
+                <a:hlinkClick r:id="rId3" action="ppaction://hlinkfile"/>
+              </a:rPr>
+              <a:t>=java%2Cc%2B%2B%2Cpython%2Cc%23%2Cjavascript%2Cmatlab</a:t>
             </a:r>
             <a:endParaRPr lang="en-US" dirty="0" smtClean="0"/>
           </a:p>
@@ -22436,7 +22940,7 @@
           </p:cNvPicPr>
           <p:nvPr/>
         </p:nvPicPr>
-        <p:blipFill>
+        <p:blipFill rotWithShape="1">
           <a:blip r:embed="rId4">
             <a:extLst>
               <a:ext uri="{28A0092B-C50C-407E-A947-70E740481C1C}">
@@ -22444,14 +22948,13 @@
               </a:ext>
             </a:extLst>
           </a:blip>
-          <a:stretch>
-            <a:fillRect/>
-          </a:stretch>
+          <a:srcRect b="8931"/>
+          <a:stretch/>
         </p:blipFill>
         <p:spPr>
           <a:xfrm>
-            <a:off x="254621" y="1658983"/>
-            <a:ext cx="6449923" cy="4199817"/>
+            <a:off x="149690" y="1324122"/>
+            <a:ext cx="6715805" cy="3982396"/>
           </a:xfrm>
           <a:prstGeom prst="rect">
             <a:avLst/>
@@ -22482,6 +22985,45 @@
           </a:p>
         </p:txBody>
       </p:sp>
+      <p:cxnSp>
+        <p:nvCxnSpPr>
+          <p:cNvPr id="8" name="Straight Arrow Connector 7"/>
+          <p:cNvCxnSpPr/>
+          <p:nvPr/>
+        </p:nvCxnSpPr>
+        <p:spPr>
+          <a:xfrm flipH="1">
+            <a:off x="6895475" y="1813809"/>
+            <a:ext cx="359764" cy="0"/>
+          </a:xfrm>
+          <a:prstGeom prst="straightConnector1">
+            <a:avLst/>
+          </a:prstGeom>
+          <a:ln w="38100" cap="flat" cmpd="sng" algn="ctr">
+            <a:solidFill>
+              <a:schemeClr val="accent6"/>
+            </a:solidFill>
+            <a:prstDash val="solid"/>
+            <a:round/>
+            <a:headEnd type="none" w="med" len="med"/>
+            <a:tailEnd type="arrow" w="med" len="med"/>
+          </a:ln>
+        </p:spPr>
+        <p:style>
+          <a:lnRef idx="0">
+            <a:scrgbClr r="0" g="0" b="0"/>
+          </a:lnRef>
+          <a:fillRef idx="0">
+            <a:scrgbClr r="0" g="0" b="0"/>
+          </a:fillRef>
+          <a:effectRef idx="0">
+            <a:scrgbClr r="0" g="0" b="0"/>
+          </a:effectRef>
+          <a:fontRef idx="minor">
+            <a:schemeClr val="tx1"/>
+          </a:fontRef>
+        </p:style>
+      </p:cxnSp>
     </p:spTree>
     <p:extLst>
       <p:ext uri="{BB962C8B-B14F-4D97-AF65-F5344CB8AC3E}">
@@ -23106,7 +23648,11 @@
             </a:r>
             <a:r>
               <a:rPr lang="fa-IR" sz="1800" dirty="0" smtClean="0"/>
-              <a:t>): 	مسئول تبدیل زبان پایتون به زبان ماشین</a:t>
+              <a:t>): 	مسئول تبدیل زبان پایتون به زبان </a:t>
+            </a:r>
+            <a:r>
+              <a:rPr lang="fa-IR" sz="1800" dirty="0" smtClean="0"/>
+              <a:t>کامپیوتر</a:t>
             </a:r>
             <a:r>
               <a:rPr lang="en-US" sz="1800" dirty="0" smtClean="0"/>
